--- a/TA/Presentation1.pptx
+++ b/TA/Presentation1.pptx
@@ -11,6 +11,10 @@
     <p:sldId id="259" r:id="rId5"/>
     <p:sldId id="260" r:id="rId6"/>
     <p:sldId id="261" r:id="rId7"/>
+    <p:sldId id="262" r:id="rId8"/>
+    <p:sldId id="265" r:id="rId9"/>
+    <p:sldId id="263" r:id="rId10"/>
+    <p:sldId id="264" r:id="rId11"/>
   </p:sldIdLst>
   <p:sldSz cx="12192000" cy="6858000"/>
   <p:notesSz cx="6858000" cy="9144000"/>
@@ -117,6 +121,18 @@
 </p:presentation>
 </file>
 
+<file path=ppt/commentAuthors.xml><?xml version="1.0" encoding="utf-8"?>
+<p:cmAuthorLst xmlns:a="http://schemas.openxmlformats.org/drawingml/2006/main" xmlns:r="http://schemas.openxmlformats.org/officeDocument/2006/relationships" xmlns:p="http://schemas.openxmlformats.org/presentationml/2006/main">
+  <p:cmAuthor id="1" name="Jamil Febrian" initials="JF" lastIdx="1" clrIdx="0">
+    <p:extLst>
+      <p:ext uri="{19B8F6BF-5375-455C-9EA6-DF929625EA0E}">
+        <p15:presenceInfo xmlns:p15="http://schemas.microsoft.com/office/powerpoint/2012/main" userId="c89dad802b1a43a2" providerId="Windows Live"/>
+      </p:ext>
+    </p:extLst>
+  </p:cmAuthor>
+</p:cmAuthorLst>
+</file>
+
 <file path=ppt/slideLayouts/slideLayout1.xml><?xml version="1.0" encoding="utf-8"?>
 <p:sldLayout xmlns:a="http://schemas.openxmlformats.org/drawingml/2006/main" xmlns:r="http://schemas.openxmlformats.org/officeDocument/2006/relationships" xmlns:p="http://schemas.openxmlformats.org/presentationml/2006/main" type="title" preserve="1">
   <p:cSld name="Title Slide">
@@ -246,7 +262,7 @@
           <a:p>
             <a:fld id="{76315CAB-369C-435D-9974-29C4323769E1}" type="datetimeFigureOut">
               <a:rPr lang="en-US" smtClean="0"/>
-              <a:t>11/3/2023</a:t>
+              <a:t>11/23/2024</a:t>
             </a:fld>
             <a:endParaRPr lang="en-US"/>
           </a:p>
@@ -414,7 +430,7 @@
           <a:p>
             <a:fld id="{76315CAB-369C-435D-9974-29C4323769E1}" type="datetimeFigureOut">
               <a:rPr lang="en-US" smtClean="0"/>
-              <a:t>11/3/2023</a:t>
+              <a:t>11/23/2024</a:t>
             </a:fld>
             <a:endParaRPr lang="en-US"/>
           </a:p>
@@ -592,7 +608,7 @@
           <a:p>
             <a:fld id="{76315CAB-369C-435D-9974-29C4323769E1}" type="datetimeFigureOut">
               <a:rPr lang="en-US" smtClean="0"/>
-              <a:t>11/3/2023</a:t>
+              <a:t>11/23/2024</a:t>
             </a:fld>
             <a:endParaRPr lang="en-US"/>
           </a:p>
@@ -760,7 +776,7 @@
           <a:p>
             <a:fld id="{76315CAB-369C-435D-9974-29C4323769E1}" type="datetimeFigureOut">
               <a:rPr lang="en-US" smtClean="0"/>
-              <a:t>11/3/2023</a:t>
+              <a:t>11/23/2024</a:t>
             </a:fld>
             <a:endParaRPr lang="en-US"/>
           </a:p>
@@ -1005,7 +1021,7 @@
           <a:p>
             <a:fld id="{76315CAB-369C-435D-9974-29C4323769E1}" type="datetimeFigureOut">
               <a:rPr lang="en-US" smtClean="0"/>
-              <a:t>11/3/2023</a:t>
+              <a:t>11/23/2024</a:t>
             </a:fld>
             <a:endParaRPr lang="en-US"/>
           </a:p>
@@ -1234,7 +1250,7 @@
           <a:p>
             <a:fld id="{76315CAB-369C-435D-9974-29C4323769E1}" type="datetimeFigureOut">
               <a:rPr lang="en-US" smtClean="0"/>
-              <a:t>11/3/2023</a:t>
+              <a:t>11/23/2024</a:t>
             </a:fld>
             <a:endParaRPr lang="en-US"/>
           </a:p>
@@ -1598,7 +1614,7 @@
           <a:p>
             <a:fld id="{76315CAB-369C-435D-9974-29C4323769E1}" type="datetimeFigureOut">
               <a:rPr lang="en-US" smtClean="0"/>
-              <a:t>11/3/2023</a:t>
+              <a:t>11/23/2024</a:t>
             </a:fld>
             <a:endParaRPr lang="en-US"/>
           </a:p>
@@ -1715,7 +1731,7 @@
           <a:p>
             <a:fld id="{76315CAB-369C-435D-9974-29C4323769E1}" type="datetimeFigureOut">
               <a:rPr lang="en-US" smtClean="0"/>
-              <a:t>11/3/2023</a:t>
+              <a:t>11/23/2024</a:t>
             </a:fld>
             <a:endParaRPr lang="en-US"/>
           </a:p>
@@ -1810,7 +1826,7 @@
           <a:p>
             <a:fld id="{76315CAB-369C-435D-9974-29C4323769E1}" type="datetimeFigureOut">
               <a:rPr lang="en-US" smtClean="0"/>
-              <a:t>11/3/2023</a:t>
+              <a:t>11/23/2024</a:t>
             </a:fld>
             <a:endParaRPr lang="en-US"/>
           </a:p>
@@ -2085,7 +2101,7 @@
           <a:p>
             <a:fld id="{76315CAB-369C-435D-9974-29C4323769E1}" type="datetimeFigureOut">
               <a:rPr lang="en-US" smtClean="0"/>
-              <a:t>11/3/2023</a:t>
+              <a:t>11/23/2024</a:t>
             </a:fld>
             <a:endParaRPr lang="en-US"/>
           </a:p>
@@ -2337,7 +2353,7 @@
           <a:p>
             <a:fld id="{76315CAB-369C-435D-9974-29C4323769E1}" type="datetimeFigureOut">
               <a:rPr lang="en-US" smtClean="0"/>
-              <a:t>11/3/2023</a:t>
+              <a:t>11/23/2024</a:t>
             </a:fld>
             <a:endParaRPr lang="en-US"/>
           </a:p>
@@ -2548,7 +2564,7 @@
           <a:p>
             <a:fld id="{76315CAB-369C-435D-9974-29C4323769E1}" type="datetimeFigureOut">
               <a:rPr lang="en-US" smtClean="0"/>
-              <a:t>11/3/2023</a:t>
+              <a:t>11/23/2024</a:t>
             </a:fld>
             <a:endParaRPr lang="en-US"/>
           </a:p>
@@ -5944,6 +5960,2854 @@
 </p:sld>
 </file>
 
+<file path=ppt/slides/slide10.xml><?xml version="1.0" encoding="utf-8"?>
+<p:sld xmlns:a="http://schemas.openxmlformats.org/drawingml/2006/main" xmlns:r="http://schemas.openxmlformats.org/officeDocument/2006/relationships" xmlns:p="http://schemas.openxmlformats.org/presentationml/2006/main">
+  <p:cSld>
+    <p:spTree>
+      <p:nvGrpSpPr>
+        <p:cNvPr id="1" name="">
+          <a:extLst>
+            <a:ext uri="{FF2B5EF4-FFF2-40B4-BE49-F238E27FC236}">
+              <a16:creationId xmlns:a16="http://schemas.microsoft.com/office/drawing/2014/main" id="{7C2EC375-FAD9-BDD3-DA58-72F46EF1B674}"/>
+            </a:ext>
+          </a:extLst>
+        </p:cNvPr>
+        <p:cNvGrpSpPr/>
+        <p:nvPr/>
+      </p:nvGrpSpPr>
+      <p:grpSpPr>
+        <a:xfrm>
+          <a:off x="0" y="0"/>
+          <a:ext cx="0" cy="0"/>
+          <a:chOff x="0" y="0"/>
+          <a:chExt cx="0" cy="0"/>
+        </a:xfrm>
+      </p:grpSpPr>
+      <p:graphicFrame>
+        <p:nvGraphicFramePr>
+          <p:cNvPr id="5" name="Table 4">
+            <a:extLst>
+              <a:ext uri="{FF2B5EF4-FFF2-40B4-BE49-F238E27FC236}">
+                <a16:creationId xmlns:a16="http://schemas.microsoft.com/office/drawing/2014/main" id="{1E550063-EA5C-DF91-C4C7-B516669A50F3}"/>
+              </a:ext>
+            </a:extLst>
+          </p:cNvPr>
+          <p:cNvGraphicFramePr>
+            <a:graphicFrameLocks noGrp="1"/>
+          </p:cNvGraphicFramePr>
+          <p:nvPr>
+            <p:extLst>
+              <p:ext uri="{D42A27DB-BD31-4B8C-83A1-F6EECF244321}">
+                <p14:modId xmlns:p14="http://schemas.microsoft.com/office/powerpoint/2010/main" val="1658905230"/>
+              </p:ext>
+            </p:extLst>
+          </p:nvPr>
+        </p:nvGraphicFramePr>
+        <p:xfrm>
+          <a:off x="520147" y="116114"/>
+          <a:ext cx="4342296" cy="6589486"/>
+        </p:xfrm>
+        <a:graphic>
+          <a:graphicData uri="http://schemas.openxmlformats.org/drawingml/2006/table">
+            <a:tbl>
+              <a:tblPr firstRow="1" bandRow="1">
+                <a:tableStyleId>{5C22544A-7EE6-4342-B048-85BDC9FD1C3A}</a:tableStyleId>
+              </a:tblPr>
+              <a:tblGrid>
+                <a:gridCol w="2171148">
+                  <a:extLst>
+                    <a:ext uri="{9D8B030D-6E8A-4147-A177-3AD203B41FA5}">
+                      <a16:colId xmlns:a16="http://schemas.microsoft.com/office/drawing/2014/main" val="4131807197"/>
+                    </a:ext>
+                  </a:extLst>
+                </a:gridCol>
+                <a:gridCol w="2171148">
+                  <a:extLst>
+                    <a:ext uri="{9D8B030D-6E8A-4147-A177-3AD203B41FA5}">
+                      <a16:colId xmlns:a16="http://schemas.microsoft.com/office/drawing/2014/main" val="1787698036"/>
+                    </a:ext>
+                  </a:extLst>
+                </a:gridCol>
+              </a:tblGrid>
+              <a:tr h="371977">
+                <a:tc>
+                  <a:txBody>
+                    <a:bodyPr/>
+                    <a:lstStyle/>
+                    <a:p>
+                      <a:pPr algn="ctr"/>
+                      <a:r>
+                        <a:rPr lang="en-US" dirty="0">
+                          <a:latin typeface="Times New Roman" panose="02020603050405020304" pitchFamily="18" charset="0"/>
+                          <a:cs typeface="Times New Roman" panose="02020603050405020304" pitchFamily="18" charset="0"/>
+                        </a:rPr>
+                        <a:t>User</a:t>
+                      </a:r>
+                      <a:endParaRPr lang="en-ID" dirty="0">
+                        <a:latin typeface="Times New Roman" panose="02020603050405020304" pitchFamily="18" charset="0"/>
+                        <a:cs typeface="Times New Roman" panose="02020603050405020304" pitchFamily="18" charset="0"/>
+                      </a:endParaRPr>
+                    </a:p>
+                  </a:txBody>
+                  <a:tcPr>
+                    <a:lnL w="12700" cap="flat" cmpd="sng" algn="ctr">
+                      <a:solidFill>
+                        <a:schemeClr val="tx1"/>
+                      </a:solidFill>
+                      <a:prstDash val="solid"/>
+                      <a:round/>
+                      <a:headEnd type="none" w="med" len="med"/>
+                      <a:tailEnd type="none" w="med" len="med"/>
+                    </a:lnL>
+                    <a:lnR w="12700" cap="flat" cmpd="sng" algn="ctr">
+                      <a:solidFill>
+                        <a:schemeClr val="tx1"/>
+                      </a:solidFill>
+                      <a:prstDash val="solid"/>
+                      <a:round/>
+                      <a:headEnd type="none" w="med" len="med"/>
+                      <a:tailEnd type="none" w="med" len="med"/>
+                    </a:lnR>
+                    <a:lnT w="12700" cap="flat" cmpd="sng" algn="ctr">
+                      <a:solidFill>
+                        <a:schemeClr val="tx1"/>
+                      </a:solidFill>
+                      <a:prstDash val="solid"/>
+                      <a:round/>
+                      <a:headEnd type="none" w="med" len="med"/>
+                      <a:tailEnd type="none" w="med" len="med"/>
+                    </a:lnT>
+                    <a:lnB w="12700" cap="flat" cmpd="sng" algn="ctr">
+                      <a:solidFill>
+                        <a:schemeClr val="tx1"/>
+                      </a:solidFill>
+                      <a:prstDash val="solid"/>
+                      <a:round/>
+                      <a:headEnd type="none" w="med" len="med"/>
+                      <a:tailEnd type="none" w="med" len="med"/>
+                    </a:lnB>
+                  </a:tcPr>
+                </a:tc>
+                <a:tc>
+                  <a:txBody>
+                    <a:bodyPr/>
+                    <a:lstStyle/>
+                    <a:p>
+                      <a:pPr algn="ctr"/>
+                      <a:r>
+                        <a:rPr lang="en-US" dirty="0">
+                          <a:latin typeface="Times New Roman" panose="02020603050405020304" pitchFamily="18" charset="0"/>
+                          <a:cs typeface="Times New Roman" panose="02020603050405020304" pitchFamily="18" charset="0"/>
+                        </a:rPr>
+                        <a:t>Drone</a:t>
+                      </a:r>
+                      <a:endParaRPr lang="en-ID" dirty="0">
+                        <a:latin typeface="Times New Roman" panose="02020603050405020304" pitchFamily="18" charset="0"/>
+                        <a:cs typeface="Times New Roman" panose="02020603050405020304" pitchFamily="18" charset="0"/>
+                      </a:endParaRPr>
+                    </a:p>
+                  </a:txBody>
+                  <a:tcPr>
+                    <a:lnL w="12700" cap="flat" cmpd="sng" algn="ctr">
+                      <a:solidFill>
+                        <a:schemeClr val="tx1"/>
+                      </a:solidFill>
+                      <a:prstDash val="solid"/>
+                      <a:round/>
+                      <a:headEnd type="none" w="med" len="med"/>
+                      <a:tailEnd type="none" w="med" len="med"/>
+                    </a:lnL>
+                    <a:lnR w="12700" cap="flat" cmpd="sng" algn="ctr">
+                      <a:solidFill>
+                        <a:schemeClr val="tx1"/>
+                      </a:solidFill>
+                      <a:prstDash val="solid"/>
+                      <a:round/>
+                      <a:headEnd type="none" w="med" len="med"/>
+                      <a:tailEnd type="none" w="med" len="med"/>
+                    </a:lnR>
+                    <a:lnT w="12700" cap="flat" cmpd="sng" algn="ctr">
+                      <a:solidFill>
+                        <a:schemeClr val="tx1"/>
+                      </a:solidFill>
+                      <a:prstDash val="solid"/>
+                      <a:round/>
+                      <a:headEnd type="none" w="med" len="med"/>
+                      <a:tailEnd type="none" w="med" len="med"/>
+                    </a:lnT>
+                    <a:lnB w="12700" cap="flat" cmpd="sng" algn="ctr">
+                      <a:solidFill>
+                        <a:schemeClr val="tx1"/>
+                      </a:solidFill>
+                      <a:prstDash val="solid"/>
+                      <a:round/>
+                      <a:headEnd type="none" w="med" len="med"/>
+                      <a:tailEnd type="none" w="med" len="med"/>
+                    </a:lnB>
+                  </a:tcPr>
+                </a:tc>
+                <a:extLst>
+                  <a:ext uri="{0D108BD9-81ED-4DB2-BD59-A6C34878D82A}">
+                    <a16:rowId xmlns:a16="http://schemas.microsoft.com/office/drawing/2014/main" val="3874889525"/>
+                  </a:ext>
+                </a:extLst>
+              </a:tr>
+              <a:tr h="6217509">
+                <a:tc>
+                  <a:txBody>
+                    <a:bodyPr/>
+                    <a:lstStyle/>
+                    <a:p>
+                      <a:endParaRPr lang="en-ID" dirty="0">
+                        <a:latin typeface="Times New Roman" panose="02020603050405020304" pitchFamily="18" charset="0"/>
+                        <a:cs typeface="Times New Roman" panose="02020603050405020304" pitchFamily="18" charset="0"/>
+                      </a:endParaRPr>
+                    </a:p>
+                  </a:txBody>
+                  <a:tcPr>
+                    <a:lnL w="12700" cap="flat" cmpd="sng" algn="ctr">
+                      <a:solidFill>
+                        <a:schemeClr val="tx1"/>
+                      </a:solidFill>
+                      <a:prstDash val="solid"/>
+                      <a:round/>
+                      <a:headEnd type="none" w="med" len="med"/>
+                      <a:tailEnd type="none" w="med" len="med"/>
+                    </a:lnL>
+                    <a:lnR w="12700" cap="flat" cmpd="sng" algn="ctr">
+                      <a:solidFill>
+                        <a:schemeClr val="tx1"/>
+                      </a:solidFill>
+                      <a:prstDash val="solid"/>
+                      <a:round/>
+                      <a:headEnd type="none" w="med" len="med"/>
+                      <a:tailEnd type="none" w="med" len="med"/>
+                    </a:lnR>
+                    <a:lnT w="12700" cap="flat" cmpd="sng" algn="ctr">
+                      <a:solidFill>
+                        <a:schemeClr val="tx1"/>
+                      </a:solidFill>
+                      <a:prstDash val="solid"/>
+                      <a:round/>
+                      <a:headEnd type="none" w="med" len="med"/>
+                      <a:tailEnd type="none" w="med" len="med"/>
+                    </a:lnT>
+                    <a:lnB w="12700" cap="flat" cmpd="sng" algn="ctr">
+                      <a:solidFill>
+                        <a:schemeClr val="tx1"/>
+                      </a:solidFill>
+                      <a:prstDash val="solid"/>
+                      <a:round/>
+                      <a:headEnd type="none" w="med" len="med"/>
+                      <a:tailEnd type="none" w="med" len="med"/>
+                    </a:lnB>
+                  </a:tcPr>
+                </a:tc>
+                <a:tc>
+                  <a:txBody>
+                    <a:bodyPr/>
+                    <a:lstStyle/>
+                    <a:p>
+                      <a:endParaRPr lang="en-ID" dirty="0"/>
+                    </a:p>
+                  </a:txBody>
+                  <a:tcPr>
+                    <a:lnL w="12700" cap="flat" cmpd="sng" algn="ctr">
+                      <a:solidFill>
+                        <a:schemeClr val="tx1"/>
+                      </a:solidFill>
+                      <a:prstDash val="solid"/>
+                      <a:round/>
+                      <a:headEnd type="none" w="med" len="med"/>
+                      <a:tailEnd type="none" w="med" len="med"/>
+                    </a:lnL>
+                    <a:lnR w="12700" cap="flat" cmpd="sng" algn="ctr">
+                      <a:solidFill>
+                        <a:schemeClr val="tx1"/>
+                      </a:solidFill>
+                      <a:prstDash val="solid"/>
+                      <a:round/>
+                      <a:headEnd type="none" w="med" len="med"/>
+                      <a:tailEnd type="none" w="med" len="med"/>
+                    </a:lnR>
+                    <a:lnT w="12700" cap="flat" cmpd="sng" algn="ctr">
+                      <a:solidFill>
+                        <a:schemeClr val="tx1"/>
+                      </a:solidFill>
+                      <a:prstDash val="solid"/>
+                      <a:round/>
+                      <a:headEnd type="none" w="med" len="med"/>
+                      <a:tailEnd type="none" w="med" len="med"/>
+                    </a:lnT>
+                    <a:lnB w="12700" cap="flat" cmpd="sng" algn="ctr">
+                      <a:solidFill>
+                        <a:schemeClr val="tx1"/>
+                      </a:solidFill>
+                      <a:prstDash val="solid"/>
+                      <a:round/>
+                      <a:headEnd type="none" w="med" len="med"/>
+                      <a:tailEnd type="none" w="med" len="med"/>
+                    </a:lnB>
+                  </a:tcPr>
+                </a:tc>
+                <a:extLst>
+                  <a:ext uri="{0D108BD9-81ED-4DB2-BD59-A6C34878D82A}">
+                    <a16:rowId xmlns:a16="http://schemas.microsoft.com/office/drawing/2014/main" val="3440396359"/>
+                  </a:ext>
+                </a:extLst>
+              </a:tr>
+            </a:tbl>
+          </a:graphicData>
+        </a:graphic>
+      </p:graphicFrame>
+      <p:sp>
+        <p:nvSpPr>
+          <p:cNvPr id="6" name="Oval 5">
+            <a:extLst>
+              <a:ext uri="{FF2B5EF4-FFF2-40B4-BE49-F238E27FC236}">
+                <a16:creationId xmlns:a16="http://schemas.microsoft.com/office/drawing/2014/main" id="{D1BCAB0D-71DE-7BDE-8F59-B7E30097588E}"/>
+              </a:ext>
+            </a:extLst>
+          </p:cNvPr>
+          <p:cNvSpPr/>
+          <p:nvPr/>
+        </p:nvSpPr>
+        <p:spPr>
+          <a:xfrm>
+            <a:off x="1393734" y="611415"/>
+            <a:ext cx="324031" cy="310606"/>
+          </a:xfrm>
+          <a:prstGeom prst="ellipse">
+            <a:avLst/>
+          </a:prstGeom>
+        </p:spPr>
+        <p:style>
+          <a:lnRef idx="2">
+            <a:schemeClr val="dk1">
+              <a:shade val="15000"/>
+            </a:schemeClr>
+          </a:lnRef>
+          <a:fillRef idx="1">
+            <a:schemeClr val="dk1"/>
+          </a:fillRef>
+          <a:effectRef idx="0">
+            <a:schemeClr val="dk1"/>
+          </a:effectRef>
+          <a:fontRef idx="minor">
+            <a:schemeClr val="lt1"/>
+          </a:fontRef>
+        </p:style>
+        <p:txBody>
+          <a:bodyPr rtlCol="0" anchor="ctr"/>
+          <a:lstStyle/>
+          <a:p>
+            <a:pPr algn="ctr"/>
+            <a:endParaRPr lang="en-ID" dirty="0"/>
+          </a:p>
+        </p:txBody>
+      </p:sp>
+      <p:sp>
+        <p:nvSpPr>
+          <p:cNvPr id="7" name="Rectangle: Rounded Corners 6">
+            <a:extLst>
+              <a:ext uri="{FF2B5EF4-FFF2-40B4-BE49-F238E27FC236}">
+                <a16:creationId xmlns:a16="http://schemas.microsoft.com/office/drawing/2014/main" id="{7D8CBAB9-E951-00F1-0FBA-B39B33464CCB}"/>
+              </a:ext>
+            </a:extLst>
+          </p:cNvPr>
+          <p:cNvSpPr/>
+          <p:nvPr/>
+        </p:nvSpPr>
+        <p:spPr>
+          <a:xfrm>
+            <a:off x="706119" y="1264016"/>
+            <a:ext cx="1714502" cy="473344"/>
+          </a:xfrm>
+          <a:prstGeom prst="roundRect">
+            <a:avLst/>
+          </a:prstGeom>
+          <a:ln>
+            <a:solidFill>
+              <a:schemeClr val="tx1"/>
+            </a:solidFill>
+          </a:ln>
+        </p:spPr>
+        <p:style>
+          <a:lnRef idx="2">
+            <a:schemeClr val="accent6"/>
+          </a:lnRef>
+          <a:fillRef idx="1">
+            <a:schemeClr val="lt1"/>
+          </a:fillRef>
+          <a:effectRef idx="0">
+            <a:schemeClr val="accent6"/>
+          </a:effectRef>
+          <a:fontRef idx="minor">
+            <a:schemeClr val="dk1"/>
+          </a:fontRef>
+        </p:style>
+        <p:txBody>
+          <a:bodyPr rtlCol="0" anchor="ctr"/>
+          <a:lstStyle/>
+          <a:p>
+            <a:pPr algn="ctr"/>
+            <a:r>
+              <a:rPr lang="en-US" sz="1400" dirty="0" err="1">
+                <a:latin typeface="Times New Roman" panose="02020603050405020304" pitchFamily="18" charset="0"/>
+                <a:cs typeface="Times New Roman" panose="02020603050405020304" pitchFamily="18" charset="0"/>
+              </a:rPr>
+              <a:t>Menekan</a:t>
+            </a:r>
+            <a:r>
+              <a:rPr lang="en-US" sz="1400" dirty="0">
+                <a:latin typeface="Times New Roman" panose="02020603050405020304" pitchFamily="18" charset="0"/>
+                <a:cs typeface="Times New Roman" panose="02020603050405020304" pitchFamily="18" charset="0"/>
+              </a:rPr>
+              <a:t> </a:t>
+            </a:r>
+            <a:r>
+              <a:rPr lang="en-US" sz="1400" dirty="0" err="1">
+                <a:latin typeface="Times New Roman" panose="02020603050405020304" pitchFamily="18" charset="0"/>
+                <a:cs typeface="Times New Roman" panose="02020603050405020304" pitchFamily="18" charset="0"/>
+              </a:rPr>
+              <a:t>Tombol</a:t>
+            </a:r>
+            <a:r>
+              <a:rPr lang="en-US" sz="1400" dirty="0">
+                <a:latin typeface="Times New Roman" panose="02020603050405020304" pitchFamily="18" charset="0"/>
+                <a:cs typeface="Times New Roman" panose="02020603050405020304" pitchFamily="18" charset="0"/>
+              </a:rPr>
+              <a:t> </a:t>
+            </a:r>
+            <a:r>
+              <a:rPr lang="en-US" sz="1400" dirty="0" err="1">
+                <a:latin typeface="Times New Roman" panose="02020603050405020304" pitchFamily="18" charset="0"/>
+                <a:cs typeface="Times New Roman" panose="02020603050405020304" pitchFamily="18" charset="0"/>
+              </a:rPr>
+              <a:t>Hubungkan</a:t>
+            </a:r>
+            <a:endParaRPr lang="en-ID" sz="1400" dirty="0">
+              <a:latin typeface="Times New Roman" panose="02020603050405020304" pitchFamily="18" charset="0"/>
+              <a:cs typeface="Times New Roman" panose="02020603050405020304" pitchFamily="18" charset="0"/>
+            </a:endParaRPr>
+          </a:p>
+        </p:txBody>
+      </p:sp>
+      <p:cxnSp>
+        <p:nvCxnSpPr>
+          <p:cNvPr id="8" name="Straight Arrow Connector 7">
+            <a:extLst>
+              <a:ext uri="{FF2B5EF4-FFF2-40B4-BE49-F238E27FC236}">
+                <a16:creationId xmlns:a16="http://schemas.microsoft.com/office/drawing/2014/main" id="{F3B335B8-3554-A894-9088-B2C777DA0CD6}"/>
+              </a:ext>
+            </a:extLst>
+          </p:cNvPr>
+          <p:cNvCxnSpPr>
+            <a:cxnSpLocks/>
+            <a:stCxn id="6" idx="4"/>
+            <a:endCxn id="7" idx="0"/>
+          </p:cNvCxnSpPr>
+          <p:nvPr/>
+        </p:nvCxnSpPr>
+        <p:spPr>
+          <a:xfrm>
+            <a:off x="1555750" y="922021"/>
+            <a:ext cx="7620" cy="341995"/>
+          </a:xfrm>
+          <a:prstGeom prst="straightConnector1">
+            <a:avLst/>
+          </a:prstGeom>
+          <a:ln w="28575">
+            <a:solidFill>
+              <a:schemeClr val="tx1"/>
+            </a:solidFill>
+            <a:tailEnd type="triangle"/>
+          </a:ln>
+        </p:spPr>
+        <p:style>
+          <a:lnRef idx="1">
+            <a:schemeClr val="accent1"/>
+          </a:lnRef>
+          <a:fillRef idx="0">
+            <a:schemeClr val="accent1"/>
+          </a:fillRef>
+          <a:effectRef idx="0">
+            <a:schemeClr val="accent1"/>
+          </a:effectRef>
+          <a:fontRef idx="minor">
+            <a:schemeClr val="tx1"/>
+          </a:fontRef>
+        </p:style>
+      </p:cxnSp>
+      <p:sp>
+        <p:nvSpPr>
+          <p:cNvPr id="18" name="Diamond 17">
+            <a:extLst>
+              <a:ext uri="{FF2B5EF4-FFF2-40B4-BE49-F238E27FC236}">
+                <a16:creationId xmlns:a16="http://schemas.microsoft.com/office/drawing/2014/main" id="{9B1C3A68-D002-3868-7334-08A29EF73947}"/>
+              </a:ext>
+            </a:extLst>
+          </p:cNvPr>
+          <p:cNvSpPr/>
+          <p:nvPr/>
+        </p:nvSpPr>
+        <p:spPr>
+          <a:xfrm>
+            <a:off x="3002283" y="1795844"/>
+            <a:ext cx="1742437" cy="703516"/>
+          </a:xfrm>
+          <a:prstGeom prst="diamond">
+            <a:avLst/>
+          </a:prstGeom>
+          <a:ln/>
+        </p:spPr>
+        <p:style>
+          <a:lnRef idx="2">
+            <a:schemeClr val="dk1"/>
+          </a:lnRef>
+          <a:fillRef idx="1">
+            <a:schemeClr val="lt1"/>
+          </a:fillRef>
+          <a:effectRef idx="0">
+            <a:schemeClr val="dk1"/>
+          </a:effectRef>
+          <a:fontRef idx="minor">
+            <a:schemeClr val="dk1"/>
+          </a:fontRef>
+        </p:style>
+        <p:txBody>
+          <a:bodyPr rtlCol="0" anchor="ctr"/>
+          <a:lstStyle/>
+          <a:p>
+            <a:pPr algn="ctr"/>
+            <a:r>
+              <a:rPr lang="en-US" sz="1200" dirty="0" err="1">
+                <a:solidFill>
+                  <a:schemeClr val="tx1"/>
+                </a:solidFill>
+                <a:latin typeface="Times New Roman" panose="02020603050405020304" pitchFamily="18" charset="0"/>
+                <a:cs typeface="Times New Roman" panose="02020603050405020304" pitchFamily="18" charset="0"/>
+              </a:rPr>
+              <a:t>Menghubungkan</a:t>
+            </a:r>
+            <a:r>
+              <a:rPr lang="en-US" sz="1200" dirty="0">
+                <a:solidFill>
+                  <a:schemeClr val="tx1"/>
+                </a:solidFill>
+                <a:latin typeface="Times New Roman" panose="02020603050405020304" pitchFamily="18" charset="0"/>
+                <a:cs typeface="Times New Roman" panose="02020603050405020304" pitchFamily="18" charset="0"/>
+              </a:rPr>
+              <a:t> ke </a:t>
+            </a:r>
+            <a:r>
+              <a:rPr lang="en-US" sz="1200" dirty="0" err="1">
+                <a:solidFill>
+                  <a:schemeClr val="tx1"/>
+                </a:solidFill>
+                <a:latin typeface="Times New Roman" panose="02020603050405020304" pitchFamily="18" charset="0"/>
+                <a:cs typeface="Times New Roman" panose="02020603050405020304" pitchFamily="18" charset="0"/>
+              </a:rPr>
+              <a:t>Sistem</a:t>
+            </a:r>
+            <a:endParaRPr lang="en-US" sz="1200" dirty="0">
+              <a:solidFill>
+                <a:schemeClr val="tx1"/>
+              </a:solidFill>
+              <a:latin typeface="Times New Roman" panose="02020603050405020304" pitchFamily="18" charset="0"/>
+              <a:cs typeface="Times New Roman" panose="02020603050405020304" pitchFamily="18" charset="0"/>
+            </a:endParaRPr>
+          </a:p>
+        </p:txBody>
+      </p:sp>
+      <p:cxnSp>
+        <p:nvCxnSpPr>
+          <p:cNvPr id="20" name="Connector: Elbow 19">
+            <a:extLst>
+              <a:ext uri="{FF2B5EF4-FFF2-40B4-BE49-F238E27FC236}">
+                <a16:creationId xmlns:a16="http://schemas.microsoft.com/office/drawing/2014/main" id="{69E1FCEC-1DE7-55C2-74C9-AACDC658BD03}"/>
+              </a:ext>
+            </a:extLst>
+          </p:cNvPr>
+          <p:cNvCxnSpPr>
+            <a:cxnSpLocks/>
+            <a:stCxn id="7" idx="2"/>
+            <a:endCxn id="18" idx="1"/>
+          </p:cNvCxnSpPr>
+          <p:nvPr/>
+        </p:nvCxnSpPr>
+        <p:spPr>
+          <a:xfrm rot="16200000" flipH="1">
+            <a:off x="2077705" y="1223024"/>
+            <a:ext cx="410242" cy="1438913"/>
+          </a:xfrm>
+          <a:prstGeom prst="bentConnector2">
+            <a:avLst/>
+          </a:prstGeom>
+          <a:ln w="28575">
+            <a:solidFill>
+              <a:schemeClr val="tx1"/>
+            </a:solidFill>
+            <a:tailEnd type="triangle"/>
+          </a:ln>
+        </p:spPr>
+        <p:style>
+          <a:lnRef idx="1">
+            <a:schemeClr val="accent1"/>
+          </a:lnRef>
+          <a:fillRef idx="0">
+            <a:schemeClr val="accent1"/>
+          </a:fillRef>
+          <a:effectRef idx="0">
+            <a:schemeClr val="accent1"/>
+          </a:effectRef>
+          <a:fontRef idx="minor">
+            <a:schemeClr val="tx1"/>
+          </a:fontRef>
+        </p:style>
+      </p:cxnSp>
+      <p:cxnSp>
+        <p:nvCxnSpPr>
+          <p:cNvPr id="22" name="Connector: Elbow 21">
+            <a:extLst>
+              <a:ext uri="{FF2B5EF4-FFF2-40B4-BE49-F238E27FC236}">
+                <a16:creationId xmlns:a16="http://schemas.microsoft.com/office/drawing/2014/main" id="{7EF0B319-8AF8-0214-829A-8853451E2628}"/>
+              </a:ext>
+            </a:extLst>
+          </p:cNvPr>
+          <p:cNvCxnSpPr>
+            <a:cxnSpLocks/>
+            <a:stCxn id="18" idx="0"/>
+            <a:endCxn id="7" idx="3"/>
+          </p:cNvCxnSpPr>
+          <p:nvPr/>
+        </p:nvCxnSpPr>
+        <p:spPr>
+          <a:xfrm rot="16200000" flipV="1">
+            <a:off x="2999484" y="921825"/>
+            <a:ext cx="295156" cy="1452881"/>
+          </a:xfrm>
+          <a:prstGeom prst="bentConnector2">
+            <a:avLst/>
+          </a:prstGeom>
+          <a:ln w="28575">
+            <a:solidFill>
+              <a:schemeClr val="tx1"/>
+            </a:solidFill>
+            <a:tailEnd type="triangle"/>
+          </a:ln>
+        </p:spPr>
+        <p:style>
+          <a:lnRef idx="1">
+            <a:schemeClr val="accent1"/>
+          </a:lnRef>
+          <a:fillRef idx="0">
+            <a:schemeClr val="accent1"/>
+          </a:fillRef>
+          <a:effectRef idx="0">
+            <a:schemeClr val="accent1"/>
+          </a:effectRef>
+          <a:fontRef idx="minor">
+            <a:schemeClr val="tx1"/>
+          </a:fontRef>
+        </p:style>
+      </p:cxnSp>
+      <p:sp>
+        <p:nvSpPr>
+          <p:cNvPr id="27" name="TextBox 26">
+            <a:extLst>
+              <a:ext uri="{FF2B5EF4-FFF2-40B4-BE49-F238E27FC236}">
+                <a16:creationId xmlns:a16="http://schemas.microsoft.com/office/drawing/2014/main" id="{154F1833-8BCE-A15A-387A-6FD70C92D1EE}"/>
+              </a:ext>
+            </a:extLst>
+          </p:cNvPr>
+          <p:cNvSpPr txBox="1"/>
+          <p:nvPr/>
+        </p:nvSpPr>
+        <p:spPr>
+          <a:xfrm>
+            <a:off x="3836671" y="1540530"/>
+            <a:ext cx="746763" cy="276999"/>
+          </a:xfrm>
+          <a:prstGeom prst="rect">
+            <a:avLst/>
+          </a:prstGeom>
+          <a:noFill/>
+        </p:spPr>
+        <p:txBody>
+          <a:bodyPr wrap="square" rtlCol="0">
+            <a:spAutoFit/>
+          </a:bodyPr>
+          <a:lstStyle/>
+          <a:p>
+            <a:r>
+              <a:rPr lang="en-US" sz="1200" dirty="0" err="1"/>
+              <a:t>Tidak</a:t>
+            </a:r>
+            <a:endParaRPr lang="en-ID" sz="1200" dirty="0"/>
+          </a:p>
+        </p:txBody>
+      </p:sp>
+      <p:sp>
+        <p:nvSpPr>
+          <p:cNvPr id="28" name="Rectangle: Rounded Corners 27">
+            <a:extLst>
+              <a:ext uri="{FF2B5EF4-FFF2-40B4-BE49-F238E27FC236}">
+                <a16:creationId xmlns:a16="http://schemas.microsoft.com/office/drawing/2014/main" id="{9A929224-756E-9895-9E94-03D1DFD51B58}"/>
+              </a:ext>
+            </a:extLst>
+          </p:cNvPr>
+          <p:cNvSpPr/>
+          <p:nvPr/>
+        </p:nvSpPr>
+        <p:spPr>
+          <a:xfrm>
+            <a:off x="805179" y="2499360"/>
+            <a:ext cx="1714502" cy="473344"/>
+          </a:xfrm>
+          <a:prstGeom prst="roundRect">
+            <a:avLst/>
+          </a:prstGeom>
+          <a:ln>
+            <a:solidFill>
+              <a:schemeClr val="tx1"/>
+            </a:solidFill>
+          </a:ln>
+        </p:spPr>
+        <p:style>
+          <a:lnRef idx="2">
+            <a:schemeClr val="accent6"/>
+          </a:lnRef>
+          <a:fillRef idx="1">
+            <a:schemeClr val="lt1"/>
+          </a:fillRef>
+          <a:effectRef idx="0">
+            <a:schemeClr val="accent6"/>
+          </a:effectRef>
+          <a:fontRef idx="minor">
+            <a:schemeClr val="dk1"/>
+          </a:fontRef>
+        </p:style>
+        <p:txBody>
+          <a:bodyPr rtlCol="0" anchor="ctr"/>
+          <a:lstStyle/>
+          <a:p>
+            <a:pPr algn="ctr"/>
+            <a:r>
+              <a:rPr lang="en-US" sz="1400" dirty="0" err="1">
+                <a:latin typeface="Times New Roman" panose="02020603050405020304" pitchFamily="18" charset="0"/>
+                <a:cs typeface="Times New Roman" panose="02020603050405020304" pitchFamily="18" charset="0"/>
+              </a:rPr>
+              <a:t>Menekan</a:t>
+            </a:r>
+            <a:r>
+              <a:rPr lang="en-US" sz="1400" dirty="0">
+                <a:latin typeface="Times New Roman" panose="02020603050405020304" pitchFamily="18" charset="0"/>
+                <a:cs typeface="Times New Roman" panose="02020603050405020304" pitchFamily="18" charset="0"/>
+              </a:rPr>
+              <a:t> </a:t>
+            </a:r>
+            <a:r>
+              <a:rPr lang="en-US" sz="1400" dirty="0" err="1">
+                <a:latin typeface="Times New Roman" panose="02020603050405020304" pitchFamily="18" charset="0"/>
+                <a:cs typeface="Times New Roman" panose="02020603050405020304" pitchFamily="18" charset="0"/>
+              </a:rPr>
+              <a:t>Tombol</a:t>
+            </a:r>
+            <a:r>
+              <a:rPr lang="en-US" sz="1400" dirty="0">
+                <a:latin typeface="Times New Roman" panose="02020603050405020304" pitchFamily="18" charset="0"/>
+                <a:cs typeface="Times New Roman" panose="02020603050405020304" pitchFamily="18" charset="0"/>
+              </a:rPr>
+              <a:t> Arming</a:t>
+            </a:r>
+            <a:endParaRPr lang="en-ID" sz="1400" dirty="0">
+              <a:latin typeface="Times New Roman" panose="02020603050405020304" pitchFamily="18" charset="0"/>
+              <a:cs typeface="Times New Roman" panose="02020603050405020304" pitchFamily="18" charset="0"/>
+            </a:endParaRPr>
+          </a:p>
+        </p:txBody>
+      </p:sp>
+      <p:cxnSp>
+        <p:nvCxnSpPr>
+          <p:cNvPr id="29" name="Connector: Elbow 28">
+            <a:extLst>
+              <a:ext uri="{FF2B5EF4-FFF2-40B4-BE49-F238E27FC236}">
+                <a16:creationId xmlns:a16="http://schemas.microsoft.com/office/drawing/2014/main" id="{6C6EE074-9946-9A59-BCA2-B1FD19EADD6A}"/>
+              </a:ext>
+            </a:extLst>
+          </p:cNvPr>
+          <p:cNvCxnSpPr>
+            <a:cxnSpLocks/>
+            <a:stCxn id="18" idx="2"/>
+            <a:endCxn id="28" idx="3"/>
+          </p:cNvCxnSpPr>
+          <p:nvPr/>
+        </p:nvCxnSpPr>
+        <p:spPr>
+          <a:xfrm rot="5400000">
+            <a:off x="3078256" y="1940786"/>
+            <a:ext cx="236672" cy="1353821"/>
+          </a:xfrm>
+          <a:prstGeom prst="bentConnector2">
+            <a:avLst/>
+          </a:prstGeom>
+          <a:ln w="28575">
+            <a:solidFill>
+              <a:schemeClr val="tx1"/>
+            </a:solidFill>
+            <a:tailEnd type="triangle"/>
+          </a:ln>
+        </p:spPr>
+        <p:style>
+          <a:lnRef idx="1">
+            <a:schemeClr val="accent1"/>
+          </a:lnRef>
+          <a:fillRef idx="0">
+            <a:schemeClr val="accent1"/>
+          </a:fillRef>
+          <a:effectRef idx="0">
+            <a:schemeClr val="accent1"/>
+          </a:effectRef>
+          <a:fontRef idx="minor">
+            <a:schemeClr val="tx1"/>
+          </a:fontRef>
+        </p:style>
+      </p:cxnSp>
+      <p:sp>
+        <p:nvSpPr>
+          <p:cNvPr id="32" name="TextBox 31">
+            <a:extLst>
+              <a:ext uri="{FF2B5EF4-FFF2-40B4-BE49-F238E27FC236}">
+                <a16:creationId xmlns:a16="http://schemas.microsoft.com/office/drawing/2014/main" id="{856CB869-2931-784E-51BF-8E7B33BA0F1C}"/>
+              </a:ext>
+            </a:extLst>
+          </p:cNvPr>
+          <p:cNvSpPr txBox="1"/>
+          <p:nvPr/>
+        </p:nvSpPr>
+        <p:spPr>
+          <a:xfrm>
+            <a:off x="3851912" y="2459033"/>
+            <a:ext cx="746763" cy="276999"/>
+          </a:xfrm>
+          <a:prstGeom prst="rect">
+            <a:avLst/>
+          </a:prstGeom>
+          <a:noFill/>
+        </p:spPr>
+        <p:txBody>
+          <a:bodyPr wrap="square" rtlCol="0">
+            <a:spAutoFit/>
+          </a:bodyPr>
+          <a:lstStyle/>
+          <a:p>
+            <a:r>
+              <a:rPr lang="en-US" sz="1200" dirty="0"/>
+              <a:t>Ya</a:t>
+            </a:r>
+            <a:endParaRPr lang="en-ID" sz="1200" dirty="0"/>
+          </a:p>
+        </p:txBody>
+      </p:sp>
+      <p:sp>
+        <p:nvSpPr>
+          <p:cNvPr id="33" name="Rectangle: Rounded Corners 32">
+            <a:extLst>
+              <a:ext uri="{FF2B5EF4-FFF2-40B4-BE49-F238E27FC236}">
+                <a16:creationId xmlns:a16="http://schemas.microsoft.com/office/drawing/2014/main" id="{AB822503-59EF-0E3F-B9A0-47A539A81FEC}"/>
+              </a:ext>
+            </a:extLst>
+          </p:cNvPr>
+          <p:cNvSpPr/>
+          <p:nvPr/>
+        </p:nvSpPr>
+        <p:spPr>
+          <a:xfrm>
+            <a:off x="2892429" y="2929345"/>
+            <a:ext cx="1714502" cy="473344"/>
+          </a:xfrm>
+          <a:prstGeom prst="roundRect">
+            <a:avLst/>
+          </a:prstGeom>
+          <a:ln>
+            <a:solidFill>
+              <a:schemeClr val="tx1"/>
+            </a:solidFill>
+          </a:ln>
+        </p:spPr>
+        <p:style>
+          <a:lnRef idx="2">
+            <a:schemeClr val="accent6"/>
+          </a:lnRef>
+          <a:fillRef idx="1">
+            <a:schemeClr val="lt1"/>
+          </a:fillRef>
+          <a:effectRef idx="0">
+            <a:schemeClr val="accent6"/>
+          </a:effectRef>
+          <a:fontRef idx="minor">
+            <a:schemeClr val="dk1"/>
+          </a:fontRef>
+        </p:style>
+        <p:txBody>
+          <a:bodyPr rtlCol="0" anchor="ctr"/>
+          <a:lstStyle/>
+          <a:p>
+            <a:pPr algn="ctr"/>
+            <a:r>
+              <a:rPr lang="en-US" sz="1400" dirty="0">
+                <a:latin typeface="Times New Roman" panose="02020603050405020304" pitchFamily="18" charset="0"/>
+                <a:cs typeface="Times New Roman" panose="02020603050405020304" pitchFamily="18" charset="0"/>
+              </a:rPr>
+              <a:t>Motor </a:t>
+            </a:r>
+            <a:r>
+              <a:rPr lang="en-US" sz="1400" dirty="0" err="1">
+                <a:latin typeface="Times New Roman" panose="02020603050405020304" pitchFamily="18" charset="0"/>
+                <a:cs typeface="Times New Roman" panose="02020603050405020304" pitchFamily="18" charset="0"/>
+              </a:rPr>
+              <a:t>Dinyalakan</a:t>
+            </a:r>
+            <a:endParaRPr lang="en-ID" sz="1400" dirty="0">
+              <a:latin typeface="Times New Roman" panose="02020603050405020304" pitchFamily="18" charset="0"/>
+              <a:cs typeface="Times New Roman" panose="02020603050405020304" pitchFamily="18" charset="0"/>
+            </a:endParaRPr>
+          </a:p>
+        </p:txBody>
+      </p:sp>
+      <p:cxnSp>
+        <p:nvCxnSpPr>
+          <p:cNvPr id="34" name="Connector: Elbow 33">
+            <a:extLst>
+              <a:ext uri="{FF2B5EF4-FFF2-40B4-BE49-F238E27FC236}">
+                <a16:creationId xmlns:a16="http://schemas.microsoft.com/office/drawing/2014/main" id="{C398DDB4-C6F4-D278-7C77-141292670019}"/>
+              </a:ext>
+            </a:extLst>
+          </p:cNvPr>
+          <p:cNvCxnSpPr>
+            <a:cxnSpLocks/>
+            <a:stCxn id="28" idx="2"/>
+            <a:endCxn id="33" idx="1"/>
+          </p:cNvCxnSpPr>
+          <p:nvPr/>
+        </p:nvCxnSpPr>
+        <p:spPr>
+          <a:xfrm rot="16200000" flipH="1">
+            <a:off x="2180773" y="2454360"/>
+            <a:ext cx="193313" cy="1229999"/>
+          </a:xfrm>
+          <a:prstGeom prst="bentConnector2">
+            <a:avLst/>
+          </a:prstGeom>
+          <a:ln w="28575">
+            <a:solidFill>
+              <a:schemeClr val="tx1"/>
+            </a:solidFill>
+            <a:tailEnd type="triangle"/>
+          </a:ln>
+        </p:spPr>
+        <p:style>
+          <a:lnRef idx="1">
+            <a:schemeClr val="accent1"/>
+          </a:lnRef>
+          <a:fillRef idx="0">
+            <a:schemeClr val="accent1"/>
+          </a:fillRef>
+          <a:effectRef idx="0">
+            <a:schemeClr val="accent1"/>
+          </a:effectRef>
+          <a:fontRef idx="minor">
+            <a:schemeClr val="tx1"/>
+          </a:fontRef>
+        </p:style>
+      </p:cxnSp>
+      <p:sp>
+        <p:nvSpPr>
+          <p:cNvPr id="37" name="Rectangle: Rounded Corners 36">
+            <a:extLst>
+              <a:ext uri="{FF2B5EF4-FFF2-40B4-BE49-F238E27FC236}">
+                <a16:creationId xmlns:a16="http://schemas.microsoft.com/office/drawing/2014/main" id="{194A0BC7-5D2B-1590-FB5E-51C73A91358B}"/>
+              </a:ext>
+            </a:extLst>
+          </p:cNvPr>
+          <p:cNvSpPr/>
+          <p:nvPr/>
+        </p:nvSpPr>
+        <p:spPr>
+          <a:xfrm>
+            <a:off x="860514" y="3363421"/>
+            <a:ext cx="1714502" cy="473344"/>
+          </a:xfrm>
+          <a:prstGeom prst="roundRect">
+            <a:avLst/>
+          </a:prstGeom>
+          <a:ln>
+            <a:solidFill>
+              <a:schemeClr val="tx1"/>
+            </a:solidFill>
+          </a:ln>
+        </p:spPr>
+        <p:style>
+          <a:lnRef idx="2">
+            <a:schemeClr val="accent6"/>
+          </a:lnRef>
+          <a:fillRef idx="1">
+            <a:schemeClr val="lt1"/>
+          </a:fillRef>
+          <a:effectRef idx="0">
+            <a:schemeClr val="accent6"/>
+          </a:effectRef>
+          <a:fontRef idx="minor">
+            <a:schemeClr val="dk1"/>
+          </a:fontRef>
+        </p:style>
+        <p:txBody>
+          <a:bodyPr rtlCol="0" anchor="ctr"/>
+          <a:lstStyle/>
+          <a:p>
+            <a:pPr algn="ctr"/>
+            <a:r>
+              <a:rPr lang="en-US" sz="1400" dirty="0" err="1">
+                <a:latin typeface="Times New Roman" panose="02020603050405020304" pitchFamily="18" charset="0"/>
+                <a:cs typeface="Times New Roman" panose="02020603050405020304" pitchFamily="18" charset="0"/>
+              </a:rPr>
+              <a:t>Atur</a:t>
+            </a:r>
+            <a:r>
+              <a:rPr lang="en-US" sz="1400" dirty="0">
+                <a:latin typeface="Times New Roman" panose="02020603050405020304" pitchFamily="18" charset="0"/>
+                <a:cs typeface="Times New Roman" panose="02020603050405020304" pitchFamily="18" charset="0"/>
+              </a:rPr>
+              <a:t> Jarak </a:t>
+            </a:r>
+            <a:r>
+              <a:rPr lang="en-US" sz="1400" dirty="0" err="1">
+                <a:latin typeface="Times New Roman" panose="02020603050405020304" pitchFamily="18" charset="0"/>
+                <a:cs typeface="Times New Roman" panose="02020603050405020304" pitchFamily="18" charset="0"/>
+              </a:rPr>
+              <a:t>Memulai</a:t>
+            </a:r>
+            <a:r>
+              <a:rPr lang="en-US" sz="1400" dirty="0">
+                <a:latin typeface="Times New Roman" panose="02020603050405020304" pitchFamily="18" charset="0"/>
+                <a:cs typeface="Times New Roman" panose="02020603050405020304" pitchFamily="18" charset="0"/>
+              </a:rPr>
+              <a:t> </a:t>
+            </a:r>
+            <a:r>
+              <a:rPr lang="en-US" sz="1400" dirty="0" err="1">
+                <a:latin typeface="Times New Roman" panose="02020603050405020304" pitchFamily="18" charset="0"/>
+                <a:cs typeface="Times New Roman" panose="02020603050405020304" pitchFamily="18" charset="0"/>
+              </a:rPr>
+              <a:t>Semprotan</a:t>
+            </a:r>
+            <a:endParaRPr lang="en-ID" sz="1400" dirty="0">
+              <a:latin typeface="Times New Roman" panose="02020603050405020304" pitchFamily="18" charset="0"/>
+              <a:cs typeface="Times New Roman" panose="02020603050405020304" pitchFamily="18" charset="0"/>
+            </a:endParaRPr>
+          </a:p>
+        </p:txBody>
+      </p:sp>
+      <p:cxnSp>
+        <p:nvCxnSpPr>
+          <p:cNvPr id="3" name="Connector: Elbow 2">
+            <a:extLst>
+              <a:ext uri="{FF2B5EF4-FFF2-40B4-BE49-F238E27FC236}">
+                <a16:creationId xmlns:a16="http://schemas.microsoft.com/office/drawing/2014/main" id="{E69A652D-B66B-9C0C-A8BD-BE3CD7BAC896}"/>
+              </a:ext>
+            </a:extLst>
+          </p:cNvPr>
+          <p:cNvCxnSpPr>
+            <a:cxnSpLocks/>
+            <a:stCxn id="33" idx="2"/>
+            <a:endCxn id="37" idx="3"/>
+          </p:cNvCxnSpPr>
+          <p:nvPr/>
+        </p:nvCxnSpPr>
+        <p:spPr>
+          <a:xfrm rot="5400000">
+            <a:off x="3063646" y="2914059"/>
+            <a:ext cx="197404" cy="1174664"/>
+          </a:xfrm>
+          <a:prstGeom prst="bentConnector2">
+            <a:avLst/>
+          </a:prstGeom>
+          <a:ln w="28575">
+            <a:solidFill>
+              <a:schemeClr val="tx1"/>
+            </a:solidFill>
+            <a:tailEnd type="triangle"/>
+          </a:ln>
+        </p:spPr>
+        <p:style>
+          <a:lnRef idx="1">
+            <a:schemeClr val="accent1"/>
+          </a:lnRef>
+          <a:fillRef idx="0">
+            <a:schemeClr val="accent1"/>
+          </a:fillRef>
+          <a:effectRef idx="0">
+            <a:schemeClr val="accent1"/>
+          </a:effectRef>
+          <a:fontRef idx="minor">
+            <a:schemeClr val="tx1"/>
+          </a:fontRef>
+        </p:style>
+      </p:cxnSp>
+      <p:cxnSp>
+        <p:nvCxnSpPr>
+          <p:cNvPr id="10" name="Connector: Elbow 9">
+            <a:extLst>
+              <a:ext uri="{FF2B5EF4-FFF2-40B4-BE49-F238E27FC236}">
+                <a16:creationId xmlns:a16="http://schemas.microsoft.com/office/drawing/2014/main" id="{681A452B-8666-CEA9-34B5-45251EEA4174}"/>
+              </a:ext>
+            </a:extLst>
+          </p:cNvPr>
+          <p:cNvCxnSpPr>
+            <a:cxnSpLocks/>
+            <a:stCxn id="4" idx="2"/>
+            <a:endCxn id="2" idx="1"/>
+          </p:cNvCxnSpPr>
+          <p:nvPr/>
+        </p:nvCxnSpPr>
+        <p:spPr>
+          <a:xfrm rot="16200000" flipH="1">
+            <a:off x="2211021" y="4015277"/>
+            <a:ext cx="188151" cy="1174665"/>
+          </a:xfrm>
+          <a:prstGeom prst="bentConnector2">
+            <a:avLst/>
+          </a:prstGeom>
+          <a:ln w="28575">
+            <a:solidFill>
+              <a:schemeClr val="tx1"/>
+            </a:solidFill>
+            <a:tailEnd type="triangle"/>
+          </a:ln>
+        </p:spPr>
+        <p:style>
+          <a:lnRef idx="1">
+            <a:schemeClr val="accent1"/>
+          </a:lnRef>
+          <a:fillRef idx="0">
+            <a:schemeClr val="accent1"/>
+          </a:fillRef>
+          <a:effectRef idx="0">
+            <a:schemeClr val="accent1"/>
+          </a:effectRef>
+          <a:fontRef idx="minor">
+            <a:schemeClr val="tx1"/>
+          </a:fontRef>
+        </p:style>
+      </p:cxnSp>
+      <p:sp>
+        <p:nvSpPr>
+          <p:cNvPr id="4" name="Rectangle: Rounded Corners 3">
+            <a:extLst>
+              <a:ext uri="{FF2B5EF4-FFF2-40B4-BE49-F238E27FC236}">
+                <a16:creationId xmlns:a16="http://schemas.microsoft.com/office/drawing/2014/main" id="{71DB7007-4DDD-B1A6-00EE-832654F95FE0}"/>
+              </a:ext>
+            </a:extLst>
+          </p:cNvPr>
+          <p:cNvSpPr/>
+          <p:nvPr/>
+        </p:nvSpPr>
+        <p:spPr>
+          <a:xfrm>
+            <a:off x="860513" y="4035191"/>
+            <a:ext cx="1714502" cy="473344"/>
+          </a:xfrm>
+          <a:prstGeom prst="roundRect">
+            <a:avLst/>
+          </a:prstGeom>
+          <a:ln>
+            <a:solidFill>
+              <a:schemeClr val="tx1"/>
+            </a:solidFill>
+          </a:ln>
+        </p:spPr>
+        <p:style>
+          <a:lnRef idx="2">
+            <a:schemeClr val="accent6"/>
+          </a:lnRef>
+          <a:fillRef idx="1">
+            <a:schemeClr val="lt1"/>
+          </a:fillRef>
+          <a:effectRef idx="0">
+            <a:schemeClr val="accent6"/>
+          </a:effectRef>
+          <a:fontRef idx="minor">
+            <a:schemeClr val="dk1"/>
+          </a:fontRef>
+        </p:style>
+        <p:txBody>
+          <a:bodyPr rtlCol="0" anchor="ctr"/>
+          <a:lstStyle/>
+          <a:p>
+            <a:pPr algn="ctr"/>
+            <a:r>
+              <a:rPr lang="en-US" sz="1400" dirty="0">
+                <a:latin typeface="Times New Roman" panose="02020603050405020304" pitchFamily="18" charset="0"/>
+                <a:cs typeface="Times New Roman" panose="02020603050405020304" pitchFamily="18" charset="0"/>
+              </a:rPr>
+              <a:t>Set Mode Auto</a:t>
+            </a:r>
+            <a:endParaRPr lang="en-ID" sz="1400" dirty="0">
+              <a:latin typeface="Times New Roman" panose="02020603050405020304" pitchFamily="18" charset="0"/>
+              <a:cs typeface="Times New Roman" panose="02020603050405020304" pitchFamily="18" charset="0"/>
+            </a:endParaRPr>
+          </a:p>
+        </p:txBody>
+      </p:sp>
+      <p:cxnSp>
+        <p:nvCxnSpPr>
+          <p:cNvPr id="9" name="Straight Arrow Connector 8">
+            <a:extLst>
+              <a:ext uri="{FF2B5EF4-FFF2-40B4-BE49-F238E27FC236}">
+                <a16:creationId xmlns:a16="http://schemas.microsoft.com/office/drawing/2014/main" id="{5FB1AEDC-BA6A-B507-6B1C-A018FE7760BE}"/>
+              </a:ext>
+            </a:extLst>
+          </p:cNvPr>
+          <p:cNvCxnSpPr>
+            <a:cxnSpLocks/>
+            <a:stCxn id="37" idx="2"/>
+            <a:endCxn id="4" idx="0"/>
+          </p:cNvCxnSpPr>
+          <p:nvPr/>
+        </p:nvCxnSpPr>
+        <p:spPr>
+          <a:xfrm flipH="1">
+            <a:off x="1717764" y="3836765"/>
+            <a:ext cx="1" cy="198426"/>
+          </a:xfrm>
+          <a:prstGeom prst="straightConnector1">
+            <a:avLst/>
+          </a:prstGeom>
+          <a:ln w="28575">
+            <a:solidFill>
+              <a:schemeClr val="tx1"/>
+            </a:solidFill>
+            <a:tailEnd type="triangle"/>
+          </a:ln>
+        </p:spPr>
+        <p:style>
+          <a:lnRef idx="1">
+            <a:schemeClr val="accent1"/>
+          </a:lnRef>
+          <a:fillRef idx="0">
+            <a:schemeClr val="accent1"/>
+          </a:fillRef>
+          <a:effectRef idx="0">
+            <a:schemeClr val="accent1"/>
+          </a:effectRef>
+          <a:fontRef idx="minor">
+            <a:schemeClr val="tx1"/>
+          </a:fontRef>
+        </p:style>
+      </p:cxnSp>
+      <p:sp>
+        <p:nvSpPr>
+          <p:cNvPr id="30" name="Rectangle: Rounded Corners 29">
+            <a:extLst>
+              <a:ext uri="{FF2B5EF4-FFF2-40B4-BE49-F238E27FC236}">
+                <a16:creationId xmlns:a16="http://schemas.microsoft.com/office/drawing/2014/main" id="{7B7EEFF3-B5F0-BE76-C905-C06181EC7876}"/>
+              </a:ext>
+            </a:extLst>
+          </p:cNvPr>
+          <p:cNvSpPr/>
+          <p:nvPr/>
+        </p:nvSpPr>
+        <p:spPr>
+          <a:xfrm>
+            <a:off x="849037" y="4943631"/>
+            <a:ext cx="1714502" cy="473344"/>
+          </a:xfrm>
+          <a:prstGeom prst="roundRect">
+            <a:avLst/>
+          </a:prstGeom>
+          <a:ln>
+            <a:solidFill>
+              <a:schemeClr val="tx1"/>
+            </a:solidFill>
+          </a:ln>
+        </p:spPr>
+        <p:style>
+          <a:lnRef idx="2">
+            <a:schemeClr val="accent6"/>
+          </a:lnRef>
+          <a:fillRef idx="1">
+            <a:schemeClr val="lt1"/>
+          </a:fillRef>
+          <a:effectRef idx="0">
+            <a:schemeClr val="accent6"/>
+          </a:effectRef>
+          <a:fontRef idx="minor">
+            <a:schemeClr val="dk1"/>
+          </a:fontRef>
+        </p:style>
+        <p:txBody>
+          <a:bodyPr rtlCol="0" anchor="ctr"/>
+          <a:lstStyle/>
+          <a:p>
+            <a:pPr algn="ctr"/>
+            <a:r>
+              <a:rPr lang="en-US" sz="1400" dirty="0" err="1">
+                <a:latin typeface="Times New Roman" panose="02020603050405020304" pitchFamily="18" charset="0"/>
+                <a:cs typeface="Times New Roman" panose="02020603050405020304" pitchFamily="18" charset="0"/>
+              </a:rPr>
+              <a:t>Menekan</a:t>
+            </a:r>
+            <a:r>
+              <a:rPr lang="en-US" sz="1400" dirty="0">
+                <a:latin typeface="Times New Roman" panose="02020603050405020304" pitchFamily="18" charset="0"/>
+                <a:cs typeface="Times New Roman" panose="02020603050405020304" pitchFamily="18" charset="0"/>
+              </a:rPr>
+              <a:t> </a:t>
+            </a:r>
+            <a:r>
+              <a:rPr lang="en-US" sz="1400" dirty="0" err="1">
+                <a:latin typeface="Times New Roman" panose="02020603050405020304" pitchFamily="18" charset="0"/>
+                <a:cs typeface="Times New Roman" panose="02020603050405020304" pitchFamily="18" charset="0"/>
+              </a:rPr>
+              <a:t>Tombol</a:t>
+            </a:r>
+            <a:r>
+              <a:rPr lang="en-US" sz="1400" dirty="0">
+                <a:latin typeface="Times New Roman" panose="02020603050405020304" pitchFamily="18" charset="0"/>
+                <a:cs typeface="Times New Roman" panose="02020603050405020304" pitchFamily="18" charset="0"/>
+              </a:rPr>
+              <a:t> Spray</a:t>
+            </a:r>
+            <a:endParaRPr lang="en-ID" sz="1400" dirty="0">
+              <a:latin typeface="Times New Roman" panose="02020603050405020304" pitchFamily="18" charset="0"/>
+              <a:cs typeface="Times New Roman" panose="02020603050405020304" pitchFamily="18" charset="0"/>
+            </a:endParaRPr>
+          </a:p>
+        </p:txBody>
+      </p:sp>
+      <p:sp>
+        <p:nvSpPr>
+          <p:cNvPr id="24" name="Diamond 23">
+            <a:extLst>
+              <a:ext uri="{FF2B5EF4-FFF2-40B4-BE49-F238E27FC236}">
+                <a16:creationId xmlns:a16="http://schemas.microsoft.com/office/drawing/2014/main" id="{06462744-4110-8DFB-3126-614EB200664B}"/>
+              </a:ext>
+            </a:extLst>
+          </p:cNvPr>
+          <p:cNvSpPr/>
+          <p:nvPr/>
+        </p:nvSpPr>
+        <p:spPr>
+          <a:xfrm>
+            <a:off x="2878461" y="5180303"/>
+            <a:ext cx="1742437" cy="703516"/>
+          </a:xfrm>
+          <a:prstGeom prst="diamond">
+            <a:avLst/>
+          </a:prstGeom>
+          <a:ln/>
+        </p:spPr>
+        <p:style>
+          <a:lnRef idx="2">
+            <a:schemeClr val="dk1"/>
+          </a:lnRef>
+          <a:fillRef idx="1">
+            <a:schemeClr val="lt1"/>
+          </a:fillRef>
+          <a:effectRef idx="0">
+            <a:schemeClr val="dk1"/>
+          </a:effectRef>
+          <a:fontRef idx="minor">
+            <a:schemeClr val="dk1"/>
+          </a:fontRef>
+        </p:style>
+        <p:txBody>
+          <a:bodyPr rtlCol="0" anchor="ctr"/>
+          <a:lstStyle/>
+          <a:p>
+            <a:pPr algn="ctr"/>
+            <a:r>
+              <a:rPr lang="en-US" sz="1200" dirty="0">
+                <a:solidFill>
+                  <a:schemeClr val="tx1"/>
+                </a:solidFill>
+                <a:latin typeface="Times New Roman" panose="02020603050405020304" pitchFamily="18" charset="0"/>
+                <a:cs typeface="Times New Roman" panose="02020603050405020304" pitchFamily="18" charset="0"/>
+              </a:rPr>
+              <a:t>Jarak </a:t>
+            </a:r>
+            <a:r>
+              <a:rPr lang="en-US" sz="1200" dirty="0" err="1">
+                <a:solidFill>
+                  <a:schemeClr val="tx1"/>
+                </a:solidFill>
+                <a:latin typeface="Times New Roman" panose="02020603050405020304" pitchFamily="18" charset="0"/>
+                <a:cs typeface="Times New Roman" panose="02020603050405020304" pitchFamily="18" charset="0"/>
+              </a:rPr>
+              <a:t>Semprotan</a:t>
+            </a:r>
+            <a:endParaRPr lang="en-US" sz="1200" dirty="0">
+              <a:solidFill>
+                <a:schemeClr val="tx1"/>
+              </a:solidFill>
+              <a:latin typeface="Times New Roman" panose="02020603050405020304" pitchFamily="18" charset="0"/>
+              <a:cs typeface="Times New Roman" panose="02020603050405020304" pitchFamily="18" charset="0"/>
+            </a:endParaRPr>
+          </a:p>
+        </p:txBody>
+      </p:sp>
+      <p:sp>
+        <p:nvSpPr>
+          <p:cNvPr id="2" name="Rectangle: Rounded Corners 1">
+            <a:extLst>
+              <a:ext uri="{FF2B5EF4-FFF2-40B4-BE49-F238E27FC236}">
+                <a16:creationId xmlns:a16="http://schemas.microsoft.com/office/drawing/2014/main" id="{51927CAF-1AF9-E3FA-5D34-25D2B86B41F1}"/>
+              </a:ext>
+            </a:extLst>
+          </p:cNvPr>
+          <p:cNvSpPr/>
+          <p:nvPr/>
+        </p:nvSpPr>
+        <p:spPr>
+          <a:xfrm>
+            <a:off x="2892429" y="4358641"/>
+            <a:ext cx="1714502" cy="676089"/>
+          </a:xfrm>
+          <a:prstGeom prst="roundRect">
+            <a:avLst/>
+          </a:prstGeom>
+          <a:ln>
+            <a:solidFill>
+              <a:schemeClr val="tx1"/>
+            </a:solidFill>
+          </a:ln>
+        </p:spPr>
+        <p:style>
+          <a:lnRef idx="2">
+            <a:schemeClr val="accent6"/>
+          </a:lnRef>
+          <a:fillRef idx="1">
+            <a:schemeClr val="lt1"/>
+          </a:fillRef>
+          <a:effectRef idx="0">
+            <a:schemeClr val="accent6"/>
+          </a:effectRef>
+          <a:fontRef idx="minor">
+            <a:schemeClr val="dk1"/>
+          </a:fontRef>
+        </p:style>
+        <p:txBody>
+          <a:bodyPr rtlCol="0" anchor="ctr"/>
+          <a:lstStyle/>
+          <a:p>
+            <a:pPr algn="ctr"/>
+            <a:r>
+              <a:rPr lang="en-US" sz="1400" dirty="0">
+                <a:latin typeface="Times New Roman" panose="02020603050405020304" pitchFamily="18" charset="0"/>
+                <a:cs typeface="Times New Roman" panose="02020603050405020304" pitchFamily="18" charset="0"/>
+              </a:rPr>
+              <a:t>Drone Terbang </a:t>
+            </a:r>
+            <a:r>
+              <a:rPr lang="en-US" sz="1400" dirty="0" err="1">
+                <a:latin typeface="Times New Roman" panose="02020603050405020304" pitchFamily="18" charset="0"/>
+                <a:cs typeface="Times New Roman" panose="02020603050405020304" pitchFamily="18" charset="0"/>
+              </a:rPr>
+              <a:t>Mengikuti</a:t>
+            </a:r>
+            <a:r>
+              <a:rPr lang="en-US" sz="1400" dirty="0">
+                <a:latin typeface="Times New Roman" panose="02020603050405020304" pitchFamily="18" charset="0"/>
+                <a:cs typeface="Times New Roman" panose="02020603050405020304" pitchFamily="18" charset="0"/>
+              </a:rPr>
+              <a:t> Jalur Terbang</a:t>
+            </a:r>
+            <a:endParaRPr lang="en-ID" sz="1400" dirty="0">
+              <a:latin typeface="Times New Roman" panose="02020603050405020304" pitchFamily="18" charset="0"/>
+              <a:cs typeface="Times New Roman" panose="02020603050405020304" pitchFamily="18" charset="0"/>
+            </a:endParaRPr>
+          </a:p>
+        </p:txBody>
+      </p:sp>
+      <p:cxnSp>
+        <p:nvCxnSpPr>
+          <p:cNvPr id="36" name="Straight Arrow Connector 35">
+            <a:extLst>
+              <a:ext uri="{FF2B5EF4-FFF2-40B4-BE49-F238E27FC236}">
+                <a16:creationId xmlns:a16="http://schemas.microsoft.com/office/drawing/2014/main" id="{0254DC9B-513B-7333-14C8-74E200C4FA3A}"/>
+              </a:ext>
+            </a:extLst>
+          </p:cNvPr>
+          <p:cNvCxnSpPr>
+            <a:cxnSpLocks/>
+            <a:stCxn id="2" idx="2"/>
+            <a:endCxn id="24" idx="0"/>
+          </p:cNvCxnSpPr>
+          <p:nvPr/>
+        </p:nvCxnSpPr>
+        <p:spPr>
+          <a:xfrm>
+            <a:off x="3749680" y="5034730"/>
+            <a:ext cx="0" cy="145573"/>
+          </a:xfrm>
+          <a:prstGeom prst="straightConnector1">
+            <a:avLst/>
+          </a:prstGeom>
+          <a:ln w="28575">
+            <a:solidFill>
+              <a:schemeClr val="tx1"/>
+            </a:solidFill>
+            <a:tailEnd type="triangle"/>
+          </a:ln>
+        </p:spPr>
+        <p:style>
+          <a:lnRef idx="1">
+            <a:schemeClr val="accent1"/>
+          </a:lnRef>
+          <a:fillRef idx="0">
+            <a:schemeClr val="accent1"/>
+          </a:fillRef>
+          <a:effectRef idx="0">
+            <a:schemeClr val="accent1"/>
+          </a:effectRef>
+          <a:fontRef idx="minor">
+            <a:schemeClr val="tx1"/>
+          </a:fontRef>
+        </p:style>
+      </p:cxnSp>
+      <p:cxnSp>
+        <p:nvCxnSpPr>
+          <p:cNvPr id="41" name="Straight Arrow Connector 40">
+            <a:extLst>
+              <a:ext uri="{FF2B5EF4-FFF2-40B4-BE49-F238E27FC236}">
+                <a16:creationId xmlns:a16="http://schemas.microsoft.com/office/drawing/2014/main" id="{F8FFC227-CADF-F0A3-B8C2-80D35E3761F6}"/>
+              </a:ext>
+            </a:extLst>
+          </p:cNvPr>
+          <p:cNvCxnSpPr>
+            <a:cxnSpLocks/>
+            <a:stCxn id="24" idx="2"/>
+            <a:endCxn id="100" idx="0"/>
+          </p:cNvCxnSpPr>
+          <p:nvPr/>
+        </p:nvCxnSpPr>
+        <p:spPr>
+          <a:xfrm flipH="1">
+            <a:off x="3749679" y="5883819"/>
+            <a:ext cx="1" cy="283173"/>
+          </a:xfrm>
+          <a:prstGeom prst="straightConnector1">
+            <a:avLst/>
+          </a:prstGeom>
+          <a:ln w="28575">
+            <a:solidFill>
+              <a:schemeClr val="tx1"/>
+            </a:solidFill>
+            <a:tailEnd type="triangle"/>
+          </a:ln>
+        </p:spPr>
+        <p:style>
+          <a:lnRef idx="1">
+            <a:schemeClr val="accent1"/>
+          </a:lnRef>
+          <a:fillRef idx="0">
+            <a:schemeClr val="accent1"/>
+          </a:fillRef>
+          <a:effectRef idx="0">
+            <a:schemeClr val="accent1"/>
+          </a:effectRef>
+          <a:fontRef idx="minor">
+            <a:schemeClr val="tx1"/>
+          </a:fontRef>
+        </p:style>
+      </p:cxnSp>
+      <p:cxnSp>
+        <p:nvCxnSpPr>
+          <p:cNvPr id="47" name="Straight Connector 46">
+            <a:extLst>
+              <a:ext uri="{FF2B5EF4-FFF2-40B4-BE49-F238E27FC236}">
+                <a16:creationId xmlns:a16="http://schemas.microsoft.com/office/drawing/2014/main" id="{D9D0AFED-C5EC-AA56-C32F-E3C391589BE8}"/>
+              </a:ext>
+            </a:extLst>
+          </p:cNvPr>
+          <p:cNvCxnSpPr>
+            <a:cxnSpLocks/>
+            <a:stCxn id="24" idx="3"/>
+          </p:cNvCxnSpPr>
+          <p:nvPr/>
+        </p:nvCxnSpPr>
+        <p:spPr>
+          <a:xfrm>
+            <a:off x="4620898" y="5532061"/>
+            <a:ext cx="141338" cy="0"/>
+          </a:xfrm>
+          <a:prstGeom prst="line">
+            <a:avLst/>
+          </a:prstGeom>
+          <a:ln w="28575"/>
+        </p:spPr>
+        <p:style>
+          <a:lnRef idx="1">
+            <a:schemeClr val="dk1"/>
+          </a:lnRef>
+          <a:fillRef idx="0">
+            <a:schemeClr val="dk1"/>
+          </a:fillRef>
+          <a:effectRef idx="0">
+            <a:schemeClr val="dk1"/>
+          </a:effectRef>
+          <a:fontRef idx="minor">
+            <a:schemeClr val="tx1"/>
+          </a:fontRef>
+        </p:style>
+      </p:cxnSp>
+      <p:cxnSp>
+        <p:nvCxnSpPr>
+          <p:cNvPr id="52" name="Straight Connector 51">
+            <a:extLst>
+              <a:ext uri="{FF2B5EF4-FFF2-40B4-BE49-F238E27FC236}">
+                <a16:creationId xmlns:a16="http://schemas.microsoft.com/office/drawing/2014/main" id="{F6D6D789-B0A7-8D85-906C-CDBF77787AD2}"/>
+              </a:ext>
+            </a:extLst>
+          </p:cNvPr>
+          <p:cNvCxnSpPr>
+            <a:cxnSpLocks/>
+          </p:cNvCxnSpPr>
+          <p:nvPr/>
+        </p:nvCxnSpPr>
+        <p:spPr>
+          <a:xfrm flipV="1">
+            <a:off x="4744720" y="4679156"/>
+            <a:ext cx="0" cy="852905"/>
+          </a:xfrm>
+          <a:prstGeom prst="line">
+            <a:avLst/>
+          </a:prstGeom>
+          <a:ln w="28575"/>
+        </p:spPr>
+        <p:style>
+          <a:lnRef idx="1">
+            <a:schemeClr val="dk1"/>
+          </a:lnRef>
+          <a:fillRef idx="0">
+            <a:schemeClr val="dk1"/>
+          </a:fillRef>
+          <a:effectRef idx="0">
+            <a:schemeClr val="dk1"/>
+          </a:effectRef>
+          <a:fontRef idx="minor">
+            <a:schemeClr val="tx1"/>
+          </a:fontRef>
+        </p:style>
+      </p:cxnSp>
+      <p:cxnSp>
+        <p:nvCxnSpPr>
+          <p:cNvPr id="58" name="Straight Arrow Connector 57">
+            <a:extLst>
+              <a:ext uri="{FF2B5EF4-FFF2-40B4-BE49-F238E27FC236}">
+                <a16:creationId xmlns:a16="http://schemas.microsoft.com/office/drawing/2014/main" id="{1A2CB1E7-6B66-53B4-630A-10B8432DF71B}"/>
+              </a:ext>
+            </a:extLst>
+          </p:cNvPr>
+          <p:cNvCxnSpPr>
+            <a:cxnSpLocks/>
+            <a:endCxn id="2" idx="3"/>
+          </p:cNvCxnSpPr>
+          <p:nvPr/>
+        </p:nvCxnSpPr>
+        <p:spPr>
+          <a:xfrm flipH="1">
+            <a:off x="4606931" y="4696686"/>
+            <a:ext cx="137789" cy="0"/>
+          </a:xfrm>
+          <a:prstGeom prst="straightConnector1">
+            <a:avLst/>
+          </a:prstGeom>
+          <a:ln w="28575">
+            <a:solidFill>
+              <a:schemeClr val="tx1"/>
+            </a:solidFill>
+            <a:tailEnd type="triangle"/>
+          </a:ln>
+        </p:spPr>
+        <p:style>
+          <a:lnRef idx="1">
+            <a:schemeClr val="accent1"/>
+          </a:lnRef>
+          <a:fillRef idx="0">
+            <a:schemeClr val="accent1"/>
+          </a:fillRef>
+          <a:effectRef idx="0">
+            <a:schemeClr val="accent1"/>
+          </a:effectRef>
+          <a:fontRef idx="minor">
+            <a:schemeClr val="tx1"/>
+          </a:fontRef>
+        </p:style>
+      </p:cxnSp>
+      <p:sp>
+        <p:nvSpPr>
+          <p:cNvPr id="64" name="TextBox 63">
+            <a:extLst>
+              <a:ext uri="{FF2B5EF4-FFF2-40B4-BE49-F238E27FC236}">
+                <a16:creationId xmlns:a16="http://schemas.microsoft.com/office/drawing/2014/main" id="{4A9C3F00-9BFF-5EB1-E667-D2F8152C450C}"/>
+              </a:ext>
+            </a:extLst>
+          </p:cNvPr>
+          <p:cNvSpPr txBox="1"/>
+          <p:nvPr/>
+        </p:nvSpPr>
+        <p:spPr>
+          <a:xfrm>
+            <a:off x="3851912" y="5752393"/>
+            <a:ext cx="746763" cy="276999"/>
+          </a:xfrm>
+          <a:prstGeom prst="rect">
+            <a:avLst/>
+          </a:prstGeom>
+          <a:noFill/>
+        </p:spPr>
+        <p:txBody>
+          <a:bodyPr wrap="square" rtlCol="0">
+            <a:spAutoFit/>
+          </a:bodyPr>
+          <a:lstStyle/>
+          <a:p>
+            <a:r>
+              <a:rPr lang="en-US" sz="1200" dirty="0"/>
+              <a:t>Ya</a:t>
+            </a:r>
+            <a:endParaRPr lang="en-ID" sz="1200" dirty="0"/>
+          </a:p>
+        </p:txBody>
+      </p:sp>
+      <p:sp>
+        <p:nvSpPr>
+          <p:cNvPr id="65" name="TextBox 64">
+            <a:extLst>
+              <a:ext uri="{FF2B5EF4-FFF2-40B4-BE49-F238E27FC236}">
+                <a16:creationId xmlns:a16="http://schemas.microsoft.com/office/drawing/2014/main" id="{C6A9E60A-2BA4-A990-FEFA-B6CC7D5832F2}"/>
+              </a:ext>
+            </a:extLst>
+          </p:cNvPr>
+          <p:cNvSpPr txBox="1"/>
+          <p:nvPr/>
+        </p:nvSpPr>
+        <p:spPr>
+          <a:xfrm>
+            <a:off x="4273141" y="5036918"/>
+            <a:ext cx="746763" cy="276999"/>
+          </a:xfrm>
+          <a:prstGeom prst="rect">
+            <a:avLst/>
+          </a:prstGeom>
+          <a:noFill/>
+        </p:spPr>
+        <p:txBody>
+          <a:bodyPr wrap="square" rtlCol="0">
+            <a:spAutoFit/>
+          </a:bodyPr>
+          <a:lstStyle/>
+          <a:p>
+            <a:r>
+              <a:rPr lang="en-US" sz="1200" dirty="0" err="1"/>
+              <a:t>Tidak</a:t>
+            </a:r>
+            <a:endParaRPr lang="en-ID" sz="1200" dirty="0"/>
+          </a:p>
+        </p:txBody>
+      </p:sp>
+      <p:cxnSp>
+        <p:nvCxnSpPr>
+          <p:cNvPr id="66" name="Connector: Elbow 65">
+            <a:extLst>
+              <a:ext uri="{FF2B5EF4-FFF2-40B4-BE49-F238E27FC236}">
+                <a16:creationId xmlns:a16="http://schemas.microsoft.com/office/drawing/2014/main" id="{CC962F65-6F9F-4C40-056A-FA87E7E48DE2}"/>
+              </a:ext>
+            </a:extLst>
+          </p:cNvPr>
+          <p:cNvCxnSpPr>
+            <a:cxnSpLocks/>
+            <a:stCxn id="30" idx="2"/>
+            <a:endCxn id="100" idx="2"/>
+          </p:cNvCxnSpPr>
+          <p:nvPr/>
+        </p:nvCxnSpPr>
+        <p:spPr>
+          <a:xfrm rot="16200000" flipH="1">
+            <a:off x="2194315" y="4928947"/>
+            <a:ext cx="905320" cy="1881375"/>
+          </a:xfrm>
+          <a:prstGeom prst="bentConnector2">
+            <a:avLst/>
+          </a:prstGeom>
+          <a:ln w="28575">
+            <a:solidFill>
+              <a:schemeClr val="tx1"/>
+            </a:solidFill>
+            <a:tailEnd type="triangle"/>
+          </a:ln>
+        </p:spPr>
+        <p:style>
+          <a:lnRef idx="1">
+            <a:schemeClr val="accent1"/>
+          </a:lnRef>
+          <a:fillRef idx="0">
+            <a:schemeClr val="accent1"/>
+          </a:fillRef>
+          <a:effectRef idx="0">
+            <a:schemeClr val="accent1"/>
+          </a:effectRef>
+          <a:fontRef idx="minor">
+            <a:schemeClr val="tx1"/>
+          </a:fontRef>
+        </p:style>
+      </p:cxnSp>
+      <p:graphicFrame>
+        <p:nvGraphicFramePr>
+          <p:cNvPr id="69" name="Table 68">
+            <a:extLst>
+              <a:ext uri="{FF2B5EF4-FFF2-40B4-BE49-F238E27FC236}">
+                <a16:creationId xmlns:a16="http://schemas.microsoft.com/office/drawing/2014/main" id="{2223B812-C2DF-1D94-D940-F3DE5F319600}"/>
+              </a:ext>
+            </a:extLst>
+          </p:cNvPr>
+          <p:cNvGraphicFramePr>
+            <a:graphicFrameLocks noGrp="1"/>
+          </p:cNvGraphicFramePr>
+          <p:nvPr>
+            <p:extLst>
+              <p:ext uri="{D42A27DB-BD31-4B8C-83A1-F6EECF244321}">
+                <p14:modId xmlns:p14="http://schemas.microsoft.com/office/powerpoint/2010/main" val="3103082688"/>
+              </p:ext>
+            </p:extLst>
+          </p:nvPr>
+        </p:nvGraphicFramePr>
+        <p:xfrm>
+          <a:off x="5736030" y="143328"/>
+          <a:ext cx="4342296" cy="6562272"/>
+        </p:xfrm>
+        <a:graphic>
+          <a:graphicData uri="http://schemas.openxmlformats.org/drawingml/2006/table">
+            <a:tbl>
+              <a:tblPr firstRow="1" bandRow="1">
+                <a:tableStyleId>{5C22544A-7EE6-4342-B048-85BDC9FD1C3A}</a:tableStyleId>
+              </a:tblPr>
+              <a:tblGrid>
+                <a:gridCol w="2171148">
+                  <a:extLst>
+                    <a:ext uri="{9D8B030D-6E8A-4147-A177-3AD203B41FA5}">
+                      <a16:colId xmlns:a16="http://schemas.microsoft.com/office/drawing/2014/main" val="4131807197"/>
+                    </a:ext>
+                  </a:extLst>
+                </a:gridCol>
+                <a:gridCol w="2171148">
+                  <a:extLst>
+                    <a:ext uri="{9D8B030D-6E8A-4147-A177-3AD203B41FA5}">
+                      <a16:colId xmlns:a16="http://schemas.microsoft.com/office/drawing/2014/main" val="1787698036"/>
+                    </a:ext>
+                  </a:extLst>
+                </a:gridCol>
+              </a:tblGrid>
+              <a:tr h="370441">
+                <a:tc>
+                  <a:txBody>
+                    <a:bodyPr/>
+                    <a:lstStyle/>
+                    <a:p>
+                      <a:pPr algn="ctr"/>
+                      <a:r>
+                        <a:rPr lang="en-US" dirty="0">
+                          <a:latin typeface="Times New Roman" panose="02020603050405020304" pitchFamily="18" charset="0"/>
+                          <a:cs typeface="Times New Roman" panose="02020603050405020304" pitchFamily="18" charset="0"/>
+                        </a:rPr>
+                        <a:t>User</a:t>
+                      </a:r>
+                      <a:endParaRPr lang="en-ID" dirty="0">
+                        <a:latin typeface="Times New Roman" panose="02020603050405020304" pitchFamily="18" charset="0"/>
+                        <a:cs typeface="Times New Roman" panose="02020603050405020304" pitchFamily="18" charset="0"/>
+                      </a:endParaRPr>
+                    </a:p>
+                  </a:txBody>
+                  <a:tcPr>
+                    <a:lnL w="12700" cap="flat" cmpd="sng" algn="ctr">
+                      <a:solidFill>
+                        <a:schemeClr val="tx1"/>
+                      </a:solidFill>
+                      <a:prstDash val="solid"/>
+                      <a:round/>
+                      <a:headEnd type="none" w="med" len="med"/>
+                      <a:tailEnd type="none" w="med" len="med"/>
+                    </a:lnL>
+                    <a:lnR w="12700" cap="flat" cmpd="sng" algn="ctr">
+                      <a:solidFill>
+                        <a:schemeClr val="tx1"/>
+                      </a:solidFill>
+                      <a:prstDash val="solid"/>
+                      <a:round/>
+                      <a:headEnd type="none" w="med" len="med"/>
+                      <a:tailEnd type="none" w="med" len="med"/>
+                    </a:lnR>
+                    <a:lnT w="12700" cap="flat" cmpd="sng" algn="ctr">
+                      <a:solidFill>
+                        <a:schemeClr val="tx1"/>
+                      </a:solidFill>
+                      <a:prstDash val="solid"/>
+                      <a:round/>
+                      <a:headEnd type="none" w="med" len="med"/>
+                      <a:tailEnd type="none" w="med" len="med"/>
+                    </a:lnT>
+                    <a:lnB w="12700" cap="flat" cmpd="sng" algn="ctr">
+                      <a:solidFill>
+                        <a:schemeClr val="tx1"/>
+                      </a:solidFill>
+                      <a:prstDash val="solid"/>
+                      <a:round/>
+                      <a:headEnd type="none" w="med" len="med"/>
+                      <a:tailEnd type="none" w="med" len="med"/>
+                    </a:lnB>
+                  </a:tcPr>
+                </a:tc>
+                <a:tc>
+                  <a:txBody>
+                    <a:bodyPr/>
+                    <a:lstStyle/>
+                    <a:p>
+                      <a:pPr algn="ctr"/>
+                      <a:r>
+                        <a:rPr lang="en-US" dirty="0">
+                          <a:latin typeface="Times New Roman" panose="02020603050405020304" pitchFamily="18" charset="0"/>
+                          <a:cs typeface="Times New Roman" panose="02020603050405020304" pitchFamily="18" charset="0"/>
+                        </a:rPr>
+                        <a:t>Drone</a:t>
+                      </a:r>
+                      <a:endParaRPr lang="en-ID" dirty="0">
+                        <a:latin typeface="Times New Roman" panose="02020603050405020304" pitchFamily="18" charset="0"/>
+                        <a:cs typeface="Times New Roman" panose="02020603050405020304" pitchFamily="18" charset="0"/>
+                      </a:endParaRPr>
+                    </a:p>
+                  </a:txBody>
+                  <a:tcPr>
+                    <a:lnL w="12700" cap="flat" cmpd="sng" algn="ctr">
+                      <a:solidFill>
+                        <a:schemeClr val="tx1"/>
+                      </a:solidFill>
+                      <a:prstDash val="solid"/>
+                      <a:round/>
+                      <a:headEnd type="none" w="med" len="med"/>
+                      <a:tailEnd type="none" w="med" len="med"/>
+                    </a:lnL>
+                    <a:lnR w="12700" cap="flat" cmpd="sng" algn="ctr">
+                      <a:solidFill>
+                        <a:schemeClr val="tx1"/>
+                      </a:solidFill>
+                      <a:prstDash val="solid"/>
+                      <a:round/>
+                      <a:headEnd type="none" w="med" len="med"/>
+                      <a:tailEnd type="none" w="med" len="med"/>
+                    </a:lnR>
+                    <a:lnT w="12700" cap="flat" cmpd="sng" algn="ctr">
+                      <a:solidFill>
+                        <a:schemeClr val="tx1"/>
+                      </a:solidFill>
+                      <a:prstDash val="solid"/>
+                      <a:round/>
+                      <a:headEnd type="none" w="med" len="med"/>
+                      <a:tailEnd type="none" w="med" len="med"/>
+                    </a:lnT>
+                    <a:lnB w="12700" cap="flat" cmpd="sng" algn="ctr">
+                      <a:solidFill>
+                        <a:schemeClr val="tx1"/>
+                      </a:solidFill>
+                      <a:prstDash val="solid"/>
+                      <a:round/>
+                      <a:headEnd type="none" w="med" len="med"/>
+                      <a:tailEnd type="none" w="med" len="med"/>
+                    </a:lnB>
+                  </a:tcPr>
+                </a:tc>
+                <a:extLst>
+                  <a:ext uri="{0D108BD9-81ED-4DB2-BD59-A6C34878D82A}">
+                    <a16:rowId xmlns:a16="http://schemas.microsoft.com/office/drawing/2014/main" val="3874889525"/>
+                  </a:ext>
+                </a:extLst>
+              </a:tr>
+              <a:tr h="6191831">
+                <a:tc>
+                  <a:txBody>
+                    <a:bodyPr/>
+                    <a:lstStyle/>
+                    <a:p>
+                      <a:endParaRPr lang="en-ID" dirty="0">
+                        <a:latin typeface="Times New Roman" panose="02020603050405020304" pitchFamily="18" charset="0"/>
+                        <a:cs typeface="Times New Roman" panose="02020603050405020304" pitchFamily="18" charset="0"/>
+                      </a:endParaRPr>
+                    </a:p>
+                  </a:txBody>
+                  <a:tcPr>
+                    <a:lnL w="12700" cap="flat" cmpd="sng" algn="ctr">
+                      <a:solidFill>
+                        <a:schemeClr val="tx1"/>
+                      </a:solidFill>
+                      <a:prstDash val="solid"/>
+                      <a:round/>
+                      <a:headEnd type="none" w="med" len="med"/>
+                      <a:tailEnd type="none" w="med" len="med"/>
+                    </a:lnL>
+                    <a:lnR w="12700" cap="flat" cmpd="sng" algn="ctr">
+                      <a:solidFill>
+                        <a:schemeClr val="tx1"/>
+                      </a:solidFill>
+                      <a:prstDash val="solid"/>
+                      <a:round/>
+                      <a:headEnd type="none" w="med" len="med"/>
+                      <a:tailEnd type="none" w="med" len="med"/>
+                    </a:lnR>
+                    <a:lnT w="12700" cap="flat" cmpd="sng" algn="ctr">
+                      <a:solidFill>
+                        <a:schemeClr val="tx1"/>
+                      </a:solidFill>
+                      <a:prstDash val="solid"/>
+                      <a:round/>
+                      <a:headEnd type="none" w="med" len="med"/>
+                      <a:tailEnd type="none" w="med" len="med"/>
+                    </a:lnT>
+                    <a:lnB w="12700" cap="flat" cmpd="sng" algn="ctr">
+                      <a:solidFill>
+                        <a:schemeClr val="tx1"/>
+                      </a:solidFill>
+                      <a:prstDash val="solid"/>
+                      <a:round/>
+                      <a:headEnd type="none" w="med" len="med"/>
+                      <a:tailEnd type="none" w="med" len="med"/>
+                    </a:lnB>
+                  </a:tcPr>
+                </a:tc>
+                <a:tc>
+                  <a:txBody>
+                    <a:bodyPr/>
+                    <a:lstStyle/>
+                    <a:p>
+                      <a:endParaRPr lang="en-ID" dirty="0"/>
+                    </a:p>
+                  </a:txBody>
+                  <a:tcPr>
+                    <a:lnL w="12700" cap="flat" cmpd="sng" algn="ctr">
+                      <a:solidFill>
+                        <a:schemeClr val="tx1"/>
+                      </a:solidFill>
+                      <a:prstDash val="solid"/>
+                      <a:round/>
+                      <a:headEnd type="none" w="med" len="med"/>
+                      <a:tailEnd type="none" w="med" len="med"/>
+                    </a:lnL>
+                    <a:lnR w="12700" cap="flat" cmpd="sng" algn="ctr">
+                      <a:solidFill>
+                        <a:schemeClr val="tx1"/>
+                      </a:solidFill>
+                      <a:prstDash val="solid"/>
+                      <a:round/>
+                      <a:headEnd type="none" w="med" len="med"/>
+                      <a:tailEnd type="none" w="med" len="med"/>
+                    </a:lnR>
+                    <a:lnT w="12700" cap="flat" cmpd="sng" algn="ctr">
+                      <a:solidFill>
+                        <a:schemeClr val="tx1"/>
+                      </a:solidFill>
+                      <a:prstDash val="solid"/>
+                      <a:round/>
+                      <a:headEnd type="none" w="med" len="med"/>
+                      <a:tailEnd type="none" w="med" len="med"/>
+                    </a:lnT>
+                    <a:lnB w="12700" cap="flat" cmpd="sng" algn="ctr">
+                      <a:solidFill>
+                        <a:schemeClr val="tx1"/>
+                      </a:solidFill>
+                      <a:prstDash val="solid"/>
+                      <a:round/>
+                      <a:headEnd type="none" w="med" len="med"/>
+                      <a:tailEnd type="none" w="med" len="med"/>
+                    </a:lnB>
+                  </a:tcPr>
+                </a:tc>
+                <a:extLst>
+                  <a:ext uri="{0D108BD9-81ED-4DB2-BD59-A6C34878D82A}">
+                    <a16:rowId xmlns:a16="http://schemas.microsoft.com/office/drawing/2014/main" val="3440396359"/>
+                  </a:ext>
+                </a:extLst>
+              </a:tr>
+            </a:tbl>
+          </a:graphicData>
+        </a:graphic>
+      </p:graphicFrame>
+      <p:sp>
+        <p:nvSpPr>
+          <p:cNvPr id="91" name="Rectangle: Rounded Corners 90">
+            <a:extLst>
+              <a:ext uri="{FF2B5EF4-FFF2-40B4-BE49-F238E27FC236}">
+                <a16:creationId xmlns:a16="http://schemas.microsoft.com/office/drawing/2014/main" id="{9338900C-D1DA-EF03-0F20-470360481491}"/>
+              </a:ext>
+            </a:extLst>
+          </p:cNvPr>
+          <p:cNvSpPr/>
+          <p:nvPr/>
+        </p:nvSpPr>
+        <p:spPr>
+          <a:xfrm>
+            <a:off x="8149103" y="1283431"/>
+            <a:ext cx="1714502" cy="473344"/>
+          </a:xfrm>
+          <a:prstGeom prst="roundRect">
+            <a:avLst/>
+          </a:prstGeom>
+          <a:ln>
+            <a:solidFill>
+              <a:schemeClr val="tx1"/>
+            </a:solidFill>
+          </a:ln>
+        </p:spPr>
+        <p:style>
+          <a:lnRef idx="2">
+            <a:schemeClr val="accent6"/>
+          </a:lnRef>
+          <a:fillRef idx="1">
+            <a:schemeClr val="lt1"/>
+          </a:fillRef>
+          <a:effectRef idx="0">
+            <a:schemeClr val="accent6"/>
+          </a:effectRef>
+          <a:fontRef idx="minor">
+            <a:schemeClr val="dk1"/>
+          </a:fontRef>
+        </p:style>
+        <p:txBody>
+          <a:bodyPr rtlCol="0" anchor="ctr"/>
+          <a:lstStyle/>
+          <a:p>
+            <a:pPr algn="ctr"/>
+            <a:r>
+              <a:rPr lang="en-US" sz="1400" dirty="0" err="1">
+                <a:latin typeface="Times New Roman" panose="02020603050405020304" pitchFamily="18" charset="0"/>
+                <a:cs typeface="Times New Roman" panose="02020603050405020304" pitchFamily="18" charset="0"/>
+              </a:rPr>
+              <a:t>Menyalakan</a:t>
+            </a:r>
+            <a:r>
+              <a:rPr lang="en-US" sz="1400" dirty="0">
+                <a:latin typeface="Times New Roman" panose="02020603050405020304" pitchFamily="18" charset="0"/>
+                <a:cs typeface="Times New Roman" panose="02020603050405020304" pitchFamily="18" charset="0"/>
+              </a:rPr>
+              <a:t> </a:t>
+            </a:r>
+            <a:r>
+              <a:rPr lang="en-US" sz="1400" dirty="0" err="1">
+                <a:latin typeface="Times New Roman" panose="02020603050405020304" pitchFamily="18" charset="0"/>
+                <a:cs typeface="Times New Roman" panose="02020603050405020304" pitchFamily="18" charset="0"/>
+              </a:rPr>
+              <a:t>Waterpump</a:t>
+            </a:r>
+            <a:endParaRPr lang="en-ID" sz="1400" dirty="0">
+              <a:latin typeface="Times New Roman" panose="02020603050405020304" pitchFamily="18" charset="0"/>
+              <a:cs typeface="Times New Roman" panose="02020603050405020304" pitchFamily="18" charset="0"/>
+            </a:endParaRPr>
+          </a:p>
+        </p:txBody>
+      </p:sp>
+      <p:cxnSp>
+        <p:nvCxnSpPr>
+          <p:cNvPr id="93" name="Straight Arrow Connector 92">
+            <a:extLst>
+              <a:ext uri="{FF2B5EF4-FFF2-40B4-BE49-F238E27FC236}">
+                <a16:creationId xmlns:a16="http://schemas.microsoft.com/office/drawing/2014/main" id="{0EBEEAFB-BDB2-356A-B7CD-23440F714B08}"/>
+              </a:ext>
+            </a:extLst>
+          </p:cNvPr>
+          <p:cNvCxnSpPr>
+            <a:cxnSpLocks/>
+            <a:endCxn id="91" idx="0"/>
+          </p:cNvCxnSpPr>
+          <p:nvPr/>
+        </p:nvCxnSpPr>
+        <p:spPr>
+          <a:xfrm>
+            <a:off x="9006354" y="1018561"/>
+            <a:ext cx="0" cy="264870"/>
+          </a:xfrm>
+          <a:prstGeom prst="straightConnector1">
+            <a:avLst/>
+          </a:prstGeom>
+          <a:ln w="28575">
+            <a:solidFill>
+              <a:schemeClr val="tx1"/>
+            </a:solidFill>
+            <a:tailEnd type="triangle"/>
+          </a:ln>
+        </p:spPr>
+        <p:style>
+          <a:lnRef idx="1">
+            <a:schemeClr val="accent1"/>
+          </a:lnRef>
+          <a:fillRef idx="0">
+            <a:schemeClr val="accent1"/>
+          </a:fillRef>
+          <a:effectRef idx="0">
+            <a:schemeClr val="accent1"/>
+          </a:effectRef>
+          <a:fontRef idx="minor">
+            <a:schemeClr val="tx1"/>
+          </a:fontRef>
+        </p:style>
+      </p:cxnSp>
+      <p:sp>
+        <p:nvSpPr>
+          <p:cNvPr id="100" name="Oval 99">
+            <a:extLst>
+              <a:ext uri="{FF2B5EF4-FFF2-40B4-BE49-F238E27FC236}">
+                <a16:creationId xmlns:a16="http://schemas.microsoft.com/office/drawing/2014/main" id="{59CAD34B-CD6C-D559-3FEB-1A3CAA68BB9F}"/>
+              </a:ext>
+            </a:extLst>
+          </p:cNvPr>
+          <p:cNvSpPr/>
+          <p:nvPr/>
+        </p:nvSpPr>
+        <p:spPr>
+          <a:xfrm>
+            <a:off x="3587663" y="6166992"/>
+            <a:ext cx="324031" cy="310606"/>
+          </a:xfrm>
+          <a:prstGeom prst="ellipse">
+            <a:avLst/>
+          </a:prstGeom>
+          <a:ln w="28575">
+            <a:solidFill>
+              <a:schemeClr val="tx1"/>
+            </a:solidFill>
+          </a:ln>
+        </p:spPr>
+        <p:style>
+          <a:lnRef idx="2">
+            <a:schemeClr val="accent6"/>
+          </a:lnRef>
+          <a:fillRef idx="1">
+            <a:schemeClr val="lt1"/>
+          </a:fillRef>
+          <a:effectRef idx="0">
+            <a:schemeClr val="accent6"/>
+          </a:effectRef>
+          <a:fontRef idx="minor">
+            <a:schemeClr val="dk1"/>
+          </a:fontRef>
+        </p:style>
+        <p:txBody>
+          <a:bodyPr rtlCol="0" anchor="ctr"/>
+          <a:lstStyle/>
+          <a:p>
+            <a:pPr algn="ctr"/>
+            <a:r>
+              <a:rPr lang="en-US" dirty="0"/>
+              <a:t>A</a:t>
+            </a:r>
+            <a:endParaRPr lang="en-ID" dirty="0"/>
+          </a:p>
+        </p:txBody>
+      </p:sp>
+      <p:sp>
+        <p:nvSpPr>
+          <p:cNvPr id="104" name="Oval 103">
+            <a:extLst>
+              <a:ext uri="{FF2B5EF4-FFF2-40B4-BE49-F238E27FC236}">
+                <a16:creationId xmlns:a16="http://schemas.microsoft.com/office/drawing/2014/main" id="{F3643105-CA2D-E907-E57D-D4066BFCEEAA}"/>
+              </a:ext>
+            </a:extLst>
+          </p:cNvPr>
+          <p:cNvSpPr/>
+          <p:nvPr/>
+        </p:nvSpPr>
+        <p:spPr>
+          <a:xfrm>
+            <a:off x="8844338" y="707955"/>
+            <a:ext cx="324031" cy="310606"/>
+          </a:xfrm>
+          <a:prstGeom prst="ellipse">
+            <a:avLst/>
+          </a:prstGeom>
+          <a:ln w="28575">
+            <a:solidFill>
+              <a:schemeClr val="tx1"/>
+            </a:solidFill>
+          </a:ln>
+        </p:spPr>
+        <p:style>
+          <a:lnRef idx="2">
+            <a:schemeClr val="accent6"/>
+          </a:lnRef>
+          <a:fillRef idx="1">
+            <a:schemeClr val="lt1"/>
+          </a:fillRef>
+          <a:effectRef idx="0">
+            <a:schemeClr val="accent6"/>
+          </a:effectRef>
+          <a:fontRef idx="minor">
+            <a:schemeClr val="dk1"/>
+          </a:fontRef>
+        </p:style>
+        <p:txBody>
+          <a:bodyPr rtlCol="0" anchor="ctr"/>
+          <a:lstStyle/>
+          <a:p>
+            <a:pPr algn="ctr"/>
+            <a:r>
+              <a:rPr lang="en-US" dirty="0"/>
+              <a:t>A</a:t>
+            </a:r>
+            <a:endParaRPr lang="en-ID" dirty="0"/>
+          </a:p>
+        </p:txBody>
+      </p:sp>
+      <p:sp>
+        <p:nvSpPr>
+          <p:cNvPr id="106" name="Arrow: Right 105">
+            <a:extLst>
+              <a:ext uri="{FF2B5EF4-FFF2-40B4-BE49-F238E27FC236}">
+                <a16:creationId xmlns:a16="http://schemas.microsoft.com/office/drawing/2014/main" id="{8FED2D59-EE24-82E7-1F9D-9E6343F8782A}"/>
+              </a:ext>
+            </a:extLst>
+          </p:cNvPr>
+          <p:cNvSpPr/>
+          <p:nvPr/>
+        </p:nvSpPr>
+        <p:spPr>
+          <a:xfrm>
+            <a:off x="5087004" y="3166016"/>
+            <a:ext cx="474593" cy="869175"/>
+          </a:xfrm>
+          <a:prstGeom prst="rightArrow">
+            <a:avLst/>
+          </a:prstGeom>
+        </p:spPr>
+        <p:style>
+          <a:lnRef idx="2">
+            <a:schemeClr val="accent1">
+              <a:shade val="15000"/>
+            </a:schemeClr>
+          </a:lnRef>
+          <a:fillRef idx="1">
+            <a:schemeClr val="accent1"/>
+          </a:fillRef>
+          <a:effectRef idx="0">
+            <a:schemeClr val="accent1"/>
+          </a:effectRef>
+          <a:fontRef idx="minor">
+            <a:schemeClr val="lt1"/>
+          </a:fontRef>
+        </p:style>
+        <p:txBody>
+          <a:bodyPr rtlCol="0" anchor="ctr"/>
+          <a:lstStyle/>
+          <a:p>
+            <a:pPr algn="ctr"/>
+            <a:endParaRPr lang="en-ID"/>
+          </a:p>
+        </p:txBody>
+      </p:sp>
+      <p:sp>
+        <p:nvSpPr>
+          <p:cNvPr id="107" name="Rectangle: Rounded Corners 106">
+            <a:extLst>
+              <a:ext uri="{FF2B5EF4-FFF2-40B4-BE49-F238E27FC236}">
+                <a16:creationId xmlns:a16="http://schemas.microsoft.com/office/drawing/2014/main" id="{FA043578-2B16-B4BE-2B15-3C1D72FED4C7}"/>
+              </a:ext>
+            </a:extLst>
+          </p:cNvPr>
+          <p:cNvSpPr/>
+          <p:nvPr/>
+        </p:nvSpPr>
+        <p:spPr>
+          <a:xfrm>
+            <a:off x="8149103" y="3069359"/>
+            <a:ext cx="1714502" cy="473344"/>
+          </a:xfrm>
+          <a:prstGeom prst="roundRect">
+            <a:avLst/>
+          </a:prstGeom>
+          <a:ln>
+            <a:solidFill>
+              <a:schemeClr val="tx1"/>
+            </a:solidFill>
+          </a:ln>
+        </p:spPr>
+        <p:style>
+          <a:lnRef idx="2">
+            <a:schemeClr val="accent6"/>
+          </a:lnRef>
+          <a:fillRef idx="1">
+            <a:schemeClr val="lt1"/>
+          </a:fillRef>
+          <a:effectRef idx="0">
+            <a:schemeClr val="accent6"/>
+          </a:effectRef>
+          <a:fontRef idx="minor">
+            <a:schemeClr val="dk1"/>
+          </a:fontRef>
+        </p:style>
+        <p:txBody>
+          <a:bodyPr rtlCol="0" anchor="ctr"/>
+          <a:lstStyle/>
+          <a:p>
+            <a:pPr algn="ctr"/>
+            <a:r>
+              <a:rPr lang="en-US" sz="1400" dirty="0" err="1">
+                <a:latin typeface="Times New Roman" panose="02020603050405020304" pitchFamily="18" charset="0"/>
+                <a:cs typeface="Times New Roman" panose="02020603050405020304" pitchFamily="18" charset="0"/>
+              </a:rPr>
+              <a:t>Mematikan</a:t>
+            </a:r>
+            <a:r>
+              <a:rPr lang="en-US" sz="1400" dirty="0">
+                <a:latin typeface="Times New Roman" panose="02020603050405020304" pitchFamily="18" charset="0"/>
+                <a:cs typeface="Times New Roman" panose="02020603050405020304" pitchFamily="18" charset="0"/>
+              </a:rPr>
+              <a:t> </a:t>
+            </a:r>
+            <a:r>
+              <a:rPr lang="en-US" sz="1400" dirty="0" err="1">
+                <a:latin typeface="Times New Roman" panose="02020603050405020304" pitchFamily="18" charset="0"/>
+                <a:cs typeface="Times New Roman" panose="02020603050405020304" pitchFamily="18" charset="0"/>
+              </a:rPr>
+              <a:t>Waterpump</a:t>
+            </a:r>
+            <a:endParaRPr lang="en-ID" sz="1400" dirty="0">
+              <a:latin typeface="Times New Roman" panose="02020603050405020304" pitchFamily="18" charset="0"/>
+              <a:cs typeface="Times New Roman" panose="02020603050405020304" pitchFamily="18" charset="0"/>
+            </a:endParaRPr>
+          </a:p>
+        </p:txBody>
+      </p:sp>
+      <p:sp>
+        <p:nvSpPr>
+          <p:cNvPr id="108" name="Diamond 107">
+            <a:extLst>
+              <a:ext uri="{FF2B5EF4-FFF2-40B4-BE49-F238E27FC236}">
+                <a16:creationId xmlns:a16="http://schemas.microsoft.com/office/drawing/2014/main" id="{D5DCFA0C-E0F4-1769-7AE6-73B2971EF87C}"/>
+              </a:ext>
+            </a:extLst>
+          </p:cNvPr>
+          <p:cNvSpPr/>
+          <p:nvPr/>
+        </p:nvSpPr>
+        <p:spPr>
+          <a:xfrm>
+            <a:off x="8149103" y="2046630"/>
+            <a:ext cx="1742437" cy="703516"/>
+          </a:xfrm>
+          <a:prstGeom prst="diamond">
+            <a:avLst/>
+          </a:prstGeom>
+          <a:ln/>
+        </p:spPr>
+        <p:style>
+          <a:lnRef idx="2">
+            <a:schemeClr val="dk1"/>
+          </a:lnRef>
+          <a:fillRef idx="1">
+            <a:schemeClr val="lt1"/>
+          </a:fillRef>
+          <a:effectRef idx="0">
+            <a:schemeClr val="dk1"/>
+          </a:effectRef>
+          <a:fontRef idx="minor">
+            <a:schemeClr val="dk1"/>
+          </a:fontRef>
+        </p:style>
+        <p:txBody>
+          <a:bodyPr rtlCol="0" anchor="ctr"/>
+          <a:lstStyle/>
+          <a:p>
+            <a:pPr algn="ctr"/>
+            <a:r>
+              <a:rPr lang="en-US" sz="1200" dirty="0">
+                <a:solidFill>
+                  <a:schemeClr val="tx1"/>
+                </a:solidFill>
+                <a:latin typeface="Times New Roman" panose="02020603050405020304" pitchFamily="18" charset="0"/>
+                <a:cs typeface="Times New Roman" panose="02020603050405020304" pitchFamily="18" charset="0"/>
+              </a:rPr>
+              <a:t>Akhir Jarak </a:t>
+            </a:r>
+            <a:r>
+              <a:rPr lang="en-US" sz="1200" dirty="0" err="1">
+                <a:solidFill>
+                  <a:schemeClr val="tx1"/>
+                </a:solidFill>
+                <a:latin typeface="Times New Roman" panose="02020603050405020304" pitchFamily="18" charset="0"/>
+                <a:cs typeface="Times New Roman" panose="02020603050405020304" pitchFamily="18" charset="0"/>
+              </a:rPr>
+              <a:t>Semprotan</a:t>
+            </a:r>
+            <a:endParaRPr lang="en-US" sz="1200" dirty="0">
+              <a:solidFill>
+                <a:schemeClr val="tx1"/>
+              </a:solidFill>
+              <a:latin typeface="Times New Roman" panose="02020603050405020304" pitchFamily="18" charset="0"/>
+              <a:cs typeface="Times New Roman" panose="02020603050405020304" pitchFamily="18" charset="0"/>
+            </a:endParaRPr>
+          </a:p>
+        </p:txBody>
+      </p:sp>
+      <p:cxnSp>
+        <p:nvCxnSpPr>
+          <p:cNvPr id="109" name="Straight Arrow Connector 108">
+            <a:extLst>
+              <a:ext uri="{FF2B5EF4-FFF2-40B4-BE49-F238E27FC236}">
+                <a16:creationId xmlns:a16="http://schemas.microsoft.com/office/drawing/2014/main" id="{1D89F8AA-CA43-8418-0AB2-0F6086E8CB12}"/>
+              </a:ext>
+            </a:extLst>
+          </p:cNvPr>
+          <p:cNvCxnSpPr>
+            <a:cxnSpLocks/>
+            <a:endCxn id="108" idx="0"/>
+          </p:cNvCxnSpPr>
+          <p:nvPr/>
+        </p:nvCxnSpPr>
+        <p:spPr>
+          <a:xfrm>
+            <a:off x="9020321" y="1756775"/>
+            <a:ext cx="1" cy="289855"/>
+          </a:xfrm>
+          <a:prstGeom prst="straightConnector1">
+            <a:avLst/>
+          </a:prstGeom>
+          <a:ln w="28575">
+            <a:solidFill>
+              <a:schemeClr val="tx1"/>
+            </a:solidFill>
+            <a:tailEnd type="triangle"/>
+          </a:ln>
+        </p:spPr>
+        <p:style>
+          <a:lnRef idx="1">
+            <a:schemeClr val="accent1"/>
+          </a:lnRef>
+          <a:fillRef idx="0">
+            <a:schemeClr val="accent1"/>
+          </a:fillRef>
+          <a:effectRef idx="0">
+            <a:schemeClr val="accent1"/>
+          </a:effectRef>
+          <a:fontRef idx="minor">
+            <a:schemeClr val="tx1"/>
+          </a:fontRef>
+        </p:style>
+      </p:cxnSp>
+      <p:cxnSp>
+        <p:nvCxnSpPr>
+          <p:cNvPr id="112" name="Straight Arrow Connector 111">
+            <a:extLst>
+              <a:ext uri="{FF2B5EF4-FFF2-40B4-BE49-F238E27FC236}">
+                <a16:creationId xmlns:a16="http://schemas.microsoft.com/office/drawing/2014/main" id="{46325FB2-5888-05BA-32BF-D74279BCCD63}"/>
+              </a:ext>
+            </a:extLst>
+          </p:cNvPr>
+          <p:cNvCxnSpPr>
+            <a:cxnSpLocks/>
+          </p:cNvCxnSpPr>
+          <p:nvPr/>
+        </p:nvCxnSpPr>
+        <p:spPr>
+          <a:xfrm>
+            <a:off x="9034288" y="2750146"/>
+            <a:ext cx="0" cy="319213"/>
+          </a:xfrm>
+          <a:prstGeom prst="straightConnector1">
+            <a:avLst/>
+          </a:prstGeom>
+          <a:ln w="28575">
+            <a:solidFill>
+              <a:schemeClr val="tx1"/>
+            </a:solidFill>
+            <a:tailEnd type="triangle"/>
+          </a:ln>
+        </p:spPr>
+        <p:style>
+          <a:lnRef idx="1">
+            <a:schemeClr val="accent1"/>
+          </a:lnRef>
+          <a:fillRef idx="0">
+            <a:schemeClr val="accent1"/>
+          </a:fillRef>
+          <a:effectRef idx="0">
+            <a:schemeClr val="accent1"/>
+          </a:effectRef>
+          <a:fontRef idx="minor">
+            <a:schemeClr val="tx1"/>
+          </a:fontRef>
+        </p:style>
+      </p:cxnSp>
+      <p:sp>
+        <p:nvSpPr>
+          <p:cNvPr id="117" name="Rectangle: Rounded Corners 116">
+            <a:extLst>
+              <a:ext uri="{FF2B5EF4-FFF2-40B4-BE49-F238E27FC236}">
+                <a16:creationId xmlns:a16="http://schemas.microsoft.com/office/drawing/2014/main" id="{0C1264A1-BB32-8F9A-40C4-5537E2B8A0B6}"/>
+              </a:ext>
+            </a:extLst>
+          </p:cNvPr>
+          <p:cNvSpPr/>
+          <p:nvPr/>
+        </p:nvSpPr>
+        <p:spPr>
+          <a:xfrm>
+            <a:off x="8177038" y="3873962"/>
+            <a:ext cx="1714502" cy="473344"/>
+          </a:xfrm>
+          <a:prstGeom prst="roundRect">
+            <a:avLst/>
+          </a:prstGeom>
+          <a:ln>
+            <a:solidFill>
+              <a:schemeClr val="tx1"/>
+            </a:solidFill>
+          </a:ln>
+        </p:spPr>
+        <p:style>
+          <a:lnRef idx="2">
+            <a:schemeClr val="accent6"/>
+          </a:lnRef>
+          <a:fillRef idx="1">
+            <a:schemeClr val="lt1"/>
+          </a:fillRef>
+          <a:effectRef idx="0">
+            <a:schemeClr val="accent6"/>
+          </a:effectRef>
+          <a:fontRef idx="minor">
+            <a:schemeClr val="dk1"/>
+          </a:fontRef>
+        </p:style>
+        <p:txBody>
+          <a:bodyPr rtlCol="0" anchor="ctr"/>
+          <a:lstStyle/>
+          <a:p>
+            <a:pPr algn="ctr"/>
+            <a:r>
+              <a:rPr lang="en-US" sz="1400" dirty="0">
+                <a:latin typeface="Times New Roman" panose="02020603050405020304" pitchFamily="18" charset="0"/>
+                <a:cs typeface="Times New Roman" panose="02020603050405020304" pitchFamily="18" charset="0"/>
+              </a:rPr>
+              <a:t>Drone </a:t>
+            </a:r>
+            <a:r>
+              <a:rPr lang="en-US" sz="1400" dirty="0" err="1">
+                <a:latin typeface="Times New Roman" panose="02020603050405020304" pitchFamily="18" charset="0"/>
+                <a:cs typeface="Times New Roman" panose="02020603050405020304" pitchFamily="18" charset="0"/>
+              </a:rPr>
+              <a:t>Mendarat</a:t>
+            </a:r>
+            <a:endParaRPr lang="en-ID" sz="1400" dirty="0">
+              <a:latin typeface="Times New Roman" panose="02020603050405020304" pitchFamily="18" charset="0"/>
+              <a:cs typeface="Times New Roman" panose="02020603050405020304" pitchFamily="18" charset="0"/>
+            </a:endParaRPr>
+          </a:p>
+        </p:txBody>
+      </p:sp>
+      <p:sp>
+        <p:nvSpPr>
+          <p:cNvPr id="119" name="Oval 118">
+            <a:extLst>
+              <a:ext uri="{FF2B5EF4-FFF2-40B4-BE49-F238E27FC236}">
+                <a16:creationId xmlns:a16="http://schemas.microsoft.com/office/drawing/2014/main" id="{2C166A73-5682-402D-E793-6C67BE1BF3EC}"/>
+              </a:ext>
+            </a:extLst>
+          </p:cNvPr>
+          <p:cNvSpPr/>
+          <p:nvPr/>
+        </p:nvSpPr>
+        <p:spPr>
+          <a:xfrm>
+            <a:off x="8922551" y="4943631"/>
+            <a:ext cx="245818" cy="241777"/>
+          </a:xfrm>
+          <a:prstGeom prst="ellipse">
+            <a:avLst/>
+          </a:prstGeom>
+          <a:ln w="12700">
+            <a:solidFill>
+              <a:schemeClr val="tx1"/>
+            </a:solidFill>
+          </a:ln>
+        </p:spPr>
+        <p:style>
+          <a:lnRef idx="2">
+            <a:schemeClr val="accent6"/>
+          </a:lnRef>
+          <a:fillRef idx="1">
+            <a:schemeClr val="lt1"/>
+          </a:fillRef>
+          <a:effectRef idx="0">
+            <a:schemeClr val="accent6"/>
+          </a:effectRef>
+          <a:fontRef idx="minor">
+            <a:schemeClr val="dk1"/>
+          </a:fontRef>
+        </p:style>
+        <p:txBody>
+          <a:bodyPr rtlCol="0" anchor="ctr"/>
+          <a:lstStyle/>
+          <a:p>
+            <a:pPr algn="ctr"/>
+            <a:endParaRPr lang="en-ID" dirty="0"/>
+          </a:p>
+        </p:txBody>
+      </p:sp>
+      <p:cxnSp>
+        <p:nvCxnSpPr>
+          <p:cNvPr id="120" name="Straight Arrow Connector 119">
+            <a:extLst>
+              <a:ext uri="{FF2B5EF4-FFF2-40B4-BE49-F238E27FC236}">
+                <a16:creationId xmlns:a16="http://schemas.microsoft.com/office/drawing/2014/main" id="{FB949BA7-ABC9-AB0E-B5C8-FB28BEB6C45D}"/>
+              </a:ext>
+            </a:extLst>
+          </p:cNvPr>
+          <p:cNvCxnSpPr>
+            <a:cxnSpLocks/>
+            <a:stCxn id="117" idx="2"/>
+          </p:cNvCxnSpPr>
+          <p:nvPr/>
+        </p:nvCxnSpPr>
+        <p:spPr>
+          <a:xfrm>
+            <a:off x="9034289" y="4347306"/>
+            <a:ext cx="5315" cy="596325"/>
+          </a:xfrm>
+          <a:prstGeom prst="straightConnector1">
+            <a:avLst/>
+          </a:prstGeom>
+          <a:ln w="28575">
+            <a:solidFill>
+              <a:schemeClr val="tx1"/>
+            </a:solidFill>
+            <a:tailEnd type="triangle"/>
+          </a:ln>
+        </p:spPr>
+        <p:style>
+          <a:lnRef idx="1">
+            <a:schemeClr val="accent1"/>
+          </a:lnRef>
+          <a:fillRef idx="0">
+            <a:schemeClr val="accent1"/>
+          </a:fillRef>
+          <a:effectRef idx="0">
+            <a:schemeClr val="accent1"/>
+          </a:effectRef>
+          <a:fontRef idx="minor">
+            <a:schemeClr val="tx1"/>
+          </a:fontRef>
+        </p:style>
+      </p:cxnSp>
+      <p:cxnSp>
+        <p:nvCxnSpPr>
+          <p:cNvPr id="121" name="Straight Arrow Connector 120">
+            <a:extLst>
+              <a:ext uri="{FF2B5EF4-FFF2-40B4-BE49-F238E27FC236}">
+                <a16:creationId xmlns:a16="http://schemas.microsoft.com/office/drawing/2014/main" id="{3818F562-64E7-10BE-13BF-58C92B9AB9BC}"/>
+              </a:ext>
+            </a:extLst>
+          </p:cNvPr>
+          <p:cNvCxnSpPr>
+            <a:cxnSpLocks/>
+            <a:endCxn id="117" idx="0"/>
+          </p:cNvCxnSpPr>
+          <p:nvPr/>
+        </p:nvCxnSpPr>
+        <p:spPr>
+          <a:xfrm>
+            <a:off x="9034286" y="3542703"/>
+            <a:ext cx="3" cy="331259"/>
+          </a:xfrm>
+          <a:prstGeom prst="straightConnector1">
+            <a:avLst/>
+          </a:prstGeom>
+          <a:ln w="28575">
+            <a:solidFill>
+              <a:schemeClr val="tx1"/>
+            </a:solidFill>
+            <a:tailEnd type="triangle"/>
+          </a:ln>
+        </p:spPr>
+        <p:style>
+          <a:lnRef idx="1">
+            <a:schemeClr val="accent1"/>
+          </a:lnRef>
+          <a:fillRef idx="0">
+            <a:schemeClr val="accent1"/>
+          </a:fillRef>
+          <a:effectRef idx="0">
+            <a:schemeClr val="accent1"/>
+          </a:effectRef>
+          <a:fontRef idx="minor">
+            <a:schemeClr val="tx1"/>
+          </a:fontRef>
+        </p:style>
+      </p:cxnSp>
+      <p:sp>
+        <p:nvSpPr>
+          <p:cNvPr id="118" name="Oval 117">
+            <a:extLst>
+              <a:ext uri="{FF2B5EF4-FFF2-40B4-BE49-F238E27FC236}">
+                <a16:creationId xmlns:a16="http://schemas.microsoft.com/office/drawing/2014/main" id="{A69F24F0-137F-EF66-6BBA-F991E6021EEA}"/>
+              </a:ext>
+            </a:extLst>
+          </p:cNvPr>
+          <p:cNvSpPr/>
+          <p:nvPr/>
+        </p:nvSpPr>
+        <p:spPr>
+          <a:xfrm>
+            <a:off x="8974386" y="4997152"/>
+            <a:ext cx="142148" cy="134735"/>
+          </a:xfrm>
+          <a:prstGeom prst="ellipse">
+            <a:avLst/>
+          </a:prstGeom>
+        </p:spPr>
+        <p:style>
+          <a:lnRef idx="2">
+            <a:schemeClr val="dk1">
+              <a:shade val="15000"/>
+            </a:schemeClr>
+          </a:lnRef>
+          <a:fillRef idx="1">
+            <a:schemeClr val="dk1"/>
+          </a:fillRef>
+          <a:effectRef idx="0">
+            <a:schemeClr val="dk1"/>
+          </a:effectRef>
+          <a:fontRef idx="minor">
+            <a:schemeClr val="lt1"/>
+          </a:fontRef>
+        </p:style>
+        <p:txBody>
+          <a:bodyPr rtlCol="0" anchor="ctr"/>
+          <a:lstStyle/>
+          <a:p>
+            <a:pPr algn="ctr"/>
+            <a:endParaRPr lang="en-ID" dirty="0"/>
+          </a:p>
+        </p:txBody>
+      </p:sp>
+    </p:spTree>
+    <p:extLst>
+      <p:ext uri="{BB962C8B-B14F-4D97-AF65-F5344CB8AC3E}">
+        <p14:creationId xmlns:p14="http://schemas.microsoft.com/office/powerpoint/2010/main" val="3955139509"/>
+      </p:ext>
+    </p:extLst>
+  </p:cSld>
+  <p:clrMapOvr>
+    <a:masterClrMapping/>
+  </p:clrMapOvr>
+</p:sld>
+</file>
+
 <file path=ppt/slides/slide2.xml><?xml version="1.0" encoding="utf-8"?>
 <p:sld xmlns:a="http://schemas.openxmlformats.org/drawingml/2006/main" xmlns:r="http://schemas.openxmlformats.org/officeDocument/2006/relationships" xmlns:p="http://schemas.openxmlformats.org/presentationml/2006/main">
   <p:cSld>
@@ -10732,7 +13596,7 @@
         </p:nvSpPr>
         <p:spPr>
           <a:xfrm>
-            <a:off x="3093245" y="368056"/>
+            <a:off x="451645" y="710170"/>
             <a:ext cx="1076324" cy="278506"/>
           </a:xfrm>
           <a:prstGeom prst="ellipse">
@@ -10794,7 +13658,7 @@
         </p:nvSpPr>
         <p:spPr>
           <a:xfrm>
-            <a:off x="2995614" y="866777"/>
+            <a:off x="354014" y="1208891"/>
             <a:ext cx="1271586" cy="228600"/>
           </a:xfrm>
           <a:prstGeom prst="rect">
@@ -10829,7 +13693,7 @@
           <a:p>
             <a:pPr algn="ctr"/>
             <a:r>
-              <a:rPr lang="en-US" sz="1200">
+              <a:rPr lang="en-US" sz="1200" dirty="0">
                 <a:solidFill>
                   <a:schemeClr val="tx1"/>
                 </a:solidFill>
@@ -10849,7 +13713,7 @@
         </p:nvSpPr>
         <p:spPr>
           <a:xfrm>
-            <a:off x="2995614" y="1315592"/>
+            <a:off x="354014" y="1657706"/>
             <a:ext cx="1271586" cy="228600"/>
           </a:xfrm>
           <a:prstGeom prst="rect">
@@ -10904,7 +13768,7 @@
         </p:nvSpPr>
         <p:spPr>
           <a:xfrm>
-            <a:off x="2995614" y="1733550"/>
+            <a:off x="354014" y="2075664"/>
             <a:ext cx="1271586" cy="295274"/>
           </a:xfrm>
           <a:prstGeom prst="rect">
@@ -10959,7 +13823,7 @@
         </p:nvSpPr>
         <p:spPr>
           <a:xfrm>
-            <a:off x="2995614" y="2218182"/>
+            <a:off x="354014" y="2560296"/>
             <a:ext cx="1271586" cy="247650"/>
           </a:xfrm>
           <a:prstGeom prst="rect">
@@ -11014,7 +13878,7 @@
         </p:nvSpPr>
         <p:spPr>
           <a:xfrm>
-            <a:off x="2995614" y="2683435"/>
+            <a:off x="354014" y="3025549"/>
             <a:ext cx="1271586" cy="311160"/>
           </a:xfrm>
           <a:prstGeom prst="rect">
@@ -11082,7 +13946,7 @@
         </p:nvCxnSpPr>
         <p:spPr>
           <a:xfrm>
-            <a:off x="3631407" y="646562"/>
+            <a:off x="989807" y="988676"/>
             <a:ext cx="0" cy="220215"/>
           </a:xfrm>
           <a:prstGeom prst="straightConnector1">
@@ -11121,7 +13985,7 @@
         </p:nvCxnSpPr>
         <p:spPr>
           <a:xfrm>
-            <a:off x="3631407" y="1095377"/>
+            <a:off x="989807" y="1437491"/>
             <a:ext cx="0" cy="220215"/>
           </a:xfrm>
           <a:prstGeom prst="straightConnector1">
@@ -11160,7 +14024,7 @@
         </p:nvCxnSpPr>
         <p:spPr>
           <a:xfrm>
-            <a:off x="3631407" y="1544192"/>
+            <a:off x="989807" y="1886306"/>
             <a:ext cx="0" cy="189358"/>
           </a:xfrm>
           <a:prstGeom prst="straightConnector1">
@@ -11199,7 +14063,7 @@
         </p:nvCxnSpPr>
         <p:spPr>
           <a:xfrm>
-            <a:off x="3631407" y="2028824"/>
+            <a:off x="989807" y="2370938"/>
             <a:ext cx="0" cy="189358"/>
           </a:xfrm>
           <a:prstGeom prst="straightConnector1">
@@ -11238,7 +14102,7 @@
         </p:nvCxnSpPr>
         <p:spPr>
           <a:xfrm>
-            <a:off x="3631407" y="2465832"/>
+            <a:off x="989807" y="2807946"/>
             <a:ext cx="0" cy="217603"/>
           </a:xfrm>
           <a:prstGeom prst="straightConnector1">
@@ -11274,7 +14138,7 @@
         </p:nvSpPr>
         <p:spPr>
           <a:xfrm>
-            <a:off x="4725828" y="790263"/>
+            <a:off x="2084228" y="1132377"/>
             <a:ext cx="1271586" cy="421766"/>
           </a:xfrm>
           <a:prstGeom prst="rect">
@@ -11309,27 +14173,17 @@
           <a:p>
             <a:pPr algn="ctr"/>
             <a:r>
-              <a:rPr lang="en-US" sz="1200" err="1">
-                <a:solidFill>
-                  <a:schemeClr val="tx1"/>
-                </a:solidFill>
-                <a:latin typeface="Times New Roman" panose="02020603050405020304" pitchFamily="18" charset="0"/>
-                <a:cs typeface="Times New Roman" panose="02020603050405020304" pitchFamily="18" charset="0"/>
-              </a:rPr>
-              <a:t>Terbang</a:t>
-            </a:r>
-            <a:r>
-              <a:rPr lang="en-US" sz="1200">
-                <a:solidFill>
-                  <a:schemeClr val="tx1"/>
-                </a:solidFill>
-                <a:latin typeface="Times New Roman" panose="02020603050405020304" pitchFamily="18" charset="0"/>
-                <a:cs typeface="Times New Roman" panose="02020603050405020304" pitchFamily="18" charset="0"/>
-              </a:rPr>
-              <a:t> </a:t>
-            </a:r>
-            <a:r>
-              <a:rPr lang="en-US" sz="1200" err="1">
+              <a:rPr lang="en-US" sz="1200" dirty="0">
+                <a:solidFill>
+                  <a:schemeClr val="tx1"/>
+                </a:solidFill>
+                <a:latin typeface="Times New Roman" panose="02020603050405020304" pitchFamily="18" charset="0"/>
+                <a:cs typeface="Times New Roman" panose="02020603050405020304" pitchFamily="18" charset="0"/>
+              </a:rPr>
+              <a:t>Terbang </a:t>
+            </a:r>
+            <a:r>
+              <a:rPr lang="en-US" sz="1200" dirty="0" err="1">
                 <a:solidFill>
                   <a:schemeClr val="tx1"/>
                 </a:solidFill>
@@ -11339,32 +14193,15 @@
               <a:t>Sesuai</a:t>
             </a:r>
             <a:r>
-              <a:rPr lang="en-US" sz="1200">
-                <a:solidFill>
-                  <a:schemeClr val="tx1"/>
-                </a:solidFill>
-                <a:latin typeface="Times New Roman" panose="02020603050405020304" pitchFamily="18" charset="0"/>
-                <a:cs typeface="Times New Roman" panose="02020603050405020304" pitchFamily="18" charset="0"/>
-              </a:rPr>
-              <a:t> </a:t>
-            </a:r>
-            <a:r>
-              <a:rPr lang="en-US" sz="1200" err="1">
-                <a:solidFill>
-                  <a:schemeClr val="tx1"/>
-                </a:solidFill>
-                <a:latin typeface="Times New Roman" panose="02020603050405020304" pitchFamily="18" charset="0"/>
-                <a:cs typeface="Times New Roman" panose="02020603050405020304" pitchFamily="18" charset="0"/>
-              </a:rPr>
-              <a:t>Misi</a:t>
-            </a:r>
-            <a:endParaRPr lang="en-US" sz="1200">
-              <a:solidFill>
-                <a:schemeClr val="tx1"/>
-              </a:solidFill>
-              <a:latin typeface="Times New Roman" panose="02020603050405020304" pitchFamily="18" charset="0"/>
-              <a:cs typeface="Times New Roman" panose="02020603050405020304" pitchFamily="18" charset="0"/>
-            </a:endParaRPr>
+              <a:rPr lang="en-US" sz="1200" dirty="0">
+                <a:solidFill>
+                  <a:schemeClr val="tx1"/>
+                </a:solidFill>
+                <a:latin typeface="Times New Roman" panose="02020603050405020304" pitchFamily="18" charset="0"/>
+                <a:cs typeface="Times New Roman" panose="02020603050405020304" pitchFamily="18" charset="0"/>
+              </a:rPr>
+              <a:t> Misi</a:t>
+            </a:r>
           </a:p>
         </p:txBody>
       </p:sp>
@@ -11376,7 +14213,7 @@
         </p:nvSpPr>
         <p:spPr>
           <a:xfrm>
-            <a:off x="3500438" y="3309801"/>
+            <a:off x="858838" y="3651915"/>
             <a:ext cx="261937" cy="247650"/>
           </a:xfrm>
           <a:prstGeom prst="ellipse">
@@ -11425,15 +14262,16 @@
         <p:nvCxnSpPr>
           <p:cNvPr id="33" name="Straight Arrow Connector 32"/>
           <p:cNvCxnSpPr>
-            <a:stCxn id="11" idx="2"/>
-            <a:endCxn id="21" idx="0"/>
+            <a:cxnSpLocks/>
+            <a:stCxn id="12" idx="2"/>
+            <a:endCxn id="24" idx="0"/>
           </p:cNvCxnSpPr>
           <p:nvPr/>
         </p:nvCxnSpPr>
         <p:spPr>
-          <a:xfrm>
-            <a:off x="3631407" y="2994595"/>
-            <a:ext cx="0" cy="315206"/>
+          <a:xfrm flipH="1">
+            <a:off x="7749615" y="4673358"/>
+            <a:ext cx="6229" cy="183540"/>
           </a:xfrm>
           <a:prstGeom prst="straightConnector1">
             <a:avLst/>
@@ -11468,7 +14306,7 @@
         </p:nvSpPr>
         <p:spPr>
           <a:xfrm>
-            <a:off x="5230653" y="368056"/>
+            <a:off x="2589053" y="710170"/>
             <a:ext cx="261937" cy="247650"/>
           </a:xfrm>
           <a:prstGeom prst="ellipse">
@@ -11521,7 +14359,7 @@
         </p:nvSpPr>
         <p:spPr>
           <a:xfrm>
-            <a:off x="4725828" y="1376298"/>
+            <a:off x="2084228" y="1718412"/>
             <a:ext cx="1271586" cy="338899"/>
           </a:xfrm>
           <a:prstGeom prst="rect">
@@ -11576,7 +14414,7 @@
         </p:nvSpPr>
         <p:spPr>
           <a:xfrm>
-            <a:off x="4725828" y="1901365"/>
+            <a:off x="2084228" y="2243479"/>
             <a:ext cx="1271586" cy="311160"/>
           </a:xfrm>
           <a:prstGeom prst="rect">
@@ -11641,7 +14479,7 @@
         </p:nvSpPr>
         <p:spPr>
           <a:xfrm>
-            <a:off x="4725828" y="2372275"/>
+            <a:off x="2084228" y="2714389"/>
             <a:ext cx="1271586" cy="311160"/>
           </a:xfrm>
           <a:prstGeom prst="rect">
@@ -11696,7 +14534,7 @@
         </p:nvSpPr>
         <p:spPr>
           <a:xfrm>
-            <a:off x="4725828" y="2845413"/>
+            <a:off x="2084228" y="3187527"/>
             <a:ext cx="1271586" cy="311160"/>
           </a:xfrm>
           <a:prstGeom prst="rect">
@@ -11751,7 +14589,7 @@
         </p:nvSpPr>
         <p:spPr>
           <a:xfrm>
-            <a:off x="4823459" y="3304150"/>
+            <a:off x="2181859" y="3646264"/>
             <a:ext cx="1076324" cy="278506"/>
           </a:xfrm>
           <a:prstGeom prst="ellipse">
@@ -11816,7 +14654,7 @@
         </p:nvCxnSpPr>
         <p:spPr>
           <a:xfrm flipH="1">
-            <a:off x="5361621" y="615706"/>
+            <a:off x="2720021" y="957820"/>
             <a:ext cx="1" cy="174557"/>
           </a:xfrm>
           <a:prstGeom prst="straightConnector1">
@@ -11855,7 +14693,7 @@
         </p:nvCxnSpPr>
         <p:spPr>
           <a:xfrm>
-            <a:off x="5361621" y="1212029"/>
+            <a:off x="2720021" y="1554143"/>
             <a:ext cx="0" cy="164269"/>
           </a:xfrm>
           <a:prstGeom prst="straightConnector1">
@@ -11894,7 +14732,7 @@
         </p:nvCxnSpPr>
         <p:spPr>
           <a:xfrm>
-            <a:off x="5361621" y="1715197"/>
+            <a:off x="2720021" y="2057311"/>
             <a:ext cx="0" cy="186168"/>
           </a:xfrm>
           <a:prstGeom prst="straightConnector1">
@@ -11933,7 +14771,7 @@
         </p:nvCxnSpPr>
         <p:spPr>
           <a:xfrm>
-            <a:off x="5361621" y="2212525"/>
+            <a:off x="2720021" y="2554639"/>
             <a:ext cx="0" cy="159750"/>
           </a:xfrm>
           <a:prstGeom prst="straightConnector1">
@@ -11972,7 +14810,7 @@
         </p:nvCxnSpPr>
         <p:spPr>
           <a:xfrm>
-            <a:off x="5361621" y="2683435"/>
+            <a:off x="2720021" y="3025549"/>
             <a:ext cx="0" cy="161978"/>
           </a:xfrm>
           <a:prstGeom prst="straightConnector1">
@@ -12011,8 +14849,2492 @@
         </p:nvCxnSpPr>
         <p:spPr>
           <a:xfrm>
-            <a:off x="5361621" y="3156573"/>
+            <a:off x="2720021" y="3498687"/>
             <a:ext cx="0" cy="147577"/>
+          </a:xfrm>
+          <a:prstGeom prst="straightConnector1">
+            <a:avLst/>
+          </a:prstGeom>
+          <a:ln w="12700">
+            <a:solidFill>
+              <a:schemeClr val="tx1"/>
+            </a:solidFill>
+            <a:tailEnd type="triangle"/>
+          </a:ln>
+        </p:spPr>
+        <p:style>
+          <a:lnRef idx="1">
+            <a:schemeClr val="accent1"/>
+          </a:lnRef>
+          <a:fillRef idx="0">
+            <a:schemeClr val="accent1"/>
+          </a:fillRef>
+          <a:effectRef idx="0">
+            <a:schemeClr val="accent1"/>
+          </a:effectRef>
+          <a:fontRef idx="minor">
+            <a:schemeClr val="tx1"/>
+          </a:fontRef>
+        </p:style>
+      </p:cxnSp>
+      <p:sp>
+        <p:nvSpPr>
+          <p:cNvPr id="2" name="Oval 1">
+            <a:extLst>
+              <a:ext uri="{FF2B5EF4-FFF2-40B4-BE49-F238E27FC236}">
+                <a16:creationId xmlns:a16="http://schemas.microsoft.com/office/drawing/2014/main" id="{AC1D4AE2-8262-C55C-CCC4-5967C6478CD3}"/>
+              </a:ext>
+            </a:extLst>
+          </p:cNvPr>
+          <p:cNvSpPr/>
+          <p:nvPr/>
+        </p:nvSpPr>
+        <p:spPr>
+          <a:xfrm>
+            <a:off x="7217682" y="710170"/>
+            <a:ext cx="1076324" cy="278506"/>
+          </a:xfrm>
+          <a:prstGeom prst="ellipse">
+            <a:avLst/>
+          </a:prstGeom>
+          <a:noFill/>
+          <a:ln w="12700">
+            <a:solidFill>
+              <a:schemeClr val="tx1"/>
+            </a:solidFill>
+          </a:ln>
+        </p:spPr>
+        <p:style>
+          <a:lnRef idx="2">
+            <a:schemeClr val="accent1">
+              <a:shade val="50000"/>
+            </a:schemeClr>
+          </a:lnRef>
+          <a:fillRef idx="1">
+            <a:schemeClr val="accent1"/>
+          </a:fillRef>
+          <a:effectRef idx="0">
+            <a:schemeClr val="accent1"/>
+          </a:effectRef>
+          <a:fontRef idx="minor">
+            <a:schemeClr val="lt1"/>
+          </a:fontRef>
+        </p:style>
+        <p:txBody>
+          <a:bodyPr rtlCol="0" anchor="ctr"/>
+          <a:lstStyle/>
+          <a:p>
+            <a:pPr algn="ctr"/>
+            <a:r>
+              <a:rPr lang="en-US" sz="1200" err="1">
+                <a:solidFill>
+                  <a:schemeClr val="tx1"/>
+                </a:solidFill>
+                <a:latin typeface="Times New Roman" panose="02020603050405020304" pitchFamily="18" charset="0"/>
+                <a:cs typeface="Times New Roman" panose="02020603050405020304" pitchFamily="18" charset="0"/>
+              </a:rPr>
+              <a:t>Mulai</a:t>
+            </a:r>
+            <a:endParaRPr lang="en-US">
+              <a:solidFill>
+                <a:schemeClr val="tx1"/>
+              </a:solidFill>
+              <a:latin typeface="Times New Roman" panose="02020603050405020304" pitchFamily="18" charset="0"/>
+              <a:cs typeface="Times New Roman" panose="02020603050405020304" pitchFamily="18" charset="0"/>
+            </a:endParaRPr>
+          </a:p>
+        </p:txBody>
+      </p:sp>
+      <p:sp>
+        <p:nvSpPr>
+          <p:cNvPr id="3" name="Rectangle 2">
+            <a:extLst>
+              <a:ext uri="{FF2B5EF4-FFF2-40B4-BE49-F238E27FC236}">
+                <a16:creationId xmlns:a16="http://schemas.microsoft.com/office/drawing/2014/main" id="{1ECC5A08-1F00-9CD5-D7ED-DD838312ECF4}"/>
+              </a:ext>
+            </a:extLst>
+          </p:cNvPr>
+          <p:cNvSpPr/>
+          <p:nvPr/>
+        </p:nvSpPr>
+        <p:spPr>
+          <a:xfrm>
+            <a:off x="7120051" y="1208891"/>
+            <a:ext cx="1271586" cy="228600"/>
+          </a:xfrm>
+          <a:prstGeom prst="rect">
+            <a:avLst/>
+          </a:prstGeom>
+          <a:noFill/>
+          <a:ln>
+            <a:solidFill>
+              <a:schemeClr val="tx1"/>
+            </a:solidFill>
+          </a:ln>
+        </p:spPr>
+        <p:style>
+          <a:lnRef idx="2">
+            <a:schemeClr val="accent1">
+              <a:shade val="50000"/>
+            </a:schemeClr>
+          </a:lnRef>
+          <a:fillRef idx="1">
+            <a:schemeClr val="accent1"/>
+          </a:fillRef>
+          <a:effectRef idx="0">
+            <a:schemeClr val="accent1"/>
+          </a:effectRef>
+          <a:fontRef idx="minor">
+            <a:schemeClr val="lt1"/>
+          </a:fontRef>
+        </p:style>
+        <p:txBody>
+          <a:bodyPr rtlCol="0" anchor="ctr"/>
+          <a:lstStyle/>
+          <a:p>
+            <a:pPr algn="ctr"/>
+            <a:r>
+              <a:rPr lang="en-US" sz="1200" dirty="0">
+                <a:solidFill>
+                  <a:schemeClr val="tx1"/>
+                </a:solidFill>
+                <a:latin typeface="Times New Roman" panose="02020603050405020304" pitchFamily="18" charset="0"/>
+                <a:cs typeface="Times New Roman" panose="02020603050405020304" pitchFamily="18" charset="0"/>
+              </a:rPr>
+              <a:t>Arming</a:t>
+            </a:r>
+          </a:p>
+        </p:txBody>
+      </p:sp>
+      <p:sp>
+        <p:nvSpPr>
+          <p:cNvPr id="10" name="Rectangle 9">
+            <a:extLst>
+              <a:ext uri="{FF2B5EF4-FFF2-40B4-BE49-F238E27FC236}">
+                <a16:creationId xmlns:a16="http://schemas.microsoft.com/office/drawing/2014/main" id="{C1E22646-5767-5F24-395F-2E6EF97A2456}"/>
+              </a:ext>
+            </a:extLst>
+          </p:cNvPr>
+          <p:cNvSpPr/>
+          <p:nvPr/>
+        </p:nvSpPr>
+        <p:spPr>
+          <a:xfrm>
+            <a:off x="7120051" y="2455172"/>
+            <a:ext cx="1271586" cy="295274"/>
+          </a:xfrm>
+          <a:prstGeom prst="rect">
+            <a:avLst/>
+          </a:prstGeom>
+          <a:noFill/>
+          <a:ln>
+            <a:solidFill>
+              <a:schemeClr val="tx1"/>
+            </a:solidFill>
+          </a:ln>
+        </p:spPr>
+        <p:style>
+          <a:lnRef idx="2">
+            <a:schemeClr val="accent1">
+              <a:shade val="50000"/>
+            </a:schemeClr>
+          </a:lnRef>
+          <a:fillRef idx="1">
+            <a:schemeClr val="accent1"/>
+          </a:fillRef>
+          <a:effectRef idx="0">
+            <a:schemeClr val="accent1"/>
+          </a:effectRef>
+          <a:fontRef idx="minor">
+            <a:schemeClr val="lt1"/>
+          </a:fontRef>
+        </p:style>
+        <p:txBody>
+          <a:bodyPr rtlCol="0" anchor="ctr"/>
+          <a:lstStyle/>
+          <a:p>
+            <a:pPr algn="ctr"/>
+            <a:r>
+              <a:rPr lang="en-US" sz="1200" dirty="0">
+                <a:solidFill>
+                  <a:schemeClr val="tx1"/>
+                </a:solidFill>
+                <a:latin typeface="Times New Roman" panose="02020603050405020304" pitchFamily="18" charset="0"/>
+                <a:cs typeface="Times New Roman" panose="02020603050405020304" pitchFamily="18" charset="0"/>
+              </a:rPr>
+              <a:t>Takeoff</a:t>
+            </a:r>
+          </a:p>
+        </p:txBody>
+      </p:sp>
+      <p:sp>
+        <p:nvSpPr>
+          <p:cNvPr id="12" name="Rectangle 11">
+            <a:extLst>
+              <a:ext uri="{FF2B5EF4-FFF2-40B4-BE49-F238E27FC236}">
+                <a16:creationId xmlns:a16="http://schemas.microsoft.com/office/drawing/2014/main" id="{1F051433-74C5-633E-AB70-857983E8C52D}"/>
+              </a:ext>
+            </a:extLst>
+          </p:cNvPr>
+          <p:cNvSpPr/>
+          <p:nvPr/>
+        </p:nvSpPr>
+        <p:spPr>
+          <a:xfrm>
+            <a:off x="7120051" y="4290625"/>
+            <a:ext cx="1271586" cy="382733"/>
+          </a:xfrm>
+          <a:prstGeom prst="rect">
+            <a:avLst/>
+          </a:prstGeom>
+          <a:noFill/>
+          <a:ln>
+            <a:solidFill>
+              <a:schemeClr val="tx1"/>
+            </a:solidFill>
+          </a:ln>
+        </p:spPr>
+        <p:style>
+          <a:lnRef idx="2">
+            <a:schemeClr val="accent1">
+              <a:shade val="50000"/>
+            </a:schemeClr>
+          </a:lnRef>
+          <a:fillRef idx="1">
+            <a:schemeClr val="accent1"/>
+          </a:fillRef>
+          <a:effectRef idx="0">
+            <a:schemeClr val="accent1"/>
+          </a:effectRef>
+          <a:fontRef idx="minor">
+            <a:schemeClr val="lt1"/>
+          </a:fontRef>
+        </p:style>
+        <p:txBody>
+          <a:bodyPr rtlCol="0" anchor="ctr"/>
+          <a:lstStyle/>
+          <a:p>
+            <a:pPr algn="ctr"/>
+            <a:r>
+              <a:rPr lang="en-US" sz="1200" dirty="0" err="1">
+                <a:solidFill>
+                  <a:schemeClr val="tx1"/>
+                </a:solidFill>
+                <a:latin typeface="Times New Roman" panose="02020603050405020304" pitchFamily="18" charset="0"/>
+                <a:cs typeface="Times New Roman" panose="02020603050405020304" pitchFamily="18" charset="0"/>
+              </a:rPr>
+              <a:t>Menyalakan</a:t>
+            </a:r>
+            <a:r>
+              <a:rPr lang="en-US" sz="1200" dirty="0">
+                <a:solidFill>
+                  <a:schemeClr val="tx1"/>
+                </a:solidFill>
+                <a:latin typeface="Times New Roman" panose="02020603050405020304" pitchFamily="18" charset="0"/>
+                <a:cs typeface="Times New Roman" panose="02020603050405020304" pitchFamily="18" charset="0"/>
+              </a:rPr>
+              <a:t> </a:t>
+            </a:r>
+            <a:r>
+              <a:rPr lang="en-US" sz="1200" dirty="0" err="1">
+                <a:solidFill>
+                  <a:schemeClr val="tx1"/>
+                </a:solidFill>
+                <a:latin typeface="Times New Roman" panose="02020603050405020304" pitchFamily="18" charset="0"/>
+                <a:cs typeface="Times New Roman" panose="02020603050405020304" pitchFamily="18" charset="0"/>
+              </a:rPr>
+              <a:t>Waterpump</a:t>
+            </a:r>
+            <a:endParaRPr lang="en-US" sz="1200" dirty="0">
+              <a:solidFill>
+                <a:schemeClr val="tx1"/>
+              </a:solidFill>
+              <a:latin typeface="Times New Roman" panose="02020603050405020304" pitchFamily="18" charset="0"/>
+              <a:cs typeface="Times New Roman" panose="02020603050405020304" pitchFamily="18" charset="0"/>
+            </a:endParaRPr>
+          </a:p>
+        </p:txBody>
+      </p:sp>
+      <p:sp>
+        <p:nvSpPr>
+          <p:cNvPr id="13" name="Rectangle 12">
+            <a:extLst>
+              <a:ext uri="{FF2B5EF4-FFF2-40B4-BE49-F238E27FC236}">
+                <a16:creationId xmlns:a16="http://schemas.microsoft.com/office/drawing/2014/main" id="{C393A008-69DC-37AB-581D-92F0CD25A620}"/>
+              </a:ext>
+            </a:extLst>
+          </p:cNvPr>
+          <p:cNvSpPr/>
+          <p:nvPr/>
+        </p:nvSpPr>
+        <p:spPr>
+          <a:xfrm>
+            <a:off x="9110774" y="3529897"/>
+            <a:ext cx="1271586" cy="311160"/>
+          </a:xfrm>
+          <a:prstGeom prst="rect">
+            <a:avLst/>
+          </a:prstGeom>
+          <a:noFill/>
+          <a:ln>
+            <a:solidFill>
+              <a:schemeClr val="tx1"/>
+            </a:solidFill>
+          </a:ln>
+        </p:spPr>
+        <p:style>
+          <a:lnRef idx="2">
+            <a:schemeClr val="accent1">
+              <a:shade val="50000"/>
+            </a:schemeClr>
+          </a:lnRef>
+          <a:fillRef idx="1">
+            <a:schemeClr val="accent1"/>
+          </a:fillRef>
+          <a:effectRef idx="0">
+            <a:schemeClr val="accent1"/>
+          </a:effectRef>
+          <a:fontRef idx="minor">
+            <a:schemeClr val="lt1"/>
+          </a:fontRef>
+        </p:style>
+        <p:txBody>
+          <a:bodyPr rtlCol="0" anchor="ctr"/>
+          <a:lstStyle/>
+          <a:p>
+            <a:pPr algn="ctr"/>
+            <a:r>
+              <a:rPr lang="en-US" sz="1200" dirty="0">
+                <a:solidFill>
+                  <a:schemeClr val="tx1"/>
+                </a:solidFill>
+                <a:latin typeface="Times New Roman" panose="02020603050405020304" pitchFamily="18" charset="0"/>
+                <a:cs typeface="Times New Roman" panose="02020603050405020304" pitchFamily="18" charset="0"/>
+              </a:rPr>
+              <a:t>Landing</a:t>
+            </a:r>
+          </a:p>
+        </p:txBody>
+      </p:sp>
+      <p:cxnSp>
+        <p:nvCxnSpPr>
+          <p:cNvPr id="16" name="Straight Arrow Connector 15">
+            <a:extLst>
+              <a:ext uri="{FF2B5EF4-FFF2-40B4-BE49-F238E27FC236}">
+                <a16:creationId xmlns:a16="http://schemas.microsoft.com/office/drawing/2014/main" id="{B039B927-1ABA-E74E-A047-91D90938B495}"/>
+              </a:ext>
+            </a:extLst>
+          </p:cNvPr>
+          <p:cNvCxnSpPr>
+            <a:stCxn id="2" idx="4"/>
+            <a:endCxn id="3" idx="0"/>
+          </p:cNvCxnSpPr>
+          <p:nvPr/>
+        </p:nvCxnSpPr>
+        <p:spPr>
+          <a:xfrm>
+            <a:off x="7755844" y="988676"/>
+            <a:ext cx="0" cy="220215"/>
+          </a:xfrm>
+          <a:prstGeom prst="straightConnector1">
+            <a:avLst/>
+          </a:prstGeom>
+          <a:ln w="12700">
+            <a:solidFill>
+              <a:schemeClr val="tx1"/>
+            </a:solidFill>
+            <a:tailEnd type="triangle"/>
+          </a:ln>
+        </p:spPr>
+        <p:style>
+          <a:lnRef idx="1">
+            <a:schemeClr val="accent1"/>
+          </a:lnRef>
+          <a:fillRef idx="0">
+            <a:schemeClr val="accent1"/>
+          </a:fillRef>
+          <a:effectRef idx="0">
+            <a:schemeClr val="accent1"/>
+          </a:effectRef>
+          <a:fontRef idx="minor">
+            <a:schemeClr val="tx1"/>
+          </a:fontRef>
+        </p:style>
+      </p:cxnSp>
+      <p:cxnSp>
+        <p:nvCxnSpPr>
+          <p:cNvPr id="19" name="Straight Arrow Connector 18">
+            <a:extLst>
+              <a:ext uri="{FF2B5EF4-FFF2-40B4-BE49-F238E27FC236}">
+                <a16:creationId xmlns:a16="http://schemas.microsoft.com/office/drawing/2014/main" id="{D80A98C5-1C60-4402-502C-20913CBC71EF}"/>
+              </a:ext>
+            </a:extLst>
+          </p:cNvPr>
+          <p:cNvCxnSpPr>
+            <a:cxnSpLocks/>
+            <a:stCxn id="3" idx="2"/>
+            <a:endCxn id="28" idx="1"/>
+          </p:cNvCxnSpPr>
+          <p:nvPr/>
+        </p:nvCxnSpPr>
+        <p:spPr>
+          <a:xfrm>
+            <a:off x="7755844" y="1437491"/>
+            <a:ext cx="0" cy="285488"/>
+          </a:xfrm>
+          <a:prstGeom prst="straightConnector1">
+            <a:avLst/>
+          </a:prstGeom>
+          <a:ln w="12700">
+            <a:solidFill>
+              <a:schemeClr val="tx1"/>
+            </a:solidFill>
+            <a:tailEnd type="triangle"/>
+          </a:ln>
+        </p:spPr>
+        <p:style>
+          <a:lnRef idx="1">
+            <a:schemeClr val="accent1"/>
+          </a:lnRef>
+          <a:fillRef idx="0">
+            <a:schemeClr val="accent1"/>
+          </a:fillRef>
+          <a:effectRef idx="0">
+            <a:schemeClr val="accent1"/>
+          </a:effectRef>
+          <a:fontRef idx="minor">
+            <a:schemeClr val="tx1"/>
+          </a:fontRef>
+        </p:style>
+      </p:cxnSp>
+      <p:cxnSp>
+        <p:nvCxnSpPr>
+          <p:cNvPr id="20" name="Straight Arrow Connector 19">
+            <a:extLst>
+              <a:ext uri="{FF2B5EF4-FFF2-40B4-BE49-F238E27FC236}">
+                <a16:creationId xmlns:a16="http://schemas.microsoft.com/office/drawing/2014/main" id="{1C49B548-D5FB-EF54-3B12-A871BDA7C4E6}"/>
+              </a:ext>
+            </a:extLst>
+          </p:cNvPr>
+          <p:cNvCxnSpPr>
+            <a:cxnSpLocks/>
+            <a:endCxn id="10" idx="0"/>
+          </p:cNvCxnSpPr>
+          <p:nvPr/>
+        </p:nvCxnSpPr>
+        <p:spPr>
+          <a:xfrm>
+            <a:off x="7755844" y="2188742"/>
+            <a:ext cx="0" cy="266430"/>
+          </a:xfrm>
+          <a:prstGeom prst="straightConnector1">
+            <a:avLst/>
+          </a:prstGeom>
+          <a:ln w="12700">
+            <a:solidFill>
+              <a:schemeClr val="tx1"/>
+            </a:solidFill>
+            <a:tailEnd type="triangle"/>
+          </a:ln>
+        </p:spPr>
+        <p:style>
+          <a:lnRef idx="1">
+            <a:schemeClr val="accent1"/>
+          </a:lnRef>
+          <a:fillRef idx="0">
+            <a:schemeClr val="accent1"/>
+          </a:fillRef>
+          <a:effectRef idx="0">
+            <a:schemeClr val="accent1"/>
+          </a:effectRef>
+          <a:fontRef idx="minor">
+            <a:schemeClr val="tx1"/>
+          </a:fontRef>
+        </p:style>
+      </p:cxnSp>
+      <p:sp>
+        <p:nvSpPr>
+          <p:cNvPr id="24" name="Oval 23">
+            <a:extLst>
+              <a:ext uri="{FF2B5EF4-FFF2-40B4-BE49-F238E27FC236}">
+                <a16:creationId xmlns:a16="http://schemas.microsoft.com/office/drawing/2014/main" id="{D2A644D9-05F7-394E-D7F7-B532EFC6B1FF}"/>
+              </a:ext>
+            </a:extLst>
+          </p:cNvPr>
+          <p:cNvSpPr/>
+          <p:nvPr/>
+        </p:nvSpPr>
+        <p:spPr>
+          <a:xfrm>
+            <a:off x="7618646" y="4856898"/>
+            <a:ext cx="261937" cy="247650"/>
+          </a:xfrm>
+          <a:prstGeom prst="ellipse">
+            <a:avLst/>
+          </a:prstGeom>
+          <a:noFill/>
+          <a:ln>
+            <a:solidFill>
+              <a:schemeClr val="tx1"/>
+            </a:solidFill>
+          </a:ln>
+        </p:spPr>
+        <p:style>
+          <a:lnRef idx="2">
+            <a:schemeClr val="accent1">
+              <a:shade val="50000"/>
+            </a:schemeClr>
+          </a:lnRef>
+          <a:fillRef idx="1">
+            <a:schemeClr val="accent1"/>
+          </a:fillRef>
+          <a:effectRef idx="0">
+            <a:schemeClr val="accent1"/>
+          </a:effectRef>
+          <a:fontRef idx="minor">
+            <a:schemeClr val="lt1"/>
+          </a:fontRef>
+        </p:style>
+        <p:txBody>
+          <a:bodyPr rtlCol="0" anchor="ctr"/>
+          <a:lstStyle/>
+          <a:p>
+            <a:pPr algn="ctr"/>
+            <a:r>
+              <a:rPr lang="en-US" sz="1200" dirty="0">
+                <a:solidFill>
+                  <a:schemeClr val="tx1"/>
+                </a:solidFill>
+              </a:rPr>
+              <a:t>A</a:t>
+            </a:r>
+          </a:p>
+        </p:txBody>
+      </p:sp>
+      <p:sp>
+        <p:nvSpPr>
+          <p:cNvPr id="28" name="Flowchart: Data 27">
+            <a:extLst>
+              <a:ext uri="{FF2B5EF4-FFF2-40B4-BE49-F238E27FC236}">
+                <a16:creationId xmlns:a16="http://schemas.microsoft.com/office/drawing/2014/main" id="{DF371DDA-1473-7A3C-765C-4477B32BAD1A}"/>
+              </a:ext>
+            </a:extLst>
+          </p:cNvPr>
+          <p:cNvSpPr/>
+          <p:nvPr/>
+        </p:nvSpPr>
+        <p:spPr>
+          <a:xfrm>
+            <a:off x="6851681" y="1722979"/>
+            <a:ext cx="1808326" cy="469465"/>
+          </a:xfrm>
+          <a:prstGeom prst="flowChartInputOutput">
+            <a:avLst/>
+          </a:prstGeom>
+          <a:ln>
+            <a:solidFill>
+              <a:schemeClr val="tx1"/>
+            </a:solidFill>
+          </a:ln>
+        </p:spPr>
+        <p:style>
+          <a:lnRef idx="2">
+            <a:schemeClr val="accent6"/>
+          </a:lnRef>
+          <a:fillRef idx="1">
+            <a:schemeClr val="lt1"/>
+          </a:fillRef>
+          <a:effectRef idx="0">
+            <a:schemeClr val="accent6"/>
+          </a:effectRef>
+          <a:fontRef idx="minor">
+            <a:schemeClr val="dk1"/>
+          </a:fontRef>
+        </p:style>
+        <p:txBody>
+          <a:bodyPr rtlCol="0" anchor="ctr"/>
+          <a:lstStyle/>
+          <a:p>
+            <a:pPr algn="ctr"/>
+            <a:r>
+              <a:rPr lang="en-US" sz="1200" dirty="0"/>
+              <a:t>Masukkan Jarak </a:t>
+            </a:r>
+            <a:r>
+              <a:rPr lang="en-US" sz="1200" dirty="0" err="1"/>
+              <a:t>semprot</a:t>
+            </a:r>
+            <a:endParaRPr lang="en-ID" sz="1200" dirty="0"/>
+          </a:p>
+        </p:txBody>
+      </p:sp>
+      <p:sp>
+        <p:nvSpPr>
+          <p:cNvPr id="47" name="Diamond 46">
+            <a:extLst>
+              <a:ext uri="{FF2B5EF4-FFF2-40B4-BE49-F238E27FC236}">
+                <a16:creationId xmlns:a16="http://schemas.microsoft.com/office/drawing/2014/main" id="{A37EA023-F971-607F-816C-FE2C4A01AF70}"/>
+              </a:ext>
+            </a:extLst>
+          </p:cNvPr>
+          <p:cNvSpPr/>
+          <p:nvPr/>
+        </p:nvSpPr>
+        <p:spPr>
+          <a:xfrm>
+            <a:off x="6939076" y="3543876"/>
+            <a:ext cx="1633536" cy="609603"/>
+          </a:xfrm>
+          <a:prstGeom prst="diamond">
+            <a:avLst/>
+          </a:prstGeom>
+          <a:noFill/>
+          <a:ln>
+            <a:solidFill>
+              <a:schemeClr val="tx1"/>
+            </a:solidFill>
+          </a:ln>
+        </p:spPr>
+        <p:style>
+          <a:lnRef idx="2">
+            <a:schemeClr val="accent1">
+              <a:shade val="50000"/>
+            </a:schemeClr>
+          </a:lnRef>
+          <a:fillRef idx="1">
+            <a:schemeClr val="accent1"/>
+          </a:fillRef>
+          <a:effectRef idx="0">
+            <a:schemeClr val="accent1"/>
+          </a:effectRef>
+          <a:fontRef idx="minor">
+            <a:schemeClr val="lt1"/>
+          </a:fontRef>
+        </p:style>
+        <p:txBody>
+          <a:bodyPr rtlCol="0" anchor="ctr"/>
+          <a:lstStyle/>
+          <a:p>
+            <a:pPr algn="ctr"/>
+            <a:r>
+              <a:rPr lang="en-US" sz="1200" dirty="0">
+                <a:solidFill>
+                  <a:schemeClr val="tx1"/>
+                </a:solidFill>
+                <a:latin typeface="Times New Roman" panose="02020603050405020304" pitchFamily="18" charset="0"/>
+                <a:cs typeface="Times New Roman" panose="02020603050405020304" pitchFamily="18" charset="0"/>
+              </a:rPr>
+              <a:t>Jarak </a:t>
+            </a:r>
+            <a:r>
+              <a:rPr lang="en-US" sz="1200" dirty="0" err="1">
+                <a:solidFill>
+                  <a:schemeClr val="tx1"/>
+                </a:solidFill>
+                <a:latin typeface="Times New Roman" panose="02020603050405020304" pitchFamily="18" charset="0"/>
+                <a:cs typeface="Times New Roman" panose="02020603050405020304" pitchFamily="18" charset="0"/>
+              </a:rPr>
+              <a:t>Semprot</a:t>
+            </a:r>
+            <a:endParaRPr lang="en-US" sz="1200" dirty="0">
+              <a:solidFill>
+                <a:schemeClr val="tx1"/>
+              </a:solidFill>
+              <a:latin typeface="Times New Roman" panose="02020603050405020304" pitchFamily="18" charset="0"/>
+              <a:cs typeface="Times New Roman" panose="02020603050405020304" pitchFamily="18" charset="0"/>
+            </a:endParaRPr>
+          </a:p>
+        </p:txBody>
+      </p:sp>
+      <p:cxnSp>
+        <p:nvCxnSpPr>
+          <p:cNvPr id="48" name="Straight Arrow Connector 47">
+            <a:extLst>
+              <a:ext uri="{FF2B5EF4-FFF2-40B4-BE49-F238E27FC236}">
+                <a16:creationId xmlns:a16="http://schemas.microsoft.com/office/drawing/2014/main" id="{E57AA47F-F5CD-29F4-3A2D-64BCC7FF47AB}"/>
+              </a:ext>
+            </a:extLst>
+          </p:cNvPr>
+          <p:cNvCxnSpPr>
+            <a:cxnSpLocks/>
+            <a:stCxn id="10" idx="2"/>
+            <a:endCxn id="56" idx="0"/>
+          </p:cNvCxnSpPr>
+          <p:nvPr/>
+        </p:nvCxnSpPr>
+        <p:spPr>
+          <a:xfrm>
+            <a:off x="7755844" y="2750446"/>
+            <a:ext cx="0" cy="185832"/>
+          </a:xfrm>
+          <a:prstGeom prst="straightConnector1">
+            <a:avLst/>
+          </a:prstGeom>
+          <a:ln w="12700">
+            <a:solidFill>
+              <a:schemeClr val="tx1"/>
+            </a:solidFill>
+            <a:tailEnd type="triangle"/>
+          </a:ln>
+        </p:spPr>
+        <p:style>
+          <a:lnRef idx="1">
+            <a:schemeClr val="accent1"/>
+          </a:lnRef>
+          <a:fillRef idx="0">
+            <a:schemeClr val="accent1"/>
+          </a:fillRef>
+          <a:effectRef idx="0">
+            <a:schemeClr val="accent1"/>
+          </a:effectRef>
+          <a:fontRef idx="minor">
+            <a:schemeClr val="tx1"/>
+          </a:fontRef>
+        </p:style>
+      </p:cxnSp>
+      <p:sp>
+        <p:nvSpPr>
+          <p:cNvPr id="56" name="Rectangle 55">
+            <a:extLst>
+              <a:ext uri="{FF2B5EF4-FFF2-40B4-BE49-F238E27FC236}">
+                <a16:creationId xmlns:a16="http://schemas.microsoft.com/office/drawing/2014/main" id="{AF1246BE-C804-3D54-41DC-59BB5345D9AC}"/>
+              </a:ext>
+            </a:extLst>
+          </p:cNvPr>
+          <p:cNvSpPr/>
+          <p:nvPr/>
+        </p:nvSpPr>
+        <p:spPr>
+          <a:xfrm>
+            <a:off x="7120051" y="2936278"/>
+            <a:ext cx="1271586" cy="421766"/>
+          </a:xfrm>
+          <a:prstGeom prst="rect">
+            <a:avLst/>
+          </a:prstGeom>
+          <a:noFill/>
+          <a:ln>
+            <a:solidFill>
+              <a:schemeClr val="tx1"/>
+            </a:solidFill>
+          </a:ln>
+        </p:spPr>
+        <p:style>
+          <a:lnRef idx="2">
+            <a:schemeClr val="accent1">
+              <a:shade val="50000"/>
+            </a:schemeClr>
+          </a:lnRef>
+          <a:fillRef idx="1">
+            <a:schemeClr val="accent1"/>
+          </a:fillRef>
+          <a:effectRef idx="0">
+            <a:schemeClr val="accent1"/>
+          </a:effectRef>
+          <a:fontRef idx="minor">
+            <a:schemeClr val="lt1"/>
+          </a:fontRef>
+        </p:style>
+        <p:txBody>
+          <a:bodyPr rtlCol="0" anchor="ctr"/>
+          <a:lstStyle/>
+          <a:p>
+            <a:pPr algn="ctr"/>
+            <a:r>
+              <a:rPr lang="en-US" sz="1200" err="1">
+                <a:solidFill>
+                  <a:schemeClr val="tx1"/>
+                </a:solidFill>
+                <a:latin typeface="Times New Roman" panose="02020603050405020304" pitchFamily="18" charset="0"/>
+                <a:cs typeface="Times New Roman" panose="02020603050405020304" pitchFamily="18" charset="0"/>
+              </a:rPr>
+              <a:t>Terbang</a:t>
+            </a:r>
+            <a:r>
+              <a:rPr lang="en-US" sz="1200">
+                <a:solidFill>
+                  <a:schemeClr val="tx1"/>
+                </a:solidFill>
+                <a:latin typeface="Times New Roman" panose="02020603050405020304" pitchFamily="18" charset="0"/>
+                <a:cs typeface="Times New Roman" panose="02020603050405020304" pitchFamily="18" charset="0"/>
+              </a:rPr>
+              <a:t> </a:t>
+            </a:r>
+            <a:r>
+              <a:rPr lang="en-US" sz="1200" err="1">
+                <a:solidFill>
+                  <a:schemeClr val="tx1"/>
+                </a:solidFill>
+                <a:latin typeface="Times New Roman" panose="02020603050405020304" pitchFamily="18" charset="0"/>
+                <a:cs typeface="Times New Roman" panose="02020603050405020304" pitchFamily="18" charset="0"/>
+              </a:rPr>
+              <a:t>Sesuai</a:t>
+            </a:r>
+            <a:r>
+              <a:rPr lang="en-US" sz="1200">
+                <a:solidFill>
+                  <a:schemeClr val="tx1"/>
+                </a:solidFill>
+                <a:latin typeface="Times New Roman" panose="02020603050405020304" pitchFamily="18" charset="0"/>
+                <a:cs typeface="Times New Roman" panose="02020603050405020304" pitchFamily="18" charset="0"/>
+              </a:rPr>
+              <a:t> </a:t>
+            </a:r>
+            <a:r>
+              <a:rPr lang="en-US" sz="1200" err="1">
+                <a:solidFill>
+                  <a:schemeClr val="tx1"/>
+                </a:solidFill>
+                <a:latin typeface="Times New Roman" panose="02020603050405020304" pitchFamily="18" charset="0"/>
+                <a:cs typeface="Times New Roman" panose="02020603050405020304" pitchFamily="18" charset="0"/>
+              </a:rPr>
+              <a:t>Misi</a:t>
+            </a:r>
+            <a:endParaRPr lang="en-US" sz="1200">
+              <a:solidFill>
+                <a:schemeClr val="tx1"/>
+              </a:solidFill>
+              <a:latin typeface="Times New Roman" panose="02020603050405020304" pitchFamily="18" charset="0"/>
+              <a:cs typeface="Times New Roman" panose="02020603050405020304" pitchFamily="18" charset="0"/>
+            </a:endParaRPr>
+          </a:p>
+        </p:txBody>
+      </p:sp>
+      <p:cxnSp>
+        <p:nvCxnSpPr>
+          <p:cNvPr id="61" name="Straight Arrow Connector 60">
+            <a:extLst>
+              <a:ext uri="{FF2B5EF4-FFF2-40B4-BE49-F238E27FC236}">
+                <a16:creationId xmlns:a16="http://schemas.microsoft.com/office/drawing/2014/main" id="{BFCACD20-A324-B103-DD11-FB0564B871CF}"/>
+              </a:ext>
+            </a:extLst>
+          </p:cNvPr>
+          <p:cNvCxnSpPr>
+            <a:cxnSpLocks/>
+            <a:stCxn id="56" idx="2"/>
+            <a:endCxn id="47" idx="0"/>
+          </p:cNvCxnSpPr>
+          <p:nvPr/>
+        </p:nvCxnSpPr>
+        <p:spPr>
+          <a:xfrm>
+            <a:off x="7755844" y="3358044"/>
+            <a:ext cx="0" cy="185832"/>
+          </a:xfrm>
+          <a:prstGeom prst="straightConnector1">
+            <a:avLst/>
+          </a:prstGeom>
+          <a:ln w="12700">
+            <a:solidFill>
+              <a:schemeClr val="tx1"/>
+            </a:solidFill>
+            <a:tailEnd type="triangle"/>
+          </a:ln>
+        </p:spPr>
+        <p:style>
+          <a:lnRef idx="1">
+            <a:schemeClr val="accent1"/>
+          </a:lnRef>
+          <a:fillRef idx="0">
+            <a:schemeClr val="accent1"/>
+          </a:fillRef>
+          <a:effectRef idx="0">
+            <a:schemeClr val="accent1"/>
+          </a:effectRef>
+          <a:fontRef idx="minor">
+            <a:schemeClr val="tx1"/>
+          </a:fontRef>
+        </p:style>
+      </p:cxnSp>
+      <p:sp>
+        <p:nvSpPr>
+          <p:cNvPr id="68" name="TextBox 67">
+            <a:extLst>
+              <a:ext uri="{FF2B5EF4-FFF2-40B4-BE49-F238E27FC236}">
+                <a16:creationId xmlns:a16="http://schemas.microsoft.com/office/drawing/2014/main" id="{DEA7CB67-F5C2-B8F1-7539-B461C2FA4ABD}"/>
+              </a:ext>
+            </a:extLst>
+          </p:cNvPr>
+          <p:cNvSpPr txBox="1"/>
+          <p:nvPr/>
+        </p:nvSpPr>
+        <p:spPr>
+          <a:xfrm>
+            <a:off x="6570239" y="3564058"/>
+            <a:ext cx="518161" cy="276999"/>
+          </a:xfrm>
+          <a:prstGeom prst="rect">
+            <a:avLst/>
+          </a:prstGeom>
+          <a:noFill/>
+        </p:spPr>
+        <p:txBody>
+          <a:bodyPr wrap="square" rtlCol="0">
+            <a:spAutoFit/>
+          </a:bodyPr>
+          <a:lstStyle/>
+          <a:p>
+            <a:r>
+              <a:rPr lang="en-US" sz="1200" dirty="0" err="1">
+                <a:latin typeface="Times New Roman" panose="02020603050405020304" pitchFamily="18" charset="0"/>
+                <a:cs typeface="Times New Roman" panose="02020603050405020304" pitchFamily="18" charset="0"/>
+              </a:rPr>
+              <a:t>tidak</a:t>
+            </a:r>
+            <a:endParaRPr lang="en-US" sz="1200" dirty="0">
+              <a:latin typeface="Times New Roman" panose="02020603050405020304" pitchFamily="18" charset="0"/>
+              <a:cs typeface="Times New Roman" panose="02020603050405020304" pitchFamily="18" charset="0"/>
+            </a:endParaRPr>
+          </a:p>
+        </p:txBody>
+      </p:sp>
+      <p:cxnSp>
+        <p:nvCxnSpPr>
+          <p:cNvPr id="70" name="Straight Arrow Connector 69">
+            <a:extLst>
+              <a:ext uri="{FF2B5EF4-FFF2-40B4-BE49-F238E27FC236}">
+                <a16:creationId xmlns:a16="http://schemas.microsoft.com/office/drawing/2014/main" id="{6F4FEE38-9E18-FDB1-2154-C639FB61E3B0}"/>
+              </a:ext>
+            </a:extLst>
+          </p:cNvPr>
+          <p:cNvCxnSpPr>
+            <a:cxnSpLocks/>
+            <a:stCxn id="47" idx="2"/>
+            <a:endCxn id="12" idx="0"/>
+          </p:cNvCxnSpPr>
+          <p:nvPr/>
+        </p:nvCxnSpPr>
+        <p:spPr>
+          <a:xfrm>
+            <a:off x="7755844" y="4153479"/>
+            <a:ext cx="0" cy="137146"/>
+          </a:xfrm>
+          <a:prstGeom prst="straightConnector1">
+            <a:avLst/>
+          </a:prstGeom>
+          <a:ln w="12700">
+            <a:solidFill>
+              <a:schemeClr val="tx1"/>
+            </a:solidFill>
+            <a:tailEnd type="triangle"/>
+          </a:ln>
+        </p:spPr>
+        <p:style>
+          <a:lnRef idx="1">
+            <a:schemeClr val="accent1"/>
+          </a:lnRef>
+          <a:fillRef idx="0">
+            <a:schemeClr val="accent1"/>
+          </a:fillRef>
+          <a:effectRef idx="0">
+            <a:schemeClr val="accent1"/>
+          </a:effectRef>
+          <a:fontRef idx="minor">
+            <a:schemeClr val="tx1"/>
+          </a:fontRef>
+        </p:style>
+      </p:cxnSp>
+      <p:sp>
+        <p:nvSpPr>
+          <p:cNvPr id="76" name="Diamond 75">
+            <a:extLst>
+              <a:ext uri="{FF2B5EF4-FFF2-40B4-BE49-F238E27FC236}">
+                <a16:creationId xmlns:a16="http://schemas.microsoft.com/office/drawing/2014/main" id="{632C2EA0-9A1C-B6C7-9F7A-B10282670784}"/>
+              </a:ext>
+            </a:extLst>
+          </p:cNvPr>
+          <p:cNvSpPr/>
+          <p:nvPr/>
+        </p:nvSpPr>
+        <p:spPr>
+          <a:xfrm>
+            <a:off x="5086027" y="3547345"/>
+            <a:ext cx="1633536" cy="609603"/>
+          </a:xfrm>
+          <a:prstGeom prst="diamond">
+            <a:avLst/>
+          </a:prstGeom>
+          <a:noFill/>
+          <a:ln>
+            <a:solidFill>
+              <a:schemeClr val="tx1"/>
+            </a:solidFill>
+          </a:ln>
+        </p:spPr>
+        <p:style>
+          <a:lnRef idx="2">
+            <a:schemeClr val="accent1">
+              <a:shade val="50000"/>
+            </a:schemeClr>
+          </a:lnRef>
+          <a:fillRef idx="1">
+            <a:schemeClr val="accent1"/>
+          </a:fillRef>
+          <a:effectRef idx="0">
+            <a:schemeClr val="accent1"/>
+          </a:effectRef>
+          <a:fontRef idx="minor">
+            <a:schemeClr val="lt1"/>
+          </a:fontRef>
+        </p:style>
+        <p:txBody>
+          <a:bodyPr rtlCol="0" anchor="ctr"/>
+          <a:lstStyle/>
+          <a:p>
+            <a:pPr algn="ctr"/>
+            <a:r>
+              <a:rPr lang="en-US" sz="1200" dirty="0" err="1">
+                <a:solidFill>
+                  <a:schemeClr val="tx1"/>
+                </a:solidFill>
+                <a:latin typeface="Times New Roman" panose="02020603050405020304" pitchFamily="18" charset="0"/>
+                <a:cs typeface="Times New Roman" panose="02020603050405020304" pitchFamily="18" charset="0"/>
+              </a:rPr>
+              <a:t>Menekan</a:t>
+            </a:r>
+            <a:r>
+              <a:rPr lang="en-US" sz="1200" dirty="0">
+                <a:solidFill>
+                  <a:schemeClr val="tx1"/>
+                </a:solidFill>
+                <a:latin typeface="Times New Roman" panose="02020603050405020304" pitchFamily="18" charset="0"/>
+                <a:cs typeface="Times New Roman" panose="02020603050405020304" pitchFamily="18" charset="0"/>
+              </a:rPr>
+              <a:t> </a:t>
+            </a:r>
+            <a:r>
+              <a:rPr lang="en-US" sz="1200" dirty="0" err="1">
+                <a:solidFill>
+                  <a:schemeClr val="tx1"/>
+                </a:solidFill>
+                <a:latin typeface="Times New Roman" panose="02020603050405020304" pitchFamily="18" charset="0"/>
+                <a:cs typeface="Times New Roman" panose="02020603050405020304" pitchFamily="18" charset="0"/>
+              </a:rPr>
+              <a:t>Tombol</a:t>
+            </a:r>
+            <a:r>
+              <a:rPr lang="en-US" sz="1200" dirty="0">
+                <a:solidFill>
+                  <a:schemeClr val="tx1"/>
+                </a:solidFill>
+                <a:latin typeface="Times New Roman" panose="02020603050405020304" pitchFamily="18" charset="0"/>
+                <a:cs typeface="Times New Roman" panose="02020603050405020304" pitchFamily="18" charset="0"/>
+              </a:rPr>
+              <a:t> Spray</a:t>
+            </a:r>
+          </a:p>
+        </p:txBody>
+      </p:sp>
+      <p:cxnSp>
+        <p:nvCxnSpPr>
+          <p:cNvPr id="78" name="Straight Arrow Connector 77">
+            <a:extLst>
+              <a:ext uri="{FF2B5EF4-FFF2-40B4-BE49-F238E27FC236}">
+                <a16:creationId xmlns:a16="http://schemas.microsoft.com/office/drawing/2014/main" id="{25200367-D123-9217-8154-CC0F149848D8}"/>
+              </a:ext>
+            </a:extLst>
+          </p:cNvPr>
+          <p:cNvCxnSpPr>
+            <a:cxnSpLocks/>
+            <a:stCxn id="47" idx="1"/>
+            <a:endCxn id="76" idx="3"/>
+          </p:cNvCxnSpPr>
+          <p:nvPr/>
+        </p:nvCxnSpPr>
+        <p:spPr>
+          <a:xfrm flipH="1">
+            <a:off x="6719563" y="3848678"/>
+            <a:ext cx="219513" cy="3469"/>
+          </a:xfrm>
+          <a:prstGeom prst="straightConnector1">
+            <a:avLst/>
+          </a:prstGeom>
+          <a:ln w="12700">
+            <a:solidFill>
+              <a:schemeClr val="tx1"/>
+            </a:solidFill>
+            <a:tailEnd type="triangle"/>
+          </a:ln>
+        </p:spPr>
+        <p:style>
+          <a:lnRef idx="1">
+            <a:schemeClr val="accent1"/>
+          </a:lnRef>
+          <a:fillRef idx="0">
+            <a:schemeClr val="accent1"/>
+          </a:fillRef>
+          <a:effectRef idx="0">
+            <a:schemeClr val="accent1"/>
+          </a:effectRef>
+          <a:fontRef idx="minor">
+            <a:schemeClr val="tx1"/>
+          </a:fontRef>
+        </p:style>
+      </p:cxnSp>
+      <p:cxnSp>
+        <p:nvCxnSpPr>
+          <p:cNvPr id="82" name="Straight Connector 81">
+            <a:extLst>
+              <a:ext uri="{FF2B5EF4-FFF2-40B4-BE49-F238E27FC236}">
+                <a16:creationId xmlns:a16="http://schemas.microsoft.com/office/drawing/2014/main" id="{74A4100A-8680-D727-EDFA-0EDA49620EB1}"/>
+              </a:ext>
+            </a:extLst>
+          </p:cNvPr>
+          <p:cNvCxnSpPr>
+            <a:cxnSpLocks/>
+            <a:stCxn id="76" idx="0"/>
+          </p:cNvCxnSpPr>
+          <p:nvPr/>
+        </p:nvCxnSpPr>
+        <p:spPr>
+          <a:xfrm flipV="1">
+            <a:off x="5902795" y="3168511"/>
+            <a:ext cx="0" cy="378834"/>
+          </a:xfrm>
+          <a:prstGeom prst="line">
+            <a:avLst/>
+          </a:prstGeom>
+          <a:ln w="12700">
+            <a:solidFill>
+              <a:schemeClr val="tx1"/>
+            </a:solidFill>
+          </a:ln>
+        </p:spPr>
+        <p:style>
+          <a:lnRef idx="1">
+            <a:schemeClr val="accent1"/>
+          </a:lnRef>
+          <a:fillRef idx="0">
+            <a:schemeClr val="accent1"/>
+          </a:fillRef>
+          <a:effectRef idx="0">
+            <a:schemeClr val="accent1"/>
+          </a:effectRef>
+          <a:fontRef idx="minor">
+            <a:schemeClr val="tx1"/>
+          </a:fontRef>
+        </p:style>
+      </p:cxnSp>
+      <p:cxnSp>
+        <p:nvCxnSpPr>
+          <p:cNvPr id="84" name="Straight Arrow Connector 83">
+            <a:extLst>
+              <a:ext uri="{FF2B5EF4-FFF2-40B4-BE49-F238E27FC236}">
+                <a16:creationId xmlns:a16="http://schemas.microsoft.com/office/drawing/2014/main" id="{6143BD02-C8C6-3A64-C5D9-C7E95114413D}"/>
+              </a:ext>
+            </a:extLst>
+          </p:cNvPr>
+          <p:cNvCxnSpPr>
+            <a:cxnSpLocks/>
+            <a:endCxn id="56" idx="1"/>
+          </p:cNvCxnSpPr>
+          <p:nvPr/>
+        </p:nvCxnSpPr>
+        <p:spPr>
+          <a:xfrm flipV="1">
+            <a:off x="5902795" y="3147161"/>
+            <a:ext cx="1217256" cy="21350"/>
+          </a:xfrm>
+          <a:prstGeom prst="straightConnector1">
+            <a:avLst/>
+          </a:prstGeom>
+          <a:ln w="12700">
+            <a:solidFill>
+              <a:schemeClr val="tx1"/>
+            </a:solidFill>
+            <a:tailEnd type="triangle"/>
+          </a:ln>
+        </p:spPr>
+        <p:style>
+          <a:lnRef idx="1">
+            <a:schemeClr val="accent1"/>
+          </a:lnRef>
+          <a:fillRef idx="0">
+            <a:schemeClr val="accent1"/>
+          </a:fillRef>
+          <a:effectRef idx="0">
+            <a:schemeClr val="accent1"/>
+          </a:effectRef>
+          <a:fontRef idx="minor">
+            <a:schemeClr val="tx1"/>
+          </a:fontRef>
+        </p:style>
+      </p:cxnSp>
+      <p:sp>
+        <p:nvSpPr>
+          <p:cNvPr id="88" name="TextBox 87">
+            <a:extLst>
+              <a:ext uri="{FF2B5EF4-FFF2-40B4-BE49-F238E27FC236}">
+                <a16:creationId xmlns:a16="http://schemas.microsoft.com/office/drawing/2014/main" id="{F7D151C6-4CAF-376E-1E23-72C31B886F35}"/>
+              </a:ext>
+            </a:extLst>
+          </p:cNvPr>
+          <p:cNvSpPr txBox="1"/>
+          <p:nvPr/>
+        </p:nvSpPr>
+        <p:spPr>
+          <a:xfrm>
+            <a:off x="5843938" y="3231610"/>
+            <a:ext cx="518161" cy="276999"/>
+          </a:xfrm>
+          <a:prstGeom prst="rect">
+            <a:avLst/>
+          </a:prstGeom>
+          <a:noFill/>
+        </p:spPr>
+        <p:txBody>
+          <a:bodyPr wrap="square" rtlCol="0">
+            <a:spAutoFit/>
+          </a:bodyPr>
+          <a:lstStyle/>
+          <a:p>
+            <a:r>
+              <a:rPr lang="en-US" sz="1200" dirty="0" err="1">
+                <a:latin typeface="Times New Roman" panose="02020603050405020304" pitchFamily="18" charset="0"/>
+                <a:cs typeface="Times New Roman" panose="02020603050405020304" pitchFamily="18" charset="0"/>
+              </a:rPr>
+              <a:t>tidak</a:t>
+            </a:r>
+            <a:endParaRPr lang="en-US" sz="1200" dirty="0">
+              <a:latin typeface="Times New Roman" panose="02020603050405020304" pitchFamily="18" charset="0"/>
+              <a:cs typeface="Times New Roman" panose="02020603050405020304" pitchFamily="18" charset="0"/>
+            </a:endParaRPr>
+          </a:p>
+        </p:txBody>
+      </p:sp>
+      <p:cxnSp>
+        <p:nvCxnSpPr>
+          <p:cNvPr id="89" name="Straight Arrow Connector 88">
+            <a:extLst>
+              <a:ext uri="{FF2B5EF4-FFF2-40B4-BE49-F238E27FC236}">
+                <a16:creationId xmlns:a16="http://schemas.microsoft.com/office/drawing/2014/main" id="{97F70344-9887-AFCA-1400-D984F0E4BB9F}"/>
+              </a:ext>
+            </a:extLst>
+          </p:cNvPr>
+          <p:cNvCxnSpPr>
+            <a:cxnSpLocks/>
+          </p:cNvCxnSpPr>
+          <p:nvPr/>
+        </p:nvCxnSpPr>
+        <p:spPr>
+          <a:xfrm flipV="1">
+            <a:off x="5902795" y="4481991"/>
+            <a:ext cx="1217256" cy="21350"/>
+          </a:xfrm>
+          <a:prstGeom prst="straightConnector1">
+            <a:avLst/>
+          </a:prstGeom>
+          <a:ln w="12700">
+            <a:solidFill>
+              <a:schemeClr val="tx1"/>
+            </a:solidFill>
+            <a:tailEnd type="triangle"/>
+          </a:ln>
+        </p:spPr>
+        <p:style>
+          <a:lnRef idx="1">
+            <a:schemeClr val="accent1"/>
+          </a:lnRef>
+          <a:fillRef idx="0">
+            <a:schemeClr val="accent1"/>
+          </a:fillRef>
+          <a:effectRef idx="0">
+            <a:schemeClr val="accent1"/>
+          </a:effectRef>
+          <a:fontRef idx="minor">
+            <a:schemeClr val="tx1"/>
+          </a:fontRef>
+        </p:style>
+      </p:cxnSp>
+      <p:cxnSp>
+        <p:nvCxnSpPr>
+          <p:cNvPr id="91" name="Straight Connector 90">
+            <a:extLst>
+              <a:ext uri="{FF2B5EF4-FFF2-40B4-BE49-F238E27FC236}">
+                <a16:creationId xmlns:a16="http://schemas.microsoft.com/office/drawing/2014/main" id="{C199551E-038F-706D-AEDD-A2C218472FC2}"/>
+              </a:ext>
+            </a:extLst>
+          </p:cNvPr>
+          <p:cNvCxnSpPr>
+            <a:cxnSpLocks/>
+            <a:endCxn id="76" idx="2"/>
+          </p:cNvCxnSpPr>
+          <p:nvPr/>
+        </p:nvCxnSpPr>
+        <p:spPr>
+          <a:xfrm flipH="1" flipV="1">
+            <a:off x="5902795" y="4156948"/>
+            <a:ext cx="10511" cy="346393"/>
+          </a:xfrm>
+          <a:prstGeom prst="line">
+            <a:avLst/>
+          </a:prstGeom>
+          <a:ln w="12700">
+            <a:solidFill>
+              <a:schemeClr val="tx1"/>
+            </a:solidFill>
+          </a:ln>
+        </p:spPr>
+        <p:style>
+          <a:lnRef idx="1">
+            <a:schemeClr val="accent1"/>
+          </a:lnRef>
+          <a:fillRef idx="0">
+            <a:schemeClr val="accent1"/>
+          </a:fillRef>
+          <a:effectRef idx="0">
+            <a:schemeClr val="accent1"/>
+          </a:effectRef>
+          <a:fontRef idx="minor">
+            <a:schemeClr val="tx1"/>
+          </a:fontRef>
+        </p:style>
+      </p:cxnSp>
+      <p:sp>
+        <p:nvSpPr>
+          <p:cNvPr id="93" name="TextBox 92">
+            <a:extLst>
+              <a:ext uri="{FF2B5EF4-FFF2-40B4-BE49-F238E27FC236}">
+                <a16:creationId xmlns:a16="http://schemas.microsoft.com/office/drawing/2014/main" id="{CD7C809C-235C-63B2-C93B-C309BA2DB75D}"/>
+              </a:ext>
+            </a:extLst>
+          </p:cNvPr>
+          <p:cNvSpPr txBox="1"/>
+          <p:nvPr/>
+        </p:nvSpPr>
+        <p:spPr>
+          <a:xfrm>
+            <a:off x="5843938" y="4152125"/>
+            <a:ext cx="518161" cy="276999"/>
+          </a:xfrm>
+          <a:prstGeom prst="rect">
+            <a:avLst/>
+          </a:prstGeom>
+          <a:noFill/>
+        </p:spPr>
+        <p:txBody>
+          <a:bodyPr wrap="square" rtlCol="0">
+            <a:spAutoFit/>
+          </a:bodyPr>
+          <a:lstStyle/>
+          <a:p>
+            <a:r>
+              <a:rPr lang="en-US" sz="1200" dirty="0" err="1">
+                <a:latin typeface="Times New Roman" panose="02020603050405020304" pitchFamily="18" charset="0"/>
+                <a:cs typeface="Times New Roman" panose="02020603050405020304" pitchFamily="18" charset="0"/>
+              </a:rPr>
+              <a:t>ya</a:t>
+            </a:r>
+            <a:endParaRPr lang="en-US" sz="1200" dirty="0">
+              <a:latin typeface="Times New Roman" panose="02020603050405020304" pitchFamily="18" charset="0"/>
+              <a:cs typeface="Times New Roman" panose="02020603050405020304" pitchFamily="18" charset="0"/>
+            </a:endParaRPr>
+          </a:p>
+        </p:txBody>
+      </p:sp>
+      <p:sp>
+        <p:nvSpPr>
+          <p:cNvPr id="94" name="TextBox 93">
+            <a:extLst>
+              <a:ext uri="{FF2B5EF4-FFF2-40B4-BE49-F238E27FC236}">
+                <a16:creationId xmlns:a16="http://schemas.microsoft.com/office/drawing/2014/main" id="{0D11B47D-592C-07C7-1E30-1CDCD2890CD2}"/>
+              </a:ext>
+            </a:extLst>
+          </p:cNvPr>
+          <p:cNvSpPr txBox="1"/>
+          <p:nvPr/>
+        </p:nvSpPr>
+        <p:spPr>
+          <a:xfrm>
+            <a:off x="9701549" y="2612851"/>
+            <a:ext cx="518161" cy="276999"/>
+          </a:xfrm>
+          <a:prstGeom prst="rect">
+            <a:avLst/>
+          </a:prstGeom>
+          <a:noFill/>
+        </p:spPr>
+        <p:txBody>
+          <a:bodyPr wrap="square" rtlCol="0">
+            <a:spAutoFit/>
+          </a:bodyPr>
+          <a:lstStyle/>
+          <a:p>
+            <a:r>
+              <a:rPr lang="en-US" sz="1200" dirty="0" err="1">
+                <a:latin typeface="Times New Roman" panose="02020603050405020304" pitchFamily="18" charset="0"/>
+                <a:cs typeface="Times New Roman" panose="02020603050405020304" pitchFamily="18" charset="0"/>
+              </a:rPr>
+              <a:t>ya</a:t>
+            </a:r>
+            <a:endParaRPr lang="en-US" sz="1200" dirty="0">
+              <a:latin typeface="Times New Roman" panose="02020603050405020304" pitchFamily="18" charset="0"/>
+              <a:cs typeface="Times New Roman" panose="02020603050405020304" pitchFamily="18" charset="0"/>
+            </a:endParaRPr>
+          </a:p>
+        </p:txBody>
+      </p:sp>
+      <p:sp>
+        <p:nvSpPr>
+          <p:cNvPr id="98" name="Oval 97">
+            <a:extLst>
+              <a:ext uri="{FF2B5EF4-FFF2-40B4-BE49-F238E27FC236}">
+                <a16:creationId xmlns:a16="http://schemas.microsoft.com/office/drawing/2014/main" id="{6E65C2F7-3984-2E7D-3EDF-BB65B21B920D}"/>
+              </a:ext>
+            </a:extLst>
+          </p:cNvPr>
+          <p:cNvSpPr/>
+          <p:nvPr/>
+        </p:nvSpPr>
+        <p:spPr>
+          <a:xfrm>
+            <a:off x="9615598" y="788015"/>
+            <a:ext cx="261937" cy="247650"/>
+          </a:xfrm>
+          <a:prstGeom prst="ellipse">
+            <a:avLst/>
+          </a:prstGeom>
+          <a:noFill/>
+          <a:ln>
+            <a:solidFill>
+              <a:schemeClr val="tx1"/>
+            </a:solidFill>
+          </a:ln>
+        </p:spPr>
+        <p:style>
+          <a:lnRef idx="2">
+            <a:schemeClr val="accent1">
+              <a:shade val="50000"/>
+            </a:schemeClr>
+          </a:lnRef>
+          <a:fillRef idx="1">
+            <a:schemeClr val="accent1"/>
+          </a:fillRef>
+          <a:effectRef idx="0">
+            <a:schemeClr val="accent1"/>
+          </a:effectRef>
+          <a:fontRef idx="minor">
+            <a:schemeClr val="lt1"/>
+          </a:fontRef>
+        </p:style>
+        <p:txBody>
+          <a:bodyPr rtlCol="0" anchor="ctr"/>
+          <a:lstStyle/>
+          <a:p>
+            <a:pPr algn="ctr"/>
+            <a:r>
+              <a:rPr lang="en-US" sz="1200">
+                <a:solidFill>
+                  <a:schemeClr val="tx1"/>
+                </a:solidFill>
+              </a:rPr>
+              <a:t>A</a:t>
+            </a:r>
+          </a:p>
+        </p:txBody>
+      </p:sp>
+      <p:sp>
+        <p:nvSpPr>
+          <p:cNvPr id="99" name="Diamond 98">
+            <a:extLst>
+              <a:ext uri="{FF2B5EF4-FFF2-40B4-BE49-F238E27FC236}">
+                <a16:creationId xmlns:a16="http://schemas.microsoft.com/office/drawing/2014/main" id="{BD74A9D4-3656-7B1F-96F7-06463D3EAEF6}"/>
+              </a:ext>
+            </a:extLst>
+          </p:cNvPr>
+          <p:cNvSpPr/>
+          <p:nvPr/>
+        </p:nvSpPr>
+        <p:spPr>
+          <a:xfrm>
+            <a:off x="8929799" y="1245538"/>
+            <a:ext cx="1633536" cy="669393"/>
+          </a:xfrm>
+          <a:prstGeom prst="diamond">
+            <a:avLst/>
+          </a:prstGeom>
+          <a:noFill/>
+          <a:ln>
+            <a:solidFill>
+              <a:schemeClr val="tx1"/>
+            </a:solidFill>
+          </a:ln>
+        </p:spPr>
+        <p:style>
+          <a:lnRef idx="2">
+            <a:schemeClr val="accent1">
+              <a:shade val="50000"/>
+            </a:schemeClr>
+          </a:lnRef>
+          <a:fillRef idx="1">
+            <a:schemeClr val="accent1"/>
+          </a:fillRef>
+          <a:effectRef idx="0">
+            <a:schemeClr val="accent1"/>
+          </a:effectRef>
+          <a:fontRef idx="minor">
+            <a:schemeClr val="lt1"/>
+          </a:fontRef>
+        </p:style>
+        <p:txBody>
+          <a:bodyPr rtlCol="0" anchor="ctr"/>
+          <a:lstStyle/>
+          <a:p>
+            <a:pPr algn="ctr"/>
+            <a:r>
+              <a:rPr lang="en-US" sz="1200" dirty="0">
+                <a:solidFill>
+                  <a:schemeClr val="tx1"/>
+                </a:solidFill>
+                <a:latin typeface="Times New Roman" panose="02020603050405020304" pitchFamily="18" charset="0"/>
+                <a:cs typeface="Times New Roman" panose="02020603050405020304" pitchFamily="18" charset="0"/>
+              </a:rPr>
+              <a:t>Akhir Jarak </a:t>
+            </a:r>
+            <a:r>
+              <a:rPr lang="en-US" sz="1200" dirty="0" err="1">
+                <a:solidFill>
+                  <a:schemeClr val="tx1"/>
+                </a:solidFill>
+                <a:latin typeface="Times New Roman" panose="02020603050405020304" pitchFamily="18" charset="0"/>
+                <a:cs typeface="Times New Roman" panose="02020603050405020304" pitchFamily="18" charset="0"/>
+              </a:rPr>
+              <a:t>semprot</a:t>
+            </a:r>
+            <a:endParaRPr lang="en-US" sz="1200" dirty="0">
+              <a:solidFill>
+                <a:schemeClr val="tx1"/>
+              </a:solidFill>
+              <a:latin typeface="Times New Roman" panose="02020603050405020304" pitchFamily="18" charset="0"/>
+              <a:cs typeface="Times New Roman" panose="02020603050405020304" pitchFamily="18" charset="0"/>
+            </a:endParaRPr>
+          </a:p>
+        </p:txBody>
+      </p:sp>
+      <p:sp>
+        <p:nvSpPr>
+          <p:cNvPr id="100" name="Diamond 99">
+            <a:extLst>
+              <a:ext uri="{FF2B5EF4-FFF2-40B4-BE49-F238E27FC236}">
+                <a16:creationId xmlns:a16="http://schemas.microsoft.com/office/drawing/2014/main" id="{0E3D28CF-D14D-10D2-CD21-D026D240F7B0}"/>
+              </a:ext>
+            </a:extLst>
+          </p:cNvPr>
+          <p:cNvSpPr/>
+          <p:nvPr/>
+        </p:nvSpPr>
+        <p:spPr>
+          <a:xfrm>
+            <a:off x="8929799" y="2093053"/>
+            <a:ext cx="1633536" cy="609603"/>
+          </a:xfrm>
+          <a:prstGeom prst="diamond">
+            <a:avLst/>
+          </a:prstGeom>
+          <a:noFill/>
+          <a:ln>
+            <a:solidFill>
+              <a:schemeClr val="tx1"/>
+            </a:solidFill>
+          </a:ln>
+        </p:spPr>
+        <p:style>
+          <a:lnRef idx="2">
+            <a:schemeClr val="accent1">
+              <a:shade val="50000"/>
+            </a:schemeClr>
+          </a:lnRef>
+          <a:fillRef idx="1">
+            <a:schemeClr val="accent1"/>
+          </a:fillRef>
+          <a:effectRef idx="0">
+            <a:schemeClr val="accent1"/>
+          </a:effectRef>
+          <a:fontRef idx="minor">
+            <a:schemeClr val="lt1"/>
+          </a:fontRef>
+        </p:style>
+        <p:txBody>
+          <a:bodyPr rtlCol="0" anchor="ctr"/>
+          <a:lstStyle/>
+          <a:p>
+            <a:pPr algn="ctr"/>
+            <a:r>
+              <a:rPr lang="en-US" sz="1100" dirty="0" err="1">
+                <a:solidFill>
+                  <a:schemeClr val="tx1"/>
+                </a:solidFill>
+                <a:latin typeface="Times New Roman" panose="02020603050405020304" pitchFamily="18" charset="0"/>
+                <a:cs typeface="Times New Roman" panose="02020603050405020304" pitchFamily="18" charset="0"/>
+              </a:rPr>
+              <a:t>Menekan</a:t>
+            </a:r>
+            <a:r>
+              <a:rPr lang="en-US" sz="1100" dirty="0">
+                <a:solidFill>
+                  <a:schemeClr val="tx1"/>
+                </a:solidFill>
+                <a:latin typeface="Times New Roman" panose="02020603050405020304" pitchFamily="18" charset="0"/>
+                <a:cs typeface="Times New Roman" panose="02020603050405020304" pitchFamily="18" charset="0"/>
+              </a:rPr>
+              <a:t> </a:t>
+            </a:r>
+            <a:r>
+              <a:rPr lang="en-US" sz="1100" dirty="0" err="1">
+                <a:solidFill>
+                  <a:schemeClr val="tx1"/>
+                </a:solidFill>
+                <a:latin typeface="Times New Roman" panose="02020603050405020304" pitchFamily="18" charset="0"/>
+                <a:cs typeface="Times New Roman" panose="02020603050405020304" pitchFamily="18" charset="0"/>
+              </a:rPr>
+              <a:t>Tombol</a:t>
+            </a:r>
+            <a:r>
+              <a:rPr lang="en-US" sz="1100" dirty="0">
+                <a:solidFill>
+                  <a:schemeClr val="tx1"/>
+                </a:solidFill>
+                <a:latin typeface="Times New Roman" panose="02020603050405020304" pitchFamily="18" charset="0"/>
+                <a:cs typeface="Times New Roman" panose="02020603050405020304" pitchFamily="18" charset="0"/>
+              </a:rPr>
+              <a:t> Spray</a:t>
+            </a:r>
+          </a:p>
+        </p:txBody>
+      </p:sp>
+      <p:cxnSp>
+        <p:nvCxnSpPr>
+          <p:cNvPr id="102" name="Straight Connector 101">
+            <a:extLst>
+              <a:ext uri="{FF2B5EF4-FFF2-40B4-BE49-F238E27FC236}">
+                <a16:creationId xmlns:a16="http://schemas.microsoft.com/office/drawing/2014/main" id="{816F1E02-709A-7C7D-B16E-C4E238919943}"/>
+              </a:ext>
+            </a:extLst>
+          </p:cNvPr>
+          <p:cNvCxnSpPr>
+            <a:cxnSpLocks/>
+          </p:cNvCxnSpPr>
+          <p:nvPr/>
+        </p:nvCxnSpPr>
+        <p:spPr>
+          <a:xfrm flipV="1">
+            <a:off x="10563335" y="2398211"/>
+            <a:ext cx="405450" cy="7557"/>
+          </a:xfrm>
+          <a:prstGeom prst="line">
+            <a:avLst/>
+          </a:prstGeom>
+          <a:ln w="12700">
+            <a:solidFill>
+              <a:schemeClr val="tx1"/>
+            </a:solidFill>
+          </a:ln>
+        </p:spPr>
+        <p:style>
+          <a:lnRef idx="1">
+            <a:schemeClr val="accent1"/>
+          </a:lnRef>
+          <a:fillRef idx="0">
+            <a:schemeClr val="accent1"/>
+          </a:fillRef>
+          <a:effectRef idx="0">
+            <a:schemeClr val="accent1"/>
+          </a:effectRef>
+          <a:fontRef idx="minor">
+            <a:schemeClr val="tx1"/>
+          </a:fontRef>
+        </p:style>
+      </p:cxnSp>
+      <p:cxnSp>
+        <p:nvCxnSpPr>
+          <p:cNvPr id="104" name="Straight Arrow Connector 103">
+            <a:extLst>
+              <a:ext uri="{FF2B5EF4-FFF2-40B4-BE49-F238E27FC236}">
+                <a16:creationId xmlns:a16="http://schemas.microsoft.com/office/drawing/2014/main" id="{9E002E86-186D-F77B-98A0-943330999F70}"/>
+              </a:ext>
+            </a:extLst>
+          </p:cNvPr>
+          <p:cNvCxnSpPr>
+            <a:cxnSpLocks/>
+            <a:endCxn id="98" idx="6"/>
+          </p:cNvCxnSpPr>
+          <p:nvPr/>
+        </p:nvCxnSpPr>
+        <p:spPr>
+          <a:xfrm flipH="1">
+            <a:off x="9877535" y="911840"/>
+            <a:ext cx="1071004" cy="0"/>
+          </a:xfrm>
+          <a:prstGeom prst="straightConnector1">
+            <a:avLst/>
+          </a:prstGeom>
+          <a:ln w="12700">
+            <a:solidFill>
+              <a:schemeClr val="tx1"/>
+            </a:solidFill>
+            <a:tailEnd type="triangle"/>
+          </a:ln>
+        </p:spPr>
+        <p:style>
+          <a:lnRef idx="1">
+            <a:schemeClr val="accent1"/>
+          </a:lnRef>
+          <a:fillRef idx="0">
+            <a:schemeClr val="accent1"/>
+          </a:fillRef>
+          <a:effectRef idx="0">
+            <a:schemeClr val="accent1"/>
+          </a:effectRef>
+          <a:fontRef idx="minor">
+            <a:schemeClr val="tx1"/>
+          </a:fontRef>
+        </p:style>
+      </p:cxnSp>
+      <p:cxnSp>
+        <p:nvCxnSpPr>
+          <p:cNvPr id="108" name="Straight Connector 107">
+            <a:extLst>
+              <a:ext uri="{FF2B5EF4-FFF2-40B4-BE49-F238E27FC236}">
+                <a16:creationId xmlns:a16="http://schemas.microsoft.com/office/drawing/2014/main" id="{683653A3-EB44-0B3C-66CD-7DDFF984A958}"/>
+              </a:ext>
+            </a:extLst>
+          </p:cNvPr>
+          <p:cNvCxnSpPr>
+            <a:cxnSpLocks/>
+          </p:cNvCxnSpPr>
+          <p:nvPr/>
+        </p:nvCxnSpPr>
+        <p:spPr>
+          <a:xfrm>
+            <a:off x="10968785" y="893949"/>
+            <a:ext cx="0" cy="672184"/>
+          </a:xfrm>
+          <a:prstGeom prst="line">
+            <a:avLst/>
+          </a:prstGeom>
+          <a:ln w="12700">
+            <a:solidFill>
+              <a:schemeClr val="tx1"/>
+            </a:solidFill>
+          </a:ln>
+        </p:spPr>
+        <p:style>
+          <a:lnRef idx="1">
+            <a:schemeClr val="accent1"/>
+          </a:lnRef>
+          <a:fillRef idx="0">
+            <a:schemeClr val="accent1"/>
+          </a:fillRef>
+          <a:effectRef idx="0">
+            <a:schemeClr val="accent1"/>
+          </a:effectRef>
+          <a:fontRef idx="minor">
+            <a:schemeClr val="tx1"/>
+          </a:fontRef>
+        </p:style>
+      </p:cxnSp>
+      <p:cxnSp>
+        <p:nvCxnSpPr>
+          <p:cNvPr id="111" name="Straight Connector 110">
+            <a:extLst>
+              <a:ext uri="{FF2B5EF4-FFF2-40B4-BE49-F238E27FC236}">
+                <a16:creationId xmlns:a16="http://schemas.microsoft.com/office/drawing/2014/main" id="{8D2BA739-0FA6-F91E-CD31-720578B777F7}"/>
+              </a:ext>
+            </a:extLst>
+          </p:cNvPr>
+          <p:cNvCxnSpPr>
+            <a:cxnSpLocks/>
+          </p:cNvCxnSpPr>
+          <p:nvPr/>
+        </p:nvCxnSpPr>
+        <p:spPr>
+          <a:xfrm>
+            <a:off x="8781845" y="1578839"/>
+            <a:ext cx="0" cy="1502768"/>
+          </a:xfrm>
+          <a:prstGeom prst="line">
+            <a:avLst/>
+          </a:prstGeom>
+          <a:ln w="12700">
+            <a:solidFill>
+              <a:schemeClr val="tx1"/>
+            </a:solidFill>
+          </a:ln>
+        </p:spPr>
+        <p:style>
+          <a:lnRef idx="1">
+            <a:schemeClr val="accent1"/>
+          </a:lnRef>
+          <a:fillRef idx="0">
+            <a:schemeClr val="accent1"/>
+          </a:fillRef>
+          <a:effectRef idx="0">
+            <a:schemeClr val="accent1"/>
+          </a:effectRef>
+          <a:fontRef idx="minor">
+            <a:schemeClr val="tx1"/>
+          </a:fontRef>
+        </p:style>
+      </p:cxnSp>
+      <p:cxnSp>
+        <p:nvCxnSpPr>
+          <p:cNvPr id="112" name="Straight Connector 111">
+            <a:extLst>
+              <a:ext uri="{FF2B5EF4-FFF2-40B4-BE49-F238E27FC236}">
+                <a16:creationId xmlns:a16="http://schemas.microsoft.com/office/drawing/2014/main" id="{A0EC39B9-20A5-4082-BFDF-BFCB6A869BE4}"/>
+              </a:ext>
+            </a:extLst>
+          </p:cNvPr>
+          <p:cNvCxnSpPr>
+            <a:cxnSpLocks/>
+            <a:endCxn id="99" idx="1"/>
+          </p:cNvCxnSpPr>
+          <p:nvPr/>
+        </p:nvCxnSpPr>
+        <p:spPr>
+          <a:xfrm>
+            <a:off x="8781845" y="1580235"/>
+            <a:ext cx="147954" cy="0"/>
+          </a:xfrm>
+          <a:prstGeom prst="line">
+            <a:avLst/>
+          </a:prstGeom>
+          <a:ln w="12700">
+            <a:solidFill>
+              <a:schemeClr val="tx1"/>
+            </a:solidFill>
+          </a:ln>
+        </p:spPr>
+        <p:style>
+          <a:lnRef idx="1">
+            <a:schemeClr val="accent1"/>
+          </a:lnRef>
+          <a:fillRef idx="0">
+            <a:schemeClr val="accent1"/>
+          </a:fillRef>
+          <a:effectRef idx="0">
+            <a:schemeClr val="accent1"/>
+          </a:effectRef>
+          <a:fontRef idx="minor">
+            <a:schemeClr val="tx1"/>
+          </a:fontRef>
+        </p:style>
+      </p:cxnSp>
+      <p:cxnSp>
+        <p:nvCxnSpPr>
+          <p:cNvPr id="116" name="Straight Arrow Connector 115">
+            <a:extLst>
+              <a:ext uri="{FF2B5EF4-FFF2-40B4-BE49-F238E27FC236}">
+                <a16:creationId xmlns:a16="http://schemas.microsoft.com/office/drawing/2014/main" id="{7C0D602C-055B-E2DD-684C-8E257EF89984}"/>
+              </a:ext>
+            </a:extLst>
+          </p:cNvPr>
+          <p:cNvCxnSpPr>
+            <a:cxnSpLocks/>
+            <a:stCxn id="99" idx="2"/>
+            <a:endCxn id="100" idx="0"/>
+          </p:cNvCxnSpPr>
+          <p:nvPr/>
+        </p:nvCxnSpPr>
+        <p:spPr>
+          <a:xfrm>
+            <a:off x="9746567" y="1914931"/>
+            <a:ext cx="0" cy="178122"/>
+          </a:xfrm>
+          <a:prstGeom prst="straightConnector1">
+            <a:avLst/>
+          </a:prstGeom>
+          <a:ln w="12700">
+            <a:solidFill>
+              <a:schemeClr val="tx1"/>
+            </a:solidFill>
+            <a:tailEnd type="triangle"/>
+          </a:ln>
+        </p:spPr>
+        <p:style>
+          <a:lnRef idx="1">
+            <a:schemeClr val="accent1"/>
+          </a:lnRef>
+          <a:fillRef idx="0">
+            <a:schemeClr val="accent1"/>
+          </a:fillRef>
+          <a:effectRef idx="0">
+            <a:schemeClr val="accent1"/>
+          </a:effectRef>
+          <a:fontRef idx="minor">
+            <a:schemeClr val="tx1"/>
+          </a:fontRef>
+        </p:style>
+      </p:cxnSp>
+      <p:sp>
+        <p:nvSpPr>
+          <p:cNvPr id="120" name="Rectangle 119">
+            <a:extLst>
+              <a:ext uri="{FF2B5EF4-FFF2-40B4-BE49-F238E27FC236}">
+                <a16:creationId xmlns:a16="http://schemas.microsoft.com/office/drawing/2014/main" id="{A3B9B9BA-61E2-1A68-A2F5-F4184930B539}"/>
+              </a:ext>
+            </a:extLst>
+          </p:cNvPr>
+          <p:cNvSpPr/>
+          <p:nvPr/>
+        </p:nvSpPr>
+        <p:spPr>
+          <a:xfrm>
+            <a:off x="9110774" y="2870724"/>
+            <a:ext cx="1271586" cy="421766"/>
+          </a:xfrm>
+          <a:prstGeom prst="rect">
+            <a:avLst/>
+          </a:prstGeom>
+          <a:noFill/>
+          <a:ln>
+            <a:solidFill>
+              <a:schemeClr val="tx1"/>
+            </a:solidFill>
+          </a:ln>
+        </p:spPr>
+        <p:style>
+          <a:lnRef idx="2">
+            <a:schemeClr val="accent1">
+              <a:shade val="50000"/>
+            </a:schemeClr>
+          </a:lnRef>
+          <a:fillRef idx="1">
+            <a:schemeClr val="accent1"/>
+          </a:fillRef>
+          <a:effectRef idx="0">
+            <a:schemeClr val="accent1"/>
+          </a:effectRef>
+          <a:fontRef idx="minor">
+            <a:schemeClr val="lt1"/>
+          </a:fontRef>
+        </p:style>
+        <p:txBody>
+          <a:bodyPr rtlCol="0" anchor="ctr"/>
+          <a:lstStyle/>
+          <a:p>
+            <a:pPr algn="ctr"/>
+            <a:r>
+              <a:rPr lang="en-US" sz="1200" dirty="0" err="1">
+                <a:solidFill>
+                  <a:schemeClr val="tx1"/>
+                </a:solidFill>
+                <a:latin typeface="Times New Roman" panose="02020603050405020304" pitchFamily="18" charset="0"/>
+                <a:cs typeface="Times New Roman" panose="02020603050405020304" pitchFamily="18" charset="0"/>
+              </a:rPr>
+              <a:t>Matikan</a:t>
+            </a:r>
+            <a:r>
+              <a:rPr lang="en-US" sz="1200" dirty="0">
+                <a:solidFill>
+                  <a:schemeClr val="tx1"/>
+                </a:solidFill>
+                <a:latin typeface="Times New Roman" panose="02020603050405020304" pitchFamily="18" charset="0"/>
+                <a:cs typeface="Times New Roman" panose="02020603050405020304" pitchFamily="18" charset="0"/>
+              </a:rPr>
+              <a:t> </a:t>
+            </a:r>
+            <a:r>
+              <a:rPr lang="en-US" sz="1200" dirty="0" err="1">
+                <a:solidFill>
+                  <a:schemeClr val="tx1"/>
+                </a:solidFill>
+                <a:latin typeface="Times New Roman" panose="02020603050405020304" pitchFamily="18" charset="0"/>
+                <a:cs typeface="Times New Roman" panose="02020603050405020304" pitchFamily="18" charset="0"/>
+              </a:rPr>
+              <a:t>Waterpump</a:t>
+            </a:r>
+            <a:endParaRPr lang="en-US" sz="1200" dirty="0">
+              <a:solidFill>
+                <a:schemeClr val="tx1"/>
+              </a:solidFill>
+              <a:latin typeface="Times New Roman" panose="02020603050405020304" pitchFamily="18" charset="0"/>
+              <a:cs typeface="Times New Roman" panose="02020603050405020304" pitchFamily="18" charset="0"/>
+            </a:endParaRPr>
+          </a:p>
+        </p:txBody>
+      </p:sp>
+      <p:cxnSp>
+        <p:nvCxnSpPr>
+          <p:cNvPr id="121" name="Straight Arrow Connector 120">
+            <a:extLst>
+              <a:ext uri="{FF2B5EF4-FFF2-40B4-BE49-F238E27FC236}">
+                <a16:creationId xmlns:a16="http://schemas.microsoft.com/office/drawing/2014/main" id="{84D7FC29-5721-C00D-F48E-9FC9D236C9B6}"/>
+              </a:ext>
+            </a:extLst>
+          </p:cNvPr>
+          <p:cNvCxnSpPr>
+            <a:cxnSpLocks/>
+            <a:endCxn id="120" idx="1"/>
+          </p:cNvCxnSpPr>
+          <p:nvPr/>
+        </p:nvCxnSpPr>
+        <p:spPr>
+          <a:xfrm>
+            <a:off x="8781845" y="3081607"/>
+            <a:ext cx="328929" cy="0"/>
+          </a:xfrm>
+          <a:prstGeom prst="straightConnector1">
+            <a:avLst/>
+          </a:prstGeom>
+          <a:ln w="12700">
+            <a:solidFill>
+              <a:schemeClr val="tx1"/>
+            </a:solidFill>
+            <a:tailEnd type="triangle"/>
+          </a:ln>
+        </p:spPr>
+        <p:style>
+          <a:lnRef idx="1">
+            <a:schemeClr val="accent1"/>
+          </a:lnRef>
+          <a:fillRef idx="0">
+            <a:schemeClr val="accent1"/>
+          </a:fillRef>
+          <a:effectRef idx="0">
+            <a:schemeClr val="accent1"/>
+          </a:effectRef>
+          <a:fontRef idx="minor">
+            <a:schemeClr val="tx1"/>
+          </a:fontRef>
+        </p:style>
+      </p:cxnSp>
+      <p:cxnSp>
+        <p:nvCxnSpPr>
+          <p:cNvPr id="129" name="Straight Arrow Connector 128">
+            <a:extLst>
+              <a:ext uri="{FF2B5EF4-FFF2-40B4-BE49-F238E27FC236}">
+                <a16:creationId xmlns:a16="http://schemas.microsoft.com/office/drawing/2014/main" id="{03AA9698-077E-0B49-A333-33860EFF660F}"/>
+              </a:ext>
+            </a:extLst>
+          </p:cNvPr>
+          <p:cNvCxnSpPr>
+            <a:cxnSpLocks/>
+            <a:endCxn id="120" idx="0"/>
+          </p:cNvCxnSpPr>
+          <p:nvPr/>
+        </p:nvCxnSpPr>
+        <p:spPr>
+          <a:xfrm>
+            <a:off x="9746567" y="2711197"/>
+            <a:ext cx="0" cy="159527"/>
+          </a:xfrm>
+          <a:prstGeom prst="straightConnector1">
+            <a:avLst/>
+          </a:prstGeom>
+          <a:ln w="12700">
+            <a:solidFill>
+              <a:schemeClr val="tx1"/>
+            </a:solidFill>
+            <a:tailEnd type="triangle"/>
+          </a:ln>
+        </p:spPr>
+        <p:style>
+          <a:lnRef idx="1">
+            <a:schemeClr val="accent1"/>
+          </a:lnRef>
+          <a:fillRef idx="0">
+            <a:schemeClr val="accent1"/>
+          </a:fillRef>
+          <a:effectRef idx="0">
+            <a:schemeClr val="accent1"/>
+          </a:effectRef>
+          <a:fontRef idx="minor">
+            <a:schemeClr val="tx1"/>
+          </a:fontRef>
+        </p:style>
+      </p:cxnSp>
+      <p:sp>
+        <p:nvSpPr>
+          <p:cNvPr id="131" name="TextBox 130">
+            <a:extLst>
+              <a:ext uri="{FF2B5EF4-FFF2-40B4-BE49-F238E27FC236}">
+                <a16:creationId xmlns:a16="http://schemas.microsoft.com/office/drawing/2014/main" id="{F444AAB4-E9C3-90B7-3B8B-EA42E3D402C0}"/>
+              </a:ext>
+            </a:extLst>
+          </p:cNvPr>
+          <p:cNvSpPr txBox="1"/>
+          <p:nvPr/>
+        </p:nvSpPr>
+        <p:spPr>
+          <a:xfrm>
+            <a:off x="9697747" y="1827407"/>
+            <a:ext cx="518161" cy="276999"/>
+          </a:xfrm>
+          <a:prstGeom prst="rect">
+            <a:avLst/>
+          </a:prstGeom>
+          <a:noFill/>
+        </p:spPr>
+        <p:txBody>
+          <a:bodyPr wrap="square" rtlCol="0">
+            <a:spAutoFit/>
+          </a:bodyPr>
+          <a:lstStyle/>
+          <a:p>
+            <a:r>
+              <a:rPr lang="en-US" sz="1200" dirty="0" err="1">
+                <a:latin typeface="Times New Roman" panose="02020603050405020304" pitchFamily="18" charset="0"/>
+                <a:cs typeface="Times New Roman" panose="02020603050405020304" pitchFamily="18" charset="0"/>
+              </a:rPr>
+              <a:t>tidak</a:t>
+            </a:r>
+            <a:endParaRPr lang="en-US" sz="1200" dirty="0">
+              <a:latin typeface="Times New Roman" panose="02020603050405020304" pitchFamily="18" charset="0"/>
+              <a:cs typeface="Times New Roman" panose="02020603050405020304" pitchFamily="18" charset="0"/>
+            </a:endParaRPr>
+          </a:p>
+        </p:txBody>
+      </p:sp>
+      <p:sp>
+        <p:nvSpPr>
+          <p:cNvPr id="132" name="TextBox 131">
+            <a:extLst>
+              <a:ext uri="{FF2B5EF4-FFF2-40B4-BE49-F238E27FC236}">
+                <a16:creationId xmlns:a16="http://schemas.microsoft.com/office/drawing/2014/main" id="{15F9D99D-1861-7C3C-AC48-86FC38810561}"/>
+              </a:ext>
+            </a:extLst>
+          </p:cNvPr>
+          <p:cNvSpPr txBox="1"/>
+          <p:nvPr/>
+        </p:nvSpPr>
+        <p:spPr>
+          <a:xfrm>
+            <a:off x="10563335" y="2369185"/>
+            <a:ext cx="518161" cy="276999"/>
+          </a:xfrm>
+          <a:prstGeom prst="rect">
+            <a:avLst/>
+          </a:prstGeom>
+          <a:noFill/>
+        </p:spPr>
+        <p:txBody>
+          <a:bodyPr wrap="square" rtlCol="0">
+            <a:spAutoFit/>
+          </a:bodyPr>
+          <a:lstStyle/>
+          <a:p>
+            <a:r>
+              <a:rPr lang="en-US" sz="1200" dirty="0" err="1">
+                <a:latin typeface="Times New Roman" panose="02020603050405020304" pitchFamily="18" charset="0"/>
+                <a:cs typeface="Times New Roman" panose="02020603050405020304" pitchFamily="18" charset="0"/>
+              </a:rPr>
+              <a:t>tidak</a:t>
+            </a:r>
+            <a:endParaRPr lang="en-US" sz="1200" dirty="0">
+              <a:latin typeface="Times New Roman" panose="02020603050405020304" pitchFamily="18" charset="0"/>
+              <a:cs typeface="Times New Roman" panose="02020603050405020304" pitchFamily="18" charset="0"/>
+            </a:endParaRPr>
+          </a:p>
+        </p:txBody>
+      </p:sp>
+      <p:cxnSp>
+        <p:nvCxnSpPr>
+          <p:cNvPr id="133" name="Straight Connector 132">
+            <a:extLst>
+              <a:ext uri="{FF2B5EF4-FFF2-40B4-BE49-F238E27FC236}">
+                <a16:creationId xmlns:a16="http://schemas.microsoft.com/office/drawing/2014/main" id="{85A74921-3242-87BC-772F-E209D6D4DC08}"/>
+              </a:ext>
+            </a:extLst>
+          </p:cNvPr>
+          <p:cNvCxnSpPr>
+            <a:cxnSpLocks/>
+          </p:cNvCxnSpPr>
+          <p:nvPr/>
+        </p:nvCxnSpPr>
+        <p:spPr>
+          <a:xfrm>
+            <a:off x="10968785" y="1565121"/>
+            <a:ext cx="0" cy="832733"/>
+          </a:xfrm>
+          <a:prstGeom prst="line">
+            <a:avLst/>
+          </a:prstGeom>
+          <a:ln w="12700">
+            <a:solidFill>
+              <a:schemeClr val="tx1"/>
+            </a:solidFill>
+          </a:ln>
+        </p:spPr>
+        <p:style>
+          <a:lnRef idx="1">
+            <a:schemeClr val="accent1"/>
+          </a:lnRef>
+          <a:fillRef idx="0">
+            <a:schemeClr val="accent1"/>
+          </a:fillRef>
+          <a:effectRef idx="0">
+            <a:schemeClr val="accent1"/>
+          </a:effectRef>
+          <a:fontRef idx="minor">
+            <a:schemeClr val="tx1"/>
+          </a:fontRef>
+        </p:style>
+      </p:cxnSp>
+      <p:sp>
+        <p:nvSpPr>
+          <p:cNvPr id="135" name="TextBox 134">
+            <a:extLst>
+              <a:ext uri="{FF2B5EF4-FFF2-40B4-BE49-F238E27FC236}">
+                <a16:creationId xmlns:a16="http://schemas.microsoft.com/office/drawing/2014/main" id="{3FD171A1-F2AE-7D41-81E1-2735327AFFD6}"/>
+              </a:ext>
+            </a:extLst>
+          </p:cNvPr>
+          <p:cNvSpPr txBox="1"/>
+          <p:nvPr/>
+        </p:nvSpPr>
+        <p:spPr>
+          <a:xfrm>
+            <a:off x="7749614" y="4040735"/>
+            <a:ext cx="518161" cy="276999"/>
+          </a:xfrm>
+          <a:prstGeom prst="rect">
+            <a:avLst/>
+          </a:prstGeom>
+          <a:noFill/>
+        </p:spPr>
+        <p:txBody>
+          <a:bodyPr wrap="square" rtlCol="0">
+            <a:spAutoFit/>
+          </a:bodyPr>
+          <a:lstStyle/>
+          <a:p>
+            <a:r>
+              <a:rPr lang="en-US" sz="1200" dirty="0" err="1">
+                <a:latin typeface="Times New Roman" panose="02020603050405020304" pitchFamily="18" charset="0"/>
+                <a:cs typeface="Times New Roman" panose="02020603050405020304" pitchFamily="18" charset="0"/>
+              </a:rPr>
+              <a:t>ya</a:t>
+            </a:r>
+            <a:endParaRPr lang="en-US" sz="1200" dirty="0">
+              <a:latin typeface="Times New Roman" panose="02020603050405020304" pitchFamily="18" charset="0"/>
+              <a:cs typeface="Times New Roman" panose="02020603050405020304" pitchFamily="18" charset="0"/>
+            </a:endParaRPr>
+          </a:p>
+        </p:txBody>
+      </p:sp>
+      <p:sp>
+        <p:nvSpPr>
+          <p:cNvPr id="136" name="TextBox 135">
+            <a:extLst>
+              <a:ext uri="{FF2B5EF4-FFF2-40B4-BE49-F238E27FC236}">
+                <a16:creationId xmlns:a16="http://schemas.microsoft.com/office/drawing/2014/main" id="{B9ABC5F5-48B3-90E5-78E9-977804127CF2}"/>
+              </a:ext>
+            </a:extLst>
+          </p:cNvPr>
+          <p:cNvSpPr txBox="1"/>
+          <p:nvPr/>
+        </p:nvSpPr>
+        <p:spPr>
+          <a:xfrm>
+            <a:off x="8645556" y="1345073"/>
+            <a:ext cx="518161" cy="276999"/>
+          </a:xfrm>
+          <a:prstGeom prst="rect">
+            <a:avLst/>
+          </a:prstGeom>
+          <a:noFill/>
+        </p:spPr>
+        <p:txBody>
+          <a:bodyPr wrap="square" rtlCol="0">
+            <a:spAutoFit/>
+          </a:bodyPr>
+          <a:lstStyle/>
+          <a:p>
+            <a:r>
+              <a:rPr lang="en-US" sz="1200" dirty="0" err="1">
+                <a:latin typeface="Times New Roman" panose="02020603050405020304" pitchFamily="18" charset="0"/>
+                <a:cs typeface="Times New Roman" panose="02020603050405020304" pitchFamily="18" charset="0"/>
+              </a:rPr>
+              <a:t>ya</a:t>
+            </a:r>
+            <a:endParaRPr lang="en-US" sz="1200" dirty="0">
+              <a:latin typeface="Times New Roman" panose="02020603050405020304" pitchFamily="18" charset="0"/>
+              <a:cs typeface="Times New Roman" panose="02020603050405020304" pitchFamily="18" charset="0"/>
+            </a:endParaRPr>
+          </a:p>
+        </p:txBody>
+      </p:sp>
+      <p:cxnSp>
+        <p:nvCxnSpPr>
+          <p:cNvPr id="137" name="Straight Arrow Connector 136">
+            <a:extLst>
+              <a:ext uri="{FF2B5EF4-FFF2-40B4-BE49-F238E27FC236}">
+                <a16:creationId xmlns:a16="http://schemas.microsoft.com/office/drawing/2014/main" id="{A0D8A4DD-A34A-0CC9-0DA5-AA08EA0BE9FB}"/>
+              </a:ext>
+            </a:extLst>
+          </p:cNvPr>
+          <p:cNvCxnSpPr>
+            <a:cxnSpLocks/>
+            <a:stCxn id="98" idx="4"/>
+            <a:endCxn id="99" idx="0"/>
+          </p:cNvCxnSpPr>
+          <p:nvPr/>
+        </p:nvCxnSpPr>
+        <p:spPr>
+          <a:xfrm>
+            <a:off x="9746567" y="1035665"/>
+            <a:ext cx="0" cy="209873"/>
+          </a:xfrm>
+          <a:prstGeom prst="straightConnector1">
+            <a:avLst/>
+          </a:prstGeom>
+          <a:ln w="12700">
+            <a:solidFill>
+              <a:schemeClr val="tx1"/>
+            </a:solidFill>
+            <a:tailEnd type="triangle"/>
+          </a:ln>
+        </p:spPr>
+        <p:style>
+          <a:lnRef idx="1">
+            <a:schemeClr val="accent1"/>
+          </a:lnRef>
+          <a:fillRef idx="0">
+            <a:schemeClr val="accent1"/>
+          </a:fillRef>
+          <a:effectRef idx="0">
+            <a:schemeClr val="accent1"/>
+          </a:effectRef>
+          <a:fontRef idx="minor">
+            <a:schemeClr val="tx1"/>
+          </a:fontRef>
+        </p:style>
+      </p:cxnSp>
+      <p:cxnSp>
+        <p:nvCxnSpPr>
+          <p:cNvPr id="144" name="Straight Arrow Connector 143">
+            <a:extLst>
+              <a:ext uri="{FF2B5EF4-FFF2-40B4-BE49-F238E27FC236}">
+                <a16:creationId xmlns:a16="http://schemas.microsoft.com/office/drawing/2014/main" id="{1E1C6509-B730-1C8C-745B-9B8AADE5C26D}"/>
+              </a:ext>
+            </a:extLst>
+          </p:cNvPr>
+          <p:cNvCxnSpPr>
+            <a:cxnSpLocks/>
+            <a:stCxn id="120" idx="2"/>
+            <a:endCxn id="13" idx="0"/>
+          </p:cNvCxnSpPr>
+          <p:nvPr/>
+        </p:nvCxnSpPr>
+        <p:spPr>
+          <a:xfrm>
+            <a:off x="9746567" y="3292490"/>
+            <a:ext cx="0" cy="237407"/>
+          </a:xfrm>
+          <a:prstGeom prst="straightConnector1">
+            <a:avLst/>
+          </a:prstGeom>
+          <a:ln w="12700">
+            <a:solidFill>
+              <a:schemeClr val="tx1"/>
+            </a:solidFill>
+            <a:tailEnd type="triangle"/>
+          </a:ln>
+        </p:spPr>
+        <p:style>
+          <a:lnRef idx="1">
+            <a:schemeClr val="accent1"/>
+          </a:lnRef>
+          <a:fillRef idx="0">
+            <a:schemeClr val="accent1"/>
+          </a:fillRef>
+          <a:effectRef idx="0">
+            <a:schemeClr val="accent1"/>
+          </a:effectRef>
+          <a:fontRef idx="minor">
+            <a:schemeClr val="tx1"/>
+          </a:fontRef>
+        </p:style>
+      </p:cxnSp>
+      <p:sp>
+        <p:nvSpPr>
+          <p:cNvPr id="147" name="Oval 146">
+            <a:extLst>
+              <a:ext uri="{FF2B5EF4-FFF2-40B4-BE49-F238E27FC236}">
+                <a16:creationId xmlns:a16="http://schemas.microsoft.com/office/drawing/2014/main" id="{590E8DAB-D214-CE62-E6BD-5A49539A5D15}"/>
+              </a:ext>
+            </a:extLst>
+          </p:cNvPr>
+          <p:cNvSpPr/>
+          <p:nvPr/>
+        </p:nvSpPr>
+        <p:spPr>
+          <a:xfrm>
+            <a:off x="9208405" y="4012119"/>
+            <a:ext cx="1076324" cy="278506"/>
+          </a:xfrm>
+          <a:prstGeom prst="ellipse">
+            <a:avLst/>
+          </a:prstGeom>
+          <a:noFill/>
+          <a:ln w="12700">
+            <a:solidFill>
+              <a:schemeClr val="tx1"/>
+            </a:solidFill>
+          </a:ln>
+        </p:spPr>
+        <p:style>
+          <a:lnRef idx="2">
+            <a:schemeClr val="accent1">
+              <a:shade val="50000"/>
+            </a:schemeClr>
+          </a:lnRef>
+          <a:fillRef idx="1">
+            <a:schemeClr val="accent1"/>
+          </a:fillRef>
+          <a:effectRef idx="0">
+            <a:schemeClr val="accent1"/>
+          </a:effectRef>
+          <a:fontRef idx="minor">
+            <a:schemeClr val="lt1"/>
+          </a:fontRef>
+        </p:style>
+        <p:txBody>
+          <a:bodyPr rtlCol="0" anchor="ctr"/>
+          <a:lstStyle/>
+          <a:p>
+            <a:pPr algn="ctr"/>
+            <a:r>
+              <a:rPr lang="en-US" sz="1200" err="1">
+                <a:solidFill>
+                  <a:schemeClr val="tx1"/>
+                </a:solidFill>
+                <a:latin typeface="Times New Roman" panose="02020603050405020304" pitchFamily="18" charset="0"/>
+                <a:cs typeface="Times New Roman" panose="02020603050405020304" pitchFamily="18" charset="0"/>
+              </a:rPr>
+              <a:t>Selesai</a:t>
+            </a:r>
+            <a:endParaRPr lang="en-US">
+              <a:solidFill>
+                <a:schemeClr val="tx1"/>
+              </a:solidFill>
+              <a:latin typeface="Times New Roman" panose="02020603050405020304" pitchFamily="18" charset="0"/>
+              <a:cs typeface="Times New Roman" panose="02020603050405020304" pitchFamily="18" charset="0"/>
+            </a:endParaRPr>
+          </a:p>
+        </p:txBody>
+      </p:sp>
+      <p:cxnSp>
+        <p:nvCxnSpPr>
+          <p:cNvPr id="148" name="Straight Arrow Connector 147">
+            <a:extLst>
+              <a:ext uri="{FF2B5EF4-FFF2-40B4-BE49-F238E27FC236}">
+                <a16:creationId xmlns:a16="http://schemas.microsoft.com/office/drawing/2014/main" id="{EAA095FE-6D9C-5557-9835-58D39547F375}"/>
+              </a:ext>
+            </a:extLst>
+          </p:cNvPr>
+          <p:cNvCxnSpPr>
+            <a:cxnSpLocks/>
+            <a:stCxn id="13" idx="2"/>
+            <a:endCxn id="147" idx="0"/>
+          </p:cNvCxnSpPr>
+          <p:nvPr/>
+        </p:nvCxnSpPr>
+        <p:spPr>
+          <a:xfrm>
+            <a:off x="9746567" y="3841057"/>
+            <a:ext cx="0" cy="171062"/>
           </a:xfrm>
           <a:prstGeom prst="straightConnector1">
             <a:avLst/>
@@ -13857,7 +19179,7 @@
         </p:nvSpPr>
         <p:spPr>
           <a:xfrm>
-            <a:off x="4437855" y="2008611"/>
+            <a:off x="4478375" y="1762777"/>
             <a:ext cx="518161" cy="276999"/>
           </a:xfrm>
           <a:prstGeom prst="rect">
@@ -13872,13 +19194,13 @@
           <a:lstStyle/>
           <a:p>
             <a:r>
-              <a:rPr lang="en-US" sz="1200" err="1">
+              <a:rPr lang="en-US" sz="1200" dirty="0" err="1">
                 <a:latin typeface="Times New Roman" panose="02020603050405020304" pitchFamily="18" charset="0"/>
                 <a:cs typeface="Times New Roman" panose="02020603050405020304" pitchFamily="18" charset="0"/>
               </a:rPr>
               <a:t>tidak</a:t>
             </a:r>
-            <a:endParaRPr lang="en-US" sz="1200">
+            <a:endParaRPr lang="en-US" sz="1200" dirty="0">
               <a:latin typeface="Times New Roman" panose="02020603050405020304" pitchFamily="18" charset="0"/>
               <a:cs typeface="Times New Roman" panose="02020603050405020304" pitchFamily="18" charset="0"/>
             </a:endParaRPr>
@@ -15684,6 +21006,3341 @@
     <p:extLst>
       <p:ext uri="{BB962C8B-B14F-4D97-AF65-F5344CB8AC3E}">
         <p14:creationId xmlns:p14="http://schemas.microsoft.com/office/powerpoint/2010/main" val="1537616845"/>
+      </p:ext>
+    </p:extLst>
+  </p:cSld>
+  <p:clrMapOvr>
+    <a:masterClrMapping/>
+  </p:clrMapOvr>
+</p:sld>
+</file>
+
+<file path=ppt/slides/slide7.xml><?xml version="1.0" encoding="utf-8"?>
+<p:sld xmlns:a="http://schemas.openxmlformats.org/drawingml/2006/main" xmlns:r="http://schemas.openxmlformats.org/officeDocument/2006/relationships" xmlns:p="http://schemas.openxmlformats.org/presentationml/2006/main">
+  <p:cSld>
+    <p:spTree>
+      <p:nvGrpSpPr>
+        <p:cNvPr id="1" name=""/>
+        <p:cNvGrpSpPr/>
+        <p:nvPr/>
+      </p:nvGrpSpPr>
+      <p:grpSpPr>
+        <a:xfrm>
+          <a:off x="0" y="0"/>
+          <a:ext cx="0" cy="0"/>
+          <a:chOff x="0" y="0"/>
+          <a:chExt cx="0" cy="0"/>
+        </a:xfrm>
+      </p:grpSpPr>
+      <p:sp>
+        <p:nvSpPr>
+          <p:cNvPr id="4" name="Rectangle 3">
+            <a:extLst>
+              <a:ext uri="{FF2B5EF4-FFF2-40B4-BE49-F238E27FC236}">
+                <a16:creationId xmlns:a16="http://schemas.microsoft.com/office/drawing/2014/main" id="{EE54F9DE-A34F-B8E8-DA57-D792CE11682B}"/>
+              </a:ext>
+            </a:extLst>
+          </p:cNvPr>
+          <p:cNvSpPr/>
+          <p:nvPr/>
+        </p:nvSpPr>
+        <p:spPr>
+          <a:xfrm>
+            <a:off x="5544856" y="301658"/>
+            <a:ext cx="1197736" cy="649657"/>
+          </a:xfrm>
+          <a:prstGeom prst="rect">
+            <a:avLst/>
+          </a:prstGeom>
+          <a:noFill/>
+          <a:ln w="28575">
+            <a:solidFill>
+              <a:schemeClr val="tx1"/>
+            </a:solidFill>
+          </a:ln>
+        </p:spPr>
+        <p:style>
+          <a:lnRef idx="2">
+            <a:schemeClr val="accent1">
+              <a:shade val="50000"/>
+            </a:schemeClr>
+          </a:lnRef>
+          <a:fillRef idx="1">
+            <a:schemeClr val="accent1"/>
+          </a:fillRef>
+          <a:effectRef idx="0">
+            <a:schemeClr val="accent1"/>
+          </a:effectRef>
+          <a:fontRef idx="minor">
+            <a:schemeClr val="lt1"/>
+          </a:fontRef>
+        </p:style>
+        <p:txBody>
+          <a:bodyPr rtlCol="0" anchor="ctr"/>
+          <a:lstStyle/>
+          <a:p>
+            <a:pPr algn="ctr"/>
+            <a:r>
+              <a:rPr lang="en-US" sz="1200" dirty="0" err="1">
+                <a:solidFill>
+                  <a:schemeClr val="tx1"/>
+                </a:solidFill>
+                <a:latin typeface="Times New Roman" panose="02020603050405020304" pitchFamily="18" charset="0"/>
+                <a:cs typeface="Times New Roman" panose="02020603050405020304" pitchFamily="18" charset="0"/>
+              </a:rPr>
+              <a:t>Wifi</a:t>
+            </a:r>
+            <a:r>
+              <a:rPr lang="en-US" sz="1200" dirty="0">
+                <a:solidFill>
+                  <a:schemeClr val="tx1"/>
+                </a:solidFill>
+                <a:latin typeface="Times New Roman" panose="02020603050405020304" pitchFamily="18" charset="0"/>
+                <a:cs typeface="Times New Roman" panose="02020603050405020304" pitchFamily="18" charset="0"/>
+              </a:rPr>
+              <a:t> Dongle</a:t>
+            </a:r>
+          </a:p>
+        </p:txBody>
+      </p:sp>
+      <p:sp>
+        <p:nvSpPr>
+          <p:cNvPr id="18" name="Rectangle 17">
+            <a:extLst>
+              <a:ext uri="{FF2B5EF4-FFF2-40B4-BE49-F238E27FC236}">
+                <a16:creationId xmlns:a16="http://schemas.microsoft.com/office/drawing/2014/main" id="{4E0F3B4D-CC0E-D7EF-06E9-C4AD6CC2875B}"/>
+              </a:ext>
+            </a:extLst>
+          </p:cNvPr>
+          <p:cNvSpPr/>
+          <p:nvPr/>
+        </p:nvSpPr>
+        <p:spPr>
+          <a:xfrm>
+            <a:off x="5544856" y="2280697"/>
+            <a:ext cx="1197736" cy="669702"/>
+          </a:xfrm>
+          <a:prstGeom prst="rect">
+            <a:avLst/>
+          </a:prstGeom>
+          <a:noFill/>
+          <a:ln w="28575">
+            <a:solidFill>
+              <a:schemeClr val="tx1"/>
+            </a:solidFill>
+          </a:ln>
+        </p:spPr>
+        <p:style>
+          <a:lnRef idx="2">
+            <a:schemeClr val="accent1">
+              <a:shade val="50000"/>
+            </a:schemeClr>
+          </a:lnRef>
+          <a:fillRef idx="1">
+            <a:schemeClr val="accent1"/>
+          </a:fillRef>
+          <a:effectRef idx="0">
+            <a:schemeClr val="accent1"/>
+          </a:effectRef>
+          <a:fontRef idx="minor">
+            <a:schemeClr val="lt1"/>
+          </a:fontRef>
+        </p:style>
+        <p:txBody>
+          <a:bodyPr rtlCol="0" anchor="ctr"/>
+          <a:lstStyle/>
+          <a:p>
+            <a:pPr algn="ctr"/>
+            <a:r>
+              <a:rPr lang="en-US" sz="1200">
+                <a:solidFill>
+                  <a:schemeClr val="tx1"/>
+                </a:solidFill>
+                <a:latin typeface="Times New Roman" panose="02020603050405020304" pitchFamily="18" charset="0"/>
+                <a:cs typeface="Times New Roman" panose="02020603050405020304" pitchFamily="18" charset="0"/>
+              </a:rPr>
+              <a:t>Flight Controller (</a:t>
+            </a:r>
+            <a:r>
+              <a:rPr lang="en-US" sz="1200" err="1">
+                <a:solidFill>
+                  <a:schemeClr val="tx1"/>
+                </a:solidFill>
+                <a:latin typeface="Times New Roman" panose="02020603050405020304" pitchFamily="18" charset="0"/>
+                <a:cs typeface="Times New Roman" panose="02020603050405020304" pitchFamily="18" charset="0"/>
+              </a:rPr>
+              <a:t>Pixhawk</a:t>
+            </a:r>
+            <a:r>
+              <a:rPr lang="en-US" sz="1200">
+                <a:solidFill>
+                  <a:schemeClr val="tx1"/>
+                </a:solidFill>
+                <a:latin typeface="Times New Roman" panose="02020603050405020304" pitchFamily="18" charset="0"/>
+                <a:cs typeface="Times New Roman" panose="02020603050405020304" pitchFamily="18" charset="0"/>
+              </a:rPr>
+              <a:t>)</a:t>
+            </a:r>
+          </a:p>
+        </p:txBody>
+      </p:sp>
+      <p:sp>
+        <p:nvSpPr>
+          <p:cNvPr id="43" name="Rectangle 42">
+            <a:extLst>
+              <a:ext uri="{FF2B5EF4-FFF2-40B4-BE49-F238E27FC236}">
+                <a16:creationId xmlns:a16="http://schemas.microsoft.com/office/drawing/2014/main" id="{D7F25140-EEF9-15C7-5913-A99653FEB8CC}"/>
+              </a:ext>
+            </a:extLst>
+          </p:cNvPr>
+          <p:cNvSpPr/>
+          <p:nvPr/>
+        </p:nvSpPr>
+        <p:spPr>
+          <a:xfrm>
+            <a:off x="7116472" y="2280697"/>
+            <a:ext cx="1197736" cy="669702"/>
+          </a:xfrm>
+          <a:prstGeom prst="rect">
+            <a:avLst/>
+          </a:prstGeom>
+          <a:noFill/>
+          <a:ln w="28575">
+            <a:solidFill>
+              <a:schemeClr val="tx1"/>
+            </a:solidFill>
+          </a:ln>
+        </p:spPr>
+        <p:style>
+          <a:lnRef idx="2">
+            <a:schemeClr val="accent1">
+              <a:shade val="50000"/>
+            </a:schemeClr>
+          </a:lnRef>
+          <a:fillRef idx="1">
+            <a:schemeClr val="accent1"/>
+          </a:fillRef>
+          <a:effectRef idx="0">
+            <a:schemeClr val="accent1"/>
+          </a:effectRef>
+          <a:fontRef idx="minor">
+            <a:schemeClr val="lt1"/>
+          </a:fontRef>
+        </p:style>
+        <p:txBody>
+          <a:bodyPr rtlCol="0" anchor="ctr"/>
+          <a:lstStyle/>
+          <a:p>
+            <a:pPr algn="ctr"/>
+            <a:r>
+              <a:rPr lang="en-US" sz="1200" dirty="0">
+                <a:solidFill>
+                  <a:schemeClr val="tx1"/>
+                </a:solidFill>
+                <a:latin typeface="Times New Roman" panose="02020603050405020304" pitchFamily="18" charset="0"/>
+                <a:cs typeface="Times New Roman" panose="02020603050405020304" pitchFamily="18" charset="0"/>
+              </a:rPr>
+              <a:t>Water Pump</a:t>
+            </a:r>
+          </a:p>
+          <a:p>
+            <a:pPr algn="ctr"/>
+            <a:r>
+              <a:rPr lang="en-US" sz="1200" dirty="0">
+                <a:solidFill>
+                  <a:schemeClr val="tx1"/>
+                </a:solidFill>
+                <a:latin typeface="Times New Roman" panose="02020603050405020304" pitchFamily="18" charset="0"/>
+                <a:cs typeface="Times New Roman" panose="02020603050405020304" pitchFamily="18" charset="0"/>
+              </a:rPr>
+              <a:t>(</a:t>
+            </a:r>
+            <a:r>
+              <a:rPr lang="en-US" sz="1200" dirty="0" err="1">
+                <a:solidFill>
+                  <a:schemeClr val="tx1"/>
+                </a:solidFill>
+                <a:latin typeface="Times New Roman" panose="02020603050405020304" pitchFamily="18" charset="0"/>
+                <a:cs typeface="Times New Roman" panose="02020603050405020304" pitchFamily="18" charset="0"/>
+              </a:rPr>
+              <a:t>Selang</a:t>
+            </a:r>
+            <a:r>
+              <a:rPr lang="en-US" sz="1200" dirty="0">
+                <a:solidFill>
+                  <a:schemeClr val="tx1"/>
+                </a:solidFill>
+                <a:latin typeface="Times New Roman" panose="02020603050405020304" pitchFamily="18" charset="0"/>
+                <a:cs typeface="Times New Roman" panose="02020603050405020304" pitchFamily="18" charset="0"/>
+              </a:rPr>
+              <a:t> dan Nozzle)</a:t>
+            </a:r>
+          </a:p>
+        </p:txBody>
+      </p:sp>
+      <p:sp>
+        <p:nvSpPr>
+          <p:cNvPr id="46" name="Rectangle 45">
+            <a:extLst>
+              <a:ext uri="{FF2B5EF4-FFF2-40B4-BE49-F238E27FC236}">
+                <a16:creationId xmlns:a16="http://schemas.microsoft.com/office/drawing/2014/main" id="{B135BB89-4276-5371-4F05-3632918C410F}"/>
+              </a:ext>
+            </a:extLst>
+          </p:cNvPr>
+          <p:cNvSpPr/>
+          <p:nvPr/>
+        </p:nvSpPr>
+        <p:spPr>
+          <a:xfrm>
+            <a:off x="7116472" y="1286166"/>
+            <a:ext cx="1197736" cy="669702"/>
+          </a:xfrm>
+          <a:prstGeom prst="rect">
+            <a:avLst/>
+          </a:prstGeom>
+          <a:solidFill>
+            <a:schemeClr val="bg1"/>
+          </a:solidFill>
+          <a:ln w="28575">
+            <a:solidFill>
+              <a:schemeClr val="tx1"/>
+            </a:solidFill>
+          </a:ln>
+        </p:spPr>
+        <p:style>
+          <a:lnRef idx="2">
+            <a:schemeClr val="accent1">
+              <a:shade val="50000"/>
+            </a:schemeClr>
+          </a:lnRef>
+          <a:fillRef idx="1">
+            <a:schemeClr val="accent1"/>
+          </a:fillRef>
+          <a:effectRef idx="0">
+            <a:schemeClr val="accent1"/>
+          </a:effectRef>
+          <a:fontRef idx="minor">
+            <a:schemeClr val="lt1"/>
+          </a:fontRef>
+        </p:style>
+        <p:txBody>
+          <a:bodyPr rtlCol="0" anchor="ctr"/>
+          <a:lstStyle/>
+          <a:p>
+            <a:pPr algn="ctr"/>
+            <a:r>
+              <a:rPr lang="en-US" sz="1200" dirty="0">
+                <a:solidFill>
+                  <a:schemeClr val="tx1"/>
+                </a:solidFill>
+                <a:latin typeface="Times New Roman" panose="02020603050405020304" pitchFamily="18" charset="0"/>
+                <a:cs typeface="Times New Roman" panose="02020603050405020304" pitchFamily="18" charset="0"/>
+              </a:rPr>
+              <a:t>Relay Module</a:t>
+            </a:r>
+          </a:p>
+        </p:txBody>
+      </p:sp>
+      <p:sp>
+        <p:nvSpPr>
+          <p:cNvPr id="56" name="Rectangle 55">
+            <a:extLst>
+              <a:ext uri="{FF2B5EF4-FFF2-40B4-BE49-F238E27FC236}">
+                <a16:creationId xmlns:a16="http://schemas.microsoft.com/office/drawing/2014/main" id="{378C13DF-48DA-A3E0-310B-C6845193C5C1}"/>
+              </a:ext>
+            </a:extLst>
+          </p:cNvPr>
+          <p:cNvSpPr/>
+          <p:nvPr/>
+        </p:nvSpPr>
+        <p:spPr>
+          <a:xfrm>
+            <a:off x="3973240" y="2280697"/>
+            <a:ext cx="1197736" cy="669702"/>
+          </a:xfrm>
+          <a:prstGeom prst="rect">
+            <a:avLst/>
+          </a:prstGeom>
+          <a:noFill/>
+          <a:ln w="28575">
+            <a:solidFill>
+              <a:schemeClr val="tx1"/>
+            </a:solidFill>
+          </a:ln>
+        </p:spPr>
+        <p:style>
+          <a:lnRef idx="2">
+            <a:schemeClr val="accent1">
+              <a:shade val="50000"/>
+            </a:schemeClr>
+          </a:lnRef>
+          <a:fillRef idx="1">
+            <a:schemeClr val="accent1"/>
+          </a:fillRef>
+          <a:effectRef idx="0">
+            <a:schemeClr val="accent1"/>
+          </a:effectRef>
+          <a:fontRef idx="minor">
+            <a:schemeClr val="lt1"/>
+          </a:fontRef>
+        </p:style>
+        <p:txBody>
+          <a:bodyPr rtlCol="0" anchor="ctr"/>
+          <a:lstStyle/>
+          <a:p>
+            <a:pPr algn="ctr"/>
+            <a:r>
+              <a:rPr lang="en-US" sz="1200" dirty="0">
+                <a:solidFill>
+                  <a:schemeClr val="tx1"/>
+                </a:solidFill>
+                <a:latin typeface="Times New Roman" panose="02020603050405020304" pitchFamily="18" charset="0"/>
+                <a:cs typeface="Times New Roman" panose="02020603050405020304" pitchFamily="18" charset="0"/>
+              </a:rPr>
+              <a:t>GPS</a:t>
+            </a:r>
+          </a:p>
+        </p:txBody>
+      </p:sp>
+      <p:pic>
+        <p:nvPicPr>
+          <p:cNvPr id="61" name="Picture 60">
+            <a:extLst>
+              <a:ext uri="{FF2B5EF4-FFF2-40B4-BE49-F238E27FC236}">
+                <a16:creationId xmlns:a16="http://schemas.microsoft.com/office/drawing/2014/main" id="{BCBB9955-97C8-52C3-FBA7-78139B4B9954}"/>
+              </a:ext>
+            </a:extLst>
+          </p:cNvPr>
+          <p:cNvPicPr>
+            <a:picLocks noChangeAspect="1"/>
+          </p:cNvPicPr>
+          <p:nvPr/>
+        </p:nvPicPr>
+        <p:blipFill>
+          <a:blip r:embed="rId2"/>
+          <a:stretch>
+            <a:fillRect/>
+          </a:stretch>
+        </p:blipFill>
+        <p:spPr>
+          <a:xfrm>
+            <a:off x="781540" y="5206083"/>
+            <a:ext cx="1390115" cy="659230"/>
+          </a:xfrm>
+          <a:prstGeom prst="rect">
+            <a:avLst/>
+          </a:prstGeom>
+        </p:spPr>
+      </p:pic>
+      <p:sp>
+        <p:nvSpPr>
+          <p:cNvPr id="68" name="Rectangle 67">
+            <a:extLst>
+              <a:ext uri="{FF2B5EF4-FFF2-40B4-BE49-F238E27FC236}">
+                <a16:creationId xmlns:a16="http://schemas.microsoft.com/office/drawing/2014/main" id="{6667D567-BAC0-4C0B-C03D-D52074BE4F9C}"/>
+              </a:ext>
+            </a:extLst>
+          </p:cNvPr>
+          <p:cNvSpPr/>
+          <p:nvPr/>
+        </p:nvSpPr>
+        <p:spPr>
+          <a:xfrm>
+            <a:off x="5544856" y="1286166"/>
+            <a:ext cx="1197736" cy="669702"/>
+          </a:xfrm>
+          <a:prstGeom prst="rect">
+            <a:avLst/>
+          </a:prstGeom>
+          <a:noFill/>
+          <a:ln w="28575">
+            <a:solidFill>
+              <a:schemeClr val="tx1"/>
+            </a:solidFill>
+          </a:ln>
+        </p:spPr>
+        <p:style>
+          <a:lnRef idx="2">
+            <a:schemeClr val="accent1">
+              <a:shade val="50000"/>
+            </a:schemeClr>
+          </a:lnRef>
+          <a:fillRef idx="1">
+            <a:schemeClr val="accent1"/>
+          </a:fillRef>
+          <a:effectRef idx="0">
+            <a:schemeClr val="accent1"/>
+          </a:effectRef>
+          <a:fontRef idx="minor">
+            <a:schemeClr val="lt1"/>
+          </a:fontRef>
+        </p:style>
+        <p:txBody>
+          <a:bodyPr rtlCol="0" anchor="ctr"/>
+          <a:lstStyle/>
+          <a:p>
+            <a:pPr algn="ctr"/>
+            <a:r>
+              <a:rPr lang="en-US" sz="1200" dirty="0">
+                <a:solidFill>
+                  <a:schemeClr val="tx1"/>
+                </a:solidFill>
+                <a:latin typeface="Times New Roman" panose="02020603050405020304" pitchFamily="18" charset="0"/>
+                <a:cs typeface="Times New Roman" panose="02020603050405020304" pitchFamily="18" charset="0"/>
+              </a:rPr>
+              <a:t>Mini Computer</a:t>
+            </a:r>
+          </a:p>
+        </p:txBody>
+      </p:sp>
+      <p:sp>
+        <p:nvSpPr>
+          <p:cNvPr id="69" name="Rectangle 68">
+            <a:extLst>
+              <a:ext uri="{FF2B5EF4-FFF2-40B4-BE49-F238E27FC236}">
+                <a16:creationId xmlns:a16="http://schemas.microsoft.com/office/drawing/2014/main" id="{F2A3EC7C-C7A1-F59D-8869-18912D439B07}"/>
+              </a:ext>
+            </a:extLst>
+          </p:cNvPr>
+          <p:cNvSpPr/>
+          <p:nvPr/>
+        </p:nvSpPr>
+        <p:spPr>
+          <a:xfrm>
+            <a:off x="3973240" y="1286166"/>
+            <a:ext cx="1197736" cy="669702"/>
+          </a:xfrm>
+          <a:prstGeom prst="rect">
+            <a:avLst/>
+          </a:prstGeom>
+          <a:noFill/>
+          <a:ln w="28575">
+            <a:solidFill>
+              <a:schemeClr val="tx1"/>
+            </a:solidFill>
+          </a:ln>
+        </p:spPr>
+        <p:style>
+          <a:lnRef idx="2">
+            <a:schemeClr val="accent1">
+              <a:shade val="50000"/>
+            </a:schemeClr>
+          </a:lnRef>
+          <a:fillRef idx="1">
+            <a:schemeClr val="accent1"/>
+          </a:fillRef>
+          <a:effectRef idx="0">
+            <a:schemeClr val="accent1"/>
+          </a:effectRef>
+          <a:fontRef idx="minor">
+            <a:schemeClr val="lt1"/>
+          </a:fontRef>
+        </p:style>
+        <p:txBody>
+          <a:bodyPr rtlCol="0" anchor="ctr"/>
+          <a:lstStyle/>
+          <a:p>
+            <a:pPr algn="ctr"/>
+            <a:r>
+              <a:rPr lang="en-US" sz="1200" dirty="0">
+                <a:solidFill>
+                  <a:schemeClr val="tx1"/>
+                </a:solidFill>
+                <a:latin typeface="Times New Roman" panose="02020603050405020304" pitchFamily="18" charset="0"/>
+                <a:cs typeface="Times New Roman" panose="02020603050405020304" pitchFamily="18" charset="0"/>
+              </a:rPr>
+              <a:t>BMP280 Sensor</a:t>
+            </a:r>
+          </a:p>
+        </p:txBody>
+      </p:sp>
+      <p:cxnSp>
+        <p:nvCxnSpPr>
+          <p:cNvPr id="70" name="Straight Arrow Connector 69">
+            <a:extLst>
+              <a:ext uri="{FF2B5EF4-FFF2-40B4-BE49-F238E27FC236}">
+                <a16:creationId xmlns:a16="http://schemas.microsoft.com/office/drawing/2014/main" id="{4228321E-2BB6-1135-F39B-C615854C3981}"/>
+              </a:ext>
+            </a:extLst>
+          </p:cNvPr>
+          <p:cNvCxnSpPr>
+            <a:cxnSpLocks/>
+            <a:stCxn id="56" idx="3"/>
+            <a:endCxn id="18" idx="1"/>
+          </p:cNvCxnSpPr>
+          <p:nvPr/>
+        </p:nvCxnSpPr>
+        <p:spPr>
+          <a:xfrm>
+            <a:off x="5170976" y="2615548"/>
+            <a:ext cx="373880" cy="0"/>
+          </a:xfrm>
+          <a:prstGeom prst="straightConnector1">
+            <a:avLst/>
+          </a:prstGeom>
+          <a:ln w="28575">
+            <a:solidFill>
+              <a:schemeClr val="tx1"/>
+            </a:solidFill>
+            <a:tailEnd type="triangle"/>
+          </a:ln>
+        </p:spPr>
+        <p:style>
+          <a:lnRef idx="1">
+            <a:schemeClr val="accent1"/>
+          </a:lnRef>
+          <a:fillRef idx="0">
+            <a:schemeClr val="accent1"/>
+          </a:fillRef>
+          <a:effectRef idx="0">
+            <a:schemeClr val="accent1"/>
+          </a:effectRef>
+          <a:fontRef idx="minor">
+            <a:schemeClr val="tx1"/>
+          </a:fontRef>
+        </p:style>
+      </p:cxnSp>
+      <p:cxnSp>
+        <p:nvCxnSpPr>
+          <p:cNvPr id="75" name="Straight Arrow Connector 74">
+            <a:extLst>
+              <a:ext uri="{FF2B5EF4-FFF2-40B4-BE49-F238E27FC236}">
+                <a16:creationId xmlns:a16="http://schemas.microsoft.com/office/drawing/2014/main" id="{76D35B38-403F-3218-3170-373DF778A8B4}"/>
+              </a:ext>
+            </a:extLst>
+          </p:cNvPr>
+          <p:cNvCxnSpPr>
+            <a:cxnSpLocks/>
+            <a:stCxn id="69" idx="3"/>
+            <a:endCxn id="68" idx="1"/>
+          </p:cNvCxnSpPr>
+          <p:nvPr/>
+        </p:nvCxnSpPr>
+        <p:spPr>
+          <a:xfrm>
+            <a:off x="5170976" y="1621017"/>
+            <a:ext cx="373880" cy="0"/>
+          </a:xfrm>
+          <a:prstGeom prst="straightConnector1">
+            <a:avLst/>
+          </a:prstGeom>
+          <a:ln w="28575">
+            <a:solidFill>
+              <a:schemeClr val="tx1"/>
+            </a:solidFill>
+            <a:tailEnd type="triangle"/>
+          </a:ln>
+        </p:spPr>
+        <p:style>
+          <a:lnRef idx="1">
+            <a:schemeClr val="accent1"/>
+          </a:lnRef>
+          <a:fillRef idx="0">
+            <a:schemeClr val="accent1"/>
+          </a:fillRef>
+          <a:effectRef idx="0">
+            <a:schemeClr val="accent1"/>
+          </a:effectRef>
+          <a:fontRef idx="minor">
+            <a:schemeClr val="tx1"/>
+          </a:fontRef>
+        </p:style>
+      </p:cxnSp>
+      <p:cxnSp>
+        <p:nvCxnSpPr>
+          <p:cNvPr id="78" name="Straight Arrow Connector 77">
+            <a:extLst>
+              <a:ext uri="{FF2B5EF4-FFF2-40B4-BE49-F238E27FC236}">
+                <a16:creationId xmlns:a16="http://schemas.microsoft.com/office/drawing/2014/main" id="{FB411B29-3875-FB3C-EF66-33FB5B26272F}"/>
+              </a:ext>
+            </a:extLst>
+          </p:cNvPr>
+          <p:cNvCxnSpPr>
+            <a:cxnSpLocks/>
+            <a:stCxn id="68" idx="3"/>
+            <a:endCxn id="46" idx="1"/>
+          </p:cNvCxnSpPr>
+          <p:nvPr/>
+        </p:nvCxnSpPr>
+        <p:spPr>
+          <a:xfrm>
+            <a:off x="6742592" y="1621017"/>
+            <a:ext cx="373880" cy="0"/>
+          </a:xfrm>
+          <a:prstGeom prst="straightConnector1">
+            <a:avLst/>
+          </a:prstGeom>
+          <a:ln w="28575">
+            <a:solidFill>
+              <a:schemeClr val="tx1"/>
+            </a:solidFill>
+            <a:tailEnd type="triangle"/>
+          </a:ln>
+        </p:spPr>
+        <p:style>
+          <a:lnRef idx="1">
+            <a:schemeClr val="accent1"/>
+          </a:lnRef>
+          <a:fillRef idx="0">
+            <a:schemeClr val="accent1"/>
+          </a:fillRef>
+          <a:effectRef idx="0">
+            <a:schemeClr val="accent1"/>
+          </a:effectRef>
+          <a:fontRef idx="minor">
+            <a:schemeClr val="tx1"/>
+          </a:fontRef>
+        </p:style>
+      </p:cxnSp>
+      <p:cxnSp>
+        <p:nvCxnSpPr>
+          <p:cNvPr id="81" name="Straight Arrow Connector 80">
+            <a:extLst>
+              <a:ext uri="{FF2B5EF4-FFF2-40B4-BE49-F238E27FC236}">
+                <a16:creationId xmlns:a16="http://schemas.microsoft.com/office/drawing/2014/main" id="{128D12F7-4F3D-C695-2089-0B7C8203A92B}"/>
+              </a:ext>
+            </a:extLst>
+          </p:cNvPr>
+          <p:cNvCxnSpPr>
+            <a:cxnSpLocks/>
+          </p:cNvCxnSpPr>
+          <p:nvPr/>
+        </p:nvCxnSpPr>
+        <p:spPr>
+          <a:xfrm flipV="1">
+            <a:off x="6120765" y="1955868"/>
+            <a:ext cx="0" cy="324829"/>
+          </a:xfrm>
+          <a:prstGeom prst="straightConnector1">
+            <a:avLst/>
+          </a:prstGeom>
+          <a:ln w="28575">
+            <a:solidFill>
+              <a:schemeClr val="tx1"/>
+            </a:solidFill>
+            <a:tailEnd type="triangle"/>
+          </a:ln>
+        </p:spPr>
+        <p:style>
+          <a:lnRef idx="1">
+            <a:schemeClr val="accent1"/>
+          </a:lnRef>
+          <a:fillRef idx="0">
+            <a:schemeClr val="accent1"/>
+          </a:fillRef>
+          <a:effectRef idx="0">
+            <a:schemeClr val="accent1"/>
+          </a:effectRef>
+          <a:fontRef idx="minor">
+            <a:schemeClr val="tx1"/>
+          </a:fontRef>
+        </p:style>
+      </p:cxnSp>
+      <p:cxnSp>
+        <p:nvCxnSpPr>
+          <p:cNvPr id="84" name="Straight Arrow Connector 83">
+            <a:extLst>
+              <a:ext uri="{FF2B5EF4-FFF2-40B4-BE49-F238E27FC236}">
+                <a16:creationId xmlns:a16="http://schemas.microsoft.com/office/drawing/2014/main" id="{8CF10B7F-054A-2395-6A3E-87F90346652A}"/>
+              </a:ext>
+            </a:extLst>
+          </p:cNvPr>
+          <p:cNvCxnSpPr>
+            <a:cxnSpLocks/>
+          </p:cNvCxnSpPr>
+          <p:nvPr/>
+        </p:nvCxnSpPr>
+        <p:spPr>
+          <a:xfrm>
+            <a:off x="6219825" y="1955868"/>
+            <a:ext cx="0" cy="324829"/>
+          </a:xfrm>
+          <a:prstGeom prst="straightConnector1">
+            <a:avLst/>
+          </a:prstGeom>
+          <a:ln w="28575">
+            <a:solidFill>
+              <a:schemeClr val="tx1"/>
+            </a:solidFill>
+            <a:tailEnd type="triangle"/>
+          </a:ln>
+        </p:spPr>
+        <p:style>
+          <a:lnRef idx="1">
+            <a:schemeClr val="accent1"/>
+          </a:lnRef>
+          <a:fillRef idx="0">
+            <a:schemeClr val="accent1"/>
+          </a:fillRef>
+          <a:effectRef idx="0">
+            <a:schemeClr val="accent1"/>
+          </a:effectRef>
+          <a:fontRef idx="minor">
+            <a:schemeClr val="tx1"/>
+          </a:fontRef>
+        </p:style>
+      </p:cxnSp>
+      <p:cxnSp>
+        <p:nvCxnSpPr>
+          <p:cNvPr id="87" name="Straight Arrow Connector 86">
+            <a:extLst>
+              <a:ext uri="{FF2B5EF4-FFF2-40B4-BE49-F238E27FC236}">
+                <a16:creationId xmlns:a16="http://schemas.microsoft.com/office/drawing/2014/main" id="{14A43036-969A-27A4-9A2E-CB3C1377B0F9}"/>
+              </a:ext>
+            </a:extLst>
+          </p:cNvPr>
+          <p:cNvCxnSpPr>
+            <a:cxnSpLocks/>
+          </p:cNvCxnSpPr>
+          <p:nvPr/>
+        </p:nvCxnSpPr>
+        <p:spPr>
+          <a:xfrm flipV="1">
+            <a:off x="6098004" y="951315"/>
+            <a:ext cx="0" cy="334851"/>
+          </a:xfrm>
+          <a:prstGeom prst="straightConnector1">
+            <a:avLst/>
+          </a:prstGeom>
+          <a:ln w="28575">
+            <a:solidFill>
+              <a:schemeClr val="tx1"/>
+            </a:solidFill>
+            <a:tailEnd type="triangle"/>
+          </a:ln>
+        </p:spPr>
+        <p:style>
+          <a:lnRef idx="1">
+            <a:schemeClr val="accent1"/>
+          </a:lnRef>
+          <a:fillRef idx="0">
+            <a:schemeClr val="accent1"/>
+          </a:fillRef>
+          <a:effectRef idx="0">
+            <a:schemeClr val="accent1"/>
+          </a:effectRef>
+          <a:fontRef idx="minor">
+            <a:schemeClr val="tx1"/>
+          </a:fontRef>
+        </p:style>
+      </p:cxnSp>
+      <p:cxnSp>
+        <p:nvCxnSpPr>
+          <p:cNvPr id="90" name="Straight Arrow Connector 89">
+            <a:extLst>
+              <a:ext uri="{FF2B5EF4-FFF2-40B4-BE49-F238E27FC236}">
+                <a16:creationId xmlns:a16="http://schemas.microsoft.com/office/drawing/2014/main" id="{55BD8228-941E-3EC0-05F5-4D3E15339F94}"/>
+              </a:ext>
+            </a:extLst>
+          </p:cNvPr>
+          <p:cNvCxnSpPr>
+            <a:cxnSpLocks/>
+          </p:cNvCxnSpPr>
+          <p:nvPr/>
+        </p:nvCxnSpPr>
+        <p:spPr>
+          <a:xfrm>
+            <a:off x="6206490" y="961337"/>
+            <a:ext cx="0" cy="324829"/>
+          </a:xfrm>
+          <a:prstGeom prst="straightConnector1">
+            <a:avLst/>
+          </a:prstGeom>
+          <a:ln w="28575">
+            <a:solidFill>
+              <a:schemeClr val="tx1"/>
+            </a:solidFill>
+            <a:tailEnd type="triangle"/>
+          </a:ln>
+        </p:spPr>
+        <p:style>
+          <a:lnRef idx="1">
+            <a:schemeClr val="accent1"/>
+          </a:lnRef>
+          <a:fillRef idx="0">
+            <a:schemeClr val="accent1"/>
+          </a:fillRef>
+          <a:effectRef idx="0">
+            <a:schemeClr val="accent1"/>
+          </a:effectRef>
+          <a:fontRef idx="minor">
+            <a:schemeClr val="tx1"/>
+          </a:fontRef>
+        </p:style>
+      </p:cxnSp>
+      <p:sp>
+        <p:nvSpPr>
+          <p:cNvPr id="91" name="Rectangle 90">
+            <a:extLst>
+              <a:ext uri="{FF2B5EF4-FFF2-40B4-BE49-F238E27FC236}">
+                <a16:creationId xmlns:a16="http://schemas.microsoft.com/office/drawing/2014/main" id="{F02249F1-73B1-E429-2653-8ED861CDBF75}"/>
+              </a:ext>
+            </a:extLst>
+          </p:cNvPr>
+          <p:cNvSpPr/>
+          <p:nvPr/>
+        </p:nvSpPr>
+        <p:spPr>
+          <a:xfrm>
+            <a:off x="8561859" y="311680"/>
+            <a:ext cx="1197736" cy="649657"/>
+          </a:xfrm>
+          <a:prstGeom prst="rect">
+            <a:avLst/>
+          </a:prstGeom>
+          <a:noFill/>
+          <a:ln w="28575">
+            <a:solidFill>
+              <a:schemeClr val="tx1"/>
+            </a:solidFill>
+          </a:ln>
+        </p:spPr>
+        <p:style>
+          <a:lnRef idx="2">
+            <a:schemeClr val="accent1">
+              <a:shade val="50000"/>
+            </a:schemeClr>
+          </a:lnRef>
+          <a:fillRef idx="1">
+            <a:schemeClr val="accent1"/>
+          </a:fillRef>
+          <a:effectRef idx="0">
+            <a:schemeClr val="accent1"/>
+          </a:effectRef>
+          <a:fontRef idx="minor">
+            <a:schemeClr val="lt1"/>
+          </a:fontRef>
+        </p:style>
+        <p:txBody>
+          <a:bodyPr rtlCol="0" anchor="ctr"/>
+          <a:lstStyle/>
+          <a:p>
+            <a:pPr algn="ctr"/>
+            <a:r>
+              <a:rPr lang="en-US" sz="1200" dirty="0">
+                <a:solidFill>
+                  <a:schemeClr val="tx1"/>
+                </a:solidFill>
+                <a:latin typeface="Times New Roman" panose="02020603050405020304" pitchFamily="18" charset="0"/>
+                <a:cs typeface="Times New Roman" panose="02020603050405020304" pitchFamily="18" charset="0"/>
+              </a:rPr>
+              <a:t>Computer </a:t>
+            </a:r>
+          </a:p>
+          <a:p>
+            <a:pPr algn="ctr"/>
+            <a:r>
+              <a:rPr lang="en-US" sz="1200" dirty="0">
+                <a:solidFill>
+                  <a:schemeClr val="tx1"/>
+                </a:solidFill>
+                <a:latin typeface="Times New Roman" panose="02020603050405020304" pitchFamily="18" charset="0"/>
+                <a:cs typeface="Times New Roman" panose="02020603050405020304" pitchFamily="18" charset="0"/>
+              </a:rPr>
+              <a:t>User</a:t>
+            </a:r>
+          </a:p>
+        </p:txBody>
+      </p:sp>
+      <p:cxnSp>
+        <p:nvCxnSpPr>
+          <p:cNvPr id="93" name="Straight Connector 92">
+            <a:extLst>
+              <a:ext uri="{FF2B5EF4-FFF2-40B4-BE49-F238E27FC236}">
+                <a16:creationId xmlns:a16="http://schemas.microsoft.com/office/drawing/2014/main" id="{B5F5ECBE-3F37-EC7F-C01F-A61335BE9489}"/>
+              </a:ext>
+            </a:extLst>
+          </p:cNvPr>
+          <p:cNvCxnSpPr>
+            <a:cxnSpLocks/>
+            <a:stCxn id="4" idx="3"/>
+          </p:cNvCxnSpPr>
+          <p:nvPr/>
+        </p:nvCxnSpPr>
+        <p:spPr>
+          <a:xfrm>
+            <a:off x="6742592" y="626487"/>
+            <a:ext cx="634759" cy="10022"/>
+          </a:xfrm>
+          <a:prstGeom prst="line">
+            <a:avLst/>
+          </a:prstGeom>
+          <a:ln w="28575">
+            <a:solidFill>
+              <a:schemeClr val="tx1"/>
+            </a:solidFill>
+          </a:ln>
+        </p:spPr>
+        <p:style>
+          <a:lnRef idx="1">
+            <a:schemeClr val="dk1"/>
+          </a:lnRef>
+          <a:fillRef idx="0">
+            <a:schemeClr val="dk1"/>
+          </a:fillRef>
+          <a:effectRef idx="0">
+            <a:schemeClr val="dk1"/>
+          </a:effectRef>
+          <a:fontRef idx="minor">
+            <a:schemeClr val="tx1"/>
+          </a:fontRef>
+        </p:style>
+      </p:cxnSp>
+      <p:cxnSp>
+        <p:nvCxnSpPr>
+          <p:cNvPr id="96" name="Straight Connector 95">
+            <a:extLst>
+              <a:ext uri="{FF2B5EF4-FFF2-40B4-BE49-F238E27FC236}">
+                <a16:creationId xmlns:a16="http://schemas.microsoft.com/office/drawing/2014/main" id="{FEBCC2C9-0F48-257A-0B73-EF2BA8D06080}"/>
+              </a:ext>
+            </a:extLst>
+          </p:cNvPr>
+          <p:cNvCxnSpPr>
+            <a:cxnSpLocks/>
+            <a:endCxn id="91" idx="1"/>
+          </p:cNvCxnSpPr>
+          <p:nvPr/>
+        </p:nvCxnSpPr>
+        <p:spPr>
+          <a:xfrm>
+            <a:off x="7940328" y="636509"/>
+            <a:ext cx="621531" cy="0"/>
+          </a:xfrm>
+          <a:prstGeom prst="line">
+            <a:avLst/>
+          </a:prstGeom>
+          <a:ln w="28575">
+            <a:solidFill>
+              <a:schemeClr val="tx1"/>
+            </a:solidFill>
+          </a:ln>
+        </p:spPr>
+        <p:style>
+          <a:lnRef idx="1">
+            <a:schemeClr val="dk1"/>
+          </a:lnRef>
+          <a:fillRef idx="0">
+            <a:schemeClr val="dk1"/>
+          </a:fillRef>
+          <a:effectRef idx="0">
+            <a:schemeClr val="dk1"/>
+          </a:effectRef>
+          <a:fontRef idx="minor">
+            <a:schemeClr val="tx1"/>
+          </a:fontRef>
+        </p:style>
+      </p:cxnSp>
+      <p:pic>
+        <p:nvPicPr>
+          <p:cNvPr id="101" name="Picture 100">
+            <a:extLst>
+              <a:ext uri="{FF2B5EF4-FFF2-40B4-BE49-F238E27FC236}">
+                <a16:creationId xmlns:a16="http://schemas.microsoft.com/office/drawing/2014/main" id="{7482BF54-DFC2-7A29-0B53-F20B36C4398D}"/>
+              </a:ext>
+            </a:extLst>
+          </p:cNvPr>
+          <p:cNvPicPr>
+            <a:picLocks noChangeAspect="1"/>
+          </p:cNvPicPr>
+          <p:nvPr/>
+        </p:nvPicPr>
+        <p:blipFill>
+          <a:blip r:embed="rId3"/>
+          <a:stretch>
+            <a:fillRect/>
+          </a:stretch>
+        </p:blipFill>
+        <p:spPr>
+          <a:xfrm rot="4602085">
+            <a:off x="7745479" y="535336"/>
+            <a:ext cx="302983" cy="229613"/>
+          </a:xfrm>
+          <a:prstGeom prst="rect">
+            <a:avLst/>
+          </a:prstGeom>
+        </p:spPr>
+      </p:pic>
+      <p:pic>
+        <p:nvPicPr>
+          <p:cNvPr id="102" name="Picture 101">
+            <a:extLst>
+              <a:ext uri="{FF2B5EF4-FFF2-40B4-BE49-F238E27FC236}">
+                <a16:creationId xmlns:a16="http://schemas.microsoft.com/office/drawing/2014/main" id="{733E38B9-3764-BB6B-35D7-7169AD586D43}"/>
+              </a:ext>
+            </a:extLst>
+          </p:cNvPr>
+          <p:cNvPicPr>
+            <a:picLocks noChangeAspect="1"/>
+          </p:cNvPicPr>
+          <p:nvPr/>
+        </p:nvPicPr>
+        <p:blipFill>
+          <a:blip r:embed="rId3"/>
+          <a:stretch>
+            <a:fillRect/>
+          </a:stretch>
+        </p:blipFill>
+        <p:spPr>
+          <a:xfrm rot="15681599">
+            <a:off x="7333689" y="528519"/>
+            <a:ext cx="302983" cy="229613"/>
+          </a:xfrm>
+          <a:prstGeom prst="rect">
+            <a:avLst/>
+          </a:prstGeom>
+        </p:spPr>
+      </p:pic>
+      <p:cxnSp>
+        <p:nvCxnSpPr>
+          <p:cNvPr id="103" name="Straight Arrow Connector 102">
+            <a:extLst>
+              <a:ext uri="{FF2B5EF4-FFF2-40B4-BE49-F238E27FC236}">
+                <a16:creationId xmlns:a16="http://schemas.microsoft.com/office/drawing/2014/main" id="{EC6FFD44-EBD4-6182-191A-5D9902B6DB6C}"/>
+              </a:ext>
+            </a:extLst>
+          </p:cNvPr>
+          <p:cNvCxnSpPr>
+            <a:cxnSpLocks/>
+            <a:stCxn id="46" idx="2"/>
+            <a:endCxn id="43" idx="0"/>
+          </p:cNvCxnSpPr>
+          <p:nvPr/>
+        </p:nvCxnSpPr>
+        <p:spPr>
+          <a:xfrm>
+            <a:off x="7715340" y="1955868"/>
+            <a:ext cx="0" cy="324829"/>
+          </a:xfrm>
+          <a:prstGeom prst="straightConnector1">
+            <a:avLst/>
+          </a:prstGeom>
+          <a:ln w="28575">
+            <a:solidFill>
+              <a:schemeClr val="tx1"/>
+            </a:solidFill>
+            <a:tailEnd type="triangle"/>
+          </a:ln>
+        </p:spPr>
+        <p:style>
+          <a:lnRef idx="1">
+            <a:schemeClr val="accent1"/>
+          </a:lnRef>
+          <a:fillRef idx="0">
+            <a:schemeClr val="accent1"/>
+          </a:fillRef>
+          <a:effectRef idx="0">
+            <a:schemeClr val="accent1"/>
+          </a:effectRef>
+          <a:fontRef idx="minor">
+            <a:schemeClr val="tx1"/>
+          </a:fontRef>
+        </p:style>
+      </p:cxnSp>
+    </p:spTree>
+    <p:extLst>
+      <p:ext uri="{BB962C8B-B14F-4D97-AF65-F5344CB8AC3E}">
+        <p14:creationId xmlns:p14="http://schemas.microsoft.com/office/powerpoint/2010/main" val="1849396672"/>
+      </p:ext>
+    </p:extLst>
+  </p:cSld>
+  <p:clrMapOvr>
+    <a:masterClrMapping/>
+  </p:clrMapOvr>
+</p:sld>
+</file>
+
+<file path=ppt/slides/slide8.xml><?xml version="1.0" encoding="utf-8"?>
+<p:sld xmlns:a="http://schemas.openxmlformats.org/drawingml/2006/main" xmlns:r="http://schemas.openxmlformats.org/officeDocument/2006/relationships" xmlns:p="http://schemas.openxmlformats.org/presentationml/2006/main">
+  <p:cSld>
+    <p:spTree>
+      <p:nvGrpSpPr>
+        <p:cNvPr id="1" name=""/>
+        <p:cNvGrpSpPr/>
+        <p:nvPr/>
+      </p:nvGrpSpPr>
+      <p:grpSpPr>
+        <a:xfrm>
+          <a:off x="0" y="0"/>
+          <a:ext cx="0" cy="0"/>
+          <a:chOff x="0" y="0"/>
+          <a:chExt cx="0" cy="0"/>
+        </a:xfrm>
+      </p:grpSpPr>
+      <p:pic>
+        <p:nvPicPr>
+          <p:cNvPr id="4" name="Picture 3">
+            <a:extLst>
+              <a:ext uri="{FF2B5EF4-FFF2-40B4-BE49-F238E27FC236}">
+                <a16:creationId xmlns:a16="http://schemas.microsoft.com/office/drawing/2014/main" id="{20CE4EF3-B4B6-9519-4BF4-628D243DCF1C}"/>
+              </a:ext>
+            </a:extLst>
+          </p:cNvPr>
+          <p:cNvPicPr>
+            <a:picLocks noChangeAspect="1"/>
+          </p:cNvPicPr>
+          <p:nvPr/>
+        </p:nvPicPr>
+        <p:blipFill>
+          <a:blip r:embed="rId2"/>
+          <a:stretch>
+            <a:fillRect/>
+          </a:stretch>
+        </p:blipFill>
+        <p:spPr>
+          <a:xfrm>
+            <a:off x="3225800" y="1087740"/>
+            <a:ext cx="3746500" cy="3386068"/>
+          </a:xfrm>
+          <a:prstGeom prst="rect">
+            <a:avLst/>
+          </a:prstGeom>
+        </p:spPr>
+      </p:pic>
+      <p:cxnSp>
+        <p:nvCxnSpPr>
+          <p:cNvPr id="5" name="Straight Arrow Connector 4">
+            <a:extLst>
+              <a:ext uri="{FF2B5EF4-FFF2-40B4-BE49-F238E27FC236}">
+                <a16:creationId xmlns:a16="http://schemas.microsoft.com/office/drawing/2014/main" id="{1F608634-A9E8-D4FC-B858-C263D05FD809}"/>
+              </a:ext>
+            </a:extLst>
+          </p:cNvPr>
+          <p:cNvCxnSpPr>
+            <a:cxnSpLocks/>
+          </p:cNvCxnSpPr>
+          <p:nvPr/>
+        </p:nvCxnSpPr>
+        <p:spPr>
+          <a:xfrm flipV="1">
+            <a:off x="5207000" y="1417817"/>
+            <a:ext cx="2946152" cy="1033283"/>
+          </a:xfrm>
+          <a:prstGeom prst="straightConnector1">
+            <a:avLst/>
+          </a:prstGeom>
+          <a:ln w="28575">
+            <a:solidFill>
+              <a:schemeClr val="tx1"/>
+            </a:solidFill>
+            <a:tailEnd type="triangle"/>
+          </a:ln>
+        </p:spPr>
+        <p:style>
+          <a:lnRef idx="1">
+            <a:schemeClr val="accent1"/>
+          </a:lnRef>
+          <a:fillRef idx="0">
+            <a:schemeClr val="accent1"/>
+          </a:fillRef>
+          <a:effectRef idx="0">
+            <a:schemeClr val="accent1"/>
+          </a:effectRef>
+          <a:fontRef idx="minor">
+            <a:schemeClr val="tx1"/>
+          </a:fontRef>
+        </p:style>
+      </p:cxnSp>
+      <p:sp>
+        <p:nvSpPr>
+          <p:cNvPr id="9" name="Rectangle: Rounded Corners 8">
+            <a:extLst>
+              <a:ext uri="{FF2B5EF4-FFF2-40B4-BE49-F238E27FC236}">
+                <a16:creationId xmlns:a16="http://schemas.microsoft.com/office/drawing/2014/main" id="{DB259017-E9AC-815F-AACB-62FCD50ADD64}"/>
+              </a:ext>
+            </a:extLst>
+          </p:cNvPr>
+          <p:cNvSpPr/>
+          <p:nvPr/>
+        </p:nvSpPr>
+        <p:spPr>
+          <a:xfrm>
+            <a:off x="7985129" y="1087741"/>
+            <a:ext cx="968371" cy="436260"/>
+          </a:xfrm>
+          <a:prstGeom prst="roundRect">
+            <a:avLst/>
+          </a:prstGeom>
+          <a:ln>
+            <a:solidFill>
+              <a:schemeClr val="tx1"/>
+            </a:solidFill>
+          </a:ln>
+        </p:spPr>
+        <p:style>
+          <a:lnRef idx="2">
+            <a:schemeClr val="accent6"/>
+          </a:lnRef>
+          <a:fillRef idx="1">
+            <a:schemeClr val="lt1"/>
+          </a:fillRef>
+          <a:effectRef idx="0">
+            <a:schemeClr val="accent6"/>
+          </a:effectRef>
+          <a:fontRef idx="minor">
+            <a:schemeClr val="dk1"/>
+          </a:fontRef>
+        </p:style>
+        <p:txBody>
+          <a:bodyPr rtlCol="0" anchor="ctr"/>
+          <a:lstStyle/>
+          <a:p>
+            <a:pPr algn="ctr"/>
+            <a:r>
+              <a:rPr lang="en-US" sz="1400" dirty="0">
+                <a:latin typeface="Times New Roman" panose="02020603050405020304" pitchFamily="18" charset="0"/>
+                <a:cs typeface="Times New Roman" panose="02020603050405020304" pitchFamily="18" charset="0"/>
+              </a:rPr>
+              <a:t>Pixhawk</a:t>
+            </a:r>
+            <a:endParaRPr lang="en-ID" sz="1400" dirty="0">
+              <a:latin typeface="Times New Roman" panose="02020603050405020304" pitchFamily="18" charset="0"/>
+              <a:cs typeface="Times New Roman" panose="02020603050405020304" pitchFamily="18" charset="0"/>
+            </a:endParaRPr>
+          </a:p>
+        </p:txBody>
+      </p:sp>
+      <p:cxnSp>
+        <p:nvCxnSpPr>
+          <p:cNvPr id="10" name="Straight Arrow Connector 9">
+            <a:extLst>
+              <a:ext uri="{FF2B5EF4-FFF2-40B4-BE49-F238E27FC236}">
+                <a16:creationId xmlns:a16="http://schemas.microsoft.com/office/drawing/2014/main" id="{50D7E292-99E5-69B9-2935-FF9E81E2DABD}"/>
+              </a:ext>
+            </a:extLst>
+          </p:cNvPr>
+          <p:cNvCxnSpPr>
+            <a:cxnSpLocks/>
+          </p:cNvCxnSpPr>
+          <p:nvPr/>
+        </p:nvCxnSpPr>
+        <p:spPr>
+          <a:xfrm flipV="1">
+            <a:off x="5514975" y="1305871"/>
+            <a:ext cx="981075" cy="548206"/>
+          </a:xfrm>
+          <a:prstGeom prst="straightConnector1">
+            <a:avLst/>
+          </a:prstGeom>
+          <a:ln w="28575">
+            <a:solidFill>
+              <a:schemeClr val="tx1"/>
+            </a:solidFill>
+            <a:tailEnd type="triangle"/>
+          </a:ln>
+        </p:spPr>
+        <p:style>
+          <a:lnRef idx="1">
+            <a:schemeClr val="accent1"/>
+          </a:lnRef>
+          <a:fillRef idx="0">
+            <a:schemeClr val="accent1"/>
+          </a:fillRef>
+          <a:effectRef idx="0">
+            <a:schemeClr val="accent1"/>
+          </a:effectRef>
+          <a:fontRef idx="minor">
+            <a:schemeClr val="tx1"/>
+          </a:fontRef>
+        </p:style>
+      </p:cxnSp>
+      <p:sp>
+        <p:nvSpPr>
+          <p:cNvPr id="14" name="Rectangle: Rounded Corners 13">
+            <a:extLst>
+              <a:ext uri="{FF2B5EF4-FFF2-40B4-BE49-F238E27FC236}">
+                <a16:creationId xmlns:a16="http://schemas.microsoft.com/office/drawing/2014/main" id="{2787A75F-2731-6504-BC2E-E71AB0EFDB6B}"/>
+              </a:ext>
+            </a:extLst>
+          </p:cNvPr>
+          <p:cNvSpPr/>
+          <p:nvPr/>
+        </p:nvSpPr>
+        <p:spPr>
+          <a:xfrm>
+            <a:off x="6404103" y="981557"/>
+            <a:ext cx="968371" cy="436260"/>
+          </a:xfrm>
+          <a:prstGeom prst="roundRect">
+            <a:avLst/>
+          </a:prstGeom>
+          <a:ln>
+            <a:solidFill>
+              <a:schemeClr val="tx1"/>
+            </a:solidFill>
+          </a:ln>
+        </p:spPr>
+        <p:style>
+          <a:lnRef idx="2">
+            <a:schemeClr val="accent6"/>
+          </a:lnRef>
+          <a:fillRef idx="1">
+            <a:schemeClr val="lt1"/>
+          </a:fillRef>
+          <a:effectRef idx="0">
+            <a:schemeClr val="accent6"/>
+          </a:effectRef>
+          <a:fontRef idx="minor">
+            <a:schemeClr val="dk1"/>
+          </a:fontRef>
+        </p:style>
+        <p:txBody>
+          <a:bodyPr rtlCol="0" anchor="ctr"/>
+          <a:lstStyle/>
+          <a:p>
+            <a:pPr algn="ctr"/>
+            <a:r>
+              <a:rPr lang="en-US" sz="1400" dirty="0">
+                <a:latin typeface="Times New Roman" panose="02020603050405020304" pitchFamily="18" charset="0"/>
+                <a:cs typeface="Times New Roman" panose="02020603050405020304" pitchFamily="18" charset="0"/>
+              </a:rPr>
+              <a:t>GPS</a:t>
+            </a:r>
+            <a:endParaRPr lang="en-ID" sz="1400" dirty="0">
+              <a:latin typeface="Times New Roman" panose="02020603050405020304" pitchFamily="18" charset="0"/>
+              <a:cs typeface="Times New Roman" panose="02020603050405020304" pitchFamily="18" charset="0"/>
+            </a:endParaRPr>
+          </a:p>
+        </p:txBody>
+      </p:sp>
+      <p:cxnSp>
+        <p:nvCxnSpPr>
+          <p:cNvPr id="15" name="Straight Arrow Connector 14">
+            <a:extLst>
+              <a:ext uri="{FF2B5EF4-FFF2-40B4-BE49-F238E27FC236}">
+                <a16:creationId xmlns:a16="http://schemas.microsoft.com/office/drawing/2014/main" id="{BD9969B4-6675-45EA-6B83-03DB41801CDC}"/>
+              </a:ext>
+            </a:extLst>
+          </p:cNvPr>
+          <p:cNvCxnSpPr>
+            <a:cxnSpLocks/>
+          </p:cNvCxnSpPr>
+          <p:nvPr/>
+        </p:nvCxnSpPr>
+        <p:spPr>
+          <a:xfrm>
+            <a:off x="6496050" y="2190750"/>
+            <a:ext cx="1615953" cy="164112"/>
+          </a:xfrm>
+          <a:prstGeom prst="straightConnector1">
+            <a:avLst/>
+          </a:prstGeom>
+          <a:ln w="28575">
+            <a:solidFill>
+              <a:schemeClr val="tx1"/>
+            </a:solidFill>
+            <a:tailEnd type="triangle"/>
+          </a:ln>
+        </p:spPr>
+        <p:style>
+          <a:lnRef idx="1">
+            <a:schemeClr val="accent1"/>
+          </a:lnRef>
+          <a:fillRef idx="0">
+            <a:schemeClr val="accent1"/>
+          </a:fillRef>
+          <a:effectRef idx="0">
+            <a:schemeClr val="accent1"/>
+          </a:effectRef>
+          <a:fontRef idx="minor">
+            <a:schemeClr val="tx1"/>
+          </a:fontRef>
+        </p:style>
+      </p:cxnSp>
+      <p:sp>
+        <p:nvSpPr>
+          <p:cNvPr id="16" name="Rectangle: Rounded Corners 15">
+            <a:extLst>
+              <a:ext uri="{FF2B5EF4-FFF2-40B4-BE49-F238E27FC236}">
+                <a16:creationId xmlns:a16="http://schemas.microsoft.com/office/drawing/2014/main" id="{430F0B25-6698-04A8-2AA3-A7AE82C7A967}"/>
+              </a:ext>
+            </a:extLst>
+          </p:cNvPr>
+          <p:cNvSpPr/>
+          <p:nvPr/>
+        </p:nvSpPr>
+        <p:spPr>
+          <a:xfrm>
+            <a:off x="8020056" y="2030548"/>
+            <a:ext cx="968371" cy="436260"/>
+          </a:xfrm>
+          <a:prstGeom prst="roundRect">
+            <a:avLst/>
+          </a:prstGeom>
+          <a:ln>
+            <a:solidFill>
+              <a:schemeClr val="tx1"/>
+            </a:solidFill>
+          </a:ln>
+        </p:spPr>
+        <p:style>
+          <a:lnRef idx="2">
+            <a:schemeClr val="accent6"/>
+          </a:lnRef>
+          <a:fillRef idx="1">
+            <a:schemeClr val="lt1"/>
+          </a:fillRef>
+          <a:effectRef idx="0">
+            <a:schemeClr val="accent6"/>
+          </a:effectRef>
+          <a:fontRef idx="minor">
+            <a:schemeClr val="dk1"/>
+          </a:fontRef>
+        </p:style>
+        <p:txBody>
+          <a:bodyPr rtlCol="0" anchor="ctr"/>
+          <a:lstStyle/>
+          <a:p>
+            <a:pPr algn="ctr"/>
+            <a:r>
+              <a:rPr lang="en-US" sz="1400" dirty="0">
+                <a:latin typeface="Times New Roman" panose="02020603050405020304" pitchFamily="18" charset="0"/>
+                <a:cs typeface="Times New Roman" panose="02020603050405020304" pitchFamily="18" charset="0"/>
+              </a:rPr>
+              <a:t>Nozzle</a:t>
+            </a:r>
+            <a:endParaRPr lang="en-ID" sz="1400" dirty="0">
+              <a:latin typeface="Times New Roman" panose="02020603050405020304" pitchFamily="18" charset="0"/>
+              <a:cs typeface="Times New Roman" panose="02020603050405020304" pitchFamily="18" charset="0"/>
+            </a:endParaRPr>
+          </a:p>
+        </p:txBody>
+      </p:sp>
+      <p:cxnSp>
+        <p:nvCxnSpPr>
+          <p:cNvPr id="18" name="Straight Arrow Connector 17">
+            <a:extLst>
+              <a:ext uri="{FF2B5EF4-FFF2-40B4-BE49-F238E27FC236}">
+                <a16:creationId xmlns:a16="http://schemas.microsoft.com/office/drawing/2014/main" id="{245D2EE4-42BF-761E-1179-4E7C1D071322}"/>
+              </a:ext>
+            </a:extLst>
+          </p:cNvPr>
+          <p:cNvCxnSpPr>
+            <a:cxnSpLocks/>
+          </p:cNvCxnSpPr>
+          <p:nvPr/>
+        </p:nvCxnSpPr>
+        <p:spPr>
+          <a:xfrm>
+            <a:off x="5207000" y="3278051"/>
+            <a:ext cx="669925" cy="848759"/>
+          </a:xfrm>
+          <a:prstGeom prst="straightConnector1">
+            <a:avLst/>
+          </a:prstGeom>
+          <a:ln w="28575">
+            <a:solidFill>
+              <a:schemeClr val="tx1"/>
+            </a:solidFill>
+            <a:tailEnd type="triangle"/>
+          </a:ln>
+        </p:spPr>
+        <p:style>
+          <a:lnRef idx="1">
+            <a:schemeClr val="accent1"/>
+          </a:lnRef>
+          <a:fillRef idx="0">
+            <a:schemeClr val="accent1"/>
+          </a:fillRef>
+          <a:effectRef idx="0">
+            <a:schemeClr val="accent1"/>
+          </a:effectRef>
+          <a:fontRef idx="minor">
+            <a:schemeClr val="tx1"/>
+          </a:fontRef>
+        </p:style>
+      </p:cxnSp>
+      <p:sp>
+        <p:nvSpPr>
+          <p:cNvPr id="19" name="Rectangle: Rounded Corners 18">
+            <a:extLst>
+              <a:ext uri="{FF2B5EF4-FFF2-40B4-BE49-F238E27FC236}">
+                <a16:creationId xmlns:a16="http://schemas.microsoft.com/office/drawing/2014/main" id="{6D7E811A-03D6-B1BB-C6BD-3E8CC6DFC1A0}"/>
+              </a:ext>
+            </a:extLst>
+          </p:cNvPr>
+          <p:cNvSpPr/>
+          <p:nvPr/>
+        </p:nvSpPr>
+        <p:spPr>
+          <a:xfrm>
+            <a:off x="5719831" y="3987755"/>
+            <a:ext cx="968371" cy="436260"/>
+          </a:xfrm>
+          <a:prstGeom prst="roundRect">
+            <a:avLst/>
+          </a:prstGeom>
+          <a:ln>
+            <a:solidFill>
+              <a:schemeClr val="tx1"/>
+            </a:solidFill>
+          </a:ln>
+        </p:spPr>
+        <p:style>
+          <a:lnRef idx="2">
+            <a:schemeClr val="accent6"/>
+          </a:lnRef>
+          <a:fillRef idx="1">
+            <a:schemeClr val="lt1"/>
+          </a:fillRef>
+          <a:effectRef idx="0">
+            <a:schemeClr val="accent6"/>
+          </a:effectRef>
+          <a:fontRef idx="minor">
+            <a:schemeClr val="dk1"/>
+          </a:fontRef>
+        </p:style>
+        <p:txBody>
+          <a:bodyPr rtlCol="0" anchor="ctr"/>
+          <a:lstStyle/>
+          <a:p>
+            <a:pPr algn="ctr"/>
+            <a:r>
+              <a:rPr lang="en-US" sz="1400" dirty="0" err="1">
+                <a:latin typeface="Times New Roman" panose="02020603050405020304" pitchFamily="18" charset="0"/>
+                <a:cs typeface="Times New Roman" panose="02020603050405020304" pitchFamily="18" charset="0"/>
+              </a:rPr>
+              <a:t>Tangki</a:t>
+            </a:r>
+            <a:r>
+              <a:rPr lang="en-US" sz="1400" dirty="0">
+                <a:latin typeface="Times New Roman" panose="02020603050405020304" pitchFamily="18" charset="0"/>
+                <a:cs typeface="Times New Roman" panose="02020603050405020304" pitchFamily="18" charset="0"/>
+              </a:rPr>
+              <a:t> </a:t>
+            </a:r>
+            <a:r>
+              <a:rPr lang="en-US" sz="1400" dirty="0" err="1">
+                <a:latin typeface="Times New Roman" panose="02020603050405020304" pitchFamily="18" charset="0"/>
+                <a:cs typeface="Times New Roman" panose="02020603050405020304" pitchFamily="18" charset="0"/>
+              </a:rPr>
+              <a:t>Pestisida</a:t>
+            </a:r>
+            <a:endParaRPr lang="en-ID" sz="1400" dirty="0">
+              <a:latin typeface="Times New Roman" panose="02020603050405020304" pitchFamily="18" charset="0"/>
+              <a:cs typeface="Times New Roman" panose="02020603050405020304" pitchFamily="18" charset="0"/>
+            </a:endParaRPr>
+          </a:p>
+        </p:txBody>
+      </p:sp>
+      <p:cxnSp>
+        <p:nvCxnSpPr>
+          <p:cNvPr id="21" name="Straight Arrow Connector 20">
+            <a:extLst>
+              <a:ext uri="{FF2B5EF4-FFF2-40B4-BE49-F238E27FC236}">
+                <a16:creationId xmlns:a16="http://schemas.microsoft.com/office/drawing/2014/main" id="{2DE95F75-F95A-9CB5-8CEA-E6A71DC8B236}"/>
+              </a:ext>
+            </a:extLst>
+          </p:cNvPr>
+          <p:cNvCxnSpPr>
+            <a:cxnSpLocks/>
+          </p:cNvCxnSpPr>
+          <p:nvPr/>
+        </p:nvCxnSpPr>
+        <p:spPr>
+          <a:xfrm flipV="1">
+            <a:off x="4867275" y="713768"/>
+            <a:ext cx="828427" cy="1576569"/>
+          </a:xfrm>
+          <a:prstGeom prst="straightConnector1">
+            <a:avLst/>
+          </a:prstGeom>
+          <a:ln w="28575">
+            <a:solidFill>
+              <a:schemeClr val="tx1"/>
+            </a:solidFill>
+            <a:tailEnd type="triangle"/>
+          </a:ln>
+        </p:spPr>
+        <p:style>
+          <a:lnRef idx="1">
+            <a:schemeClr val="accent1"/>
+          </a:lnRef>
+          <a:fillRef idx="0">
+            <a:schemeClr val="accent1"/>
+          </a:fillRef>
+          <a:effectRef idx="0">
+            <a:schemeClr val="accent1"/>
+          </a:effectRef>
+          <a:fontRef idx="minor">
+            <a:schemeClr val="tx1"/>
+          </a:fontRef>
+        </p:style>
+      </p:cxnSp>
+      <p:sp>
+        <p:nvSpPr>
+          <p:cNvPr id="22" name="Rectangle: Rounded Corners 21">
+            <a:extLst>
+              <a:ext uri="{FF2B5EF4-FFF2-40B4-BE49-F238E27FC236}">
+                <a16:creationId xmlns:a16="http://schemas.microsoft.com/office/drawing/2014/main" id="{48BE39CC-9993-17E7-DE2E-D913BC697EF3}"/>
+              </a:ext>
+            </a:extLst>
+          </p:cNvPr>
+          <p:cNvSpPr/>
+          <p:nvPr/>
+        </p:nvSpPr>
+        <p:spPr>
+          <a:xfrm>
+            <a:off x="5302192" y="420300"/>
+            <a:ext cx="968371" cy="436260"/>
+          </a:xfrm>
+          <a:prstGeom prst="roundRect">
+            <a:avLst/>
+          </a:prstGeom>
+          <a:ln>
+            <a:solidFill>
+              <a:schemeClr val="tx1"/>
+            </a:solidFill>
+          </a:ln>
+        </p:spPr>
+        <p:style>
+          <a:lnRef idx="2">
+            <a:schemeClr val="accent6"/>
+          </a:lnRef>
+          <a:fillRef idx="1">
+            <a:schemeClr val="lt1"/>
+          </a:fillRef>
+          <a:effectRef idx="0">
+            <a:schemeClr val="accent6"/>
+          </a:effectRef>
+          <a:fontRef idx="minor">
+            <a:schemeClr val="dk1"/>
+          </a:fontRef>
+        </p:style>
+        <p:txBody>
+          <a:bodyPr rtlCol="0" anchor="ctr"/>
+          <a:lstStyle/>
+          <a:p>
+            <a:pPr algn="ctr"/>
+            <a:r>
+              <a:rPr lang="en-US" sz="1400" dirty="0" err="1">
+                <a:latin typeface="Times New Roman" panose="02020603050405020304" pitchFamily="18" charset="0"/>
+                <a:cs typeface="Times New Roman" panose="02020603050405020304" pitchFamily="18" charset="0"/>
+              </a:rPr>
+              <a:t>Wifi</a:t>
+            </a:r>
+            <a:r>
+              <a:rPr lang="en-US" sz="1400" dirty="0">
+                <a:latin typeface="Times New Roman" panose="02020603050405020304" pitchFamily="18" charset="0"/>
+                <a:cs typeface="Times New Roman" panose="02020603050405020304" pitchFamily="18" charset="0"/>
+              </a:rPr>
+              <a:t> Dongle</a:t>
+            </a:r>
+            <a:endParaRPr lang="en-ID" sz="1400" dirty="0">
+              <a:latin typeface="Times New Roman" panose="02020603050405020304" pitchFamily="18" charset="0"/>
+              <a:cs typeface="Times New Roman" panose="02020603050405020304" pitchFamily="18" charset="0"/>
+            </a:endParaRPr>
+          </a:p>
+        </p:txBody>
+      </p:sp>
+      <p:cxnSp>
+        <p:nvCxnSpPr>
+          <p:cNvPr id="27" name="Straight Arrow Connector 26">
+            <a:extLst>
+              <a:ext uri="{FF2B5EF4-FFF2-40B4-BE49-F238E27FC236}">
+                <a16:creationId xmlns:a16="http://schemas.microsoft.com/office/drawing/2014/main" id="{795A3376-4DB2-C14E-759B-6F56061AF573}"/>
+              </a:ext>
+            </a:extLst>
+          </p:cNvPr>
+          <p:cNvCxnSpPr>
+            <a:cxnSpLocks/>
+          </p:cNvCxnSpPr>
+          <p:nvPr/>
+        </p:nvCxnSpPr>
+        <p:spPr>
+          <a:xfrm>
+            <a:off x="5372100" y="2781176"/>
+            <a:ext cx="1475630" cy="687458"/>
+          </a:xfrm>
+          <a:prstGeom prst="straightConnector1">
+            <a:avLst/>
+          </a:prstGeom>
+          <a:ln w="28575">
+            <a:solidFill>
+              <a:schemeClr val="tx1"/>
+            </a:solidFill>
+            <a:tailEnd type="triangle"/>
+          </a:ln>
+        </p:spPr>
+        <p:style>
+          <a:lnRef idx="1">
+            <a:schemeClr val="accent1"/>
+          </a:lnRef>
+          <a:fillRef idx="0">
+            <a:schemeClr val="accent1"/>
+          </a:fillRef>
+          <a:effectRef idx="0">
+            <a:schemeClr val="accent1"/>
+          </a:effectRef>
+          <a:fontRef idx="minor">
+            <a:schemeClr val="tx1"/>
+          </a:fontRef>
+        </p:style>
+      </p:cxnSp>
+      <p:sp>
+        <p:nvSpPr>
+          <p:cNvPr id="28" name="Rectangle: Rounded Corners 27">
+            <a:extLst>
+              <a:ext uri="{FF2B5EF4-FFF2-40B4-BE49-F238E27FC236}">
+                <a16:creationId xmlns:a16="http://schemas.microsoft.com/office/drawing/2014/main" id="{B6CCD44D-EE56-F4F0-7DEA-1D0FD1935791}"/>
+              </a:ext>
+            </a:extLst>
+          </p:cNvPr>
+          <p:cNvSpPr/>
+          <p:nvPr/>
+        </p:nvSpPr>
+        <p:spPr>
+          <a:xfrm>
+            <a:off x="6668996" y="3204497"/>
+            <a:ext cx="968371" cy="436260"/>
+          </a:xfrm>
+          <a:prstGeom prst="roundRect">
+            <a:avLst/>
+          </a:prstGeom>
+          <a:ln>
+            <a:solidFill>
+              <a:schemeClr val="tx1"/>
+            </a:solidFill>
+          </a:ln>
+        </p:spPr>
+        <p:style>
+          <a:lnRef idx="2">
+            <a:schemeClr val="accent6"/>
+          </a:lnRef>
+          <a:fillRef idx="1">
+            <a:schemeClr val="lt1"/>
+          </a:fillRef>
+          <a:effectRef idx="0">
+            <a:schemeClr val="accent6"/>
+          </a:effectRef>
+          <a:fontRef idx="minor">
+            <a:schemeClr val="dk1"/>
+          </a:fontRef>
+        </p:style>
+        <p:txBody>
+          <a:bodyPr rtlCol="0" anchor="ctr"/>
+          <a:lstStyle/>
+          <a:p>
+            <a:pPr algn="ctr"/>
+            <a:r>
+              <a:rPr lang="en-US" sz="1400" dirty="0">
+                <a:latin typeface="Times New Roman" panose="02020603050405020304" pitchFamily="18" charset="0"/>
+                <a:cs typeface="Times New Roman" panose="02020603050405020304" pitchFamily="18" charset="0"/>
+              </a:rPr>
+              <a:t>Mini Computer</a:t>
+            </a:r>
+            <a:endParaRPr lang="en-ID" sz="1400" dirty="0">
+              <a:latin typeface="Times New Roman" panose="02020603050405020304" pitchFamily="18" charset="0"/>
+              <a:cs typeface="Times New Roman" panose="02020603050405020304" pitchFamily="18" charset="0"/>
+            </a:endParaRPr>
+          </a:p>
+        </p:txBody>
+      </p:sp>
+      <p:cxnSp>
+        <p:nvCxnSpPr>
+          <p:cNvPr id="37" name="Straight Arrow Connector 36">
+            <a:extLst>
+              <a:ext uri="{FF2B5EF4-FFF2-40B4-BE49-F238E27FC236}">
+                <a16:creationId xmlns:a16="http://schemas.microsoft.com/office/drawing/2014/main" id="{3FE66BB7-6ED9-C4F7-1423-A3D15C03F894}"/>
+              </a:ext>
+            </a:extLst>
+          </p:cNvPr>
+          <p:cNvCxnSpPr>
+            <a:cxnSpLocks/>
+          </p:cNvCxnSpPr>
+          <p:nvPr/>
+        </p:nvCxnSpPr>
+        <p:spPr>
+          <a:xfrm>
+            <a:off x="6544426" y="2697988"/>
+            <a:ext cx="1608726" cy="287941"/>
+          </a:xfrm>
+          <a:prstGeom prst="straightConnector1">
+            <a:avLst/>
+          </a:prstGeom>
+          <a:ln w="28575">
+            <a:solidFill>
+              <a:schemeClr val="tx1"/>
+            </a:solidFill>
+            <a:tailEnd type="triangle"/>
+          </a:ln>
+        </p:spPr>
+        <p:style>
+          <a:lnRef idx="1">
+            <a:schemeClr val="accent1"/>
+          </a:lnRef>
+          <a:fillRef idx="0">
+            <a:schemeClr val="accent1"/>
+          </a:fillRef>
+          <a:effectRef idx="0">
+            <a:schemeClr val="accent1"/>
+          </a:effectRef>
+          <a:fontRef idx="minor">
+            <a:schemeClr val="tx1"/>
+          </a:fontRef>
+        </p:style>
+      </p:cxnSp>
+      <p:sp>
+        <p:nvSpPr>
+          <p:cNvPr id="38" name="Rectangle: Rounded Corners 37">
+            <a:extLst>
+              <a:ext uri="{FF2B5EF4-FFF2-40B4-BE49-F238E27FC236}">
+                <a16:creationId xmlns:a16="http://schemas.microsoft.com/office/drawing/2014/main" id="{66F9F62B-31BB-6A7D-B069-8A623C382271}"/>
+              </a:ext>
+            </a:extLst>
+          </p:cNvPr>
+          <p:cNvSpPr/>
+          <p:nvPr/>
+        </p:nvSpPr>
+        <p:spPr>
+          <a:xfrm>
+            <a:off x="7668966" y="2712767"/>
+            <a:ext cx="968371" cy="436260"/>
+          </a:xfrm>
+          <a:prstGeom prst="roundRect">
+            <a:avLst/>
+          </a:prstGeom>
+          <a:ln>
+            <a:solidFill>
+              <a:schemeClr val="tx1"/>
+            </a:solidFill>
+          </a:ln>
+        </p:spPr>
+        <p:style>
+          <a:lnRef idx="2">
+            <a:schemeClr val="accent6"/>
+          </a:lnRef>
+          <a:fillRef idx="1">
+            <a:schemeClr val="lt1"/>
+          </a:fillRef>
+          <a:effectRef idx="0">
+            <a:schemeClr val="accent6"/>
+          </a:effectRef>
+          <a:fontRef idx="minor">
+            <a:schemeClr val="dk1"/>
+          </a:fontRef>
+        </p:style>
+        <p:txBody>
+          <a:bodyPr rtlCol="0" anchor="ctr"/>
+          <a:lstStyle/>
+          <a:p>
+            <a:pPr algn="ctr"/>
+            <a:r>
+              <a:rPr lang="en-US" sz="1400" dirty="0">
+                <a:latin typeface="Times New Roman" panose="02020603050405020304" pitchFamily="18" charset="0"/>
+                <a:cs typeface="Times New Roman" panose="02020603050405020304" pitchFamily="18" charset="0"/>
+              </a:rPr>
+              <a:t>Motor BLDC</a:t>
+            </a:r>
+            <a:endParaRPr lang="en-ID" sz="1400" dirty="0">
+              <a:latin typeface="Times New Roman" panose="02020603050405020304" pitchFamily="18" charset="0"/>
+              <a:cs typeface="Times New Roman" panose="02020603050405020304" pitchFamily="18" charset="0"/>
+            </a:endParaRPr>
+          </a:p>
+        </p:txBody>
+      </p:sp>
+      <p:cxnSp>
+        <p:nvCxnSpPr>
+          <p:cNvPr id="41" name="Straight Arrow Connector 40">
+            <a:extLst>
+              <a:ext uri="{FF2B5EF4-FFF2-40B4-BE49-F238E27FC236}">
+                <a16:creationId xmlns:a16="http://schemas.microsoft.com/office/drawing/2014/main" id="{5DE5530A-24F8-3308-78D2-DFE132EDDD55}"/>
+              </a:ext>
+            </a:extLst>
+          </p:cNvPr>
+          <p:cNvCxnSpPr>
+            <a:cxnSpLocks/>
+          </p:cNvCxnSpPr>
+          <p:nvPr/>
+        </p:nvCxnSpPr>
+        <p:spPr>
+          <a:xfrm flipH="1" flipV="1">
+            <a:off x="4437246" y="778293"/>
+            <a:ext cx="263342" cy="1688515"/>
+          </a:xfrm>
+          <a:prstGeom prst="straightConnector1">
+            <a:avLst/>
+          </a:prstGeom>
+          <a:ln w="28575">
+            <a:solidFill>
+              <a:schemeClr val="tx1"/>
+            </a:solidFill>
+            <a:tailEnd type="triangle"/>
+          </a:ln>
+        </p:spPr>
+        <p:style>
+          <a:lnRef idx="1">
+            <a:schemeClr val="accent1"/>
+          </a:lnRef>
+          <a:fillRef idx="0">
+            <a:schemeClr val="accent1"/>
+          </a:fillRef>
+          <a:effectRef idx="0">
+            <a:schemeClr val="accent1"/>
+          </a:effectRef>
+          <a:fontRef idx="minor">
+            <a:schemeClr val="tx1"/>
+          </a:fontRef>
+        </p:style>
+      </p:cxnSp>
+      <p:sp>
+        <p:nvSpPr>
+          <p:cNvPr id="40" name="Rectangle: Rounded Corners 39">
+            <a:extLst>
+              <a:ext uri="{FF2B5EF4-FFF2-40B4-BE49-F238E27FC236}">
+                <a16:creationId xmlns:a16="http://schemas.microsoft.com/office/drawing/2014/main" id="{52FF9AE5-13D6-1E13-519B-EE4B10820636}"/>
+              </a:ext>
+            </a:extLst>
+          </p:cNvPr>
+          <p:cNvSpPr/>
+          <p:nvPr/>
+        </p:nvSpPr>
+        <p:spPr>
+          <a:xfrm>
+            <a:off x="3887791" y="464494"/>
+            <a:ext cx="968371" cy="436260"/>
+          </a:xfrm>
+          <a:prstGeom prst="roundRect">
+            <a:avLst/>
+          </a:prstGeom>
+          <a:ln>
+            <a:solidFill>
+              <a:schemeClr val="tx1"/>
+            </a:solidFill>
+          </a:ln>
+        </p:spPr>
+        <p:style>
+          <a:lnRef idx="2">
+            <a:schemeClr val="accent6"/>
+          </a:lnRef>
+          <a:fillRef idx="1">
+            <a:schemeClr val="lt1"/>
+          </a:fillRef>
+          <a:effectRef idx="0">
+            <a:schemeClr val="accent6"/>
+          </a:effectRef>
+          <a:fontRef idx="minor">
+            <a:schemeClr val="dk1"/>
+          </a:fontRef>
+        </p:style>
+        <p:txBody>
+          <a:bodyPr rtlCol="0" anchor="ctr"/>
+          <a:lstStyle/>
+          <a:p>
+            <a:pPr algn="ctr"/>
+            <a:r>
+              <a:rPr lang="en-US" sz="1400" dirty="0">
+                <a:latin typeface="Times New Roman" panose="02020603050405020304" pitchFamily="18" charset="0"/>
+                <a:cs typeface="Times New Roman" panose="02020603050405020304" pitchFamily="18" charset="0"/>
+              </a:rPr>
+              <a:t>Relay</a:t>
+            </a:r>
+            <a:endParaRPr lang="en-ID" sz="1400" dirty="0">
+              <a:latin typeface="Times New Roman" panose="02020603050405020304" pitchFamily="18" charset="0"/>
+              <a:cs typeface="Times New Roman" panose="02020603050405020304" pitchFamily="18" charset="0"/>
+            </a:endParaRPr>
+          </a:p>
+        </p:txBody>
+      </p:sp>
+      <p:cxnSp>
+        <p:nvCxnSpPr>
+          <p:cNvPr id="44" name="Straight Arrow Connector 43">
+            <a:extLst>
+              <a:ext uri="{FF2B5EF4-FFF2-40B4-BE49-F238E27FC236}">
+                <a16:creationId xmlns:a16="http://schemas.microsoft.com/office/drawing/2014/main" id="{9E8D8982-9F33-88EE-78EA-A09DD36C987A}"/>
+              </a:ext>
+            </a:extLst>
+          </p:cNvPr>
+          <p:cNvCxnSpPr>
+            <a:cxnSpLocks/>
+          </p:cNvCxnSpPr>
+          <p:nvPr/>
+        </p:nvCxnSpPr>
+        <p:spPr>
+          <a:xfrm flipH="1" flipV="1">
+            <a:off x="3514725" y="1622550"/>
+            <a:ext cx="1027208" cy="1158057"/>
+          </a:xfrm>
+          <a:prstGeom prst="straightConnector1">
+            <a:avLst/>
+          </a:prstGeom>
+          <a:ln w="28575">
+            <a:solidFill>
+              <a:schemeClr val="tx1"/>
+            </a:solidFill>
+            <a:tailEnd type="triangle"/>
+          </a:ln>
+        </p:spPr>
+        <p:style>
+          <a:lnRef idx="1">
+            <a:schemeClr val="accent1"/>
+          </a:lnRef>
+          <a:fillRef idx="0">
+            <a:schemeClr val="accent1"/>
+          </a:fillRef>
+          <a:effectRef idx="0">
+            <a:schemeClr val="accent1"/>
+          </a:effectRef>
+          <a:fontRef idx="minor">
+            <a:schemeClr val="tx1"/>
+          </a:fontRef>
+        </p:style>
+      </p:cxnSp>
+      <p:sp>
+        <p:nvSpPr>
+          <p:cNvPr id="43" name="Rectangle: Rounded Corners 42">
+            <a:extLst>
+              <a:ext uri="{FF2B5EF4-FFF2-40B4-BE49-F238E27FC236}">
+                <a16:creationId xmlns:a16="http://schemas.microsoft.com/office/drawing/2014/main" id="{0D3031A2-6E13-42BB-767E-46C7A850B1BB}"/>
+              </a:ext>
+            </a:extLst>
+          </p:cNvPr>
+          <p:cNvSpPr/>
+          <p:nvPr/>
+        </p:nvSpPr>
+        <p:spPr>
+          <a:xfrm>
+            <a:off x="2714378" y="1283922"/>
+            <a:ext cx="1142760" cy="436260"/>
+          </a:xfrm>
+          <a:prstGeom prst="roundRect">
+            <a:avLst/>
+          </a:prstGeom>
+          <a:ln>
+            <a:solidFill>
+              <a:schemeClr val="tx1"/>
+            </a:solidFill>
+          </a:ln>
+        </p:spPr>
+        <p:style>
+          <a:lnRef idx="2">
+            <a:schemeClr val="accent6"/>
+          </a:lnRef>
+          <a:fillRef idx="1">
+            <a:schemeClr val="lt1"/>
+          </a:fillRef>
+          <a:effectRef idx="0">
+            <a:schemeClr val="accent6"/>
+          </a:effectRef>
+          <a:fontRef idx="minor">
+            <a:schemeClr val="dk1"/>
+          </a:fontRef>
+        </p:style>
+        <p:txBody>
+          <a:bodyPr rtlCol="0" anchor="ctr"/>
+          <a:lstStyle/>
+          <a:p>
+            <a:pPr algn="ctr"/>
+            <a:r>
+              <a:rPr lang="en-US" sz="1400" dirty="0" err="1">
+                <a:latin typeface="Times New Roman" panose="02020603050405020304" pitchFamily="18" charset="0"/>
+                <a:cs typeface="Times New Roman" panose="02020603050405020304" pitchFamily="18" charset="0"/>
+              </a:rPr>
+              <a:t>Waterpump</a:t>
+            </a:r>
+            <a:endParaRPr lang="en-ID" sz="1400" dirty="0">
+              <a:latin typeface="Times New Roman" panose="02020603050405020304" pitchFamily="18" charset="0"/>
+              <a:cs typeface="Times New Roman" panose="02020603050405020304" pitchFamily="18" charset="0"/>
+            </a:endParaRPr>
+          </a:p>
+        </p:txBody>
+      </p:sp>
+    </p:spTree>
+    <p:extLst>
+      <p:ext uri="{BB962C8B-B14F-4D97-AF65-F5344CB8AC3E}">
+        <p14:creationId xmlns:p14="http://schemas.microsoft.com/office/powerpoint/2010/main" val="1054465559"/>
+      </p:ext>
+    </p:extLst>
+  </p:cSld>
+  <p:clrMapOvr>
+    <a:masterClrMapping/>
+  </p:clrMapOvr>
+</p:sld>
+</file>
+
+<file path=ppt/slides/slide9.xml><?xml version="1.0" encoding="utf-8"?>
+<p:sld xmlns:a="http://schemas.openxmlformats.org/drawingml/2006/main" xmlns:r="http://schemas.openxmlformats.org/officeDocument/2006/relationships" xmlns:p="http://schemas.openxmlformats.org/presentationml/2006/main">
+  <p:cSld>
+    <p:spTree>
+      <p:nvGrpSpPr>
+        <p:cNvPr id="1" name=""/>
+        <p:cNvGrpSpPr/>
+        <p:nvPr/>
+      </p:nvGrpSpPr>
+      <p:grpSpPr>
+        <a:xfrm>
+          <a:off x="0" y="0"/>
+          <a:ext cx="0" cy="0"/>
+          <a:chOff x="0" y="0"/>
+          <a:chExt cx="0" cy="0"/>
+        </a:xfrm>
+      </p:grpSpPr>
+      <p:graphicFrame>
+        <p:nvGraphicFramePr>
+          <p:cNvPr id="5" name="Table 4">
+            <a:extLst>
+              <a:ext uri="{FF2B5EF4-FFF2-40B4-BE49-F238E27FC236}">
+                <a16:creationId xmlns:a16="http://schemas.microsoft.com/office/drawing/2014/main" id="{36BD99BF-0417-82E3-ECBE-C2A19CA72410}"/>
+              </a:ext>
+            </a:extLst>
+          </p:cNvPr>
+          <p:cNvGraphicFramePr>
+            <a:graphicFrameLocks noGrp="1"/>
+          </p:cNvGraphicFramePr>
+          <p:nvPr>
+            <p:extLst>
+              <p:ext uri="{D42A27DB-BD31-4B8C-83A1-F6EECF244321}">
+                <p14:modId xmlns:p14="http://schemas.microsoft.com/office/powerpoint/2010/main" val="4006924323"/>
+              </p:ext>
+            </p:extLst>
+          </p:nvPr>
+        </p:nvGraphicFramePr>
+        <p:xfrm>
+          <a:off x="3339547" y="116114"/>
+          <a:ext cx="4342296" cy="6741886"/>
+        </p:xfrm>
+        <a:graphic>
+          <a:graphicData uri="http://schemas.openxmlformats.org/drawingml/2006/table">
+            <a:tbl>
+              <a:tblPr firstRow="1" bandRow="1">
+                <a:tableStyleId>{5C22544A-7EE6-4342-B048-85BDC9FD1C3A}</a:tableStyleId>
+              </a:tblPr>
+              <a:tblGrid>
+                <a:gridCol w="2171148">
+                  <a:extLst>
+                    <a:ext uri="{9D8B030D-6E8A-4147-A177-3AD203B41FA5}">
+                      <a16:colId xmlns:a16="http://schemas.microsoft.com/office/drawing/2014/main" val="4131807197"/>
+                    </a:ext>
+                  </a:extLst>
+                </a:gridCol>
+                <a:gridCol w="2171148">
+                  <a:extLst>
+                    <a:ext uri="{9D8B030D-6E8A-4147-A177-3AD203B41FA5}">
+                      <a16:colId xmlns:a16="http://schemas.microsoft.com/office/drawing/2014/main" val="1787698036"/>
+                    </a:ext>
+                  </a:extLst>
+                </a:gridCol>
+              </a:tblGrid>
+              <a:tr h="380580">
+                <a:tc>
+                  <a:txBody>
+                    <a:bodyPr/>
+                    <a:lstStyle/>
+                    <a:p>
+                      <a:pPr algn="ctr"/>
+                      <a:r>
+                        <a:rPr lang="en-US" dirty="0">
+                          <a:latin typeface="Times New Roman" panose="02020603050405020304" pitchFamily="18" charset="0"/>
+                          <a:cs typeface="Times New Roman" panose="02020603050405020304" pitchFamily="18" charset="0"/>
+                        </a:rPr>
+                        <a:t>User</a:t>
+                      </a:r>
+                      <a:endParaRPr lang="en-ID" dirty="0">
+                        <a:latin typeface="Times New Roman" panose="02020603050405020304" pitchFamily="18" charset="0"/>
+                        <a:cs typeface="Times New Roman" panose="02020603050405020304" pitchFamily="18" charset="0"/>
+                      </a:endParaRPr>
+                    </a:p>
+                  </a:txBody>
+                  <a:tcPr>
+                    <a:lnL w="12700" cap="flat" cmpd="sng" algn="ctr">
+                      <a:solidFill>
+                        <a:schemeClr val="tx1"/>
+                      </a:solidFill>
+                      <a:prstDash val="solid"/>
+                      <a:round/>
+                      <a:headEnd type="none" w="med" len="med"/>
+                      <a:tailEnd type="none" w="med" len="med"/>
+                    </a:lnL>
+                    <a:lnR w="12700" cap="flat" cmpd="sng" algn="ctr">
+                      <a:solidFill>
+                        <a:schemeClr val="tx1"/>
+                      </a:solidFill>
+                      <a:prstDash val="solid"/>
+                      <a:round/>
+                      <a:headEnd type="none" w="med" len="med"/>
+                      <a:tailEnd type="none" w="med" len="med"/>
+                    </a:lnR>
+                    <a:lnT w="12700" cap="flat" cmpd="sng" algn="ctr">
+                      <a:solidFill>
+                        <a:schemeClr val="tx1"/>
+                      </a:solidFill>
+                      <a:prstDash val="solid"/>
+                      <a:round/>
+                      <a:headEnd type="none" w="med" len="med"/>
+                      <a:tailEnd type="none" w="med" len="med"/>
+                    </a:lnT>
+                    <a:lnB w="12700" cap="flat" cmpd="sng" algn="ctr">
+                      <a:solidFill>
+                        <a:schemeClr val="tx1"/>
+                      </a:solidFill>
+                      <a:prstDash val="solid"/>
+                      <a:round/>
+                      <a:headEnd type="none" w="med" len="med"/>
+                      <a:tailEnd type="none" w="med" len="med"/>
+                    </a:lnB>
+                  </a:tcPr>
+                </a:tc>
+                <a:tc>
+                  <a:txBody>
+                    <a:bodyPr/>
+                    <a:lstStyle/>
+                    <a:p>
+                      <a:pPr algn="ctr"/>
+                      <a:r>
+                        <a:rPr lang="en-US" dirty="0">
+                          <a:latin typeface="Times New Roman" panose="02020603050405020304" pitchFamily="18" charset="0"/>
+                          <a:cs typeface="Times New Roman" panose="02020603050405020304" pitchFamily="18" charset="0"/>
+                        </a:rPr>
+                        <a:t>Drone</a:t>
+                      </a:r>
+                      <a:endParaRPr lang="en-ID" dirty="0">
+                        <a:latin typeface="Times New Roman" panose="02020603050405020304" pitchFamily="18" charset="0"/>
+                        <a:cs typeface="Times New Roman" panose="02020603050405020304" pitchFamily="18" charset="0"/>
+                      </a:endParaRPr>
+                    </a:p>
+                  </a:txBody>
+                  <a:tcPr>
+                    <a:lnL w="12700" cap="flat" cmpd="sng" algn="ctr">
+                      <a:solidFill>
+                        <a:schemeClr val="tx1"/>
+                      </a:solidFill>
+                      <a:prstDash val="solid"/>
+                      <a:round/>
+                      <a:headEnd type="none" w="med" len="med"/>
+                      <a:tailEnd type="none" w="med" len="med"/>
+                    </a:lnL>
+                    <a:lnR w="12700" cap="flat" cmpd="sng" algn="ctr">
+                      <a:solidFill>
+                        <a:schemeClr val="tx1"/>
+                      </a:solidFill>
+                      <a:prstDash val="solid"/>
+                      <a:round/>
+                      <a:headEnd type="none" w="med" len="med"/>
+                      <a:tailEnd type="none" w="med" len="med"/>
+                    </a:lnR>
+                    <a:lnT w="12700" cap="flat" cmpd="sng" algn="ctr">
+                      <a:solidFill>
+                        <a:schemeClr val="tx1"/>
+                      </a:solidFill>
+                      <a:prstDash val="solid"/>
+                      <a:round/>
+                      <a:headEnd type="none" w="med" len="med"/>
+                      <a:tailEnd type="none" w="med" len="med"/>
+                    </a:lnT>
+                    <a:lnB w="12700" cap="flat" cmpd="sng" algn="ctr">
+                      <a:solidFill>
+                        <a:schemeClr val="tx1"/>
+                      </a:solidFill>
+                      <a:prstDash val="solid"/>
+                      <a:round/>
+                      <a:headEnd type="none" w="med" len="med"/>
+                      <a:tailEnd type="none" w="med" len="med"/>
+                    </a:lnB>
+                  </a:tcPr>
+                </a:tc>
+                <a:extLst>
+                  <a:ext uri="{0D108BD9-81ED-4DB2-BD59-A6C34878D82A}">
+                    <a16:rowId xmlns:a16="http://schemas.microsoft.com/office/drawing/2014/main" val="3874889525"/>
+                  </a:ext>
+                </a:extLst>
+              </a:tr>
+              <a:tr h="6361306">
+                <a:tc>
+                  <a:txBody>
+                    <a:bodyPr/>
+                    <a:lstStyle/>
+                    <a:p>
+                      <a:endParaRPr lang="en-ID" dirty="0">
+                        <a:latin typeface="Times New Roman" panose="02020603050405020304" pitchFamily="18" charset="0"/>
+                        <a:cs typeface="Times New Roman" panose="02020603050405020304" pitchFamily="18" charset="0"/>
+                      </a:endParaRPr>
+                    </a:p>
+                  </a:txBody>
+                  <a:tcPr>
+                    <a:lnL w="12700" cap="flat" cmpd="sng" algn="ctr">
+                      <a:solidFill>
+                        <a:schemeClr val="tx1"/>
+                      </a:solidFill>
+                      <a:prstDash val="solid"/>
+                      <a:round/>
+                      <a:headEnd type="none" w="med" len="med"/>
+                      <a:tailEnd type="none" w="med" len="med"/>
+                    </a:lnL>
+                    <a:lnR w="12700" cap="flat" cmpd="sng" algn="ctr">
+                      <a:solidFill>
+                        <a:schemeClr val="tx1"/>
+                      </a:solidFill>
+                      <a:prstDash val="solid"/>
+                      <a:round/>
+                      <a:headEnd type="none" w="med" len="med"/>
+                      <a:tailEnd type="none" w="med" len="med"/>
+                    </a:lnR>
+                    <a:lnT w="12700" cap="flat" cmpd="sng" algn="ctr">
+                      <a:solidFill>
+                        <a:schemeClr val="tx1"/>
+                      </a:solidFill>
+                      <a:prstDash val="solid"/>
+                      <a:round/>
+                      <a:headEnd type="none" w="med" len="med"/>
+                      <a:tailEnd type="none" w="med" len="med"/>
+                    </a:lnT>
+                    <a:lnB w="12700" cap="flat" cmpd="sng" algn="ctr">
+                      <a:solidFill>
+                        <a:schemeClr val="tx1"/>
+                      </a:solidFill>
+                      <a:prstDash val="solid"/>
+                      <a:round/>
+                      <a:headEnd type="none" w="med" len="med"/>
+                      <a:tailEnd type="none" w="med" len="med"/>
+                    </a:lnB>
+                  </a:tcPr>
+                </a:tc>
+                <a:tc>
+                  <a:txBody>
+                    <a:bodyPr/>
+                    <a:lstStyle/>
+                    <a:p>
+                      <a:endParaRPr lang="en-ID" dirty="0"/>
+                    </a:p>
+                  </a:txBody>
+                  <a:tcPr>
+                    <a:lnL w="12700" cap="flat" cmpd="sng" algn="ctr">
+                      <a:solidFill>
+                        <a:schemeClr val="tx1"/>
+                      </a:solidFill>
+                      <a:prstDash val="solid"/>
+                      <a:round/>
+                      <a:headEnd type="none" w="med" len="med"/>
+                      <a:tailEnd type="none" w="med" len="med"/>
+                    </a:lnL>
+                    <a:lnR w="12700" cap="flat" cmpd="sng" algn="ctr">
+                      <a:solidFill>
+                        <a:schemeClr val="tx1"/>
+                      </a:solidFill>
+                      <a:prstDash val="solid"/>
+                      <a:round/>
+                      <a:headEnd type="none" w="med" len="med"/>
+                      <a:tailEnd type="none" w="med" len="med"/>
+                    </a:lnR>
+                    <a:lnT w="12700" cap="flat" cmpd="sng" algn="ctr">
+                      <a:solidFill>
+                        <a:schemeClr val="tx1"/>
+                      </a:solidFill>
+                      <a:prstDash val="solid"/>
+                      <a:round/>
+                      <a:headEnd type="none" w="med" len="med"/>
+                      <a:tailEnd type="none" w="med" len="med"/>
+                    </a:lnT>
+                    <a:lnB w="12700" cap="flat" cmpd="sng" algn="ctr">
+                      <a:solidFill>
+                        <a:schemeClr val="tx1"/>
+                      </a:solidFill>
+                      <a:prstDash val="solid"/>
+                      <a:round/>
+                      <a:headEnd type="none" w="med" len="med"/>
+                      <a:tailEnd type="none" w="med" len="med"/>
+                    </a:lnB>
+                  </a:tcPr>
+                </a:tc>
+                <a:extLst>
+                  <a:ext uri="{0D108BD9-81ED-4DB2-BD59-A6C34878D82A}">
+                    <a16:rowId xmlns:a16="http://schemas.microsoft.com/office/drawing/2014/main" val="3440396359"/>
+                  </a:ext>
+                </a:extLst>
+              </a:tr>
+            </a:tbl>
+          </a:graphicData>
+        </a:graphic>
+      </p:graphicFrame>
+      <p:sp>
+        <p:nvSpPr>
+          <p:cNvPr id="6" name="Oval 5">
+            <a:extLst>
+              <a:ext uri="{FF2B5EF4-FFF2-40B4-BE49-F238E27FC236}">
+                <a16:creationId xmlns:a16="http://schemas.microsoft.com/office/drawing/2014/main" id="{4E746CC9-9F37-51CC-339B-AADABAD9921A}"/>
+              </a:ext>
+            </a:extLst>
+          </p:cNvPr>
+          <p:cNvSpPr/>
+          <p:nvPr/>
+        </p:nvSpPr>
+        <p:spPr>
+          <a:xfrm>
+            <a:off x="4200434" y="763815"/>
+            <a:ext cx="324031" cy="310606"/>
+          </a:xfrm>
+          <a:prstGeom prst="ellipse">
+            <a:avLst/>
+          </a:prstGeom>
+        </p:spPr>
+        <p:style>
+          <a:lnRef idx="2">
+            <a:schemeClr val="dk1">
+              <a:shade val="15000"/>
+            </a:schemeClr>
+          </a:lnRef>
+          <a:fillRef idx="1">
+            <a:schemeClr val="dk1"/>
+          </a:fillRef>
+          <a:effectRef idx="0">
+            <a:schemeClr val="dk1"/>
+          </a:effectRef>
+          <a:fontRef idx="minor">
+            <a:schemeClr val="lt1"/>
+          </a:fontRef>
+        </p:style>
+        <p:txBody>
+          <a:bodyPr rtlCol="0" anchor="ctr"/>
+          <a:lstStyle/>
+          <a:p>
+            <a:pPr algn="ctr"/>
+            <a:endParaRPr lang="en-ID" dirty="0"/>
+          </a:p>
+        </p:txBody>
+      </p:sp>
+      <p:sp>
+        <p:nvSpPr>
+          <p:cNvPr id="7" name="Rectangle: Rounded Corners 6">
+            <a:extLst>
+              <a:ext uri="{FF2B5EF4-FFF2-40B4-BE49-F238E27FC236}">
+                <a16:creationId xmlns:a16="http://schemas.microsoft.com/office/drawing/2014/main" id="{73A42F6A-FEF9-A090-B311-2D3A7AF3408F}"/>
+              </a:ext>
+            </a:extLst>
+          </p:cNvPr>
+          <p:cNvSpPr/>
+          <p:nvPr/>
+        </p:nvSpPr>
+        <p:spPr>
+          <a:xfrm>
+            <a:off x="3512819" y="1416416"/>
+            <a:ext cx="1714502" cy="473344"/>
+          </a:xfrm>
+          <a:prstGeom prst="roundRect">
+            <a:avLst/>
+          </a:prstGeom>
+          <a:ln>
+            <a:solidFill>
+              <a:schemeClr val="tx1"/>
+            </a:solidFill>
+          </a:ln>
+        </p:spPr>
+        <p:style>
+          <a:lnRef idx="2">
+            <a:schemeClr val="accent6"/>
+          </a:lnRef>
+          <a:fillRef idx="1">
+            <a:schemeClr val="lt1"/>
+          </a:fillRef>
+          <a:effectRef idx="0">
+            <a:schemeClr val="accent6"/>
+          </a:effectRef>
+          <a:fontRef idx="minor">
+            <a:schemeClr val="dk1"/>
+          </a:fontRef>
+        </p:style>
+        <p:txBody>
+          <a:bodyPr rtlCol="0" anchor="ctr"/>
+          <a:lstStyle/>
+          <a:p>
+            <a:pPr algn="ctr"/>
+            <a:r>
+              <a:rPr lang="en-US" sz="1400" dirty="0" err="1">
+                <a:latin typeface="Times New Roman" panose="02020603050405020304" pitchFamily="18" charset="0"/>
+                <a:cs typeface="Times New Roman" panose="02020603050405020304" pitchFamily="18" charset="0"/>
+              </a:rPr>
+              <a:t>Menekan</a:t>
+            </a:r>
+            <a:r>
+              <a:rPr lang="en-US" sz="1400" dirty="0">
+                <a:latin typeface="Times New Roman" panose="02020603050405020304" pitchFamily="18" charset="0"/>
+                <a:cs typeface="Times New Roman" panose="02020603050405020304" pitchFamily="18" charset="0"/>
+              </a:rPr>
+              <a:t> </a:t>
+            </a:r>
+            <a:r>
+              <a:rPr lang="en-US" sz="1400" dirty="0" err="1">
+                <a:latin typeface="Times New Roman" panose="02020603050405020304" pitchFamily="18" charset="0"/>
+                <a:cs typeface="Times New Roman" panose="02020603050405020304" pitchFamily="18" charset="0"/>
+              </a:rPr>
+              <a:t>Tombol</a:t>
+            </a:r>
+            <a:r>
+              <a:rPr lang="en-US" sz="1400" dirty="0">
+                <a:latin typeface="Times New Roman" panose="02020603050405020304" pitchFamily="18" charset="0"/>
+                <a:cs typeface="Times New Roman" panose="02020603050405020304" pitchFamily="18" charset="0"/>
+              </a:rPr>
+              <a:t> </a:t>
+            </a:r>
+            <a:r>
+              <a:rPr lang="en-US" sz="1400" dirty="0" err="1">
+                <a:latin typeface="Times New Roman" panose="02020603050405020304" pitchFamily="18" charset="0"/>
+                <a:cs typeface="Times New Roman" panose="02020603050405020304" pitchFamily="18" charset="0"/>
+              </a:rPr>
+              <a:t>Hubungkan</a:t>
+            </a:r>
+            <a:endParaRPr lang="en-ID" sz="1400" dirty="0">
+              <a:latin typeface="Times New Roman" panose="02020603050405020304" pitchFamily="18" charset="0"/>
+              <a:cs typeface="Times New Roman" panose="02020603050405020304" pitchFamily="18" charset="0"/>
+            </a:endParaRPr>
+          </a:p>
+        </p:txBody>
+      </p:sp>
+      <p:cxnSp>
+        <p:nvCxnSpPr>
+          <p:cNvPr id="8" name="Straight Arrow Connector 7">
+            <a:extLst>
+              <a:ext uri="{FF2B5EF4-FFF2-40B4-BE49-F238E27FC236}">
+                <a16:creationId xmlns:a16="http://schemas.microsoft.com/office/drawing/2014/main" id="{FE8FCA1C-40AF-343C-1449-A2F0217639B5}"/>
+              </a:ext>
+            </a:extLst>
+          </p:cNvPr>
+          <p:cNvCxnSpPr>
+            <a:cxnSpLocks/>
+            <a:stCxn id="6" idx="4"/>
+            <a:endCxn id="7" idx="0"/>
+          </p:cNvCxnSpPr>
+          <p:nvPr/>
+        </p:nvCxnSpPr>
+        <p:spPr>
+          <a:xfrm>
+            <a:off x="4362450" y="1074421"/>
+            <a:ext cx="7620" cy="341995"/>
+          </a:xfrm>
+          <a:prstGeom prst="straightConnector1">
+            <a:avLst/>
+          </a:prstGeom>
+          <a:ln w="28575">
+            <a:solidFill>
+              <a:schemeClr val="tx1"/>
+            </a:solidFill>
+            <a:tailEnd type="triangle"/>
+          </a:ln>
+        </p:spPr>
+        <p:style>
+          <a:lnRef idx="1">
+            <a:schemeClr val="accent1"/>
+          </a:lnRef>
+          <a:fillRef idx="0">
+            <a:schemeClr val="accent1"/>
+          </a:fillRef>
+          <a:effectRef idx="0">
+            <a:schemeClr val="accent1"/>
+          </a:effectRef>
+          <a:fontRef idx="minor">
+            <a:schemeClr val="tx1"/>
+          </a:fontRef>
+        </p:style>
+      </p:cxnSp>
+      <p:sp>
+        <p:nvSpPr>
+          <p:cNvPr id="18" name="Diamond 17">
+            <a:extLst>
+              <a:ext uri="{FF2B5EF4-FFF2-40B4-BE49-F238E27FC236}">
+                <a16:creationId xmlns:a16="http://schemas.microsoft.com/office/drawing/2014/main" id="{E744E7D0-7732-58D2-A5A2-1F7F5A23790B}"/>
+              </a:ext>
+            </a:extLst>
+          </p:cNvPr>
+          <p:cNvSpPr/>
+          <p:nvPr/>
+        </p:nvSpPr>
+        <p:spPr>
+          <a:xfrm>
+            <a:off x="5808983" y="1948244"/>
+            <a:ext cx="1742437" cy="703516"/>
+          </a:xfrm>
+          <a:prstGeom prst="diamond">
+            <a:avLst/>
+          </a:prstGeom>
+          <a:ln/>
+        </p:spPr>
+        <p:style>
+          <a:lnRef idx="2">
+            <a:schemeClr val="dk1"/>
+          </a:lnRef>
+          <a:fillRef idx="1">
+            <a:schemeClr val="lt1"/>
+          </a:fillRef>
+          <a:effectRef idx="0">
+            <a:schemeClr val="dk1"/>
+          </a:effectRef>
+          <a:fontRef idx="minor">
+            <a:schemeClr val="dk1"/>
+          </a:fontRef>
+        </p:style>
+        <p:txBody>
+          <a:bodyPr rtlCol="0" anchor="ctr"/>
+          <a:lstStyle/>
+          <a:p>
+            <a:pPr algn="ctr"/>
+            <a:r>
+              <a:rPr lang="en-US" sz="1200" dirty="0" err="1">
+                <a:solidFill>
+                  <a:schemeClr val="tx1"/>
+                </a:solidFill>
+                <a:latin typeface="Times New Roman" panose="02020603050405020304" pitchFamily="18" charset="0"/>
+                <a:cs typeface="Times New Roman" panose="02020603050405020304" pitchFamily="18" charset="0"/>
+              </a:rPr>
+              <a:t>Menghubungkan</a:t>
+            </a:r>
+            <a:r>
+              <a:rPr lang="en-US" sz="1200" dirty="0">
+                <a:solidFill>
+                  <a:schemeClr val="tx1"/>
+                </a:solidFill>
+                <a:latin typeface="Times New Roman" panose="02020603050405020304" pitchFamily="18" charset="0"/>
+                <a:cs typeface="Times New Roman" panose="02020603050405020304" pitchFamily="18" charset="0"/>
+              </a:rPr>
+              <a:t> ke </a:t>
+            </a:r>
+            <a:r>
+              <a:rPr lang="en-US" sz="1200" dirty="0" err="1">
+                <a:solidFill>
+                  <a:schemeClr val="tx1"/>
+                </a:solidFill>
+                <a:latin typeface="Times New Roman" panose="02020603050405020304" pitchFamily="18" charset="0"/>
+                <a:cs typeface="Times New Roman" panose="02020603050405020304" pitchFamily="18" charset="0"/>
+              </a:rPr>
+              <a:t>Sistem</a:t>
+            </a:r>
+            <a:endParaRPr lang="en-US" sz="1200" dirty="0">
+              <a:solidFill>
+                <a:schemeClr val="tx1"/>
+              </a:solidFill>
+              <a:latin typeface="Times New Roman" panose="02020603050405020304" pitchFamily="18" charset="0"/>
+              <a:cs typeface="Times New Roman" panose="02020603050405020304" pitchFamily="18" charset="0"/>
+            </a:endParaRPr>
+          </a:p>
+        </p:txBody>
+      </p:sp>
+      <p:cxnSp>
+        <p:nvCxnSpPr>
+          <p:cNvPr id="20" name="Connector: Elbow 19">
+            <a:extLst>
+              <a:ext uri="{FF2B5EF4-FFF2-40B4-BE49-F238E27FC236}">
+                <a16:creationId xmlns:a16="http://schemas.microsoft.com/office/drawing/2014/main" id="{118F172F-EC09-3F81-CE58-9A51FB79FCD8}"/>
+              </a:ext>
+            </a:extLst>
+          </p:cNvPr>
+          <p:cNvCxnSpPr>
+            <a:cxnSpLocks/>
+            <a:stCxn id="7" idx="2"/>
+            <a:endCxn id="18" idx="1"/>
+          </p:cNvCxnSpPr>
+          <p:nvPr/>
+        </p:nvCxnSpPr>
+        <p:spPr>
+          <a:xfrm rot="16200000" flipH="1">
+            <a:off x="4884405" y="1375424"/>
+            <a:ext cx="410242" cy="1438913"/>
+          </a:xfrm>
+          <a:prstGeom prst="bentConnector2">
+            <a:avLst/>
+          </a:prstGeom>
+          <a:ln w="28575">
+            <a:solidFill>
+              <a:schemeClr val="tx1"/>
+            </a:solidFill>
+            <a:tailEnd type="triangle"/>
+          </a:ln>
+        </p:spPr>
+        <p:style>
+          <a:lnRef idx="1">
+            <a:schemeClr val="accent1"/>
+          </a:lnRef>
+          <a:fillRef idx="0">
+            <a:schemeClr val="accent1"/>
+          </a:fillRef>
+          <a:effectRef idx="0">
+            <a:schemeClr val="accent1"/>
+          </a:effectRef>
+          <a:fontRef idx="minor">
+            <a:schemeClr val="tx1"/>
+          </a:fontRef>
+        </p:style>
+      </p:cxnSp>
+      <p:cxnSp>
+        <p:nvCxnSpPr>
+          <p:cNvPr id="22" name="Connector: Elbow 21">
+            <a:extLst>
+              <a:ext uri="{FF2B5EF4-FFF2-40B4-BE49-F238E27FC236}">
+                <a16:creationId xmlns:a16="http://schemas.microsoft.com/office/drawing/2014/main" id="{7BA067BC-CC0E-352B-FC71-7F8385F41195}"/>
+              </a:ext>
+            </a:extLst>
+          </p:cNvPr>
+          <p:cNvCxnSpPr>
+            <a:cxnSpLocks/>
+            <a:stCxn id="18" idx="0"/>
+            <a:endCxn id="7" idx="3"/>
+          </p:cNvCxnSpPr>
+          <p:nvPr/>
+        </p:nvCxnSpPr>
+        <p:spPr>
+          <a:xfrm rot="16200000" flipV="1">
+            <a:off x="5806184" y="1074225"/>
+            <a:ext cx="295156" cy="1452881"/>
+          </a:xfrm>
+          <a:prstGeom prst="bentConnector2">
+            <a:avLst/>
+          </a:prstGeom>
+          <a:ln w="28575">
+            <a:solidFill>
+              <a:schemeClr val="tx1"/>
+            </a:solidFill>
+            <a:tailEnd type="triangle"/>
+          </a:ln>
+        </p:spPr>
+        <p:style>
+          <a:lnRef idx="1">
+            <a:schemeClr val="accent1"/>
+          </a:lnRef>
+          <a:fillRef idx="0">
+            <a:schemeClr val="accent1"/>
+          </a:fillRef>
+          <a:effectRef idx="0">
+            <a:schemeClr val="accent1"/>
+          </a:effectRef>
+          <a:fontRef idx="minor">
+            <a:schemeClr val="tx1"/>
+          </a:fontRef>
+        </p:style>
+      </p:cxnSp>
+      <p:sp>
+        <p:nvSpPr>
+          <p:cNvPr id="27" name="TextBox 26">
+            <a:extLst>
+              <a:ext uri="{FF2B5EF4-FFF2-40B4-BE49-F238E27FC236}">
+                <a16:creationId xmlns:a16="http://schemas.microsoft.com/office/drawing/2014/main" id="{6582D1A2-0ACF-0EF2-5514-562A53F2D970}"/>
+              </a:ext>
+            </a:extLst>
+          </p:cNvPr>
+          <p:cNvSpPr txBox="1"/>
+          <p:nvPr/>
+        </p:nvSpPr>
+        <p:spPr>
+          <a:xfrm>
+            <a:off x="6643371" y="1692930"/>
+            <a:ext cx="746763" cy="276999"/>
+          </a:xfrm>
+          <a:prstGeom prst="rect">
+            <a:avLst/>
+          </a:prstGeom>
+          <a:noFill/>
+        </p:spPr>
+        <p:txBody>
+          <a:bodyPr wrap="square" rtlCol="0">
+            <a:spAutoFit/>
+          </a:bodyPr>
+          <a:lstStyle/>
+          <a:p>
+            <a:r>
+              <a:rPr lang="en-US" sz="1200" dirty="0" err="1"/>
+              <a:t>Tidak</a:t>
+            </a:r>
+            <a:endParaRPr lang="en-ID" sz="1200" dirty="0"/>
+          </a:p>
+        </p:txBody>
+      </p:sp>
+      <p:sp>
+        <p:nvSpPr>
+          <p:cNvPr id="28" name="Rectangle: Rounded Corners 27">
+            <a:extLst>
+              <a:ext uri="{FF2B5EF4-FFF2-40B4-BE49-F238E27FC236}">
+                <a16:creationId xmlns:a16="http://schemas.microsoft.com/office/drawing/2014/main" id="{FF3DB3DC-9437-EB81-AC1B-984198806197}"/>
+              </a:ext>
+            </a:extLst>
+          </p:cNvPr>
+          <p:cNvSpPr/>
+          <p:nvPr/>
+        </p:nvSpPr>
+        <p:spPr>
+          <a:xfrm>
+            <a:off x="3611879" y="2651760"/>
+            <a:ext cx="1714502" cy="473344"/>
+          </a:xfrm>
+          <a:prstGeom prst="roundRect">
+            <a:avLst/>
+          </a:prstGeom>
+          <a:ln>
+            <a:solidFill>
+              <a:schemeClr val="tx1"/>
+            </a:solidFill>
+          </a:ln>
+        </p:spPr>
+        <p:style>
+          <a:lnRef idx="2">
+            <a:schemeClr val="accent6"/>
+          </a:lnRef>
+          <a:fillRef idx="1">
+            <a:schemeClr val="lt1"/>
+          </a:fillRef>
+          <a:effectRef idx="0">
+            <a:schemeClr val="accent6"/>
+          </a:effectRef>
+          <a:fontRef idx="minor">
+            <a:schemeClr val="dk1"/>
+          </a:fontRef>
+        </p:style>
+        <p:txBody>
+          <a:bodyPr rtlCol="0" anchor="ctr"/>
+          <a:lstStyle/>
+          <a:p>
+            <a:pPr algn="ctr"/>
+            <a:r>
+              <a:rPr lang="en-US" sz="1400" dirty="0" err="1">
+                <a:latin typeface="Times New Roman" panose="02020603050405020304" pitchFamily="18" charset="0"/>
+                <a:cs typeface="Times New Roman" panose="02020603050405020304" pitchFamily="18" charset="0"/>
+              </a:rPr>
+              <a:t>Menekan</a:t>
+            </a:r>
+            <a:r>
+              <a:rPr lang="en-US" sz="1400" dirty="0">
+                <a:latin typeface="Times New Roman" panose="02020603050405020304" pitchFamily="18" charset="0"/>
+                <a:cs typeface="Times New Roman" panose="02020603050405020304" pitchFamily="18" charset="0"/>
+              </a:rPr>
+              <a:t> </a:t>
+            </a:r>
+            <a:r>
+              <a:rPr lang="en-US" sz="1400" dirty="0" err="1">
+                <a:latin typeface="Times New Roman" panose="02020603050405020304" pitchFamily="18" charset="0"/>
+                <a:cs typeface="Times New Roman" panose="02020603050405020304" pitchFamily="18" charset="0"/>
+              </a:rPr>
+              <a:t>Tombol</a:t>
+            </a:r>
+            <a:r>
+              <a:rPr lang="en-US" sz="1400" dirty="0">
+                <a:latin typeface="Times New Roman" panose="02020603050405020304" pitchFamily="18" charset="0"/>
+                <a:cs typeface="Times New Roman" panose="02020603050405020304" pitchFamily="18" charset="0"/>
+              </a:rPr>
+              <a:t> Arming</a:t>
+            </a:r>
+            <a:endParaRPr lang="en-ID" sz="1400" dirty="0">
+              <a:latin typeface="Times New Roman" panose="02020603050405020304" pitchFamily="18" charset="0"/>
+              <a:cs typeface="Times New Roman" panose="02020603050405020304" pitchFamily="18" charset="0"/>
+            </a:endParaRPr>
+          </a:p>
+        </p:txBody>
+      </p:sp>
+      <p:cxnSp>
+        <p:nvCxnSpPr>
+          <p:cNvPr id="29" name="Connector: Elbow 28">
+            <a:extLst>
+              <a:ext uri="{FF2B5EF4-FFF2-40B4-BE49-F238E27FC236}">
+                <a16:creationId xmlns:a16="http://schemas.microsoft.com/office/drawing/2014/main" id="{81A79123-C542-9288-2819-ABBD86F23B0C}"/>
+              </a:ext>
+            </a:extLst>
+          </p:cNvPr>
+          <p:cNvCxnSpPr>
+            <a:cxnSpLocks/>
+            <a:stCxn id="18" idx="2"/>
+            <a:endCxn id="28" idx="3"/>
+          </p:cNvCxnSpPr>
+          <p:nvPr/>
+        </p:nvCxnSpPr>
+        <p:spPr>
+          <a:xfrm rot="5400000">
+            <a:off x="5884956" y="2093186"/>
+            <a:ext cx="236672" cy="1353821"/>
+          </a:xfrm>
+          <a:prstGeom prst="bentConnector2">
+            <a:avLst/>
+          </a:prstGeom>
+          <a:ln w="28575">
+            <a:solidFill>
+              <a:schemeClr val="tx1"/>
+            </a:solidFill>
+            <a:tailEnd type="triangle"/>
+          </a:ln>
+        </p:spPr>
+        <p:style>
+          <a:lnRef idx="1">
+            <a:schemeClr val="accent1"/>
+          </a:lnRef>
+          <a:fillRef idx="0">
+            <a:schemeClr val="accent1"/>
+          </a:fillRef>
+          <a:effectRef idx="0">
+            <a:schemeClr val="accent1"/>
+          </a:effectRef>
+          <a:fontRef idx="minor">
+            <a:schemeClr val="tx1"/>
+          </a:fontRef>
+        </p:style>
+      </p:cxnSp>
+      <p:sp>
+        <p:nvSpPr>
+          <p:cNvPr id="32" name="TextBox 31">
+            <a:extLst>
+              <a:ext uri="{FF2B5EF4-FFF2-40B4-BE49-F238E27FC236}">
+                <a16:creationId xmlns:a16="http://schemas.microsoft.com/office/drawing/2014/main" id="{711199D4-A547-365E-C6B9-922FFCA43B9E}"/>
+              </a:ext>
+            </a:extLst>
+          </p:cNvPr>
+          <p:cNvSpPr txBox="1"/>
+          <p:nvPr/>
+        </p:nvSpPr>
+        <p:spPr>
+          <a:xfrm>
+            <a:off x="6658612" y="2611433"/>
+            <a:ext cx="746763" cy="276999"/>
+          </a:xfrm>
+          <a:prstGeom prst="rect">
+            <a:avLst/>
+          </a:prstGeom>
+          <a:noFill/>
+        </p:spPr>
+        <p:txBody>
+          <a:bodyPr wrap="square" rtlCol="0">
+            <a:spAutoFit/>
+          </a:bodyPr>
+          <a:lstStyle/>
+          <a:p>
+            <a:r>
+              <a:rPr lang="en-US" sz="1200" dirty="0"/>
+              <a:t>Ya</a:t>
+            </a:r>
+            <a:endParaRPr lang="en-ID" sz="1200" dirty="0"/>
+          </a:p>
+        </p:txBody>
+      </p:sp>
+      <p:sp>
+        <p:nvSpPr>
+          <p:cNvPr id="33" name="Rectangle: Rounded Corners 32">
+            <a:extLst>
+              <a:ext uri="{FF2B5EF4-FFF2-40B4-BE49-F238E27FC236}">
+                <a16:creationId xmlns:a16="http://schemas.microsoft.com/office/drawing/2014/main" id="{0F7F271B-E023-AAF0-56D3-36CBECF88B72}"/>
+              </a:ext>
+            </a:extLst>
+          </p:cNvPr>
+          <p:cNvSpPr/>
+          <p:nvPr/>
+        </p:nvSpPr>
+        <p:spPr>
+          <a:xfrm>
+            <a:off x="5699129" y="3081745"/>
+            <a:ext cx="1714502" cy="473344"/>
+          </a:xfrm>
+          <a:prstGeom prst="roundRect">
+            <a:avLst/>
+          </a:prstGeom>
+          <a:ln>
+            <a:solidFill>
+              <a:schemeClr val="tx1"/>
+            </a:solidFill>
+          </a:ln>
+        </p:spPr>
+        <p:style>
+          <a:lnRef idx="2">
+            <a:schemeClr val="accent6"/>
+          </a:lnRef>
+          <a:fillRef idx="1">
+            <a:schemeClr val="lt1"/>
+          </a:fillRef>
+          <a:effectRef idx="0">
+            <a:schemeClr val="accent6"/>
+          </a:effectRef>
+          <a:fontRef idx="minor">
+            <a:schemeClr val="dk1"/>
+          </a:fontRef>
+        </p:style>
+        <p:txBody>
+          <a:bodyPr rtlCol="0" anchor="ctr"/>
+          <a:lstStyle/>
+          <a:p>
+            <a:pPr algn="ctr"/>
+            <a:r>
+              <a:rPr lang="en-US" sz="1400" dirty="0">
+                <a:latin typeface="Times New Roman" panose="02020603050405020304" pitchFamily="18" charset="0"/>
+                <a:cs typeface="Times New Roman" panose="02020603050405020304" pitchFamily="18" charset="0"/>
+              </a:rPr>
+              <a:t>Motor </a:t>
+            </a:r>
+            <a:r>
+              <a:rPr lang="en-US" sz="1400" dirty="0" err="1">
+                <a:latin typeface="Times New Roman" panose="02020603050405020304" pitchFamily="18" charset="0"/>
+                <a:cs typeface="Times New Roman" panose="02020603050405020304" pitchFamily="18" charset="0"/>
+              </a:rPr>
+              <a:t>Dinyalakan</a:t>
+            </a:r>
+            <a:endParaRPr lang="en-ID" sz="1400" dirty="0">
+              <a:latin typeface="Times New Roman" panose="02020603050405020304" pitchFamily="18" charset="0"/>
+              <a:cs typeface="Times New Roman" panose="02020603050405020304" pitchFamily="18" charset="0"/>
+            </a:endParaRPr>
+          </a:p>
+        </p:txBody>
+      </p:sp>
+      <p:cxnSp>
+        <p:nvCxnSpPr>
+          <p:cNvPr id="34" name="Connector: Elbow 33">
+            <a:extLst>
+              <a:ext uri="{FF2B5EF4-FFF2-40B4-BE49-F238E27FC236}">
+                <a16:creationId xmlns:a16="http://schemas.microsoft.com/office/drawing/2014/main" id="{F54AF3A2-BC03-9ECE-62D6-685EAEA524FF}"/>
+              </a:ext>
+            </a:extLst>
+          </p:cNvPr>
+          <p:cNvCxnSpPr>
+            <a:cxnSpLocks/>
+            <a:stCxn id="28" idx="2"/>
+            <a:endCxn id="33" idx="1"/>
+          </p:cNvCxnSpPr>
+          <p:nvPr/>
+        </p:nvCxnSpPr>
+        <p:spPr>
+          <a:xfrm rot="16200000" flipH="1">
+            <a:off x="4987473" y="2606760"/>
+            <a:ext cx="193313" cy="1229999"/>
+          </a:xfrm>
+          <a:prstGeom prst="bentConnector2">
+            <a:avLst/>
+          </a:prstGeom>
+          <a:ln w="28575">
+            <a:solidFill>
+              <a:schemeClr val="tx1"/>
+            </a:solidFill>
+            <a:tailEnd type="triangle"/>
+          </a:ln>
+        </p:spPr>
+        <p:style>
+          <a:lnRef idx="1">
+            <a:schemeClr val="accent1"/>
+          </a:lnRef>
+          <a:fillRef idx="0">
+            <a:schemeClr val="accent1"/>
+          </a:fillRef>
+          <a:effectRef idx="0">
+            <a:schemeClr val="accent1"/>
+          </a:effectRef>
+          <a:fontRef idx="minor">
+            <a:schemeClr val="tx1"/>
+          </a:fontRef>
+        </p:style>
+      </p:cxnSp>
+      <p:sp>
+        <p:nvSpPr>
+          <p:cNvPr id="37" name="Rectangle: Rounded Corners 36">
+            <a:extLst>
+              <a:ext uri="{FF2B5EF4-FFF2-40B4-BE49-F238E27FC236}">
+                <a16:creationId xmlns:a16="http://schemas.microsoft.com/office/drawing/2014/main" id="{F1D2A6FC-B8A1-7C98-639C-22C4DE0F1B7A}"/>
+              </a:ext>
+            </a:extLst>
+          </p:cNvPr>
+          <p:cNvSpPr/>
+          <p:nvPr/>
+        </p:nvSpPr>
+        <p:spPr>
+          <a:xfrm>
+            <a:off x="3667214" y="3515821"/>
+            <a:ext cx="1714502" cy="473344"/>
+          </a:xfrm>
+          <a:prstGeom prst="roundRect">
+            <a:avLst/>
+          </a:prstGeom>
+          <a:ln>
+            <a:solidFill>
+              <a:schemeClr val="tx1"/>
+            </a:solidFill>
+          </a:ln>
+        </p:spPr>
+        <p:style>
+          <a:lnRef idx="2">
+            <a:schemeClr val="accent6"/>
+          </a:lnRef>
+          <a:fillRef idx="1">
+            <a:schemeClr val="lt1"/>
+          </a:fillRef>
+          <a:effectRef idx="0">
+            <a:schemeClr val="accent6"/>
+          </a:effectRef>
+          <a:fontRef idx="minor">
+            <a:schemeClr val="dk1"/>
+          </a:fontRef>
+        </p:style>
+        <p:txBody>
+          <a:bodyPr rtlCol="0" anchor="ctr"/>
+          <a:lstStyle/>
+          <a:p>
+            <a:pPr algn="ctr"/>
+            <a:r>
+              <a:rPr lang="en-US" sz="1400" dirty="0">
+                <a:latin typeface="Times New Roman" panose="02020603050405020304" pitchFamily="18" charset="0"/>
+                <a:cs typeface="Times New Roman" panose="02020603050405020304" pitchFamily="18" charset="0"/>
+              </a:rPr>
+              <a:t>Set Mode Auto</a:t>
+            </a:r>
+            <a:endParaRPr lang="en-ID" sz="1400" dirty="0">
+              <a:latin typeface="Times New Roman" panose="02020603050405020304" pitchFamily="18" charset="0"/>
+              <a:cs typeface="Times New Roman" panose="02020603050405020304" pitchFamily="18" charset="0"/>
+            </a:endParaRPr>
+          </a:p>
+        </p:txBody>
+      </p:sp>
+      <p:sp>
+        <p:nvSpPr>
+          <p:cNvPr id="2" name="Rectangle: Rounded Corners 1">
+            <a:extLst>
+              <a:ext uri="{FF2B5EF4-FFF2-40B4-BE49-F238E27FC236}">
+                <a16:creationId xmlns:a16="http://schemas.microsoft.com/office/drawing/2014/main" id="{641CF703-ED28-D5C0-7B8B-79B3B1BBA894}"/>
+              </a:ext>
+            </a:extLst>
+          </p:cNvPr>
+          <p:cNvSpPr/>
+          <p:nvPr/>
+        </p:nvSpPr>
+        <p:spPr>
+          <a:xfrm>
+            <a:off x="5690873" y="3984846"/>
+            <a:ext cx="1714502" cy="676089"/>
+          </a:xfrm>
+          <a:prstGeom prst="roundRect">
+            <a:avLst/>
+          </a:prstGeom>
+          <a:ln>
+            <a:solidFill>
+              <a:schemeClr val="tx1"/>
+            </a:solidFill>
+          </a:ln>
+        </p:spPr>
+        <p:style>
+          <a:lnRef idx="2">
+            <a:schemeClr val="accent6"/>
+          </a:lnRef>
+          <a:fillRef idx="1">
+            <a:schemeClr val="lt1"/>
+          </a:fillRef>
+          <a:effectRef idx="0">
+            <a:schemeClr val="accent6"/>
+          </a:effectRef>
+          <a:fontRef idx="minor">
+            <a:schemeClr val="dk1"/>
+          </a:fontRef>
+        </p:style>
+        <p:txBody>
+          <a:bodyPr rtlCol="0" anchor="ctr"/>
+          <a:lstStyle/>
+          <a:p>
+            <a:pPr algn="ctr"/>
+            <a:r>
+              <a:rPr lang="en-US" sz="1400" dirty="0">
+                <a:latin typeface="Times New Roman" panose="02020603050405020304" pitchFamily="18" charset="0"/>
+                <a:cs typeface="Times New Roman" panose="02020603050405020304" pitchFamily="18" charset="0"/>
+              </a:rPr>
+              <a:t>Drone Terbang </a:t>
+            </a:r>
+            <a:r>
+              <a:rPr lang="en-US" sz="1400" dirty="0" err="1">
+                <a:latin typeface="Times New Roman" panose="02020603050405020304" pitchFamily="18" charset="0"/>
+                <a:cs typeface="Times New Roman" panose="02020603050405020304" pitchFamily="18" charset="0"/>
+              </a:rPr>
+              <a:t>Mengikuti</a:t>
+            </a:r>
+            <a:r>
+              <a:rPr lang="en-US" sz="1400" dirty="0">
+                <a:latin typeface="Times New Roman" panose="02020603050405020304" pitchFamily="18" charset="0"/>
+                <a:cs typeface="Times New Roman" panose="02020603050405020304" pitchFamily="18" charset="0"/>
+              </a:rPr>
+              <a:t> Jalur Terbang</a:t>
+            </a:r>
+            <a:endParaRPr lang="en-ID" sz="1400" dirty="0">
+              <a:latin typeface="Times New Roman" panose="02020603050405020304" pitchFamily="18" charset="0"/>
+              <a:cs typeface="Times New Roman" panose="02020603050405020304" pitchFamily="18" charset="0"/>
+            </a:endParaRPr>
+          </a:p>
+        </p:txBody>
+      </p:sp>
+      <p:cxnSp>
+        <p:nvCxnSpPr>
+          <p:cNvPr id="3" name="Connector: Elbow 2">
+            <a:extLst>
+              <a:ext uri="{FF2B5EF4-FFF2-40B4-BE49-F238E27FC236}">
+                <a16:creationId xmlns:a16="http://schemas.microsoft.com/office/drawing/2014/main" id="{4EA5317F-72C0-7E94-23E9-F82C12A587D9}"/>
+              </a:ext>
+            </a:extLst>
+          </p:cNvPr>
+          <p:cNvCxnSpPr>
+            <a:cxnSpLocks/>
+            <a:stCxn id="33" idx="2"/>
+            <a:endCxn id="37" idx="3"/>
+          </p:cNvCxnSpPr>
+          <p:nvPr/>
+        </p:nvCxnSpPr>
+        <p:spPr>
+          <a:xfrm rot="5400000">
+            <a:off x="5870346" y="3066459"/>
+            <a:ext cx="197404" cy="1174664"/>
+          </a:xfrm>
+          <a:prstGeom prst="bentConnector2">
+            <a:avLst/>
+          </a:prstGeom>
+          <a:ln w="28575">
+            <a:solidFill>
+              <a:schemeClr val="tx1"/>
+            </a:solidFill>
+            <a:tailEnd type="triangle"/>
+          </a:ln>
+        </p:spPr>
+        <p:style>
+          <a:lnRef idx="1">
+            <a:schemeClr val="accent1"/>
+          </a:lnRef>
+          <a:fillRef idx="0">
+            <a:schemeClr val="accent1"/>
+          </a:fillRef>
+          <a:effectRef idx="0">
+            <a:schemeClr val="accent1"/>
+          </a:effectRef>
+          <a:fontRef idx="minor">
+            <a:schemeClr val="tx1"/>
+          </a:fontRef>
+        </p:style>
+      </p:cxnSp>
+      <p:cxnSp>
+        <p:nvCxnSpPr>
+          <p:cNvPr id="10" name="Connector: Elbow 9">
+            <a:extLst>
+              <a:ext uri="{FF2B5EF4-FFF2-40B4-BE49-F238E27FC236}">
+                <a16:creationId xmlns:a16="http://schemas.microsoft.com/office/drawing/2014/main" id="{DD9A0884-97D3-B42A-73CE-50B55E695182}"/>
+              </a:ext>
+            </a:extLst>
+          </p:cNvPr>
+          <p:cNvCxnSpPr>
+            <a:cxnSpLocks/>
+            <a:stCxn id="37" idx="2"/>
+            <a:endCxn id="2" idx="1"/>
+          </p:cNvCxnSpPr>
+          <p:nvPr/>
+        </p:nvCxnSpPr>
+        <p:spPr>
+          <a:xfrm rot="16200000" flipH="1">
+            <a:off x="4940806" y="3572824"/>
+            <a:ext cx="333726" cy="1166408"/>
+          </a:xfrm>
+          <a:prstGeom prst="bentConnector2">
+            <a:avLst/>
+          </a:prstGeom>
+          <a:ln w="28575">
+            <a:solidFill>
+              <a:schemeClr val="tx1"/>
+            </a:solidFill>
+            <a:tailEnd type="triangle"/>
+          </a:ln>
+        </p:spPr>
+        <p:style>
+          <a:lnRef idx="1">
+            <a:schemeClr val="accent1"/>
+          </a:lnRef>
+          <a:fillRef idx="0">
+            <a:schemeClr val="accent1"/>
+          </a:fillRef>
+          <a:effectRef idx="0">
+            <a:schemeClr val="accent1"/>
+          </a:effectRef>
+          <a:fontRef idx="minor">
+            <a:schemeClr val="tx1"/>
+          </a:fontRef>
+        </p:style>
+      </p:cxnSp>
+    </p:spTree>
+    <p:extLst>
+      <p:ext uri="{BB962C8B-B14F-4D97-AF65-F5344CB8AC3E}">
+        <p14:creationId xmlns:p14="http://schemas.microsoft.com/office/powerpoint/2010/main" val="3513728067"/>
       </p:ext>
     </p:extLst>
   </p:cSld>

--- a/TA/Presentation1.pptx
+++ b/TA/Presentation1.pptx
@@ -5,12 +5,13 @@
     <p:sldMasterId id="2147483648" r:id="rId1"/>
   </p:sldMasterIdLst>
   <p:notesMasterIdLst>
-    <p:notesMasterId r:id="rId5"/>
+    <p:notesMasterId r:id="rId6"/>
   </p:notesMasterIdLst>
   <p:sldIdLst>
     <p:sldId id="257" r:id="rId2"/>
     <p:sldId id="256" r:id="rId3"/>
     <p:sldId id="258" r:id="rId4"/>
+    <p:sldId id="259" r:id="rId5"/>
   </p:sldIdLst>
   <p:sldSz cx="12192000" cy="6858000"/>
   <p:notesSz cx="6858000" cy="9144000"/>
@@ -109,6 +110,11 @@
       </a:defRPr>
     </a:lvl9pPr>
   </p:defaultTextStyle>
+  <p:extLst>
+    <p:ext uri="{EFAFB233-063F-42B5-8137-9DF3F51BA10A}">
+      <p15:sldGuideLst xmlns:p15="http://schemas.microsoft.com/office/powerpoint/2012/main"/>
+    </p:ext>
+  </p:extLst>
 </p:presentation>
 </file>
 
@@ -194,7 +200,7 @@
           <a:p>
             <a:fld id="{2256EC63-94B5-44A1-B72F-D6AB98CBDBE9}" type="datetimeFigureOut">
               <a:rPr lang="en-ID" smtClean="0"/>
-              <a:t>22/12/2024</a:t>
+              <a:t>13/05/2025</a:t>
             </a:fld>
             <a:endParaRPr lang="en-ID"/>
           </a:p>
@@ -506,7 +512,7 @@
           <a:bodyPr/>
           <a:lstStyle/>
           <a:p>
-            <a:endParaRPr lang="en-ID" dirty="0"/>
+            <a:endParaRPr lang="en-ID"/>
           </a:p>
         </p:txBody>
       </p:sp>
@@ -695,7 +701,7 @@
           <a:p>
             <a:fld id="{6A3EB80D-3CCC-4146-A2EA-1B3750C1B8BB}" type="datetimeFigureOut">
               <a:rPr lang="en-ID" smtClean="0"/>
-              <a:t>22/12/2024</a:t>
+              <a:t>13/05/2025</a:t>
             </a:fld>
             <a:endParaRPr lang="en-ID"/>
           </a:p>
@@ -895,7 +901,7 @@
           <a:p>
             <a:fld id="{6A3EB80D-3CCC-4146-A2EA-1B3750C1B8BB}" type="datetimeFigureOut">
               <a:rPr lang="en-ID" smtClean="0"/>
-              <a:t>22/12/2024</a:t>
+              <a:t>13/05/2025</a:t>
             </a:fld>
             <a:endParaRPr lang="en-ID"/>
           </a:p>
@@ -1105,7 +1111,7 @@
           <a:p>
             <a:fld id="{6A3EB80D-3CCC-4146-A2EA-1B3750C1B8BB}" type="datetimeFigureOut">
               <a:rPr lang="en-ID" smtClean="0"/>
-              <a:t>22/12/2024</a:t>
+              <a:t>13/05/2025</a:t>
             </a:fld>
             <a:endParaRPr lang="en-ID"/>
           </a:p>
@@ -1305,7 +1311,7 @@
           <a:p>
             <a:fld id="{6A3EB80D-3CCC-4146-A2EA-1B3750C1B8BB}" type="datetimeFigureOut">
               <a:rPr lang="en-ID" smtClean="0"/>
-              <a:t>22/12/2024</a:t>
+              <a:t>13/05/2025</a:t>
             </a:fld>
             <a:endParaRPr lang="en-ID"/>
           </a:p>
@@ -1581,7 +1587,7 @@
           <a:p>
             <a:fld id="{6A3EB80D-3CCC-4146-A2EA-1B3750C1B8BB}" type="datetimeFigureOut">
               <a:rPr lang="en-ID" smtClean="0"/>
-              <a:t>22/12/2024</a:t>
+              <a:t>13/05/2025</a:t>
             </a:fld>
             <a:endParaRPr lang="en-ID"/>
           </a:p>
@@ -1849,7 +1855,7 @@
           <a:p>
             <a:fld id="{6A3EB80D-3CCC-4146-A2EA-1B3750C1B8BB}" type="datetimeFigureOut">
               <a:rPr lang="en-ID" smtClean="0"/>
-              <a:t>22/12/2024</a:t>
+              <a:t>13/05/2025</a:t>
             </a:fld>
             <a:endParaRPr lang="en-ID"/>
           </a:p>
@@ -2264,7 +2270,7 @@
           <a:p>
             <a:fld id="{6A3EB80D-3CCC-4146-A2EA-1B3750C1B8BB}" type="datetimeFigureOut">
               <a:rPr lang="en-ID" smtClean="0"/>
-              <a:t>22/12/2024</a:t>
+              <a:t>13/05/2025</a:t>
             </a:fld>
             <a:endParaRPr lang="en-ID"/>
           </a:p>
@@ -2406,7 +2412,7 @@
           <a:p>
             <a:fld id="{6A3EB80D-3CCC-4146-A2EA-1B3750C1B8BB}" type="datetimeFigureOut">
               <a:rPr lang="en-ID" smtClean="0"/>
-              <a:t>22/12/2024</a:t>
+              <a:t>13/05/2025</a:t>
             </a:fld>
             <a:endParaRPr lang="en-ID"/>
           </a:p>
@@ -2519,7 +2525,7 @@
           <a:p>
             <a:fld id="{6A3EB80D-3CCC-4146-A2EA-1B3750C1B8BB}" type="datetimeFigureOut">
               <a:rPr lang="en-ID" smtClean="0"/>
-              <a:t>22/12/2024</a:t>
+              <a:t>13/05/2025</a:t>
             </a:fld>
             <a:endParaRPr lang="en-ID"/>
           </a:p>
@@ -2832,7 +2838,7 @@
           <a:p>
             <a:fld id="{6A3EB80D-3CCC-4146-A2EA-1B3750C1B8BB}" type="datetimeFigureOut">
               <a:rPr lang="en-ID" smtClean="0"/>
-              <a:t>22/12/2024</a:t>
+              <a:t>13/05/2025</a:t>
             </a:fld>
             <a:endParaRPr lang="en-ID"/>
           </a:p>
@@ -3121,7 +3127,7 @@
           <a:p>
             <a:fld id="{6A3EB80D-3CCC-4146-A2EA-1B3750C1B8BB}" type="datetimeFigureOut">
               <a:rPr lang="en-ID" smtClean="0"/>
-              <a:t>22/12/2024</a:t>
+              <a:t>13/05/2025</a:t>
             </a:fld>
             <a:endParaRPr lang="en-ID"/>
           </a:p>
@@ -3364,7 +3370,7 @@
           <a:p>
             <a:fld id="{6A3EB80D-3CCC-4146-A2EA-1B3750C1B8BB}" type="datetimeFigureOut">
               <a:rPr lang="en-ID" smtClean="0"/>
-              <a:t>22/12/2024</a:t>
+              <a:t>13/05/2025</a:t>
             </a:fld>
             <a:endParaRPr lang="en-ID"/>
           </a:p>
@@ -3827,7 +3833,7 @@
           <a:bodyPr/>
           <a:lstStyle/>
           <a:p>
-            <a:endParaRPr lang="en-ID" dirty="0"/>
+            <a:endParaRPr lang="en-ID"/>
           </a:p>
         </p:txBody>
       </p:sp>
@@ -3907,10 +3913,10 @@
           <a:p>
             <a:pPr algn="ctr"/>
             <a:r>
-              <a:rPr lang="en-US" sz="1400" dirty="0" err="1"/>
+              <a:rPr lang="en-US" sz="1400" err="1"/>
               <a:t>Mulai</a:t>
             </a:r>
-            <a:endParaRPr lang="en-ID" dirty="0"/>
+            <a:endParaRPr lang="en-ID"/>
           </a:p>
         </p:txBody>
       </p:sp>
@@ -3963,7 +3969,7 @@
           <a:p>
             <a:pPr algn="ctr"/>
             <a:r>
-              <a:rPr lang="en-US" sz="1200" dirty="0" err="1">
+              <a:rPr lang="en-US" sz="1200" err="1">
                 <a:solidFill>
                   <a:schemeClr val="tx1"/>
                 </a:solidFill>
@@ -3973,7 +3979,7 @@
               <a:t>Membaca</a:t>
             </a:r>
             <a:r>
-              <a:rPr lang="en-US" sz="1200" dirty="0">
+              <a:rPr lang="en-US" sz="1200">
                 <a:solidFill>
                   <a:schemeClr val="tx1"/>
                 </a:solidFill>
@@ -4031,7 +4037,7 @@
           <a:p>
             <a:pPr algn="ctr"/>
             <a:r>
-              <a:rPr lang="en-US" sz="1200" dirty="0" err="1">
+              <a:rPr lang="en-US" sz="1200" err="1">
                 <a:solidFill>
                   <a:schemeClr val="tx1"/>
                 </a:solidFill>
@@ -4041,7 +4047,7 @@
               <a:t>Inisialisasi</a:t>
             </a:r>
             <a:r>
-              <a:rPr lang="en-US" sz="1200" dirty="0">
+              <a:rPr lang="en-US" sz="1200">
                 <a:solidFill>
                   <a:schemeClr val="tx1"/>
                 </a:solidFill>
@@ -4194,7 +4200,7 @@
           <a:p>
             <a:pPr algn="ctr"/>
             <a:r>
-              <a:rPr lang="en-US" sz="1200" dirty="0" err="1">
+              <a:rPr lang="en-US" sz="1200" err="1">
                 <a:solidFill>
                   <a:schemeClr val="tx1"/>
                 </a:solidFill>
@@ -4204,7 +4210,7 @@
               <a:t>Mendeteksi</a:t>
             </a:r>
             <a:r>
-              <a:rPr lang="en-US" sz="1200" dirty="0">
+              <a:rPr lang="en-US" sz="1200">
                 <a:solidFill>
                   <a:schemeClr val="tx1"/>
                 </a:solidFill>
@@ -4245,7 +4251,7 @@
           <a:lstStyle/>
           <a:p>
             <a:r>
-              <a:rPr lang="en-US" sz="1200" dirty="0">
+              <a:rPr lang="en-US" sz="1200">
                 <a:latin typeface="Times New Roman" panose="02020603050405020304" pitchFamily="18" charset="0"/>
                 <a:cs typeface="Times New Roman" panose="02020603050405020304" pitchFamily="18" charset="0"/>
               </a:rPr>
@@ -4283,7 +4289,7 @@
           <a:lstStyle/>
           <a:p>
             <a:r>
-              <a:rPr lang="en-US" sz="1100" dirty="0">
+              <a:rPr lang="en-US" sz="1100">
                 <a:latin typeface="Times New Roman" panose="02020603050405020304" pitchFamily="18" charset="0"/>
                 <a:cs typeface="Times New Roman" panose="02020603050405020304" pitchFamily="18" charset="0"/>
               </a:rPr>
@@ -4341,7 +4347,7 @@
           <a:p>
             <a:pPr algn="ctr"/>
             <a:r>
-              <a:rPr lang="en-US" sz="1200" dirty="0" err="1">
+              <a:rPr lang="en-US" sz="1200" err="1">
                 <a:solidFill>
                   <a:schemeClr val="tx1"/>
                 </a:solidFill>
@@ -4351,7 +4357,7 @@
               <a:t>Mengirimkan</a:t>
             </a:r>
             <a:r>
-              <a:rPr lang="en-US" sz="1200" dirty="0">
+              <a:rPr lang="en-US" sz="1200">
                 <a:solidFill>
                   <a:schemeClr val="tx1"/>
                 </a:solidFill>
@@ -4412,7 +4418,7 @@
           <a:p>
             <a:pPr algn="ctr"/>
             <a:r>
-              <a:rPr lang="en-US" sz="1200" dirty="0" err="1">
+              <a:rPr lang="en-US" sz="1200" err="1">
                 <a:solidFill>
                   <a:schemeClr val="tx1"/>
                 </a:solidFill>
@@ -4422,7 +4428,7 @@
               <a:t>Menyalakan</a:t>
             </a:r>
             <a:r>
-              <a:rPr lang="en-US" sz="1200" dirty="0">
+              <a:rPr lang="en-US" sz="1200">
                 <a:solidFill>
                   <a:schemeClr val="tx1"/>
                 </a:solidFill>
@@ -4432,7 +4438,7 @@
               <a:t> </a:t>
             </a:r>
             <a:r>
-              <a:rPr lang="en-US" sz="1200" dirty="0" err="1">
+              <a:rPr lang="en-US" sz="1200" err="1">
                 <a:solidFill>
                   <a:schemeClr val="tx1"/>
                 </a:solidFill>
@@ -4441,7 +4447,7 @@
               </a:rPr>
               <a:t>Lampu</a:t>
             </a:r>
-            <a:endParaRPr lang="en-US" sz="1200" dirty="0">
+            <a:endParaRPr lang="en-US" sz="1200">
               <a:solidFill>
                 <a:schemeClr val="tx1"/>
               </a:solidFill>
@@ -4592,7 +4598,7 @@
           <a:p>
             <a:pPr algn="ctr"/>
             <a:r>
-              <a:rPr lang="en-US" sz="1200" dirty="0" err="1">
+              <a:rPr lang="en-US" sz="1200" err="1">
                 <a:solidFill>
                   <a:schemeClr val="tx1"/>
                 </a:solidFill>
@@ -4602,7 +4608,7 @@
               <a:t>Mengirimkan</a:t>
             </a:r>
             <a:r>
-              <a:rPr lang="en-US" sz="1200" dirty="0">
+              <a:rPr lang="en-US" sz="1200">
                 <a:solidFill>
                   <a:schemeClr val="tx1"/>
                 </a:solidFill>
@@ -4752,7 +4758,7 @@
           <a:p>
             <a:pPr algn="ctr"/>
             <a:r>
-              <a:rPr lang="en-US" sz="1200" dirty="0" err="1">
+              <a:rPr lang="en-US" sz="1200" err="1">
                 <a:solidFill>
                   <a:schemeClr val="tx1"/>
                 </a:solidFill>
@@ -4762,7 +4768,7 @@
               <a:t>Mematikan</a:t>
             </a:r>
             <a:r>
-              <a:rPr lang="en-US" sz="1200" dirty="0">
+              <a:rPr lang="en-US" sz="1200">
                 <a:solidFill>
                   <a:schemeClr val="tx1"/>
                 </a:solidFill>
@@ -4772,7 +4778,7 @@
               <a:t> </a:t>
             </a:r>
             <a:r>
-              <a:rPr lang="en-US" sz="1200" dirty="0" err="1">
+              <a:rPr lang="en-US" sz="1200" err="1">
                 <a:solidFill>
                   <a:schemeClr val="tx1"/>
                 </a:solidFill>
@@ -4781,7 +4787,7 @@
               </a:rPr>
               <a:t>Lampu</a:t>
             </a:r>
-            <a:endParaRPr lang="en-US" sz="1200" dirty="0">
+            <a:endParaRPr lang="en-US" sz="1200">
               <a:solidFill>
                 <a:schemeClr val="tx1"/>
               </a:solidFill>
@@ -4929,10 +4935,10 @@
           <a:p>
             <a:pPr algn="ctr"/>
             <a:r>
-              <a:rPr lang="en-US" sz="1400" dirty="0" err="1"/>
+              <a:rPr lang="en-US" sz="1400" err="1"/>
               <a:t>Selesai</a:t>
             </a:r>
-            <a:endParaRPr lang="en-ID" dirty="0"/>
+            <a:endParaRPr lang="en-ID"/>
           </a:p>
         </p:txBody>
       </p:sp>
@@ -5160,10 +5166,10 @@
           <a:p>
             <a:pPr algn="ctr"/>
             <a:r>
-              <a:rPr lang="en-US" sz="1400" dirty="0" err="1"/>
+              <a:rPr lang="en-US" sz="1400" err="1"/>
               <a:t>Mulai</a:t>
             </a:r>
-            <a:endParaRPr lang="en-ID" dirty="0"/>
+            <a:endParaRPr lang="en-ID"/>
           </a:p>
         </p:txBody>
       </p:sp>
@@ -5216,7 +5222,7 @@
           <a:p>
             <a:pPr algn="ctr"/>
             <a:r>
-              <a:rPr lang="en-US" sz="1200" dirty="0" err="1">
+              <a:rPr lang="en-US" sz="1200" err="1">
                 <a:solidFill>
                   <a:schemeClr val="tx1"/>
                 </a:solidFill>
@@ -5226,7 +5232,7 @@
               <a:t>Membaca</a:t>
             </a:r>
             <a:r>
-              <a:rPr lang="en-US" sz="1200" dirty="0">
+              <a:rPr lang="en-US" sz="1200">
                 <a:solidFill>
                   <a:schemeClr val="tx1"/>
                 </a:solidFill>
@@ -5284,7 +5290,7 @@
           <a:p>
             <a:pPr algn="ctr"/>
             <a:r>
-              <a:rPr lang="en-US" sz="1200" dirty="0" err="1">
+              <a:rPr lang="en-US" sz="1200" err="1">
                 <a:solidFill>
                   <a:schemeClr val="tx1"/>
                 </a:solidFill>
@@ -5294,7 +5300,7 @@
               <a:t>Inisialisasi</a:t>
             </a:r>
             <a:r>
-              <a:rPr lang="en-US" sz="1200" dirty="0">
+              <a:rPr lang="en-US" sz="1200">
                 <a:solidFill>
                   <a:schemeClr val="tx1"/>
                 </a:solidFill>
@@ -5447,7 +5453,7 @@
           <a:p>
             <a:pPr algn="ctr"/>
             <a:r>
-              <a:rPr lang="en-US" sz="1200" dirty="0" err="1">
+              <a:rPr lang="en-US" sz="1200" err="1">
                 <a:solidFill>
                   <a:schemeClr val="tx1"/>
                 </a:solidFill>
@@ -5457,7 +5463,7 @@
               <a:t>Menerima</a:t>
             </a:r>
             <a:r>
-              <a:rPr lang="en-US" sz="1200" dirty="0">
+              <a:rPr lang="en-US" sz="1200">
                 <a:solidFill>
                   <a:schemeClr val="tx1"/>
                 </a:solidFill>
@@ -5498,7 +5504,7 @@
           <a:lstStyle/>
           <a:p>
             <a:r>
-              <a:rPr lang="en-US" sz="1200" dirty="0">
+              <a:rPr lang="en-US" sz="1200">
                 <a:latin typeface="Times New Roman" panose="02020603050405020304" pitchFamily="18" charset="0"/>
                 <a:cs typeface="Times New Roman" panose="02020603050405020304" pitchFamily="18" charset="0"/>
               </a:rPr>
@@ -5536,7 +5542,7 @@
           <a:lstStyle/>
           <a:p>
             <a:r>
-              <a:rPr lang="en-US" sz="1100" dirty="0">
+              <a:rPr lang="en-US" sz="1100">
                 <a:latin typeface="Times New Roman" panose="02020603050405020304" pitchFamily="18" charset="0"/>
                 <a:cs typeface="Times New Roman" panose="02020603050405020304" pitchFamily="18" charset="0"/>
               </a:rPr>
@@ -5594,7 +5600,7 @@
           <a:p>
             <a:pPr algn="ctr"/>
             <a:r>
-              <a:rPr lang="en-US" sz="1200" dirty="0" err="1">
+              <a:rPr lang="en-US" sz="1200" err="1">
                 <a:solidFill>
                   <a:schemeClr val="tx1"/>
                 </a:solidFill>
@@ -5604,7 +5610,7 @@
               <a:t>Menampilkan</a:t>
             </a:r>
             <a:r>
-              <a:rPr lang="en-US" sz="1200" dirty="0">
+              <a:rPr lang="en-US" sz="1200">
                 <a:solidFill>
                   <a:schemeClr val="tx1"/>
                 </a:solidFill>
@@ -5614,7 +5620,7 @@
               <a:t> Data Slot </a:t>
             </a:r>
             <a:r>
-              <a:rPr lang="en-US" sz="1200" dirty="0" err="1">
+              <a:rPr lang="en-US" sz="1200" err="1">
                 <a:solidFill>
                   <a:schemeClr val="tx1"/>
                 </a:solidFill>
@@ -5624,7 +5630,7 @@
               <a:t>Parkir</a:t>
             </a:r>
             <a:r>
-              <a:rPr lang="en-US" sz="1200" dirty="0">
+              <a:rPr lang="en-US" sz="1200">
                 <a:solidFill>
                   <a:schemeClr val="tx1"/>
                 </a:solidFill>
@@ -5909,10 +5915,10 @@
           <a:p>
             <a:pPr algn="ctr"/>
             <a:r>
-              <a:rPr lang="en-US" sz="1400" dirty="0" err="1"/>
+              <a:rPr lang="en-US" sz="1400" err="1"/>
               <a:t>Selesai</a:t>
             </a:r>
-            <a:endParaRPr lang="en-ID" dirty="0"/>
+            <a:endParaRPr lang="en-ID"/>
           </a:p>
         </p:txBody>
       </p:sp>
@@ -6152,7 +6158,7 @@
           <a:p>
             <a:pPr algn="ctr"/>
             <a:r>
-              <a:rPr lang="en-US" sz="1200" dirty="0">
+              <a:rPr lang="en-US" sz="1200">
                 <a:solidFill>
                   <a:schemeClr val="tx1"/>
                 </a:solidFill>
@@ -6213,7 +6219,7 @@
           <a:p>
             <a:pPr algn="ctr"/>
             <a:r>
-              <a:rPr lang="en-US" sz="1200" dirty="0">
+              <a:rPr lang="en-US" sz="1200">
                 <a:solidFill>
                   <a:schemeClr val="tx1"/>
                 </a:solidFill>
@@ -6274,7 +6280,7 @@
           <a:p>
             <a:pPr algn="ctr"/>
             <a:r>
-              <a:rPr lang="en-US" sz="1200" dirty="0" err="1">
+              <a:rPr lang="en-US" sz="1200" err="1">
                 <a:solidFill>
                   <a:schemeClr val="tx1"/>
                 </a:solidFill>
@@ -6284,7 +6290,7 @@
               <a:t>Menyalakan</a:t>
             </a:r>
             <a:r>
-              <a:rPr lang="en-US" sz="1200" dirty="0">
+              <a:rPr lang="en-US" sz="1200">
                 <a:solidFill>
                   <a:schemeClr val="tx1"/>
                 </a:solidFill>
@@ -6294,7 +6300,7 @@
               <a:t> </a:t>
             </a:r>
             <a:r>
-              <a:rPr lang="en-US" sz="1200" dirty="0" err="1">
+              <a:rPr lang="en-US" sz="1200" err="1">
                 <a:solidFill>
                   <a:schemeClr val="tx1"/>
                 </a:solidFill>
@@ -6303,7 +6309,7 @@
               </a:rPr>
               <a:t>Waterpump</a:t>
             </a:r>
-            <a:endParaRPr lang="en-US" sz="1200" dirty="0">
+            <a:endParaRPr lang="en-US" sz="1200">
               <a:solidFill>
                 <a:schemeClr val="tx1"/>
               </a:solidFill>
@@ -6362,7 +6368,7 @@
           <a:p>
             <a:pPr algn="ctr"/>
             <a:r>
-              <a:rPr lang="en-US" sz="1200" dirty="0">
+              <a:rPr lang="en-US" sz="1200">
                 <a:solidFill>
                   <a:schemeClr val="tx1"/>
                 </a:solidFill>
@@ -6559,7 +6565,7 @@
           <a:p>
             <a:pPr algn="ctr"/>
             <a:r>
-              <a:rPr lang="en-US" sz="1200" dirty="0">
+              <a:rPr lang="en-US" sz="1200">
                 <a:solidFill>
                   <a:schemeClr val="tx1"/>
                 </a:solidFill>
@@ -6615,14 +6621,14 @@
           <a:p>
             <a:pPr algn="ctr"/>
             <a:r>
-              <a:rPr lang="en-US" sz="1200" dirty="0"/>
+              <a:rPr lang="en-US" sz="1200"/>
               <a:t>Masukkan Jarak </a:t>
             </a:r>
             <a:r>
-              <a:rPr lang="en-US" sz="1200" dirty="0" err="1"/>
+              <a:rPr lang="en-US" sz="1200" err="1"/>
               <a:t>semprot</a:t>
             </a:r>
-            <a:endParaRPr lang="en-ID" sz="1200" dirty="0"/>
+            <a:endParaRPr lang="en-ID" sz="1200"/>
           </a:p>
         </p:txBody>
       </p:sp>
@@ -6675,7 +6681,7 @@
           <a:p>
             <a:pPr algn="ctr"/>
             <a:r>
-              <a:rPr lang="en-US" sz="1200" dirty="0">
+              <a:rPr lang="en-US" sz="1200">
                 <a:solidFill>
                   <a:schemeClr val="tx1"/>
                 </a:solidFill>
@@ -6685,7 +6691,7 @@
               <a:t>Jarak </a:t>
             </a:r>
             <a:r>
-              <a:rPr lang="en-US" sz="1200" dirty="0" err="1">
+              <a:rPr lang="en-US" sz="1200" err="1">
                 <a:solidFill>
                   <a:schemeClr val="tx1"/>
                 </a:solidFill>
@@ -6694,7 +6700,7 @@
               </a:rPr>
               <a:t>Semprot</a:t>
             </a:r>
-            <a:endParaRPr lang="en-US" sz="1200" dirty="0">
+            <a:endParaRPr lang="en-US" sz="1200">
               <a:solidFill>
                 <a:schemeClr val="tx1"/>
               </a:solidFill>
@@ -6933,13 +6939,13 @@
           <a:lstStyle/>
           <a:p>
             <a:r>
-              <a:rPr lang="en-US" sz="1200" dirty="0" err="1">
+              <a:rPr lang="en-US" sz="1200" err="1">
                 <a:latin typeface="Times New Roman" panose="02020603050405020304" pitchFamily="18" charset="0"/>
                 <a:cs typeface="Times New Roman" panose="02020603050405020304" pitchFamily="18" charset="0"/>
               </a:rPr>
               <a:t>tidak</a:t>
             </a:r>
-            <a:endParaRPr lang="en-US" sz="1200" dirty="0">
+            <a:endParaRPr lang="en-US" sz="1200">
               <a:latin typeface="Times New Roman" panose="02020603050405020304" pitchFamily="18" charset="0"/>
               <a:cs typeface="Times New Roman" panose="02020603050405020304" pitchFamily="18" charset="0"/>
             </a:endParaRPr>
@@ -7041,7 +7047,7 @@
           <a:p>
             <a:pPr algn="ctr"/>
             <a:r>
-              <a:rPr lang="en-US" sz="1200" dirty="0" err="1">
+              <a:rPr lang="en-US" sz="1200" err="1">
                 <a:solidFill>
                   <a:schemeClr val="tx1"/>
                 </a:solidFill>
@@ -7051,7 +7057,7 @@
               <a:t>Menekan</a:t>
             </a:r>
             <a:r>
-              <a:rPr lang="en-US" sz="1200" dirty="0">
+              <a:rPr lang="en-US" sz="1200">
                 <a:solidFill>
                   <a:schemeClr val="tx1"/>
                 </a:solidFill>
@@ -7061,7 +7067,7 @@
               <a:t> </a:t>
             </a:r>
             <a:r>
-              <a:rPr lang="en-US" sz="1200" dirty="0" err="1">
+              <a:rPr lang="en-US" sz="1200" err="1">
                 <a:solidFill>
                   <a:schemeClr val="tx1"/>
                 </a:solidFill>
@@ -7071,7 +7077,7 @@
               <a:t>Tombol</a:t>
             </a:r>
             <a:r>
-              <a:rPr lang="en-US" sz="1200" dirty="0">
+              <a:rPr lang="en-US" sz="1200">
                 <a:solidFill>
                   <a:schemeClr val="tx1"/>
                 </a:solidFill>
@@ -7247,13 +7253,13 @@
           <a:lstStyle/>
           <a:p>
             <a:r>
-              <a:rPr lang="en-US" sz="1200" dirty="0" err="1">
+              <a:rPr lang="en-US" sz="1200" err="1">
                 <a:latin typeface="Times New Roman" panose="02020603050405020304" pitchFamily="18" charset="0"/>
                 <a:cs typeface="Times New Roman" panose="02020603050405020304" pitchFamily="18" charset="0"/>
               </a:rPr>
               <a:t>tidak</a:t>
             </a:r>
-            <a:endParaRPr lang="en-US" sz="1200" dirty="0">
+            <a:endParaRPr lang="en-US" sz="1200">
               <a:latin typeface="Times New Roman" panose="02020603050405020304" pitchFamily="18" charset="0"/>
               <a:cs typeface="Times New Roman" panose="02020603050405020304" pitchFamily="18" charset="0"/>
             </a:endParaRPr>
@@ -7377,13 +7383,13 @@
           <a:lstStyle/>
           <a:p>
             <a:r>
-              <a:rPr lang="en-US" sz="1200" dirty="0" err="1">
+              <a:rPr lang="en-US" sz="1200" err="1">
                 <a:latin typeface="Times New Roman" panose="02020603050405020304" pitchFamily="18" charset="0"/>
                 <a:cs typeface="Times New Roman" panose="02020603050405020304" pitchFamily="18" charset="0"/>
               </a:rPr>
               <a:t>ya</a:t>
             </a:r>
-            <a:endParaRPr lang="en-US" sz="1200" dirty="0">
+            <a:endParaRPr lang="en-US" sz="1200">
               <a:latin typeface="Times New Roman" panose="02020603050405020304" pitchFamily="18" charset="0"/>
               <a:cs typeface="Times New Roman" panose="02020603050405020304" pitchFamily="18" charset="0"/>
             </a:endParaRPr>
@@ -7419,13 +7425,13 @@
           <a:lstStyle/>
           <a:p>
             <a:r>
-              <a:rPr lang="en-US" sz="1200" dirty="0" err="1">
+              <a:rPr lang="en-US" sz="1200" err="1">
                 <a:latin typeface="Times New Roman" panose="02020603050405020304" pitchFamily="18" charset="0"/>
                 <a:cs typeface="Times New Roman" panose="02020603050405020304" pitchFamily="18" charset="0"/>
               </a:rPr>
               <a:t>ya</a:t>
             </a:r>
-            <a:endParaRPr lang="en-US" sz="1200" dirty="0">
+            <a:endParaRPr lang="en-US" sz="1200">
               <a:latin typeface="Times New Roman" panose="02020603050405020304" pitchFamily="18" charset="0"/>
               <a:cs typeface="Times New Roman" panose="02020603050405020304" pitchFamily="18" charset="0"/>
             </a:endParaRPr>
@@ -7540,7 +7546,7 @@
           <a:p>
             <a:pPr algn="ctr"/>
             <a:r>
-              <a:rPr lang="en-US" sz="1200" dirty="0">
+              <a:rPr lang="en-US" sz="1200">
                 <a:solidFill>
                   <a:schemeClr val="tx1"/>
                 </a:solidFill>
@@ -7550,7 +7556,7 @@
               <a:t>Akhir Jarak </a:t>
             </a:r>
             <a:r>
-              <a:rPr lang="en-US" sz="1200" dirty="0" err="1">
+              <a:rPr lang="en-US" sz="1200" err="1">
                 <a:solidFill>
                   <a:schemeClr val="tx1"/>
                 </a:solidFill>
@@ -7559,7 +7565,7 @@
               </a:rPr>
               <a:t>semprot</a:t>
             </a:r>
-            <a:endParaRPr lang="en-US" sz="1200" dirty="0">
+            <a:endParaRPr lang="en-US" sz="1200">
               <a:solidFill>
                 <a:schemeClr val="tx1"/>
               </a:solidFill>
@@ -7618,7 +7624,7 @@
           <a:p>
             <a:pPr algn="ctr"/>
             <a:r>
-              <a:rPr lang="en-US" sz="1100" dirty="0" err="1">
+              <a:rPr lang="en-US" sz="1100" err="1">
                 <a:solidFill>
                   <a:schemeClr val="tx1"/>
                 </a:solidFill>
@@ -7628,7 +7634,7 @@
               <a:t>Menekan</a:t>
             </a:r>
             <a:r>
-              <a:rPr lang="en-US" sz="1100" dirty="0">
+              <a:rPr lang="en-US" sz="1100">
                 <a:solidFill>
                   <a:schemeClr val="tx1"/>
                 </a:solidFill>
@@ -7638,7 +7644,7 @@
               <a:t> </a:t>
             </a:r>
             <a:r>
-              <a:rPr lang="en-US" sz="1100" dirty="0" err="1">
+              <a:rPr lang="en-US" sz="1100" err="1">
                 <a:solidFill>
                   <a:schemeClr val="tx1"/>
                 </a:solidFill>
@@ -7648,7 +7654,7 @@
               <a:t>Tombol</a:t>
             </a:r>
             <a:r>
-              <a:rPr lang="en-US" sz="1100" dirty="0">
+              <a:rPr lang="en-US" sz="1100">
                 <a:solidFill>
                   <a:schemeClr val="tx1"/>
                 </a:solidFill>
@@ -7973,7 +7979,7 @@
           <a:p>
             <a:pPr algn="ctr"/>
             <a:r>
-              <a:rPr lang="en-US" sz="1200" dirty="0" err="1">
+              <a:rPr lang="en-US" sz="1200" err="1">
                 <a:solidFill>
                   <a:schemeClr val="tx1"/>
                 </a:solidFill>
@@ -7983,7 +7989,7 @@
               <a:t>Matikan</a:t>
             </a:r>
             <a:r>
-              <a:rPr lang="en-US" sz="1200" dirty="0">
+              <a:rPr lang="en-US" sz="1200">
                 <a:solidFill>
                   <a:schemeClr val="tx1"/>
                 </a:solidFill>
@@ -7993,7 +7999,7 @@
               <a:t> </a:t>
             </a:r>
             <a:r>
-              <a:rPr lang="en-US" sz="1200" dirty="0" err="1">
+              <a:rPr lang="en-US" sz="1200" err="1">
                 <a:solidFill>
                   <a:schemeClr val="tx1"/>
                 </a:solidFill>
@@ -8002,7 +8008,7 @@
               </a:rPr>
               <a:t>Waterpump</a:t>
             </a:r>
-            <a:endParaRPr lang="en-US" sz="1200" dirty="0">
+            <a:endParaRPr lang="en-US" sz="1200">
               <a:solidFill>
                 <a:schemeClr val="tx1"/>
               </a:solidFill>
@@ -8131,13 +8137,13 @@
           <a:lstStyle/>
           <a:p>
             <a:r>
-              <a:rPr lang="en-US" sz="1200" dirty="0" err="1">
+              <a:rPr lang="en-US" sz="1200" err="1">
                 <a:latin typeface="Times New Roman" panose="02020603050405020304" pitchFamily="18" charset="0"/>
                 <a:cs typeface="Times New Roman" panose="02020603050405020304" pitchFamily="18" charset="0"/>
               </a:rPr>
               <a:t>tidak</a:t>
             </a:r>
-            <a:endParaRPr lang="en-US" sz="1200" dirty="0">
+            <a:endParaRPr lang="en-US" sz="1200">
               <a:latin typeface="Times New Roman" panose="02020603050405020304" pitchFamily="18" charset="0"/>
               <a:cs typeface="Times New Roman" panose="02020603050405020304" pitchFamily="18" charset="0"/>
             </a:endParaRPr>
@@ -8158,7 +8164,7 @@
         </p:nvSpPr>
         <p:spPr>
           <a:xfrm>
-            <a:off x="10563335" y="2369185"/>
+            <a:off x="10608353" y="2441424"/>
             <a:ext cx="518161" cy="276999"/>
           </a:xfrm>
           <a:prstGeom prst="rect">
@@ -8173,13 +8179,13 @@
           <a:lstStyle/>
           <a:p>
             <a:r>
-              <a:rPr lang="en-US" sz="1200" dirty="0" err="1">
+              <a:rPr lang="en-US" sz="1200" err="1">
                 <a:latin typeface="Times New Roman" panose="02020603050405020304" pitchFamily="18" charset="0"/>
                 <a:cs typeface="Times New Roman" panose="02020603050405020304" pitchFamily="18" charset="0"/>
               </a:rPr>
               <a:t>tidak</a:t>
             </a:r>
-            <a:endParaRPr lang="en-US" sz="1200" dirty="0">
+            <a:endParaRPr lang="en-US" sz="1200">
               <a:latin typeface="Times New Roman" panose="02020603050405020304" pitchFamily="18" charset="0"/>
               <a:cs typeface="Times New Roman" panose="02020603050405020304" pitchFamily="18" charset="0"/>
             </a:endParaRPr>
@@ -8258,13 +8264,13 @@
           <a:lstStyle/>
           <a:p>
             <a:r>
-              <a:rPr lang="en-US" sz="1200" dirty="0" err="1">
+              <a:rPr lang="en-US" sz="1200" err="1">
                 <a:latin typeface="Times New Roman" panose="02020603050405020304" pitchFamily="18" charset="0"/>
                 <a:cs typeface="Times New Roman" panose="02020603050405020304" pitchFamily="18" charset="0"/>
               </a:rPr>
               <a:t>ya</a:t>
             </a:r>
-            <a:endParaRPr lang="en-US" sz="1200" dirty="0">
+            <a:endParaRPr lang="en-US" sz="1200">
               <a:latin typeface="Times New Roman" panose="02020603050405020304" pitchFamily="18" charset="0"/>
               <a:cs typeface="Times New Roman" panose="02020603050405020304" pitchFamily="18" charset="0"/>
             </a:endParaRPr>
@@ -8300,13 +8306,13 @@
           <a:lstStyle/>
           <a:p>
             <a:r>
-              <a:rPr lang="en-US" sz="1200" dirty="0" err="1">
+              <a:rPr lang="en-US" sz="1200" err="1">
                 <a:latin typeface="Times New Roman" panose="02020603050405020304" pitchFamily="18" charset="0"/>
                 <a:cs typeface="Times New Roman" panose="02020603050405020304" pitchFamily="18" charset="0"/>
               </a:rPr>
               <a:t>ya</a:t>
             </a:r>
-            <a:endParaRPr lang="en-US" sz="1200" dirty="0">
+            <a:endParaRPr lang="en-US" sz="1200">
               <a:latin typeface="Times New Roman" panose="02020603050405020304" pitchFamily="18" charset="0"/>
               <a:cs typeface="Times New Roman" panose="02020603050405020304" pitchFamily="18" charset="0"/>
             </a:endParaRPr>
@@ -8523,6 +8529,2103 @@
     <p:extLst>
       <p:ext uri="{BB962C8B-B14F-4D97-AF65-F5344CB8AC3E}">
         <p14:creationId xmlns:p14="http://schemas.microsoft.com/office/powerpoint/2010/main" val="3564011572"/>
+      </p:ext>
+    </p:extLst>
+  </p:cSld>
+  <p:clrMapOvr>
+    <a:masterClrMapping/>
+  </p:clrMapOvr>
+</p:sld>
+</file>
+
+<file path=ppt/slides/slide4.xml><?xml version="1.0" encoding="utf-8"?>
+<p:sld xmlns:a="http://schemas.openxmlformats.org/drawingml/2006/main" xmlns:r="http://schemas.openxmlformats.org/officeDocument/2006/relationships" xmlns:p="http://schemas.openxmlformats.org/presentationml/2006/main">
+  <p:cSld>
+    <p:spTree>
+      <p:nvGrpSpPr>
+        <p:cNvPr id="1" name=""/>
+        <p:cNvGrpSpPr/>
+        <p:nvPr/>
+      </p:nvGrpSpPr>
+      <p:grpSpPr>
+        <a:xfrm>
+          <a:off x="0" y="0"/>
+          <a:ext cx="0" cy="0"/>
+          <a:chOff x="0" y="0"/>
+          <a:chExt cx="0" cy="0"/>
+        </a:xfrm>
+      </p:grpSpPr>
+      <p:sp>
+        <p:nvSpPr>
+          <p:cNvPr id="4" name="Oval 3">
+            <a:extLst>
+              <a:ext uri="{FF2B5EF4-FFF2-40B4-BE49-F238E27FC236}">
+                <a16:creationId xmlns:a16="http://schemas.microsoft.com/office/drawing/2014/main" id="{ADE53A2E-B1E2-A62C-0ED8-889A512110F5}"/>
+              </a:ext>
+            </a:extLst>
+          </p:cNvPr>
+          <p:cNvSpPr/>
+          <p:nvPr/>
+        </p:nvSpPr>
+        <p:spPr>
+          <a:xfrm>
+            <a:off x="2207455" y="700453"/>
+            <a:ext cx="1280160" cy="445087"/>
+          </a:xfrm>
+          <a:prstGeom prst="ellipse">
+            <a:avLst/>
+          </a:prstGeom>
+          <a:ln>
+            <a:solidFill>
+              <a:schemeClr val="tx1"/>
+            </a:solidFill>
+          </a:ln>
+        </p:spPr>
+        <p:style>
+          <a:lnRef idx="2">
+            <a:schemeClr val="accent6"/>
+          </a:lnRef>
+          <a:fillRef idx="1">
+            <a:schemeClr val="lt1"/>
+          </a:fillRef>
+          <a:effectRef idx="0">
+            <a:schemeClr val="accent6"/>
+          </a:effectRef>
+          <a:fontRef idx="minor">
+            <a:schemeClr val="dk1"/>
+          </a:fontRef>
+        </p:style>
+        <p:txBody>
+          <a:bodyPr rtlCol="0" anchor="ctr"/>
+          <a:lstStyle/>
+          <a:p>
+            <a:pPr algn="ctr"/>
+            <a:r>
+              <a:rPr lang="en-US" sz="1400" err="1"/>
+              <a:t>Mulai</a:t>
+            </a:r>
+            <a:endParaRPr lang="en-ID"/>
+          </a:p>
+        </p:txBody>
+      </p:sp>
+      <p:sp>
+        <p:nvSpPr>
+          <p:cNvPr id="6" name="Flowchart: Data 5">
+            <a:extLst>
+              <a:ext uri="{FF2B5EF4-FFF2-40B4-BE49-F238E27FC236}">
+                <a16:creationId xmlns:a16="http://schemas.microsoft.com/office/drawing/2014/main" id="{B08D5E60-5BDC-11B0-84AA-D67EE9D08BC6}"/>
+              </a:ext>
+            </a:extLst>
+          </p:cNvPr>
+          <p:cNvSpPr/>
+          <p:nvPr/>
+        </p:nvSpPr>
+        <p:spPr>
+          <a:xfrm>
+            <a:off x="1944515" y="1324052"/>
+            <a:ext cx="1808326" cy="580788"/>
+          </a:xfrm>
+          <a:prstGeom prst="flowChartInputOutput">
+            <a:avLst/>
+          </a:prstGeom>
+          <a:ln>
+            <a:solidFill>
+              <a:schemeClr val="tx1"/>
+            </a:solidFill>
+          </a:ln>
+        </p:spPr>
+        <p:style>
+          <a:lnRef idx="2">
+            <a:schemeClr val="accent6"/>
+          </a:lnRef>
+          <a:fillRef idx="1">
+            <a:schemeClr val="lt1"/>
+          </a:fillRef>
+          <a:effectRef idx="0">
+            <a:schemeClr val="accent6"/>
+          </a:effectRef>
+          <a:fontRef idx="minor">
+            <a:schemeClr val="dk1"/>
+          </a:fontRef>
+        </p:style>
+        <p:txBody>
+          <a:bodyPr rtlCol="0" anchor="ctr"/>
+          <a:lstStyle/>
+          <a:p>
+            <a:pPr algn="ctr"/>
+            <a:r>
+              <a:rPr lang="en-US" sz="1200" err="1">
+                <a:solidFill>
+                  <a:schemeClr val="tx1"/>
+                </a:solidFill>
+                <a:latin typeface="Times New Roman" panose="02020603050405020304" pitchFamily="18" charset="0"/>
+                <a:cs typeface="Times New Roman" panose="02020603050405020304" pitchFamily="18" charset="0"/>
+              </a:rPr>
+              <a:t>Inisialisasi</a:t>
+            </a:r>
+            <a:r>
+              <a:rPr lang="en-US" sz="1200">
+                <a:solidFill>
+                  <a:schemeClr val="tx1"/>
+                </a:solidFill>
+                <a:latin typeface="Times New Roman" panose="02020603050405020304" pitchFamily="18" charset="0"/>
+                <a:cs typeface="Times New Roman" panose="02020603050405020304" pitchFamily="18" charset="0"/>
+              </a:rPr>
+              <a:t> ESP32 dan ESP32 cam</a:t>
+            </a:r>
+          </a:p>
+        </p:txBody>
+      </p:sp>
+      <p:sp>
+        <p:nvSpPr>
+          <p:cNvPr id="7" name="Rectangle 6">
+            <a:extLst>
+              <a:ext uri="{FF2B5EF4-FFF2-40B4-BE49-F238E27FC236}">
+                <a16:creationId xmlns:a16="http://schemas.microsoft.com/office/drawing/2014/main" id="{9CC6BC2D-82E1-A60B-A8F6-7119A8E0C6B0}"/>
+              </a:ext>
+            </a:extLst>
+          </p:cNvPr>
+          <p:cNvSpPr/>
+          <p:nvPr/>
+        </p:nvSpPr>
+        <p:spPr>
+          <a:xfrm>
+            <a:off x="6193638" y="3715779"/>
+            <a:ext cx="1197682" cy="531567"/>
+          </a:xfrm>
+          <a:prstGeom prst="rect">
+            <a:avLst/>
+          </a:prstGeom>
+          <a:noFill/>
+          <a:ln>
+            <a:solidFill>
+              <a:schemeClr val="tx1"/>
+            </a:solidFill>
+          </a:ln>
+        </p:spPr>
+        <p:style>
+          <a:lnRef idx="2">
+            <a:schemeClr val="accent1">
+              <a:shade val="50000"/>
+            </a:schemeClr>
+          </a:lnRef>
+          <a:fillRef idx="1">
+            <a:schemeClr val="accent1"/>
+          </a:fillRef>
+          <a:effectRef idx="0">
+            <a:schemeClr val="accent1"/>
+          </a:effectRef>
+          <a:fontRef idx="minor">
+            <a:schemeClr val="lt1"/>
+          </a:fontRef>
+        </p:style>
+        <p:txBody>
+          <a:bodyPr rtlCol="0" anchor="ctr"/>
+          <a:lstStyle/>
+          <a:p>
+            <a:pPr algn="ctr"/>
+            <a:r>
+              <a:rPr lang="en-US" sz="1200">
+                <a:solidFill>
+                  <a:schemeClr val="tx1"/>
+                </a:solidFill>
+                <a:latin typeface="Times New Roman" panose="02020603050405020304" pitchFamily="18" charset="0"/>
+                <a:cs typeface="Times New Roman" panose="02020603050405020304" pitchFamily="18" charset="0"/>
+              </a:rPr>
+              <a:t>Kotak Terbuka</a:t>
+            </a:r>
+          </a:p>
+        </p:txBody>
+      </p:sp>
+      <p:sp>
+        <p:nvSpPr>
+          <p:cNvPr id="8" name="Diamond 7">
+            <a:extLst>
+              <a:ext uri="{FF2B5EF4-FFF2-40B4-BE49-F238E27FC236}">
+                <a16:creationId xmlns:a16="http://schemas.microsoft.com/office/drawing/2014/main" id="{5CC18420-B724-6D0A-9449-2F91B04C3115}"/>
+              </a:ext>
+            </a:extLst>
+          </p:cNvPr>
+          <p:cNvSpPr/>
+          <p:nvPr/>
+        </p:nvSpPr>
+        <p:spPr>
+          <a:xfrm>
+            <a:off x="2023610" y="2424542"/>
+            <a:ext cx="1633536" cy="770448"/>
+          </a:xfrm>
+          <a:prstGeom prst="diamond">
+            <a:avLst/>
+          </a:prstGeom>
+          <a:noFill/>
+          <a:ln>
+            <a:solidFill>
+              <a:schemeClr val="tx1"/>
+            </a:solidFill>
+          </a:ln>
+        </p:spPr>
+        <p:style>
+          <a:lnRef idx="2">
+            <a:schemeClr val="accent1">
+              <a:shade val="50000"/>
+            </a:schemeClr>
+          </a:lnRef>
+          <a:fillRef idx="1">
+            <a:schemeClr val="accent1"/>
+          </a:fillRef>
+          <a:effectRef idx="0">
+            <a:schemeClr val="accent1"/>
+          </a:effectRef>
+          <a:fontRef idx="minor">
+            <a:schemeClr val="lt1"/>
+          </a:fontRef>
+        </p:style>
+        <p:txBody>
+          <a:bodyPr rtlCol="0" anchor="ctr"/>
+          <a:lstStyle/>
+          <a:p>
+            <a:pPr algn="ctr"/>
+            <a:r>
+              <a:rPr lang="en-US" sz="1200">
+                <a:solidFill>
+                  <a:schemeClr val="tx1"/>
+                </a:solidFill>
+                <a:latin typeface="Times New Roman" panose="02020603050405020304" pitchFamily="18" charset="0"/>
+                <a:cs typeface="Times New Roman" panose="02020603050405020304" pitchFamily="18" charset="0"/>
+              </a:rPr>
+              <a:t>Tap Kartu RFID</a:t>
+            </a:r>
+          </a:p>
+        </p:txBody>
+      </p:sp>
+      <p:sp>
+        <p:nvSpPr>
+          <p:cNvPr id="9" name="Diamond 8">
+            <a:extLst>
+              <a:ext uri="{FF2B5EF4-FFF2-40B4-BE49-F238E27FC236}">
+                <a16:creationId xmlns:a16="http://schemas.microsoft.com/office/drawing/2014/main" id="{89CBE412-910C-A677-0783-3B13A129D8DD}"/>
+              </a:ext>
+            </a:extLst>
+          </p:cNvPr>
+          <p:cNvSpPr/>
+          <p:nvPr/>
+        </p:nvSpPr>
+        <p:spPr>
+          <a:xfrm>
+            <a:off x="1969915" y="3603623"/>
+            <a:ext cx="1720931" cy="770448"/>
+          </a:xfrm>
+          <a:prstGeom prst="diamond">
+            <a:avLst/>
+          </a:prstGeom>
+          <a:noFill/>
+          <a:ln>
+            <a:solidFill>
+              <a:schemeClr val="tx1"/>
+            </a:solidFill>
+          </a:ln>
+        </p:spPr>
+        <p:style>
+          <a:lnRef idx="2">
+            <a:schemeClr val="accent1">
+              <a:shade val="50000"/>
+            </a:schemeClr>
+          </a:lnRef>
+          <a:fillRef idx="1">
+            <a:schemeClr val="accent1"/>
+          </a:fillRef>
+          <a:effectRef idx="0">
+            <a:schemeClr val="accent1"/>
+          </a:effectRef>
+          <a:fontRef idx="minor">
+            <a:schemeClr val="lt1"/>
+          </a:fontRef>
+        </p:style>
+        <p:txBody>
+          <a:bodyPr rtlCol="0" anchor="ctr"/>
+          <a:lstStyle/>
+          <a:p>
+            <a:pPr algn="ctr"/>
+            <a:r>
+              <a:rPr lang="en-US" sz="1200">
+                <a:solidFill>
+                  <a:schemeClr val="tx1"/>
+                </a:solidFill>
+                <a:latin typeface="Times New Roman" panose="02020603050405020304" pitchFamily="18" charset="0"/>
+                <a:cs typeface="Times New Roman" panose="02020603050405020304" pitchFamily="18" charset="0"/>
+              </a:rPr>
+              <a:t>Input Kode Keypad</a:t>
+            </a:r>
+          </a:p>
+        </p:txBody>
+      </p:sp>
+      <p:sp>
+        <p:nvSpPr>
+          <p:cNvPr id="10" name="Diamond 9">
+            <a:extLst>
+              <a:ext uri="{FF2B5EF4-FFF2-40B4-BE49-F238E27FC236}">
+                <a16:creationId xmlns:a16="http://schemas.microsoft.com/office/drawing/2014/main" id="{BE61AF34-FE62-F80D-5F98-CBA98A4231C3}"/>
+              </a:ext>
+            </a:extLst>
+          </p:cNvPr>
+          <p:cNvSpPr/>
+          <p:nvPr/>
+        </p:nvSpPr>
+        <p:spPr>
+          <a:xfrm>
+            <a:off x="2005367" y="4662501"/>
+            <a:ext cx="1633536" cy="770448"/>
+          </a:xfrm>
+          <a:prstGeom prst="diamond">
+            <a:avLst/>
+          </a:prstGeom>
+          <a:noFill/>
+          <a:ln>
+            <a:solidFill>
+              <a:schemeClr val="tx1"/>
+            </a:solidFill>
+          </a:ln>
+        </p:spPr>
+        <p:style>
+          <a:lnRef idx="2">
+            <a:schemeClr val="accent1">
+              <a:shade val="50000"/>
+            </a:schemeClr>
+          </a:lnRef>
+          <a:fillRef idx="1">
+            <a:schemeClr val="accent1"/>
+          </a:fillRef>
+          <a:effectRef idx="0">
+            <a:schemeClr val="accent1"/>
+          </a:effectRef>
+          <a:fontRef idx="minor">
+            <a:schemeClr val="lt1"/>
+          </a:fontRef>
+        </p:style>
+        <p:txBody>
+          <a:bodyPr rtlCol="0" anchor="ctr"/>
+          <a:lstStyle/>
+          <a:p>
+            <a:pPr algn="ctr"/>
+            <a:r>
+              <a:rPr lang="en-US" sz="1200">
+                <a:solidFill>
+                  <a:schemeClr val="tx1"/>
+                </a:solidFill>
+                <a:latin typeface="Times New Roman" panose="02020603050405020304" pitchFamily="18" charset="0"/>
+                <a:cs typeface="Times New Roman" panose="02020603050405020304" pitchFamily="18" charset="0"/>
+              </a:rPr>
+              <a:t>Sensor </a:t>
+            </a:r>
+            <a:r>
+              <a:rPr lang="en-US" sz="1200" err="1">
+                <a:solidFill>
+                  <a:schemeClr val="tx1"/>
+                </a:solidFill>
+                <a:latin typeface="Times New Roman" panose="02020603050405020304" pitchFamily="18" charset="0"/>
+                <a:cs typeface="Times New Roman" panose="02020603050405020304" pitchFamily="18" charset="0"/>
+              </a:rPr>
+              <a:t>Getar</a:t>
+            </a:r>
+            <a:r>
+              <a:rPr lang="en-US" sz="1200">
+                <a:solidFill>
+                  <a:schemeClr val="tx1"/>
+                </a:solidFill>
+                <a:latin typeface="Times New Roman" panose="02020603050405020304" pitchFamily="18" charset="0"/>
+                <a:cs typeface="Times New Roman" panose="02020603050405020304" pitchFamily="18" charset="0"/>
+              </a:rPr>
+              <a:t> </a:t>
+            </a:r>
+            <a:r>
+              <a:rPr lang="en-US" sz="1200" err="1">
+                <a:solidFill>
+                  <a:schemeClr val="tx1"/>
+                </a:solidFill>
+                <a:latin typeface="Times New Roman" panose="02020603050405020304" pitchFamily="18" charset="0"/>
+                <a:cs typeface="Times New Roman" panose="02020603050405020304" pitchFamily="18" charset="0"/>
+              </a:rPr>
+              <a:t>Aktif</a:t>
+            </a:r>
+            <a:endParaRPr lang="en-US" sz="1200">
+              <a:solidFill>
+                <a:schemeClr val="tx1"/>
+              </a:solidFill>
+              <a:latin typeface="Times New Roman" panose="02020603050405020304" pitchFamily="18" charset="0"/>
+              <a:cs typeface="Times New Roman" panose="02020603050405020304" pitchFamily="18" charset="0"/>
+            </a:endParaRPr>
+          </a:p>
+        </p:txBody>
+      </p:sp>
+      <p:cxnSp>
+        <p:nvCxnSpPr>
+          <p:cNvPr id="11" name="Straight Arrow Connector 10">
+            <a:extLst>
+              <a:ext uri="{FF2B5EF4-FFF2-40B4-BE49-F238E27FC236}">
+                <a16:creationId xmlns:a16="http://schemas.microsoft.com/office/drawing/2014/main" id="{7339D5B5-F832-F915-18DB-5FF3CD1C2C87}"/>
+              </a:ext>
+            </a:extLst>
+          </p:cNvPr>
+          <p:cNvCxnSpPr>
+            <a:cxnSpLocks/>
+            <a:stCxn id="9" idx="2"/>
+            <a:endCxn id="10" idx="0"/>
+          </p:cNvCxnSpPr>
+          <p:nvPr/>
+        </p:nvCxnSpPr>
+        <p:spPr>
+          <a:xfrm flipH="1">
+            <a:off x="2822135" y="4374071"/>
+            <a:ext cx="8246" cy="288430"/>
+          </a:xfrm>
+          <a:prstGeom prst="straightConnector1">
+            <a:avLst/>
+          </a:prstGeom>
+          <a:ln w="12700">
+            <a:solidFill>
+              <a:schemeClr val="tx1"/>
+            </a:solidFill>
+            <a:tailEnd type="triangle"/>
+          </a:ln>
+        </p:spPr>
+        <p:style>
+          <a:lnRef idx="1">
+            <a:schemeClr val="accent1"/>
+          </a:lnRef>
+          <a:fillRef idx="0">
+            <a:schemeClr val="accent1"/>
+          </a:fillRef>
+          <a:effectRef idx="0">
+            <a:schemeClr val="accent1"/>
+          </a:effectRef>
+          <a:fontRef idx="minor">
+            <a:schemeClr val="tx1"/>
+          </a:fontRef>
+        </p:style>
+      </p:cxnSp>
+      <p:sp>
+        <p:nvSpPr>
+          <p:cNvPr id="14" name="Diamond 13">
+            <a:extLst>
+              <a:ext uri="{FF2B5EF4-FFF2-40B4-BE49-F238E27FC236}">
+                <a16:creationId xmlns:a16="http://schemas.microsoft.com/office/drawing/2014/main" id="{C3AC8489-6DDC-C421-C88F-394ECEE02185}"/>
+              </a:ext>
+            </a:extLst>
+          </p:cNvPr>
+          <p:cNvSpPr/>
+          <p:nvPr/>
+        </p:nvSpPr>
+        <p:spPr>
+          <a:xfrm>
+            <a:off x="4125474" y="2417565"/>
+            <a:ext cx="1633536" cy="770448"/>
+          </a:xfrm>
+          <a:prstGeom prst="diamond">
+            <a:avLst/>
+          </a:prstGeom>
+          <a:noFill/>
+          <a:ln>
+            <a:solidFill>
+              <a:schemeClr val="tx1"/>
+            </a:solidFill>
+          </a:ln>
+        </p:spPr>
+        <p:style>
+          <a:lnRef idx="2">
+            <a:schemeClr val="accent1">
+              <a:shade val="50000"/>
+            </a:schemeClr>
+          </a:lnRef>
+          <a:fillRef idx="1">
+            <a:schemeClr val="accent1"/>
+          </a:fillRef>
+          <a:effectRef idx="0">
+            <a:schemeClr val="accent1"/>
+          </a:effectRef>
+          <a:fontRef idx="minor">
+            <a:schemeClr val="lt1"/>
+          </a:fontRef>
+        </p:style>
+        <p:txBody>
+          <a:bodyPr rtlCol="0" anchor="ctr"/>
+          <a:lstStyle/>
+          <a:p>
+            <a:pPr algn="ctr"/>
+            <a:r>
+              <a:rPr lang="en-US" sz="1200">
+                <a:solidFill>
+                  <a:schemeClr val="tx1"/>
+                </a:solidFill>
+                <a:latin typeface="Times New Roman" panose="02020603050405020304" pitchFamily="18" charset="0"/>
+                <a:cs typeface="Times New Roman" panose="02020603050405020304" pitchFamily="18" charset="0"/>
+              </a:rPr>
+              <a:t>Kartu valid</a:t>
+            </a:r>
+          </a:p>
+        </p:txBody>
+      </p:sp>
+      <p:sp>
+        <p:nvSpPr>
+          <p:cNvPr id="15" name="TextBox 14">
+            <a:extLst>
+              <a:ext uri="{FF2B5EF4-FFF2-40B4-BE49-F238E27FC236}">
+                <a16:creationId xmlns:a16="http://schemas.microsoft.com/office/drawing/2014/main" id="{7E3BE96D-DFD8-CD90-0547-9B792F21332C}"/>
+              </a:ext>
+            </a:extLst>
+          </p:cNvPr>
+          <p:cNvSpPr txBox="1"/>
+          <p:nvPr/>
+        </p:nvSpPr>
+        <p:spPr>
+          <a:xfrm>
+            <a:off x="2329374" y="4332194"/>
+            <a:ext cx="518161" cy="276999"/>
+          </a:xfrm>
+          <a:prstGeom prst="rect">
+            <a:avLst/>
+          </a:prstGeom>
+          <a:noFill/>
+        </p:spPr>
+        <p:txBody>
+          <a:bodyPr wrap="square" rtlCol="0">
+            <a:spAutoFit/>
+          </a:bodyPr>
+          <a:lstStyle/>
+          <a:p>
+            <a:r>
+              <a:rPr lang="en-US" sz="1200" err="1">
+                <a:latin typeface="Times New Roman" panose="02020603050405020304" pitchFamily="18" charset="0"/>
+                <a:cs typeface="Times New Roman" panose="02020603050405020304" pitchFamily="18" charset="0"/>
+              </a:rPr>
+              <a:t>tidak</a:t>
+            </a:r>
+            <a:endParaRPr lang="en-US" sz="1200">
+              <a:latin typeface="Times New Roman" panose="02020603050405020304" pitchFamily="18" charset="0"/>
+              <a:cs typeface="Times New Roman" panose="02020603050405020304" pitchFamily="18" charset="0"/>
+            </a:endParaRPr>
+          </a:p>
+        </p:txBody>
+      </p:sp>
+      <p:cxnSp>
+        <p:nvCxnSpPr>
+          <p:cNvPr id="16" name="Straight Arrow Connector 15">
+            <a:extLst>
+              <a:ext uri="{FF2B5EF4-FFF2-40B4-BE49-F238E27FC236}">
+                <a16:creationId xmlns:a16="http://schemas.microsoft.com/office/drawing/2014/main" id="{62B9DF65-6EE2-E2A2-C474-2FDFAD9C9153}"/>
+              </a:ext>
+            </a:extLst>
+          </p:cNvPr>
+          <p:cNvCxnSpPr>
+            <a:cxnSpLocks/>
+            <a:stCxn id="8" idx="3"/>
+            <a:endCxn id="14" idx="1"/>
+          </p:cNvCxnSpPr>
+          <p:nvPr/>
+        </p:nvCxnSpPr>
+        <p:spPr>
+          <a:xfrm flipV="1">
+            <a:off x="3657146" y="2802789"/>
+            <a:ext cx="468328" cy="6977"/>
+          </a:xfrm>
+          <a:prstGeom prst="straightConnector1">
+            <a:avLst/>
+          </a:prstGeom>
+          <a:ln w="12700">
+            <a:solidFill>
+              <a:schemeClr val="tx1"/>
+            </a:solidFill>
+            <a:tailEnd type="triangle"/>
+          </a:ln>
+        </p:spPr>
+        <p:style>
+          <a:lnRef idx="1">
+            <a:schemeClr val="accent1"/>
+          </a:lnRef>
+          <a:fillRef idx="0">
+            <a:schemeClr val="accent1"/>
+          </a:fillRef>
+          <a:effectRef idx="0">
+            <a:schemeClr val="accent1"/>
+          </a:effectRef>
+          <a:fontRef idx="minor">
+            <a:schemeClr val="tx1"/>
+          </a:fontRef>
+        </p:style>
+      </p:cxnSp>
+      <p:sp>
+        <p:nvSpPr>
+          <p:cNvPr id="20" name="Diamond 19">
+            <a:extLst>
+              <a:ext uri="{FF2B5EF4-FFF2-40B4-BE49-F238E27FC236}">
+                <a16:creationId xmlns:a16="http://schemas.microsoft.com/office/drawing/2014/main" id="{8487C15E-54B6-1144-E3DD-B6D849B7C605}"/>
+              </a:ext>
+            </a:extLst>
+          </p:cNvPr>
+          <p:cNvSpPr/>
+          <p:nvPr/>
+        </p:nvSpPr>
+        <p:spPr>
+          <a:xfrm>
+            <a:off x="4115949" y="3599357"/>
+            <a:ext cx="1633536" cy="770448"/>
+          </a:xfrm>
+          <a:prstGeom prst="diamond">
+            <a:avLst/>
+          </a:prstGeom>
+          <a:noFill/>
+          <a:ln>
+            <a:solidFill>
+              <a:schemeClr val="tx1"/>
+            </a:solidFill>
+          </a:ln>
+        </p:spPr>
+        <p:style>
+          <a:lnRef idx="2">
+            <a:schemeClr val="accent1">
+              <a:shade val="50000"/>
+            </a:schemeClr>
+          </a:lnRef>
+          <a:fillRef idx="1">
+            <a:schemeClr val="accent1"/>
+          </a:fillRef>
+          <a:effectRef idx="0">
+            <a:schemeClr val="accent1"/>
+          </a:effectRef>
+          <a:fontRef idx="minor">
+            <a:schemeClr val="lt1"/>
+          </a:fontRef>
+        </p:style>
+        <p:txBody>
+          <a:bodyPr rtlCol="0" anchor="ctr"/>
+          <a:lstStyle/>
+          <a:p>
+            <a:pPr algn="ctr"/>
+            <a:r>
+              <a:rPr lang="en-US" sz="1200">
+                <a:solidFill>
+                  <a:schemeClr val="tx1"/>
+                </a:solidFill>
+                <a:latin typeface="Times New Roman" panose="02020603050405020304" pitchFamily="18" charset="0"/>
+                <a:cs typeface="Times New Roman" panose="02020603050405020304" pitchFamily="18" charset="0"/>
+              </a:rPr>
+              <a:t>Kode </a:t>
+            </a:r>
+            <a:r>
+              <a:rPr lang="en-US" sz="1200" err="1">
+                <a:solidFill>
+                  <a:schemeClr val="tx1"/>
+                </a:solidFill>
+                <a:latin typeface="Times New Roman" panose="02020603050405020304" pitchFamily="18" charset="0"/>
+                <a:cs typeface="Times New Roman" panose="02020603050405020304" pitchFamily="18" charset="0"/>
+              </a:rPr>
+              <a:t>Benar</a:t>
+            </a:r>
+            <a:endParaRPr lang="en-US" sz="1200">
+              <a:solidFill>
+                <a:schemeClr val="tx1"/>
+              </a:solidFill>
+              <a:latin typeface="Times New Roman" panose="02020603050405020304" pitchFamily="18" charset="0"/>
+              <a:cs typeface="Times New Roman" panose="02020603050405020304" pitchFamily="18" charset="0"/>
+            </a:endParaRPr>
+          </a:p>
+        </p:txBody>
+      </p:sp>
+      <p:cxnSp>
+        <p:nvCxnSpPr>
+          <p:cNvPr id="23" name="Straight Arrow Connector 22">
+            <a:extLst>
+              <a:ext uri="{FF2B5EF4-FFF2-40B4-BE49-F238E27FC236}">
+                <a16:creationId xmlns:a16="http://schemas.microsoft.com/office/drawing/2014/main" id="{6313FC9B-E661-C258-2A54-D5DED7F75AB8}"/>
+              </a:ext>
+            </a:extLst>
+          </p:cNvPr>
+          <p:cNvCxnSpPr>
+            <a:cxnSpLocks/>
+            <a:endCxn id="7" idx="0"/>
+          </p:cNvCxnSpPr>
+          <p:nvPr/>
+        </p:nvCxnSpPr>
+        <p:spPr>
+          <a:xfrm>
+            <a:off x="6792479" y="2802789"/>
+            <a:ext cx="0" cy="912990"/>
+          </a:xfrm>
+          <a:prstGeom prst="straightConnector1">
+            <a:avLst/>
+          </a:prstGeom>
+          <a:ln w="12700">
+            <a:solidFill>
+              <a:schemeClr val="tx1"/>
+            </a:solidFill>
+            <a:tailEnd type="triangle"/>
+          </a:ln>
+        </p:spPr>
+        <p:style>
+          <a:lnRef idx="1">
+            <a:schemeClr val="accent1"/>
+          </a:lnRef>
+          <a:fillRef idx="0">
+            <a:schemeClr val="accent1"/>
+          </a:fillRef>
+          <a:effectRef idx="0">
+            <a:schemeClr val="accent1"/>
+          </a:effectRef>
+          <a:fontRef idx="minor">
+            <a:schemeClr val="tx1"/>
+          </a:fontRef>
+        </p:style>
+      </p:cxnSp>
+      <p:cxnSp>
+        <p:nvCxnSpPr>
+          <p:cNvPr id="26" name="Straight Arrow Connector 25">
+            <a:extLst>
+              <a:ext uri="{FF2B5EF4-FFF2-40B4-BE49-F238E27FC236}">
+                <a16:creationId xmlns:a16="http://schemas.microsoft.com/office/drawing/2014/main" id="{90591AC6-E745-BC39-38D1-AF8AC2E89FF4}"/>
+              </a:ext>
+            </a:extLst>
+          </p:cNvPr>
+          <p:cNvCxnSpPr>
+            <a:cxnSpLocks/>
+            <a:stCxn id="20" idx="3"/>
+            <a:endCxn id="7" idx="1"/>
+          </p:cNvCxnSpPr>
+          <p:nvPr/>
+        </p:nvCxnSpPr>
+        <p:spPr>
+          <a:xfrm flipV="1">
+            <a:off x="5749485" y="3981563"/>
+            <a:ext cx="444153" cy="3018"/>
+          </a:xfrm>
+          <a:prstGeom prst="straightConnector1">
+            <a:avLst/>
+          </a:prstGeom>
+          <a:ln w="12700">
+            <a:solidFill>
+              <a:schemeClr val="tx1"/>
+            </a:solidFill>
+            <a:tailEnd type="triangle"/>
+          </a:ln>
+        </p:spPr>
+        <p:style>
+          <a:lnRef idx="1">
+            <a:schemeClr val="accent1"/>
+          </a:lnRef>
+          <a:fillRef idx="0">
+            <a:schemeClr val="accent1"/>
+          </a:fillRef>
+          <a:effectRef idx="0">
+            <a:schemeClr val="accent1"/>
+          </a:effectRef>
+          <a:fontRef idx="minor">
+            <a:schemeClr val="tx1"/>
+          </a:fontRef>
+        </p:style>
+      </p:cxnSp>
+      <p:cxnSp>
+        <p:nvCxnSpPr>
+          <p:cNvPr id="29" name="Straight Connector 28">
+            <a:extLst>
+              <a:ext uri="{FF2B5EF4-FFF2-40B4-BE49-F238E27FC236}">
+                <a16:creationId xmlns:a16="http://schemas.microsoft.com/office/drawing/2014/main" id="{5565732B-7F22-08A5-5D5D-67E1A7D6FB4E}"/>
+              </a:ext>
+            </a:extLst>
+          </p:cNvPr>
+          <p:cNvCxnSpPr>
+            <a:cxnSpLocks/>
+            <a:stCxn id="14" idx="3"/>
+          </p:cNvCxnSpPr>
+          <p:nvPr/>
+        </p:nvCxnSpPr>
+        <p:spPr>
+          <a:xfrm>
+            <a:off x="5759010" y="2802789"/>
+            <a:ext cx="1033469" cy="0"/>
+          </a:xfrm>
+          <a:prstGeom prst="line">
+            <a:avLst/>
+          </a:prstGeom>
+          <a:ln w="12700">
+            <a:solidFill>
+              <a:schemeClr val="tx1"/>
+            </a:solidFill>
+          </a:ln>
+        </p:spPr>
+        <p:style>
+          <a:lnRef idx="1">
+            <a:schemeClr val="accent1"/>
+          </a:lnRef>
+          <a:fillRef idx="0">
+            <a:schemeClr val="accent1"/>
+          </a:fillRef>
+          <a:effectRef idx="0">
+            <a:schemeClr val="accent1"/>
+          </a:effectRef>
+          <a:fontRef idx="minor">
+            <a:schemeClr val="tx1"/>
+          </a:fontRef>
+        </p:style>
+      </p:cxnSp>
+      <p:cxnSp>
+        <p:nvCxnSpPr>
+          <p:cNvPr id="33" name="Straight Arrow Connector 32">
+            <a:extLst>
+              <a:ext uri="{FF2B5EF4-FFF2-40B4-BE49-F238E27FC236}">
+                <a16:creationId xmlns:a16="http://schemas.microsoft.com/office/drawing/2014/main" id="{388003A8-9EC9-F3FD-D13B-7A0A47673106}"/>
+              </a:ext>
+            </a:extLst>
+          </p:cNvPr>
+          <p:cNvCxnSpPr>
+            <a:cxnSpLocks/>
+            <a:stCxn id="9" idx="3"/>
+            <a:endCxn id="20" idx="1"/>
+          </p:cNvCxnSpPr>
+          <p:nvPr/>
+        </p:nvCxnSpPr>
+        <p:spPr>
+          <a:xfrm flipV="1">
+            <a:off x="3690846" y="3984581"/>
+            <a:ext cx="425103" cy="4266"/>
+          </a:xfrm>
+          <a:prstGeom prst="straightConnector1">
+            <a:avLst/>
+          </a:prstGeom>
+          <a:ln w="12700">
+            <a:solidFill>
+              <a:schemeClr val="tx1"/>
+            </a:solidFill>
+            <a:tailEnd type="triangle"/>
+          </a:ln>
+        </p:spPr>
+        <p:style>
+          <a:lnRef idx="1">
+            <a:schemeClr val="accent1"/>
+          </a:lnRef>
+          <a:fillRef idx="0">
+            <a:schemeClr val="accent1"/>
+          </a:fillRef>
+          <a:effectRef idx="0">
+            <a:schemeClr val="accent1"/>
+          </a:effectRef>
+          <a:fontRef idx="minor">
+            <a:schemeClr val="tx1"/>
+          </a:fontRef>
+        </p:style>
+      </p:cxnSp>
+      <p:sp>
+        <p:nvSpPr>
+          <p:cNvPr id="36" name="Rectangle 35">
+            <a:extLst>
+              <a:ext uri="{FF2B5EF4-FFF2-40B4-BE49-F238E27FC236}">
+                <a16:creationId xmlns:a16="http://schemas.microsoft.com/office/drawing/2014/main" id="{40F4D110-4348-FF9D-0EAA-BB0997C47107}"/>
+              </a:ext>
+            </a:extLst>
+          </p:cNvPr>
+          <p:cNvSpPr/>
+          <p:nvPr/>
+        </p:nvSpPr>
+        <p:spPr>
+          <a:xfrm>
+            <a:off x="6200555" y="4743841"/>
+            <a:ext cx="1197682" cy="607767"/>
+          </a:xfrm>
+          <a:prstGeom prst="rect">
+            <a:avLst/>
+          </a:prstGeom>
+          <a:noFill/>
+          <a:ln>
+            <a:solidFill>
+              <a:schemeClr val="tx1"/>
+            </a:solidFill>
+          </a:ln>
+        </p:spPr>
+        <p:style>
+          <a:lnRef idx="2">
+            <a:schemeClr val="accent1">
+              <a:shade val="50000"/>
+            </a:schemeClr>
+          </a:lnRef>
+          <a:fillRef idx="1">
+            <a:schemeClr val="accent1"/>
+          </a:fillRef>
+          <a:effectRef idx="0">
+            <a:schemeClr val="accent1"/>
+          </a:effectRef>
+          <a:fontRef idx="minor">
+            <a:schemeClr val="lt1"/>
+          </a:fontRef>
+        </p:style>
+        <p:txBody>
+          <a:bodyPr rtlCol="0" anchor="ctr"/>
+          <a:lstStyle/>
+          <a:p>
+            <a:pPr algn="ctr"/>
+            <a:r>
+              <a:rPr lang="en-US" sz="1200" err="1">
+                <a:solidFill>
+                  <a:schemeClr val="tx1"/>
+                </a:solidFill>
+                <a:latin typeface="Times New Roman" panose="02020603050405020304" pitchFamily="18" charset="0"/>
+                <a:cs typeface="Times New Roman" panose="02020603050405020304" pitchFamily="18" charset="0"/>
+              </a:rPr>
+              <a:t>Mengirimkan</a:t>
+            </a:r>
+            <a:r>
+              <a:rPr lang="en-US" sz="1200">
+                <a:solidFill>
+                  <a:schemeClr val="tx1"/>
+                </a:solidFill>
+                <a:latin typeface="Times New Roman" panose="02020603050405020304" pitchFamily="18" charset="0"/>
+                <a:cs typeface="Times New Roman" panose="02020603050405020304" pitchFamily="18" charset="0"/>
+              </a:rPr>
+              <a:t> </a:t>
+            </a:r>
+            <a:r>
+              <a:rPr lang="en-US" sz="1200" err="1">
+                <a:solidFill>
+                  <a:schemeClr val="tx1"/>
+                </a:solidFill>
+                <a:latin typeface="Times New Roman" panose="02020603050405020304" pitchFamily="18" charset="0"/>
+                <a:cs typeface="Times New Roman" panose="02020603050405020304" pitchFamily="18" charset="0"/>
+              </a:rPr>
+              <a:t>Notifikasi</a:t>
+            </a:r>
+            <a:r>
+              <a:rPr lang="en-US" sz="1200">
+                <a:solidFill>
+                  <a:schemeClr val="tx1"/>
+                </a:solidFill>
+                <a:latin typeface="Times New Roman" panose="02020603050405020304" pitchFamily="18" charset="0"/>
+                <a:cs typeface="Times New Roman" panose="02020603050405020304" pitchFamily="18" charset="0"/>
+              </a:rPr>
+              <a:t> ke Blynk</a:t>
+            </a:r>
+          </a:p>
+        </p:txBody>
+      </p:sp>
+      <p:cxnSp>
+        <p:nvCxnSpPr>
+          <p:cNvPr id="49" name="Straight Arrow Connector 48">
+            <a:extLst>
+              <a:ext uri="{FF2B5EF4-FFF2-40B4-BE49-F238E27FC236}">
+                <a16:creationId xmlns:a16="http://schemas.microsoft.com/office/drawing/2014/main" id="{461F1471-8D74-A212-E485-141CF6959B4B}"/>
+              </a:ext>
+            </a:extLst>
+          </p:cNvPr>
+          <p:cNvCxnSpPr>
+            <a:cxnSpLocks/>
+            <a:stCxn id="7" idx="2"/>
+            <a:endCxn id="36" idx="0"/>
+          </p:cNvCxnSpPr>
+          <p:nvPr/>
+        </p:nvCxnSpPr>
+        <p:spPr>
+          <a:xfrm>
+            <a:off x="6792479" y="4247346"/>
+            <a:ext cx="6917" cy="496495"/>
+          </a:xfrm>
+          <a:prstGeom prst="straightConnector1">
+            <a:avLst/>
+          </a:prstGeom>
+          <a:ln w="12700">
+            <a:solidFill>
+              <a:schemeClr val="tx1"/>
+            </a:solidFill>
+            <a:tailEnd type="triangle"/>
+          </a:ln>
+        </p:spPr>
+        <p:style>
+          <a:lnRef idx="1">
+            <a:schemeClr val="accent1"/>
+          </a:lnRef>
+          <a:fillRef idx="0">
+            <a:schemeClr val="accent1"/>
+          </a:fillRef>
+          <a:effectRef idx="0">
+            <a:schemeClr val="accent1"/>
+          </a:effectRef>
+          <a:fontRef idx="minor">
+            <a:schemeClr val="tx1"/>
+          </a:fontRef>
+        </p:style>
+      </p:cxnSp>
+      <p:sp>
+        <p:nvSpPr>
+          <p:cNvPr id="52" name="Rectangle 51">
+            <a:extLst>
+              <a:ext uri="{FF2B5EF4-FFF2-40B4-BE49-F238E27FC236}">
+                <a16:creationId xmlns:a16="http://schemas.microsoft.com/office/drawing/2014/main" id="{5E4D028F-B1DB-E959-209C-58AAAD665C88}"/>
+              </a:ext>
+            </a:extLst>
+          </p:cNvPr>
+          <p:cNvSpPr/>
+          <p:nvPr/>
+        </p:nvSpPr>
+        <p:spPr>
+          <a:xfrm>
+            <a:off x="4343401" y="4786121"/>
+            <a:ext cx="1197682" cy="531567"/>
+          </a:xfrm>
+          <a:prstGeom prst="rect">
+            <a:avLst/>
+          </a:prstGeom>
+          <a:noFill/>
+          <a:ln>
+            <a:solidFill>
+              <a:schemeClr val="tx1"/>
+            </a:solidFill>
+          </a:ln>
+        </p:spPr>
+        <p:style>
+          <a:lnRef idx="2">
+            <a:schemeClr val="accent1">
+              <a:shade val="50000"/>
+            </a:schemeClr>
+          </a:lnRef>
+          <a:fillRef idx="1">
+            <a:schemeClr val="accent1"/>
+          </a:fillRef>
+          <a:effectRef idx="0">
+            <a:schemeClr val="accent1"/>
+          </a:effectRef>
+          <a:fontRef idx="minor">
+            <a:schemeClr val="lt1"/>
+          </a:fontRef>
+        </p:style>
+        <p:txBody>
+          <a:bodyPr rtlCol="0" anchor="ctr"/>
+          <a:lstStyle/>
+          <a:p>
+            <a:pPr algn="ctr"/>
+            <a:r>
+              <a:rPr lang="en-US" sz="1200">
+                <a:solidFill>
+                  <a:schemeClr val="tx1"/>
+                </a:solidFill>
+                <a:latin typeface="Times New Roman" panose="02020603050405020304" pitchFamily="18" charset="0"/>
+                <a:cs typeface="Times New Roman" panose="02020603050405020304" pitchFamily="18" charset="0"/>
+              </a:rPr>
+              <a:t>ESP cam take Photo</a:t>
+            </a:r>
+          </a:p>
+        </p:txBody>
+      </p:sp>
+      <p:cxnSp>
+        <p:nvCxnSpPr>
+          <p:cNvPr id="53" name="Straight Arrow Connector 52">
+            <a:extLst>
+              <a:ext uri="{FF2B5EF4-FFF2-40B4-BE49-F238E27FC236}">
+                <a16:creationId xmlns:a16="http://schemas.microsoft.com/office/drawing/2014/main" id="{C7653A59-23D8-1B51-4A7C-ACBEEBFB77A4}"/>
+              </a:ext>
+            </a:extLst>
+          </p:cNvPr>
+          <p:cNvCxnSpPr>
+            <a:cxnSpLocks/>
+            <a:stCxn id="8" idx="2"/>
+            <a:endCxn id="9" idx="0"/>
+          </p:cNvCxnSpPr>
+          <p:nvPr/>
+        </p:nvCxnSpPr>
+        <p:spPr>
+          <a:xfrm flipH="1">
+            <a:off x="2830381" y="3194990"/>
+            <a:ext cx="9997" cy="408633"/>
+          </a:xfrm>
+          <a:prstGeom prst="straightConnector1">
+            <a:avLst/>
+          </a:prstGeom>
+          <a:ln w="12700">
+            <a:solidFill>
+              <a:schemeClr val="tx1"/>
+            </a:solidFill>
+            <a:tailEnd type="triangle"/>
+          </a:ln>
+        </p:spPr>
+        <p:style>
+          <a:lnRef idx="1">
+            <a:schemeClr val="accent1"/>
+          </a:lnRef>
+          <a:fillRef idx="0">
+            <a:schemeClr val="accent1"/>
+          </a:fillRef>
+          <a:effectRef idx="0">
+            <a:schemeClr val="accent1"/>
+          </a:effectRef>
+          <a:fontRef idx="minor">
+            <a:schemeClr val="tx1"/>
+          </a:fontRef>
+        </p:style>
+      </p:cxnSp>
+      <p:cxnSp>
+        <p:nvCxnSpPr>
+          <p:cNvPr id="60" name="Straight Arrow Connector 59">
+            <a:extLst>
+              <a:ext uri="{FF2B5EF4-FFF2-40B4-BE49-F238E27FC236}">
+                <a16:creationId xmlns:a16="http://schemas.microsoft.com/office/drawing/2014/main" id="{71E61324-B251-3705-73CB-C3CC287D7A1D}"/>
+              </a:ext>
+            </a:extLst>
+          </p:cNvPr>
+          <p:cNvCxnSpPr>
+            <a:cxnSpLocks/>
+            <a:stCxn id="6" idx="4"/>
+            <a:endCxn id="8" idx="0"/>
+          </p:cNvCxnSpPr>
+          <p:nvPr/>
+        </p:nvCxnSpPr>
+        <p:spPr>
+          <a:xfrm flipH="1">
+            <a:off x="2840378" y="1904840"/>
+            <a:ext cx="8300" cy="519702"/>
+          </a:xfrm>
+          <a:prstGeom prst="straightConnector1">
+            <a:avLst/>
+          </a:prstGeom>
+          <a:ln w="12700">
+            <a:solidFill>
+              <a:schemeClr val="tx1"/>
+            </a:solidFill>
+            <a:tailEnd type="triangle"/>
+          </a:ln>
+        </p:spPr>
+        <p:style>
+          <a:lnRef idx="1">
+            <a:schemeClr val="accent1"/>
+          </a:lnRef>
+          <a:fillRef idx="0">
+            <a:schemeClr val="accent1"/>
+          </a:fillRef>
+          <a:effectRef idx="0">
+            <a:schemeClr val="accent1"/>
+          </a:effectRef>
+          <a:fontRef idx="minor">
+            <a:schemeClr val="tx1"/>
+          </a:fontRef>
+        </p:style>
+      </p:cxnSp>
+      <p:cxnSp>
+        <p:nvCxnSpPr>
+          <p:cNvPr id="63" name="Straight Arrow Connector 62">
+            <a:extLst>
+              <a:ext uri="{FF2B5EF4-FFF2-40B4-BE49-F238E27FC236}">
+                <a16:creationId xmlns:a16="http://schemas.microsoft.com/office/drawing/2014/main" id="{B8878F17-B80A-2350-6E13-4B3D9FC6BEA4}"/>
+              </a:ext>
+            </a:extLst>
+          </p:cNvPr>
+          <p:cNvCxnSpPr>
+            <a:cxnSpLocks/>
+            <a:stCxn id="4" idx="4"/>
+            <a:endCxn id="6" idx="1"/>
+          </p:cNvCxnSpPr>
+          <p:nvPr/>
+        </p:nvCxnSpPr>
+        <p:spPr>
+          <a:xfrm>
+            <a:off x="2847535" y="1145540"/>
+            <a:ext cx="1143" cy="178512"/>
+          </a:xfrm>
+          <a:prstGeom prst="straightConnector1">
+            <a:avLst/>
+          </a:prstGeom>
+          <a:ln w="12700">
+            <a:solidFill>
+              <a:schemeClr val="tx1"/>
+            </a:solidFill>
+            <a:tailEnd type="triangle"/>
+          </a:ln>
+        </p:spPr>
+        <p:style>
+          <a:lnRef idx="1">
+            <a:schemeClr val="accent1"/>
+          </a:lnRef>
+          <a:fillRef idx="0">
+            <a:schemeClr val="accent1"/>
+          </a:fillRef>
+          <a:effectRef idx="0">
+            <a:schemeClr val="accent1"/>
+          </a:effectRef>
+          <a:fontRef idx="minor">
+            <a:schemeClr val="tx1"/>
+          </a:fontRef>
+        </p:style>
+      </p:cxnSp>
+      <p:sp>
+        <p:nvSpPr>
+          <p:cNvPr id="67" name="Oval 66">
+            <a:extLst>
+              <a:ext uri="{FF2B5EF4-FFF2-40B4-BE49-F238E27FC236}">
+                <a16:creationId xmlns:a16="http://schemas.microsoft.com/office/drawing/2014/main" id="{9F09615B-2FA1-CC7F-7431-F97B985E5DEB}"/>
+              </a:ext>
+            </a:extLst>
+          </p:cNvPr>
+          <p:cNvSpPr/>
+          <p:nvPr/>
+        </p:nvSpPr>
+        <p:spPr>
+          <a:xfrm>
+            <a:off x="6154615" y="5675678"/>
+            <a:ext cx="1280160" cy="445087"/>
+          </a:xfrm>
+          <a:prstGeom prst="ellipse">
+            <a:avLst/>
+          </a:prstGeom>
+          <a:ln>
+            <a:solidFill>
+              <a:schemeClr val="tx1"/>
+            </a:solidFill>
+          </a:ln>
+        </p:spPr>
+        <p:style>
+          <a:lnRef idx="2">
+            <a:schemeClr val="accent6"/>
+          </a:lnRef>
+          <a:fillRef idx="1">
+            <a:schemeClr val="lt1"/>
+          </a:fillRef>
+          <a:effectRef idx="0">
+            <a:schemeClr val="accent6"/>
+          </a:effectRef>
+          <a:fontRef idx="minor">
+            <a:schemeClr val="dk1"/>
+          </a:fontRef>
+        </p:style>
+        <p:txBody>
+          <a:bodyPr rtlCol="0" anchor="ctr"/>
+          <a:lstStyle/>
+          <a:p>
+            <a:pPr algn="ctr"/>
+            <a:r>
+              <a:rPr lang="en-US" sz="1400" err="1"/>
+              <a:t>Selesai</a:t>
+            </a:r>
+            <a:endParaRPr lang="en-ID"/>
+          </a:p>
+        </p:txBody>
+      </p:sp>
+      <p:cxnSp>
+        <p:nvCxnSpPr>
+          <p:cNvPr id="68" name="Straight Arrow Connector 67">
+            <a:extLst>
+              <a:ext uri="{FF2B5EF4-FFF2-40B4-BE49-F238E27FC236}">
+                <a16:creationId xmlns:a16="http://schemas.microsoft.com/office/drawing/2014/main" id="{1B058DB2-CD2B-888C-466F-8FA29DB4823A}"/>
+              </a:ext>
+            </a:extLst>
+          </p:cNvPr>
+          <p:cNvCxnSpPr>
+            <a:cxnSpLocks/>
+            <a:stCxn id="36" idx="2"/>
+            <a:endCxn id="67" idx="0"/>
+          </p:cNvCxnSpPr>
+          <p:nvPr/>
+        </p:nvCxnSpPr>
+        <p:spPr>
+          <a:xfrm flipH="1">
+            <a:off x="6794695" y="5351608"/>
+            <a:ext cx="4701" cy="324070"/>
+          </a:xfrm>
+          <a:prstGeom prst="straightConnector1">
+            <a:avLst/>
+          </a:prstGeom>
+          <a:ln w="12700">
+            <a:solidFill>
+              <a:schemeClr val="tx1"/>
+            </a:solidFill>
+            <a:tailEnd type="triangle"/>
+          </a:ln>
+        </p:spPr>
+        <p:style>
+          <a:lnRef idx="1">
+            <a:schemeClr val="accent1"/>
+          </a:lnRef>
+          <a:fillRef idx="0">
+            <a:schemeClr val="accent1"/>
+          </a:fillRef>
+          <a:effectRef idx="0">
+            <a:schemeClr val="accent1"/>
+          </a:effectRef>
+          <a:fontRef idx="minor">
+            <a:schemeClr val="tx1"/>
+          </a:fontRef>
+        </p:style>
+      </p:cxnSp>
+      <p:cxnSp>
+        <p:nvCxnSpPr>
+          <p:cNvPr id="72" name="Straight Arrow Connector 71">
+            <a:extLst>
+              <a:ext uri="{FF2B5EF4-FFF2-40B4-BE49-F238E27FC236}">
+                <a16:creationId xmlns:a16="http://schemas.microsoft.com/office/drawing/2014/main" id="{B9C229B3-6077-EB2C-323F-EEF4902BD3FC}"/>
+              </a:ext>
+            </a:extLst>
+          </p:cNvPr>
+          <p:cNvCxnSpPr>
+            <a:cxnSpLocks/>
+            <a:stCxn id="10" idx="3"/>
+            <a:endCxn id="52" idx="1"/>
+          </p:cNvCxnSpPr>
+          <p:nvPr/>
+        </p:nvCxnSpPr>
+        <p:spPr>
+          <a:xfrm>
+            <a:off x="3638903" y="5047725"/>
+            <a:ext cx="704498" cy="4180"/>
+          </a:xfrm>
+          <a:prstGeom prst="straightConnector1">
+            <a:avLst/>
+          </a:prstGeom>
+          <a:ln w="12700">
+            <a:solidFill>
+              <a:schemeClr val="tx1"/>
+            </a:solidFill>
+            <a:tailEnd type="triangle"/>
+          </a:ln>
+        </p:spPr>
+        <p:style>
+          <a:lnRef idx="1">
+            <a:schemeClr val="accent1"/>
+          </a:lnRef>
+          <a:fillRef idx="0">
+            <a:schemeClr val="accent1"/>
+          </a:fillRef>
+          <a:effectRef idx="0">
+            <a:schemeClr val="accent1"/>
+          </a:effectRef>
+          <a:fontRef idx="minor">
+            <a:schemeClr val="tx1"/>
+          </a:fontRef>
+        </p:style>
+      </p:cxnSp>
+      <p:cxnSp>
+        <p:nvCxnSpPr>
+          <p:cNvPr id="75" name="Straight Arrow Connector 74">
+            <a:extLst>
+              <a:ext uri="{FF2B5EF4-FFF2-40B4-BE49-F238E27FC236}">
+                <a16:creationId xmlns:a16="http://schemas.microsoft.com/office/drawing/2014/main" id="{2D7C7F9A-1767-1A47-9D84-4C8C24F6DA50}"/>
+              </a:ext>
+            </a:extLst>
+          </p:cNvPr>
+          <p:cNvCxnSpPr>
+            <a:cxnSpLocks/>
+            <a:stCxn id="52" idx="3"/>
+            <a:endCxn id="36" idx="1"/>
+          </p:cNvCxnSpPr>
+          <p:nvPr/>
+        </p:nvCxnSpPr>
+        <p:spPr>
+          <a:xfrm flipV="1">
+            <a:off x="5541083" y="5047725"/>
+            <a:ext cx="659472" cy="4180"/>
+          </a:xfrm>
+          <a:prstGeom prst="straightConnector1">
+            <a:avLst/>
+          </a:prstGeom>
+          <a:ln w="12700">
+            <a:solidFill>
+              <a:schemeClr val="tx1"/>
+            </a:solidFill>
+            <a:tailEnd type="triangle"/>
+          </a:ln>
+        </p:spPr>
+        <p:style>
+          <a:lnRef idx="1">
+            <a:schemeClr val="accent1"/>
+          </a:lnRef>
+          <a:fillRef idx="0">
+            <a:schemeClr val="accent1"/>
+          </a:fillRef>
+          <a:effectRef idx="0">
+            <a:schemeClr val="accent1"/>
+          </a:effectRef>
+          <a:fontRef idx="minor">
+            <a:schemeClr val="tx1"/>
+          </a:fontRef>
+        </p:style>
+      </p:cxnSp>
+      <p:sp>
+        <p:nvSpPr>
+          <p:cNvPr id="78" name="TextBox 77">
+            <a:extLst>
+              <a:ext uri="{FF2B5EF4-FFF2-40B4-BE49-F238E27FC236}">
+                <a16:creationId xmlns:a16="http://schemas.microsoft.com/office/drawing/2014/main" id="{721D4F22-513D-92B2-ED68-0ABEA9A81FFA}"/>
+              </a:ext>
+            </a:extLst>
+          </p:cNvPr>
+          <p:cNvSpPr txBox="1"/>
+          <p:nvPr/>
+        </p:nvSpPr>
+        <p:spPr>
+          <a:xfrm>
+            <a:off x="2329374" y="3176842"/>
+            <a:ext cx="518161" cy="276999"/>
+          </a:xfrm>
+          <a:prstGeom prst="rect">
+            <a:avLst/>
+          </a:prstGeom>
+          <a:noFill/>
+        </p:spPr>
+        <p:txBody>
+          <a:bodyPr wrap="square" rtlCol="0">
+            <a:spAutoFit/>
+          </a:bodyPr>
+          <a:lstStyle/>
+          <a:p>
+            <a:r>
+              <a:rPr lang="en-US" sz="1200" err="1">
+                <a:latin typeface="Times New Roman" panose="02020603050405020304" pitchFamily="18" charset="0"/>
+                <a:cs typeface="Times New Roman" panose="02020603050405020304" pitchFamily="18" charset="0"/>
+              </a:rPr>
+              <a:t>tidak</a:t>
+            </a:r>
+            <a:endParaRPr lang="en-US" sz="1200">
+              <a:latin typeface="Times New Roman" panose="02020603050405020304" pitchFamily="18" charset="0"/>
+              <a:cs typeface="Times New Roman" panose="02020603050405020304" pitchFamily="18" charset="0"/>
+            </a:endParaRPr>
+          </a:p>
+        </p:txBody>
+      </p:sp>
+      <p:sp>
+        <p:nvSpPr>
+          <p:cNvPr id="79" name="TextBox 78">
+            <a:extLst>
+              <a:ext uri="{FF2B5EF4-FFF2-40B4-BE49-F238E27FC236}">
+                <a16:creationId xmlns:a16="http://schemas.microsoft.com/office/drawing/2014/main" id="{A873F3D3-F8B3-4656-A151-3BA6A316F944}"/>
+              </a:ext>
+            </a:extLst>
+          </p:cNvPr>
+          <p:cNvSpPr txBox="1"/>
+          <p:nvPr/>
+        </p:nvSpPr>
+        <p:spPr>
+          <a:xfrm>
+            <a:off x="2329374" y="1883316"/>
+            <a:ext cx="518161" cy="276999"/>
+          </a:xfrm>
+          <a:prstGeom prst="rect">
+            <a:avLst/>
+          </a:prstGeom>
+          <a:noFill/>
+        </p:spPr>
+        <p:txBody>
+          <a:bodyPr wrap="square" rtlCol="0">
+            <a:spAutoFit/>
+          </a:bodyPr>
+          <a:lstStyle/>
+          <a:p>
+            <a:r>
+              <a:rPr lang="en-US" sz="1200" err="1">
+                <a:latin typeface="Times New Roman" panose="02020603050405020304" pitchFamily="18" charset="0"/>
+                <a:cs typeface="Times New Roman" panose="02020603050405020304" pitchFamily="18" charset="0"/>
+              </a:rPr>
+              <a:t>tidak</a:t>
+            </a:r>
+            <a:endParaRPr lang="en-US" sz="1200">
+              <a:latin typeface="Times New Roman" panose="02020603050405020304" pitchFamily="18" charset="0"/>
+              <a:cs typeface="Times New Roman" panose="02020603050405020304" pitchFamily="18" charset="0"/>
+            </a:endParaRPr>
+          </a:p>
+        </p:txBody>
+      </p:sp>
+      <p:cxnSp>
+        <p:nvCxnSpPr>
+          <p:cNvPr id="80" name="Straight Connector 79">
+            <a:extLst>
+              <a:ext uri="{FF2B5EF4-FFF2-40B4-BE49-F238E27FC236}">
+                <a16:creationId xmlns:a16="http://schemas.microsoft.com/office/drawing/2014/main" id="{7602ECAA-0B0A-B7E8-FB52-D8B2193C4FF3}"/>
+              </a:ext>
+            </a:extLst>
+          </p:cNvPr>
+          <p:cNvCxnSpPr>
+            <a:cxnSpLocks/>
+            <a:stCxn id="14" idx="0"/>
+          </p:cNvCxnSpPr>
+          <p:nvPr/>
+        </p:nvCxnSpPr>
+        <p:spPr>
+          <a:xfrm flipV="1">
+            <a:off x="4942242" y="2149096"/>
+            <a:ext cx="0" cy="268469"/>
+          </a:xfrm>
+          <a:prstGeom prst="line">
+            <a:avLst/>
+          </a:prstGeom>
+          <a:ln w="12700">
+            <a:solidFill>
+              <a:schemeClr val="tx1"/>
+            </a:solidFill>
+          </a:ln>
+        </p:spPr>
+        <p:style>
+          <a:lnRef idx="1">
+            <a:schemeClr val="accent1"/>
+          </a:lnRef>
+          <a:fillRef idx="0">
+            <a:schemeClr val="accent1"/>
+          </a:fillRef>
+          <a:effectRef idx="0">
+            <a:schemeClr val="accent1"/>
+          </a:effectRef>
+          <a:fontRef idx="minor">
+            <a:schemeClr val="tx1"/>
+          </a:fontRef>
+        </p:style>
+      </p:cxnSp>
+      <p:cxnSp>
+        <p:nvCxnSpPr>
+          <p:cNvPr id="83" name="Straight Arrow Connector 82">
+            <a:extLst>
+              <a:ext uri="{FF2B5EF4-FFF2-40B4-BE49-F238E27FC236}">
+                <a16:creationId xmlns:a16="http://schemas.microsoft.com/office/drawing/2014/main" id="{73C6147E-1EB1-48D7-2988-9643A91794DB}"/>
+              </a:ext>
+            </a:extLst>
+          </p:cNvPr>
+          <p:cNvCxnSpPr>
+            <a:cxnSpLocks/>
+          </p:cNvCxnSpPr>
+          <p:nvPr/>
+        </p:nvCxnSpPr>
+        <p:spPr>
+          <a:xfrm flipH="1" flipV="1">
+            <a:off x="2847535" y="2149096"/>
+            <a:ext cx="2094707" cy="2686"/>
+          </a:xfrm>
+          <a:prstGeom prst="straightConnector1">
+            <a:avLst/>
+          </a:prstGeom>
+          <a:ln w="12700">
+            <a:solidFill>
+              <a:schemeClr val="tx1"/>
+            </a:solidFill>
+            <a:tailEnd type="triangle"/>
+          </a:ln>
+        </p:spPr>
+        <p:style>
+          <a:lnRef idx="1">
+            <a:schemeClr val="accent1"/>
+          </a:lnRef>
+          <a:fillRef idx="0">
+            <a:schemeClr val="accent1"/>
+          </a:fillRef>
+          <a:effectRef idx="0">
+            <a:schemeClr val="accent1"/>
+          </a:effectRef>
+          <a:fontRef idx="minor">
+            <a:schemeClr val="tx1"/>
+          </a:fontRef>
+        </p:style>
+      </p:cxnSp>
+      <p:cxnSp>
+        <p:nvCxnSpPr>
+          <p:cNvPr id="89" name="Straight Connector 88">
+            <a:extLst>
+              <a:ext uri="{FF2B5EF4-FFF2-40B4-BE49-F238E27FC236}">
+                <a16:creationId xmlns:a16="http://schemas.microsoft.com/office/drawing/2014/main" id="{FC5033ED-D8AC-C77C-BA32-467EF0541963}"/>
+              </a:ext>
+            </a:extLst>
+          </p:cNvPr>
+          <p:cNvCxnSpPr>
+            <a:cxnSpLocks/>
+          </p:cNvCxnSpPr>
+          <p:nvPr/>
+        </p:nvCxnSpPr>
+        <p:spPr>
+          <a:xfrm flipV="1">
+            <a:off x="4925088" y="3319561"/>
+            <a:ext cx="0" cy="268469"/>
+          </a:xfrm>
+          <a:prstGeom prst="line">
+            <a:avLst/>
+          </a:prstGeom>
+          <a:ln w="12700">
+            <a:solidFill>
+              <a:schemeClr val="tx1"/>
+            </a:solidFill>
+          </a:ln>
+        </p:spPr>
+        <p:style>
+          <a:lnRef idx="1">
+            <a:schemeClr val="accent1"/>
+          </a:lnRef>
+          <a:fillRef idx="0">
+            <a:schemeClr val="accent1"/>
+          </a:fillRef>
+          <a:effectRef idx="0">
+            <a:schemeClr val="accent1"/>
+          </a:effectRef>
+          <a:fontRef idx="minor">
+            <a:schemeClr val="tx1"/>
+          </a:fontRef>
+        </p:style>
+      </p:cxnSp>
+      <p:cxnSp>
+        <p:nvCxnSpPr>
+          <p:cNvPr id="90" name="Straight Arrow Connector 89">
+            <a:extLst>
+              <a:ext uri="{FF2B5EF4-FFF2-40B4-BE49-F238E27FC236}">
+                <a16:creationId xmlns:a16="http://schemas.microsoft.com/office/drawing/2014/main" id="{26D37F56-E1A1-4A8D-E898-EC0E2C54297A}"/>
+              </a:ext>
+            </a:extLst>
+          </p:cNvPr>
+          <p:cNvCxnSpPr>
+            <a:cxnSpLocks/>
+          </p:cNvCxnSpPr>
+          <p:nvPr/>
+        </p:nvCxnSpPr>
+        <p:spPr>
+          <a:xfrm flipH="1" flipV="1">
+            <a:off x="2830381" y="3319561"/>
+            <a:ext cx="2094707" cy="2686"/>
+          </a:xfrm>
+          <a:prstGeom prst="straightConnector1">
+            <a:avLst/>
+          </a:prstGeom>
+          <a:ln w="12700">
+            <a:solidFill>
+              <a:schemeClr val="tx1"/>
+            </a:solidFill>
+            <a:tailEnd type="triangle"/>
+          </a:ln>
+        </p:spPr>
+        <p:style>
+          <a:lnRef idx="1">
+            <a:schemeClr val="accent1"/>
+          </a:lnRef>
+          <a:fillRef idx="0">
+            <a:schemeClr val="accent1"/>
+          </a:fillRef>
+          <a:effectRef idx="0">
+            <a:schemeClr val="accent1"/>
+          </a:effectRef>
+          <a:fontRef idx="minor">
+            <a:schemeClr val="tx1"/>
+          </a:fontRef>
+        </p:style>
+      </p:cxnSp>
+      <p:sp>
+        <p:nvSpPr>
+          <p:cNvPr id="92" name="TextBox 91">
+            <a:extLst>
+              <a:ext uri="{FF2B5EF4-FFF2-40B4-BE49-F238E27FC236}">
+                <a16:creationId xmlns:a16="http://schemas.microsoft.com/office/drawing/2014/main" id="{048FDDA3-4D42-F44B-FE38-A608C3174630}"/>
+              </a:ext>
+            </a:extLst>
+          </p:cNvPr>
+          <p:cNvSpPr txBox="1"/>
+          <p:nvPr/>
+        </p:nvSpPr>
+        <p:spPr>
+          <a:xfrm>
+            <a:off x="4881361" y="3322358"/>
+            <a:ext cx="518161" cy="276999"/>
+          </a:xfrm>
+          <a:prstGeom prst="rect">
+            <a:avLst/>
+          </a:prstGeom>
+          <a:noFill/>
+        </p:spPr>
+        <p:txBody>
+          <a:bodyPr wrap="square" rtlCol="0">
+            <a:spAutoFit/>
+          </a:bodyPr>
+          <a:lstStyle/>
+          <a:p>
+            <a:r>
+              <a:rPr lang="en-US" sz="1200" err="1">
+                <a:latin typeface="Times New Roman" panose="02020603050405020304" pitchFamily="18" charset="0"/>
+                <a:cs typeface="Times New Roman" panose="02020603050405020304" pitchFamily="18" charset="0"/>
+              </a:rPr>
+              <a:t>tidak</a:t>
+            </a:r>
+            <a:endParaRPr lang="en-US" sz="1200">
+              <a:latin typeface="Times New Roman" panose="02020603050405020304" pitchFamily="18" charset="0"/>
+              <a:cs typeface="Times New Roman" panose="02020603050405020304" pitchFamily="18" charset="0"/>
+            </a:endParaRPr>
+          </a:p>
+        </p:txBody>
+      </p:sp>
+      <p:sp>
+        <p:nvSpPr>
+          <p:cNvPr id="93" name="TextBox 92">
+            <a:extLst>
+              <a:ext uri="{FF2B5EF4-FFF2-40B4-BE49-F238E27FC236}">
+                <a16:creationId xmlns:a16="http://schemas.microsoft.com/office/drawing/2014/main" id="{A9C2FDE2-125A-56EE-0ADC-38EEE833BC0B}"/>
+              </a:ext>
+            </a:extLst>
+          </p:cNvPr>
+          <p:cNvSpPr txBox="1"/>
+          <p:nvPr/>
+        </p:nvSpPr>
+        <p:spPr>
+          <a:xfrm>
+            <a:off x="4906038" y="2126569"/>
+            <a:ext cx="518161" cy="276999"/>
+          </a:xfrm>
+          <a:prstGeom prst="rect">
+            <a:avLst/>
+          </a:prstGeom>
+          <a:noFill/>
+        </p:spPr>
+        <p:txBody>
+          <a:bodyPr wrap="square" rtlCol="0">
+            <a:spAutoFit/>
+          </a:bodyPr>
+          <a:lstStyle/>
+          <a:p>
+            <a:r>
+              <a:rPr lang="en-US" sz="1200" err="1">
+                <a:latin typeface="Times New Roman" panose="02020603050405020304" pitchFamily="18" charset="0"/>
+                <a:cs typeface="Times New Roman" panose="02020603050405020304" pitchFamily="18" charset="0"/>
+              </a:rPr>
+              <a:t>tidak</a:t>
+            </a:r>
+            <a:endParaRPr lang="en-US" sz="1200">
+              <a:latin typeface="Times New Roman" panose="02020603050405020304" pitchFamily="18" charset="0"/>
+              <a:cs typeface="Times New Roman" panose="02020603050405020304" pitchFamily="18" charset="0"/>
+            </a:endParaRPr>
+          </a:p>
+        </p:txBody>
+      </p:sp>
+      <p:sp>
+        <p:nvSpPr>
+          <p:cNvPr id="94" name="TextBox 93">
+            <a:extLst>
+              <a:ext uri="{FF2B5EF4-FFF2-40B4-BE49-F238E27FC236}">
+                <a16:creationId xmlns:a16="http://schemas.microsoft.com/office/drawing/2014/main" id="{74BA992E-A582-065B-5CFF-1B84EC9242AC}"/>
+              </a:ext>
+            </a:extLst>
+          </p:cNvPr>
+          <p:cNvSpPr txBox="1"/>
+          <p:nvPr/>
+        </p:nvSpPr>
+        <p:spPr>
+          <a:xfrm>
+            <a:off x="3653133" y="3737485"/>
+            <a:ext cx="518161" cy="276999"/>
+          </a:xfrm>
+          <a:prstGeom prst="rect">
+            <a:avLst/>
+          </a:prstGeom>
+          <a:noFill/>
+        </p:spPr>
+        <p:txBody>
+          <a:bodyPr wrap="square" rtlCol="0">
+            <a:spAutoFit/>
+          </a:bodyPr>
+          <a:lstStyle/>
+          <a:p>
+            <a:r>
+              <a:rPr lang="en-US" sz="1200" err="1">
+                <a:latin typeface="Times New Roman" panose="02020603050405020304" pitchFamily="18" charset="0"/>
+                <a:cs typeface="Times New Roman" panose="02020603050405020304" pitchFamily="18" charset="0"/>
+              </a:rPr>
+              <a:t>ya</a:t>
+            </a:r>
+            <a:endParaRPr lang="en-US" sz="1200">
+              <a:latin typeface="Times New Roman" panose="02020603050405020304" pitchFamily="18" charset="0"/>
+              <a:cs typeface="Times New Roman" panose="02020603050405020304" pitchFamily="18" charset="0"/>
+            </a:endParaRPr>
+          </a:p>
+        </p:txBody>
+      </p:sp>
+      <p:sp>
+        <p:nvSpPr>
+          <p:cNvPr id="95" name="TextBox 94">
+            <a:extLst>
+              <a:ext uri="{FF2B5EF4-FFF2-40B4-BE49-F238E27FC236}">
+                <a16:creationId xmlns:a16="http://schemas.microsoft.com/office/drawing/2014/main" id="{3D1C28DB-C467-B8F5-8FCE-D18F16C4AD1C}"/>
+              </a:ext>
+            </a:extLst>
+          </p:cNvPr>
+          <p:cNvSpPr txBox="1"/>
+          <p:nvPr/>
+        </p:nvSpPr>
+        <p:spPr>
+          <a:xfrm>
+            <a:off x="3653133" y="2518791"/>
+            <a:ext cx="518161" cy="276999"/>
+          </a:xfrm>
+          <a:prstGeom prst="rect">
+            <a:avLst/>
+          </a:prstGeom>
+          <a:noFill/>
+        </p:spPr>
+        <p:txBody>
+          <a:bodyPr wrap="square" rtlCol="0">
+            <a:spAutoFit/>
+          </a:bodyPr>
+          <a:lstStyle/>
+          <a:p>
+            <a:r>
+              <a:rPr lang="en-US" sz="1200" err="1">
+                <a:latin typeface="Times New Roman" panose="02020603050405020304" pitchFamily="18" charset="0"/>
+                <a:cs typeface="Times New Roman" panose="02020603050405020304" pitchFamily="18" charset="0"/>
+              </a:rPr>
+              <a:t>ya</a:t>
+            </a:r>
+            <a:endParaRPr lang="en-US" sz="1200">
+              <a:latin typeface="Times New Roman" panose="02020603050405020304" pitchFamily="18" charset="0"/>
+              <a:cs typeface="Times New Roman" panose="02020603050405020304" pitchFamily="18" charset="0"/>
+            </a:endParaRPr>
+          </a:p>
+        </p:txBody>
+      </p:sp>
+      <p:sp>
+        <p:nvSpPr>
+          <p:cNvPr id="96" name="TextBox 95">
+            <a:extLst>
+              <a:ext uri="{FF2B5EF4-FFF2-40B4-BE49-F238E27FC236}">
+                <a16:creationId xmlns:a16="http://schemas.microsoft.com/office/drawing/2014/main" id="{4DB13A69-BD7A-0EB7-8A50-4F0291322A5E}"/>
+              </a:ext>
+            </a:extLst>
+          </p:cNvPr>
+          <p:cNvSpPr txBox="1"/>
+          <p:nvPr/>
+        </p:nvSpPr>
+        <p:spPr>
+          <a:xfrm>
+            <a:off x="5796832" y="3727434"/>
+            <a:ext cx="518161" cy="276999"/>
+          </a:xfrm>
+          <a:prstGeom prst="rect">
+            <a:avLst/>
+          </a:prstGeom>
+          <a:noFill/>
+        </p:spPr>
+        <p:txBody>
+          <a:bodyPr wrap="square" rtlCol="0">
+            <a:spAutoFit/>
+          </a:bodyPr>
+          <a:lstStyle/>
+          <a:p>
+            <a:r>
+              <a:rPr lang="en-US" sz="1200" err="1">
+                <a:latin typeface="Times New Roman" panose="02020603050405020304" pitchFamily="18" charset="0"/>
+                <a:cs typeface="Times New Roman" panose="02020603050405020304" pitchFamily="18" charset="0"/>
+              </a:rPr>
+              <a:t>ya</a:t>
+            </a:r>
+            <a:endParaRPr lang="en-US" sz="1200">
+              <a:latin typeface="Times New Roman" panose="02020603050405020304" pitchFamily="18" charset="0"/>
+              <a:cs typeface="Times New Roman" panose="02020603050405020304" pitchFamily="18" charset="0"/>
+            </a:endParaRPr>
+          </a:p>
+        </p:txBody>
+      </p:sp>
+      <p:sp>
+        <p:nvSpPr>
+          <p:cNvPr id="97" name="TextBox 96">
+            <a:extLst>
+              <a:ext uri="{FF2B5EF4-FFF2-40B4-BE49-F238E27FC236}">
+                <a16:creationId xmlns:a16="http://schemas.microsoft.com/office/drawing/2014/main" id="{5F2D2027-23AA-A6F4-612A-0756698634C7}"/>
+              </a:ext>
+            </a:extLst>
+          </p:cNvPr>
+          <p:cNvSpPr txBox="1"/>
+          <p:nvPr/>
+        </p:nvSpPr>
+        <p:spPr>
+          <a:xfrm>
+            <a:off x="5796832" y="2545642"/>
+            <a:ext cx="518161" cy="276999"/>
+          </a:xfrm>
+          <a:prstGeom prst="rect">
+            <a:avLst/>
+          </a:prstGeom>
+          <a:noFill/>
+        </p:spPr>
+        <p:txBody>
+          <a:bodyPr wrap="square" rtlCol="0">
+            <a:spAutoFit/>
+          </a:bodyPr>
+          <a:lstStyle/>
+          <a:p>
+            <a:r>
+              <a:rPr lang="en-US" sz="1200" err="1">
+                <a:latin typeface="Times New Roman" panose="02020603050405020304" pitchFamily="18" charset="0"/>
+                <a:cs typeface="Times New Roman" panose="02020603050405020304" pitchFamily="18" charset="0"/>
+              </a:rPr>
+              <a:t>ya</a:t>
+            </a:r>
+            <a:endParaRPr lang="en-US" sz="1200">
+              <a:latin typeface="Times New Roman" panose="02020603050405020304" pitchFamily="18" charset="0"/>
+              <a:cs typeface="Times New Roman" panose="02020603050405020304" pitchFamily="18" charset="0"/>
+            </a:endParaRPr>
+          </a:p>
+        </p:txBody>
+      </p:sp>
+      <p:sp>
+        <p:nvSpPr>
+          <p:cNvPr id="98" name="TextBox 97">
+            <a:extLst>
+              <a:ext uri="{FF2B5EF4-FFF2-40B4-BE49-F238E27FC236}">
+                <a16:creationId xmlns:a16="http://schemas.microsoft.com/office/drawing/2014/main" id="{897E3624-77BE-57F0-5946-223CD9A3F0B9}"/>
+              </a:ext>
+            </a:extLst>
+          </p:cNvPr>
+          <p:cNvSpPr txBox="1"/>
+          <p:nvPr/>
+        </p:nvSpPr>
+        <p:spPr>
+          <a:xfrm>
+            <a:off x="3644316" y="4783103"/>
+            <a:ext cx="518161" cy="276999"/>
+          </a:xfrm>
+          <a:prstGeom prst="rect">
+            <a:avLst/>
+          </a:prstGeom>
+          <a:noFill/>
+        </p:spPr>
+        <p:txBody>
+          <a:bodyPr wrap="square" rtlCol="0">
+            <a:spAutoFit/>
+          </a:bodyPr>
+          <a:lstStyle/>
+          <a:p>
+            <a:r>
+              <a:rPr lang="en-US" sz="1200" err="1">
+                <a:latin typeface="Times New Roman" panose="02020603050405020304" pitchFamily="18" charset="0"/>
+                <a:cs typeface="Times New Roman" panose="02020603050405020304" pitchFamily="18" charset="0"/>
+              </a:rPr>
+              <a:t>ya</a:t>
+            </a:r>
+            <a:endParaRPr lang="en-US" sz="1200">
+              <a:latin typeface="Times New Roman" panose="02020603050405020304" pitchFamily="18" charset="0"/>
+              <a:cs typeface="Times New Roman" panose="02020603050405020304" pitchFamily="18" charset="0"/>
+            </a:endParaRPr>
+          </a:p>
+        </p:txBody>
+      </p:sp>
+      <p:cxnSp>
+        <p:nvCxnSpPr>
+          <p:cNvPr id="102" name="Straight Arrow Connector 101">
+            <a:extLst>
+              <a:ext uri="{FF2B5EF4-FFF2-40B4-BE49-F238E27FC236}">
+                <a16:creationId xmlns:a16="http://schemas.microsoft.com/office/drawing/2014/main" id="{DA4644E7-7CEF-D09B-3BF8-677C803095D9}"/>
+              </a:ext>
+            </a:extLst>
+          </p:cNvPr>
+          <p:cNvCxnSpPr>
+            <a:cxnSpLocks/>
+            <a:endCxn id="67" idx="2"/>
+          </p:cNvCxnSpPr>
+          <p:nvPr/>
+        </p:nvCxnSpPr>
+        <p:spPr>
+          <a:xfrm>
+            <a:off x="2840378" y="5898221"/>
+            <a:ext cx="3314237" cy="1"/>
+          </a:xfrm>
+          <a:prstGeom prst="straightConnector1">
+            <a:avLst/>
+          </a:prstGeom>
+          <a:ln w="12700">
+            <a:solidFill>
+              <a:schemeClr val="tx1"/>
+            </a:solidFill>
+            <a:tailEnd type="triangle"/>
+          </a:ln>
+        </p:spPr>
+        <p:style>
+          <a:lnRef idx="1">
+            <a:schemeClr val="accent1"/>
+          </a:lnRef>
+          <a:fillRef idx="0">
+            <a:schemeClr val="accent1"/>
+          </a:fillRef>
+          <a:effectRef idx="0">
+            <a:schemeClr val="accent1"/>
+          </a:effectRef>
+          <a:fontRef idx="minor">
+            <a:schemeClr val="tx1"/>
+          </a:fontRef>
+        </p:style>
+      </p:cxnSp>
+      <p:cxnSp>
+        <p:nvCxnSpPr>
+          <p:cNvPr id="105" name="Straight Connector 104">
+            <a:extLst>
+              <a:ext uri="{FF2B5EF4-FFF2-40B4-BE49-F238E27FC236}">
+                <a16:creationId xmlns:a16="http://schemas.microsoft.com/office/drawing/2014/main" id="{2DE51BA4-750A-124D-6FD7-07B0CF90CBF6}"/>
+              </a:ext>
+            </a:extLst>
+          </p:cNvPr>
+          <p:cNvCxnSpPr>
+            <a:cxnSpLocks/>
+            <a:stCxn id="10" idx="2"/>
+          </p:cNvCxnSpPr>
+          <p:nvPr/>
+        </p:nvCxnSpPr>
+        <p:spPr>
+          <a:xfrm>
+            <a:off x="2822135" y="5432949"/>
+            <a:ext cx="8245" cy="465272"/>
+          </a:xfrm>
+          <a:prstGeom prst="line">
+            <a:avLst/>
+          </a:prstGeom>
+          <a:ln w="12700">
+            <a:solidFill>
+              <a:schemeClr val="tx1"/>
+            </a:solidFill>
+          </a:ln>
+        </p:spPr>
+        <p:style>
+          <a:lnRef idx="1">
+            <a:schemeClr val="accent1"/>
+          </a:lnRef>
+          <a:fillRef idx="0">
+            <a:schemeClr val="accent1"/>
+          </a:fillRef>
+          <a:effectRef idx="0">
+            <a:schemeClr val="accent1"/>
+          </a:effectRef>
+          <a:fontRef idx="minor">
+            <a:schemeClr val="tx1"/>
+          </a:fontRef>
+        </p:style>
+      </p:cxnSp>
+      <p:sp>
+        <p:nvSpPr>
+          <p:cNvPr id="108" name="TextBox 107">
+            <a:extLst>
+              <a:ext uri="{FF2B5EF4-FFF2-40B4-BE49-F238E27FC236}">
+                <a16:creationId xmlns:a16="http://schemas.microsoft.com/office/drawing/2014/main" id="{B44DD237-50AC-8FAF-B3BF-F7888E2E4D35}"/>
+              </a:ext>
+            </a:extLst>
+          </p:cNvPr>
+          <p:cNvSpPr txBox="1"/>
+          <p:nvPr/>
+        </p:nvSpPr>
+        <p:spPr>
+          <a:xfrm>
+            <a:off x="2329374" y="5500620"/>
+            <a:ext cx="518161" cy="276999"/>
+          </a:xfrm>
+          <a:prstGeom prst="rect">
+            <a:avLst/>
+          </a:prstGeom>
+          <a:noFill/>
+        </p:spPr>
+        <p:txBody>
+          <a:bodyPr wrap="square" rtlCol="0">
+            <a:spAutoFit/>
+          </a:bodyPr>
+          <a:lstStyle/>
+          <a:p>
+            <a:r>
+              <a:rPr lang="en-US" sz="1200" err="1">
+                <a:latin typeface="Times New Roman" panose="02020603050405020304" pitchFamily="18" charset="0"/>
+                <a:cs typeface="Times New Roman" panose="02020603050405020304" pitchFamily="18" charset="0"/>
+              </a:rPr>
+              <a:t>tidak</a:t>
+            </a:r>
+            <a:endParaRPr lang="en-US" sz="1200">
+              <a:latin typeface="Times New Roman" panose="02020603050405020304" pitchFamily="18" charset="0"/>
+              <a:cs typeface="Times New Roman" panose="02020603050405020304" pitchFamily="18" charset="0"/>
+            </a:endParaRPr>
+          </a:p>
+        </p:txBody>
+      </p:sp>
+    </p:spTree>
+    <p:extLst>
+      <p:ext uri="{BB962C8B-B14F-4D97-AF65-F5344CB8AC3E}">
+        <p14:creationId xmlns:p14="http://schemas.microsoft.com/office/powerpoint/2010/main" val="716387312"/>
       </p:ext>
     </p:extLst>
   </p:cSld>
